--- a/PPTs/05 Core Modules.pptx
+++ b/PPTs/05 Core Modules.pptx
@@ -5491,7 +5491,7 @@
             <a:pPr algn="ctr"/>
             <a:r>
               <a:rPr lang="en-US" sz="1600" dirty="0"/>
-              <a:t>Prints 257. Why ?</a:t>
+              <a:t>Prints 257 Why ?</a:t>
             </a:r>
           </a:p>
         </p:txBody>
@@ -6760,7 +6760,7 @@
           <a:p>
             <a:r>
               <a:rPr lang="en-US" dirty="0"/>
-              <a:t>Writing data bigger than 1 byte </a:t>
+              <a:t>Writing data larger than 1 byte </a:t>
             </a:r>
             <a:r>
               <a:rPr lang="en-US" dirty="0">
@@ -6790,7 +6790,7 @@
         </p:nvSpPr>
         <p:spPr>
           <a:xfrm>
-            <a:off x="2286000" y="2967335"/>
+            <a:off x="3203848" y="3068960"/>
             <a:ext cx="4572000" cy="1477328"/>
           </a:xfrm>
           <a:prstGeom prst="rect">
@@ -7126,7 +7126,7 @@
         </p:nvSpPr>
         <p:spPr>
           <a:xfrm>
-            <a:off x="179512" y="3861048"/>
+            <a:off x="801499" y="3848100"/>
             <a:ext cx="1583721" cy="1043622"/>
           </a:xfrm>
           <a:prstGeom prst="roundRect">
@@ -7179,8 +7179,8 @@
         </p:nvCxnSpPr>
         <p:spPr>
           <a:xfrm flipV="1">
-            <a:off x="1763233" y="3705999"/>
-            <a:ext cx="522767" cy="676860"/>
+            <a:off x="2385220" y="3807624"/>
+            <a:ext cx="818628" cy="562287"/>
           </a:xfrm>
           <a:prstGeom prst="straightConnector1">
             <a:avLst/>

--- a/PPTs/05 Core Modules.pptx
+++ b/PPTs/05 Core Modules.pptx
@@ -5,7 +5,7 @@
     <p:sldMasterId id="2147483672" r:id="rId1"/>
   </p:sldMasterIdLst>
   <p:notesMasterIdLst>
-    <p:notesMasterId r:id="rId21"/>
+    <p:notesMasterId r:id="rId33"/>
   </p:notesMasterIdLst>
   <p:sldIdLst>
     <p:sldId id="256" r:id="rId2"/>
@@ -27,6 +27,18 @@
     <p:sldId id="323" r:id="rId18"/>
     <p:sldId id="324" r:id="rId19"/>
     <p:sldId id="325" r:id="rId20"/>
+    <p:sldId id="328" r:id="rId21"/>
+    <p:sldId id="330" r:id="rId22"/>
+    <p:sldId id="334" r:id="rId23"/>
+    <p:sldId id="336" r:id="rId24"/>
+    <p:sldId id="337" r:id="rId25"/>
+    <p:sldId id="338" r:id="rId26"/>
+    <p:sldId id="331" r:id="rId27"/>
+    <p:sldId id="339" r:id="rId28"/>
+    <p:sldId id="332" r:id="rId29"/>
+    <p:sldId id="333" r:id="rId30"/>
+    <p:sldId id="335" r:id="rId31"/>
+    <p:sldId id="329" r:id="rId32"/>
   </p:sldIdLst>
   <p:sldSz cx="9144000" cy="6858000" type="screen4x3"/>
   <p:notesSz cx="6858000" cy="9144000"/>
@@ -149,6 +161,18 @@
             <p14:sldId id="323"/>
             <p14:sldId id="324"/>
             <p14:sldId id="325"/>
+            <p14:sldId id="328"/>
+            <p14:sldId id="330"/>
+            <p14:sldId id="334"/>
+            <p14:sldId id="336"/>
+            <p14:sldId id="337"/>
+            <p14:sldId id="338"/>
+            <p14:sldId id="331"/>
+            <p14:sldId id="339"/>
+            <p14:sldId id="332"/>
+            <p14:sldId id="333"/>
+            <p14:sldId id="335"/>
+            <p14:sldId id="329"/>
           </p14:sldIdLst>
         </p14:section>
       </p14:sectionLst>
@@ -254,7 +278,7 @@
             <a:fld id="{BC6FC07C-0485-40B9-BC68-01FB6F3C1F19}" type="datetimeFigureOut">
               <a:rPr lang="en-US" smtClean="0"/>
               <a:pPr/>
-              <a:t>3/25/2018</a:t>
+              <a:t>3/27/2018</a:t>
             </a:fld>
             <a:endParaRPr lang="en-US"/>
           </a:p>
@@ -4792,10 +4816,18 @@
               <a:t>An array-like view of an underline </a:t>
             </a:r>
             <a:r>
-              <a:rPr lang="en-US" dirty="0" err="1"/>
+              <a:rPr lang="en-US" dirty="0" err="1">
+                <a:solidFill>
+                  <a:srgbClr val="FF0000"/>
+                </a:solidFill>
+              </a:rPr>
               <a:t>ArrayBuffer</a:t>
             </a:r>
-            <a:endParaRPr lang="en-US" dirty="0"/>
+            <a:endParaRPr lang="en-US" dirty="0">
+              <a:solidFill>
+                <a:srgbClr val="FF0000"/>
+              </a:solidFill>
+            </a:endParaRPr>
           </a:p>
           <a:p>
             <a:r>
@@ -5770,6 +5802,15 @@
                 <a:sym typeface="Wingdings" panose="05000000000000000000" pitchFamily="2" charset="2"/>
               </a:rPr>
               <a:t>Outside of V8 heap</a:t>
+            </a:r>
+          </a:p>
+          <a:p>
+            <a:pPr lvl="1"/>
+            <a:r>
+              <a:rPr lang="en-US" dirty="0">
+                <a:sym typeface="Wingdings" panose="05000000000000000000" pitchFamily="2" charset="2"/>
+              </a:rPr>
+              <a:t>More optimized than Uint8Array</a:t>
             </a:r>
             <a:endParaRPr lang="he-IL" dirty="0"/>
           </a:p>
@@ -7347,8 +7388,11 @@
           <a:p>
             <a:r>
               <a:rPr lang="en-US" dirty="0"/>
-              <a:t>Can be easily transformed</a:t>
-            </a:r>
+              <a:t>Can be easily transformed from one to the other</a:t>
+            </a:r>
+          </a:p>
+          <a:p>
+            <a:endParaRPr lang="en-US" dirty="0"/>
           </a:p>
           <a:p>
             <a:endParaRPr lang="en-US" dirty="0"/>
@@ -7392,7 +7436,7 @@
         </p:nvSpPr>
         <p:spPr>
           <a:xfrm>
-            <a:off x="2951820" y="2204864"/>
+            <a:off x="2951820" y="2420888"/>
             <a:ext cx="3240360" cy="923330"/>
           </a:xfrm>
           <a:prstGeom prst="rect">
@@ -8854,7 +8898,7 @@
           <a:p>
             <a:r>
               <a:rPr lang="en-US" dirty="0"/>
-              <a:t>In some cases Node.js creates a new buffer instance which is a view over the raw data</a:t>
+              <a:t>In some cases a buffer instance is just a view over the raw data</a:t>
             </a:r>
             <a:endParaRPr lang="he-IL" dirty="0"/>
           </a:p>
@@ -10240,10 +10284,9 @@
           </a:p>
           <a:p>
             <a:r>
-              <a:rPr lang="en-US" dirty="0" err="1"/>
-              <a:t>EventEmitter</a:t>
-            </a:r>
-            <a:endParaRPr lang="en-US" dirty="0"/>
+              <a:rPr lang="en-US" dirty="0"/>
+              <a:t>Event Emitter</a:t>
+            </a:r>
           </a:p>
           <a:p>
             <a:r>
@@ -10321,6 +10364,7218 @@
         </p:txBody>
       </p:sp>
     </p:spTree>
+  </p:cSld>
+  <p:clrMapOvr>
+    <a:masterClrMapping/>
+  </p:clrMapOvr>
+</p:sld>
+</file>
+
+<file path=ppt/slides/slide20.xml><?xml version="1.0" encoding="utf-8"?>
+<p:sld xmlns:a="http://schemas.openxmlformats.org/drawingml/2006/main" xmlns:r="http://schemas.openxmlformats.org/officeDocument/2006/relationships" xmlns:p="http://schemas.openxmlformats.org/presentationml/2006/main">
+  <p:cSld>
+    <p:spTree>
+      <p:nvGrpSpPr>
+        <p:cNvPr id="1" name=""/>
+        <p:cNvGrpSpPr/>
+        <p:nvPr/>
+      </p:nvGrpSpPr>
+      <p:grpSpPr>
+        <a:xfrm>
+          <a:off x="0" y="0"/>
+          <a:ext cx="0" cy="0"/>
+          <a:chOff x="0" y="0"/>
+          <a:chExt cx="0" cy="0"/>
+        </a:xfrm>
+      </p:grpSpPr>
+      <p:sp>
+        <p:nvSpPr>
+          <p:cNvPr id="2" name="Title 1">
+            <a:extLst>
+              <a:ext uri="{FF2B5EF4-FFF2-40B4-BE49-F238E27FC236}">
+                <a16:creationId xmlns:a16="http://schemas.microsoft.com/office/drawing/2014/main" id="{67278240-969F-4F45-BA5A-DE1DED217273}"/>
+              </a:ext>
+            </a:extLst>
+          </p:cNvPr>
+          <p:cNvSpPr>
+            <a:spLocks noGrp="1"/>
+          </p:cNvSpPr>
+          <p:nvPr>
+            <p:ph type="title"/>
+          </p:nvPr>
+        </p:nvSpPr>
+        <p:spPr/>
+        <p:txBody>
+          <a:bodyPr/>
+          <a:lstStyle/>
+          <a:p>
+            <a:r>
+              <a:rPr lang="en-US" dirty="0"/>
+              <a:t>Type of Streams</a:t>
+            </a:r>
+          </a:p>
+        </p:txBody>
+      </p:sp>
+      <p:sp>
+        <p:nvSpPr>
+          <p:cNvPr id="3" name="Footer Placeholder 2">
+            <a:extLst>
+              <a:ext uri="{FF2B5EF4-FFF2-40B4-BE49-F238E27FC236}">
+                <a16:creationId xmlns:a16="http://schemas.microsoft.com/office/drawing/2014/main" id="{92A48409-7544-473A-81A7-D7682922B321}"/>
+              </a:ext>
+            </a:extLst>
+          </p:cNvPr>
+          <p:cNvSpPr>
+            <a:spLocks noGrp="1"/>
+          </p:cNvSpPr>
+          <p:nvPr>
+            <p:ph type="ftr" sz="quarter" idx="11"/>
+          </p:nvPr>
+        </p:nvSpPr>
+        <p:spPr/>
+        <p:txBody>
+          <a:bodyPr/>
+          <a:lstStyle/>
+          <a:p>
+            <a:r>
+              <a:rPr lang="en-US"/>
+              <a:t>© 2017 Ori Calvo</a:t>
+            </a:r>
+            <a:endParaRPr lang="en-US" dirty="0"/>
+          </a:p>
+        </p:txBody>
+      </p:sp>
+      <p:sp>
+        <p:nvSpPr>
+          <p:cNvPr id="4" name="Slide Number Placeholder 3">
+            <a:extLst>
+              <a:ext uri="{FF2B5EF4-FFF2-40B4-BE49-F238E27FC236}">
+                <a16:creationId xmlns:a16="http://schemas.microsoft.com/office/drawing/2014/main" id="{9DCC56AC-E96C-48E6-A479-369AAE59ED88}"/>
+              </a:ext>
+            </a:extLst>
+          </p:cNvPr>
+          <p:cNvSpPr>
+            <a:spLocks noGrp="1"/>
+          </p:cNvSpPr>
+          <p:nvPr>
+            <p:ph type="sldNum" sz="quarter" idx="12"/>
+          </p:nvPr>
+        </p:nvSpPr>
+        <p:spPr/>
+        <p:txBody>
+          <a:bodyPr>
+            <a:normAutofit fontScale="85000" lnSpcReduction="20000"/>
+          </a:bodyPr>
+          <a:lstStyle/>
+          <a:p>
+            <a:fld id="{87B78B44-2135-4DB2-B732-E7D5FFF77B6A}" type="slidenum">
+              <a:rPr lang="en-US" smtClean="0"/>
+              <a:pPr/>
+              <a:t>20</a:t>
+            </a:fld>
+            <a:endParaRPr lang="en-US"/>
+          </a:p>
+        </p:txBody>
+      </p:sp>
+      <p:sp>
+        <p:nvSpPr>
+          <p:cNvPr id="5" name="Content Placeholder 4">
+            <a:extLst>
+              <a:ext uri="{FF2B5EF4-FFF2-40B4-BE49-F238E27FC236}">
+                <a16:creationId xmlns:a16="http://schemas.microsoft.com/office/drawing/2014/main" id="{12CF8CF3-7EAE-41D7-9127-FCCAFA8A93B0}"/>
+              </a:ext>
+            </a:extLst>
+          </p:cNvPr>
+          <p:cNvSpPr>
+            <a:spLocks noGrp="1"/>
+          </p:cNvSpPr>
+          <p:nvPr>
+            <p:ph sz="quarter" idx="1"/>
+          </p:nvPr>
+        </p:nvSpPr>
+        <p:spPr/>
+        <p:txBody>
+          <a:bodyPr/>
+          <a:lstStyle/>
+          <a:p>
+            <a:r>
+              <a:rPr lang="en-US" dirty="0"/>
+              <a:t>Readable</a:t>
+            </a:r>
+          </a:p>
+          <a:p>
+            <a:r>
+              <a:rPr lang="en-US" dirty="0"/>
+              <a:t>Writable</a:t>
+            </a:r>
+          </a:p>
+          <a:p>
+            <a:r>
+              <a:rPr lang="en-US" dirty="0"/>
+              <a:t>Duplex</a:t>
+            </a:r>
+          </a:p>
+          <a:p>
+            <a:r>
+              <a:rPr lang="en-US" dirty="0"/>
+              <a:t>Transform</a:t>
+            </a:r>
+          </a:p>
+        </p:txBody>
+      </p:sp>
+      <p:grpSp>
+        <p:nvGrpSpPr>
+          <p:cNvPr id="20" name="Group 19">
+            <a:extLst>
+              <a:ext uri="{FF2B5EF4-FFF2-40B4-BE49-F238E27FC236}">
+                <a16:creationId xmlns:a16="http://schemas.microsoft.com/office/drawing/2014/main" id="{3215D4B0-3C22-4347-B084-107D4A9519B0}"/>
+              </a:ext>
+            </a:extLst>
+          </p:cNvPr>
+          <p:cNvGrpSpPr/>
+          <p:nvPr/>
+        </p:nvGrpSpPr>
+        <p:grpSpPr>
+          <a:xfrm>
+            <a:off x="4211960" y="2118806"/>
+            <a:ext cx="3240360" cy="4049202"/>
+            <a:chOff x="4211960" y="2118806"/>
+            <a:chExt cx="3240360" cy="4049202"/>
+          </a:xfrm>
+        </p:grpSpPr>
+        <p:sp>
+          <p:nvSpPr>
+            <p:cNvPr id="6" name="Rectangle: Rounded Corners 5">
+              <a:extLst>
+                <a:ext uri="{FF2B5EF4-FFF2-40B4-BE49-F238E27FC236}">
+                  <a16:creationId xmlns:a16="http://schemas.microsoft.com/office/drawing/2014/main" id="{BEC5335C-D160-44E4-BBE1-88F89ECACEE7}"/>
+                </a:ext>
+              </a:extLst>
+            </p:cNvPr>
+            <p:cNvSpPr/>
+            <p:nvPr/>
+          </p:nvSpPr>
+          <p:spPr>
+            <a:xfrm>
+              <a:off x="4211960" y="3212976"/>
+              <a:ext cx="1368152" cy="576064"/>
+            </a:xfrm>
+            <a:prstGeom prst="roundRect">
+              <a:avLst/>
+            </a:prstGeom>
+          </p:spPr>
+          <p:style>
+            <a:lnRef idx="2">
+              <a:schemeClr val="accent1">
+                <a:shade val="50000"/>
+              </a:schemeClr>
+            </a:lnRef>
+            <a:fillRef idx="1">
+              <a:schemeClr val="accent1"/>
+            </a:fillRef>
+            <a:effectRef idx="0">
+              <a:schemeClr val="accent1"/>
+            </a:effectRef>
+            <a:fontRef idx="minor">
+              <a:schemeClr val="lt1"/>
+            </a:fontRef>
+          </p:style>
+          <p:txBody>
+            <a:bodyPr rtlCol="0" anchor="ctr"/>
+            <a:lstStyle/>
+            <a:p>
+              <a:pPr algn="ctr"/>
+              <a:r>
+                <a:rPr lang="en-US" dirty="0"/>
+                <a:t>Readable</a:t>
+              </a:r>
+            </a:p>
+          </p:txBody>
+        </p:sp>
+        <p:sp>
+          <p:nvSpPr>
+            <p:cNvPr id="7" name="Rectangle: Rounded Corners 6">
+              <a:extLst>
+                <a:ext uri="{FF2B5EF4-FFF2-40B4-BE49-F238E27FC236}">
+                  <a16:creationId xmlns:a16="http://schemas.microsoft.com/office/drawing/2014/main" id="{BC493255-6A9F-4866-813C-2AB5E8562AFF}"/>
+                </a:ext>
+              </a:extLst>
+            </p:cNvPr>
+            <p:cNvSpPr/>
+            <p:nvPr/>
+          </p:nvSpPr>
+          <p:spPr>
+            <a:xfrm>
+              <a:off x="6084168" y="3212976"/>
+              <a:ext cx="1368152" cy="576064"/>
+            </a:xfrm>
+            <a:prstGeom prst="roundRect">
+              <a:avLst/>
+            </a:prstGeom>
+          </p:spPr>
+          <p:style>
+            <a:lnRef idx="2">
+              <a:schemeClr val="accent1">
+                <a:shade val="50000"/>
+              </a:schemeClr>
+            </a:lnRef>
+            <a:fillRef idx="1">
+              <a:schemeClr val="accent1"/>
+            </a:fillRef>
+            <a:effectRef idx="0">
+              <a:schemeClr val="accent1"/>
+            </a:effectRef>
+            <a:fontRef idx="minor">
+              <a:schemeClr val="lt1"/>
+            </a:fontRef>
+          </p:style>
+          <p:txBody>
+            <a:bodyPr rtlCol="0" anchor="ctr"/>
+            <a:lstStyle/>
+            <a:p>
+              <a:pPr algn="ctr"/>
+              <a:r>
+                <a:rPr lang="en-US" dirty="0"/>
+                <a:t>Writable</a:t>
+              </a:r>
+            </a:p>
+          </p:txBody>
+        </p:sp>
+        <p:sp>
+          <p:nvSpPr>
+            <p:cNvPr id="8" name="Rectangle: Rounded Corners 7">
+              <a:extLst>
+                <a:ext uri="{FF2B5EF4-FFF2-40B4-BE49-F238E27FC236}">
+                  <a16:creationId xmlns:a16="http://schemas.microsoft.com/office/drawing/2014/main" id="{01623786-A9A9-4F9A-BB3D-41822B8A96D1}"/>
+                </a:ext>
+              </a:extLst>
+            </p:cNvPr>
+            <p:cNvSpPr/>
+            <p:nvPr/>
+          </p:nvSpPr>
+          <p:spPr>
+            <a:xfrm>
+              <a:off x="5221492" y="4402460"/>
+              <a:ext cx="1368152" cy="576064"/>
+            </a:xfrm>
+            <a:prstGeom prst="roundRect">
+              <a:avLst/>
+            </a:prstGeom>
+          </p:spPr>
+          <p:style>
+            <a:lnRef idx="2">
+              <a:schemeClr val="accent1">
+                <a:shade val="50000"/>
+              </a:schemeClr>
+            </a:lnRef>
+            <a:fillRef idx="1">
+              <a:schemeClr val="accent1"/>
+            </a:fillRef>
+            <a:effectRef idx="0">
+              <a:schemeClr val="accent1"/>
+            </a:effectRef>
+            <a:fontRef idx="minor">
+              <a:schemeClr val="lt1"/>
+            </a:fontRef>
+          </p:style>
+          <p:txBody>
+            <a:bodyPr rtlCol="0" anchor="ctr"/>
+            <a:lstStyle/>
+            <a:p>
+              <a:pPr algn="ctr"/>
+              <a:r>
+                <a:rPr lang="en-US" dirty="0"/>
+                <a:t>Duplex</a:t>
+              </a:r>
+            </a:p>
+          </p:txBody>
+        </p:sp>
+        <p:sp>
+          <p:nvSpPr>
+            <p:cNvPr id="9" name="Rectangle: Rounded Corners 8">
+              <a:extLst>
+                <a:ext uri="{FF2B5EF4-FFF2-40B4-BE49-F238E27FC236}">
+                  <a16:creationId xmlns:a16="http://schemas.microsoft.com/office/drawing/2014/main" id="{33875AFB-B42A-4E48-858F-C54A2B9E6F63}"/>
+                </a:ext>
+              </a:extLst>
+            </p:cNvPr>
+            <p:cNvSpPr/>
+            <p:nvPr/>
+          </p:nvSpPr>
+          <p:spPr>
+            <a:xfrm>
+              <a:off x="5221492" y="5591944"/>
+              <a:ext cx="1368152" cy="576064"/>
+            </a:xfrm>
+            <a:prstGeom prst="roundRect">
+              <a:avLst/>
+            </a:prstGeom>
+          </p:spPr>
+          <p:style>
+            <a:lnRef idx="2">
+              <a:schemeClr val="accent1">
+                <a:shade val="50000"/>
+              </a:schemeClr>
+            </a:lnRef>
+            <a:fillRef idx="1">
+              <a:schemeClr val="accent1"/>
+            </a:fillRef>
+            <a:effectRef idx="0">
+              <a:schemeClr val="accent1"/>
+            </a:effectRef>
+            <a:fontRef idx="minor">
+              <a:schemeClr val="lt1"/>
+            </a:fontRef>
+          </p:style>
+          <p:txBody>
+            <a:bodyPr rtlCol="0" anchor="ctr"/>
+            <a:lstStyle/>
+            <a:p>
+              <a:pPr algn="ctr"/>
+              <a:r>
+                <a:rPr lang="en-US" dirty="0"/>
+                <a:t>Transform</a:t>
+              </a:r>
+            </a:p>
+          </p:txBody>
+        </p:sp>
+        <p:cxnSp>
+          <p:nvCxnSpPr>
+            <p:cNvPr id="11" name="Straight Arrow Connector 10">
+              <a:extLst>
+                <a:ext uri="{FF2B5EF4-FFF2-40B4-BE49-F238E27FC236}">
+                  <a16:creationId xmlns:a16="http://schemas.microsoft.com/office/drawing/2014/main" id="{3A7C1B43-E429-4BB7-BF9E-1B3DF4282A04}"/>
+                </a:ext>
+              </a:extLst>
+            </p:cNvPr>
+            <p:cNvCxnSpPr>
+              <a:cxnSpLocks/>
+              <a:stCxn id="8" idx="0"/>
+              <a:endCxn id="6" idx="2"/>
+            </p:cNvCxnSpPr>
+            <p:nvPr/>
+          </p:nvCxnSpPr>
+          <p:spPr>
+            <a:xfrm flipH="1" flipV="1">
+              <a:off x="4896036" y="3789040"/>
+              <a:ext cx="1009532" cy="613420"/>
+            </a:xfrm>
+            <a:prstGeom prst="straightConnector1">
+              <a:avLst/>
+            </a:prstGeom>
+            <a:ln w="25400">
+              <a:tailEnd type="triangle"/>
+            </a:ln>
+          </p:spPr>
+          <p:style>
+            <a:lnRef idx="1">
+              <a:schemeClr val="accent1"/>
+            </a:lnRef>
+            <a:fillRef idx="0">
+              <a:schemeClr val="accent1"/>
+            </a:fillRef>
+            <a:effectRef idx="0">
+              <a:schemeClr val="accent1"/>
+            </a:effectRef>
+            <a:fontRef idx="minor">
+              <a:schemeClr val="tx1"/>
+            </a:fontRef>
+          </p:style>
+        </p:cxnSp>
+        <p:cxnSp>
+          <p:nvCxnSpPr>
+            <p:cNvPr id="14" name="Straight Arrow Connector 13">
+              <a:extLst>
+                <a:ext uri="{FF2B5EF4-FFF2-40B4-BE49-F238E27FC236}">
+                  <a16:creationId xmlns:a16="http://schemas.microsoft.com/office/drawing/2014/main" id="{4B2E22F2-B3DD-420B-BE5A-D74FD44AF636}"/>
+                </a:ext>
+              </a:extLst>
+            </p:cNvPr>
+            <p:cNvCxnSpPr>
+              <a:cxnSpLocks/>
+              <a:stCxn id="8" idx="0"/>
+              <a:endCxn id="7" idx="2"/>
+            </p:cNvCxnSpPr>
+            <p:nvPr/>
+          </p:nvCxnSpPr>
+          <p:spPr>
+            <a:xfrm flipV="1">
+              <a:off x="5905568" y="3789040"/>
+              <a:ext cx="862676" cy="613420"/>
+            </a:xfrm>
+            <a:prstGeom prst="straightConnector1">
+              <a:avLst/>
+            </a:prstGeom>
+            <a:ln w="25400">
+              <a:tailEnd type="triangle"/>
+            </a:ln>
+          </p:spPr>
+          <p:style>
+            <a:lnRef idx="1">
+              <a:schemeClr val="accent1"/>
+            </a:lnRef>
+            <a:fillRef idx="0">
+              <a:schemeClr val="accent1"/>
+            </a:fillRef>
+            <a:effectRef idx="0">
+              <a:schemeClr val="accent1"/>
+            </a:effectRef>
+            <a:fontRef idx="minor">
+              <a:schemeClr val="tx1"/>
+            </a:fontRef>
+          </p:style>
+        </p:cxnSp>
+        <p:cxnSp>
+          <p:nvCxnSpPr>
+            <p:cNvPr id="19" name="Straight Arrow Connector 18">
+              <a:extLst>
+                <a:ext uri="{FF2B5EF4-FFF2-40B4-BE49-F238E27FC236}">
+                  <a16:creationId xmlns:a16="http://schemas.microsoft.com/office/drawing/2014/main" id="{27E73566-8B6B-4942-9A15-EBBB0929EBA6}"/>
+                </a:ext>
+              </a:extLst>
+            </p:cNvPr>
+            <p:cNvCxnSpPr>
+              <a:cxnSpLocks/>
+              <a:stCxn id="9" idx="0"/>
+              <a:endCxn id="8" idx="2"/>
+            </p:cNvCxnSpPr>
+            <p:nvPr/>
+          </p:nvCxnSpPr>
+          <p:spPr>
+            <a:xfrm flipV="1">
+              <a:off x="5905568" y="4978524"/>
+              <a:ext cx="0" cy="613420"/>
+            </a:xfrm>
+            <a:prstGeom prst="straightConnector1">
+              <a:avLst/>
+            </a:prstGeom>
+            <a:ln w="25400">
+              <a:tailEnd type="triangle"/>
+            </a:ln>
+          </p:spPr>
+          <p:style>
+            <a:lnRef idx="1">
+              <a:schemeClr val="accent1"/>
+            </a:lnRef>
+            <a:fillRef idx="0">
+              <a:schemeClr val="accent1"/>
+            </a:fillRef>
+            <a:effectRef idx="0">
+              <a:schemeClr val="accent1"/>
+            </a:effectRef>
+            <a:fontRef idx="minor">
+              <a:schemeClr val="tx1"/>
+            </a:fontRef>
+          </p:style>
+        </p:cxnSp>
+        <p:sp>
+          <p:nvSpPr>
+            <p:cNvPr id="15" name="Rectangle: Rounded Corners 14">
+              <a:extLst>
+                <a:ext uri="{FF2B5EF4-FFF2-40B4-BE49-F238E27FC236}">
+                  <a16:creationId xmlns:a16="http://schemas.microsoft.com/office/drawing/2014/main" id="{CEF4B965-5F26-4D9D-9E2C-2F203A88EF80}"/>
+                </a:ext>
+              </a:extLst>
+            </p:cNvPr>
+            <p:cNvSpPr/>
+            <p:nvPr/>
+          </p:nvSpPr>
+          <p:spPr>
+            <a:xfrm>
+              <a:off x="5221492" y="2118806"/>
+              <a:ext cx="1368152" cy="576064"/>
+            </a:xfrm>
+            <a:prstGeom prst="roundRect">
+              <a:avLst/>
+            </a:prstGeom>
+          </p:spPr>
+          <p:style>
+            <a:lnRef idx="2">
+              <a:schemeClr val="accent1">
+                <a:shade val="50000"/>
+              </a:schemeClr>
+            </a:lnRef>
+            <a:fillRef idx="1">
+              <a:schemeClr val="accent1"/>
+            </a:fillRef>
+            <a:effectRef idx="0">
+              <a:schemeClr val="accent1"/>
+            </a:effectRef>
+            <a:fontRef idx="minor">
+              <a:schemeClr val="lt1"/>
+            </a:fontRef>
+          </p:style>
+          <p:txBody>
+            <a:bodyPr rtlCol="0" anchor="ctr"/>
+            <a:lstStyle/>
+            <a:p>
+              <a:pPr algn="ctr"/>
+              <a:r>
+                <a:rPr lang="en-US" dirty="0" err="1"/>
+                <a:t>EventEmitter</a:t>
+              </a:r>
+              <a:endParaRPr lang="en-US" dirty="0"/>
+            </a:p>
+          </p:txBody>
+        </p:sp>
+        <p:cxnSp>
+          <p:nvCxnSpPr>
+            <p:cNvPr id="16" name="Straight Arrow Connector 15">
+              <a:extLst>
+                <a:ext uri="{FF2B5EF4-FFF2-40B4-BE49-F238E27FC236}">
+                  <a16:creationId xmlns:a16="http://schemas.microsoft.com/office/drawing/2014/main" id="{122E5EBB-0CA8-4484-A7D2-5755BCB4BE86}"/>
+                </a:ext>
+              </a:extLst>
+            </p:cNvPr>
+            <p:cNvCxnSpPr>
+              <a:cxnSpLocks/>
+              <a:stCxn id="6" idx="0"/>
+              <a:endCxn id="15" idx="2"/>
+            </p:cNvCxnSpPr>
+            <p:nvPr/>
+          </p:nvCxnSpPr>
+          <p:spPr>
+            <a:xfrm flipV="1">
+              <a:off x="4896036" y="2694870"/>
+              <a:ext cx="1009532" cy="518106"/>
+            </a:xfrm>
+            <a:prstGeom prst="straightConnector1">
+              <a:avLst/>
+            </a:prstGeom>
+            <a:ln w="25400">
+              <a:tailEnd type="triangle"/>
+            </a:ln>
+          </p:spPr>
+          <p:style>
+            <a:lnRef idx="1">
+              <a:schemeClr val="accent1"/>
+            </a:lnRef>
+            <a:fillRef idx="0">
+              <a:schemeClr val="accent1"/>
+            </a:fillRef>
+            <a:effectRef idx="0">
+              <a:schemeClr val="accent1"/>
+            </a:effectRef>
+            <a:fontRef idx="minor">
+              <a:schemeClr val="tx1"/>
+            </a:fontRef>
+          </p:style>
+        </p:cxnSp>
+        <p:cxnSp>
+          <p:nvCxnSpPr>
+            <p:cNvPr id="18" name="Straight Arrow Connector 17">
+              <a:extLst>
+                <a:ext uri="{FF2B5EF4-FFF2-40B4-BE49-F238E27FC236}">
+                  <a16:creationId xmlns:a16="http://schemas.microsoft.com/office/drawing/2014/main" id="{718EDE60-101F-40E6-8FBB-5BA1DA37A034}"/>
+                </a:ext>
+              </a:extLst>
+            </p:cNvPr>
+            <p:cNvCxnSpPr>
+              <a:cxnSpLocks/>
+              <a:stCxn id="7" idx="0"/>
+              <a:endCxn id="15" idx="2"/>
+            </p:cNvCxnSpPr>
+            <p:nvPr/>
+          </p:nvCxnSpPr>
+          <p:spPr>
+            <a:xfrm flipH="1" flipV="1">
+              <a:off x="5905568" y="2694870"/>
+              <a:ext cx="862676" cy="518106"/>
+            </a:xfrm>
+            <a:prstGeom prst="straightConnector1">
+              <a:avLst/>
+            </a:prstGeom>
+            <a:ln w="25400">
+              <a:tailEnd type="triangle"/>
+            </a:ln>
+          </p:spPr>
+          <p:style>
+            <a:lnRef idx="1">
+              <a:schemeClr val="accent1"/>
+            </a:lnRef>
+            <a:fillRef idx="0">
+              <a:schemeClr val="accent1"/>
+            </a:fillRef>
+            <a:effectRef idx="0">
+              <a:schemeClr val="accent1"/>
+            </a:effectRef>
+            <a:fontRef idx="minor">
+              <a:schemeClr val="tx1"/>
+            </a:fontRef>
+          </p:style>
+        </p:cxnSp>
+      </p:grpSp>
+    </p:spTree>
+    <p:extLst>
+      <p:ext uri="{BB962C8B-B14F-4D97-AF65-F5344CB8AC3E}">
+        <p14:creationId xmlns:p14="http://schemas.microsoft.com/office/powerpoint/2010/main" val="1997839936"/>
+      </p:ext>
+    </p:extLst>
+  </p:cSld>
+  <p:clrMapOvr>
+    <a:masterClrMapping/>
+  </p:clrMapOvr>
+</p:sld>
+</file>
+
+<file path=ppt/slides/slide21.xml><?xml version="1.0" encoding="utf-8"?>
+<p:sld xmlns:a="http://schemas.openxmlformats.org/drawingml/2006/main" xmlns:r="http://schemas.openxmlformats.org/officeDocument/2006/relationships" xmlns:p="http://schemas.openxmlformats.org/presentationml/2006/main">
+  <p:cSld>
+    <p:spTree>
+      <p:nvGrpSpPr>
+        <p:cNvPr id="1" name=""/>
+        <p:cNvGrpSpPr/>
+        <p:nvPr/>
+      </p:nvGrpSpPr>
+      <p:grpSpPr>
+        <a:xfrm>
+          <a:off x="0" y="0"/>
+          <a:ext cx="0" cy="0"/>
+          <a:chOff x="0" y="0"/>
+          <a:chExt cx="0" cy="0"/>
+        </a:xfrm>
+      </p:grpSpPr>
+      <p:sp>
+        <p:nvSpPr>
+          <p:cNvPr id="2" name="Title 1">
+            <a:extLst>
+              <a:ext uri="{FF2B5EF4-FFF2-40B4-BE49-F238E27FC236}">
+                <a16:creationId xmlns:a16="http://schemas.microsoft.com/office/drawing/2014/main" id="{23A9B1AA-270C-40FF-B531-A1B41C5D7060}"/>
+              </a:ext>
+            </a:extLst>
+          </p:cNvPr>
+          <p:cNvSpPr>
+            <a:spLocks noGrp="1"/>
+          </p:cNvSpPr>
+          <p:nvPr>
+            <p:ph type="title"/>
+          </p:nvPr>
+        </p:nvSpPr>
+        <p:spPr/>
+        <p:txBody>
+          <a:bodyPr/>
+          <a:lstStyle/>
+          <a:p>
+            <a:r>
+              <a:rPr lang="en-US" dirty="0"/>
+              <a:t>Consuming Readable Stream</a:t>
+            </a:r>
+            <a:endParaRPr lang="he-IL" dirty="0"/>
+          </a:p>
+        </p:txBody>
+      </p:sp>
+      <p:sp>
+        <p:nvSpPr>
+          <p:cNvPr id="3" name="Footer Placeholder 2">
+            <a:extLst>
+              <a:ext uri="{FF2B5EF4-FFF2-40B4-BE49-F238E27FC236}">
+                <a16:creationId xmlns:a16="http://schemas.microsoft.com/office/drawing/2014/main" id="{9995CDBF-F4BE-4290-9D87-821255485492}"/>
+              </a:ext>
+            </a:extLst>
+          </p:cNvPr>
+          <p:cNvSpPr>
+            <a:spLocks noGrp="1"/>
+          </p:cNvSpPr>
+          <p:nvPr>
+            <p:ph type="ftr" sz="quarter" idx="11"/>
+          </p:nvPr>
+        </p:nvSpPr>
+        <p:spPr/>
+        <p:txBody>
+          <a:bodyPr/>
+          <a:lstStyle/>
+          <a:p>
+            <a:r>
+              <a:rPr lang="en-US"/>
+              <a:t>© 2017 Ori Calvo</a:t>
+            </a:r>
+            <a:endParaRPr lang="en-US" dirty="0"/>
+          </a:p>
+        </p:txBody>
+      </p:sp>
+      <p:sp>
+        <p:nvSpPr>
+          <p:cNvPr id="4" name="Slide Number Placeholder 3">
+            <a:extLst>
+              <a:ext uri="{FF2B5EF4-FFF2-40B4-BE49-F238E27FC236}">
+                <a16:creationId xmlns:a16="http://schemas.microsoft.com/office/drawing/2014/main" id="{DA74F892-36BA-4684-8236-6D1F585163AA}"/>
+              </a:ext>
+            </a:extLst>
+          </p:cNvPr>
+          <p:cNvSpPr>
+            <a:spLocks noGrp="1"/>
+          </p:cNvSpPr>
+          <p:nvPr>
+            <p:ph type="sldNum" sz="quarter" idx="12"/>
+          </p:nvPr>
+        </p:nvSpPr>
+        <p:spPr/>
+        <p:txBody>
+          <a:bodyPr>
+            <a:normAutofit fontScale="85000" lnSpcReduction="20000"/>
+          </a:bodyPr>
+          <a:lstStyle/>
+          <a:p>
+            <a:fld id="{87B78B44-2135-4DB2-B732-E7D5FFF77B6A}" type="slidenum">
+              <a:rPr lang="en-US" smtClean="0"/>
+              <a:pPr/>
+              <a:t>21</a:t>
+            </a:fld>
+            <a:endParaRPr lang="en-US"/>
+          </a:p>
+        </p:txBody>
+      </p:sp>
+      <p:sp>
+        <p:nvSpPr>
+          <p:cNvPr id="5" name="Content Placeholder 4">
+            <a:extLst>
+              <a:ext uri="{FF2B5EF4-FFF2-40B4-BE49-F238E27FC236}">
+                <a16:creationId xmlns:a16="http://schemas.microsoft.com/office/drawing/2014/main" id="{F9BFC93C-C613-42D1-AFCF-AA62B90E3F54}"/>
+              </a:ext>
+            </a:extLst>
+          </p:cNvPr>
+          <p:cNvSpPr>
+            <a:spLocks noGrp="1"/>
+          </p:cNvSpPr>
+          <p:nvPr>
+            <p:ph sz="quarter" idx="1"/>
+          </p:nvPr>
+        </p:nvSpPr>
+        <p:spPr/>
+        <p:txBody>
+          <a:bodyPr/>
+          <a:lstStyle/>
+          <a:p>
+            <a:r>
+              <a:rPr lang="en-US" dirty="0"/>
+              <a:t>Readable stream beings at </a:t>
+            </a:r>
+            <a:r>
+              <a:rPr lang="en-US" dirty="0">
+                <a:solidFill>
+                  <a:srgbClr val="FF0000"/>
+                </a:solidFill>
+              </a:rPr>
+              <a:t>paused</a:t>
+            </a:r>
+            <a:r>
+              <a:rPr lang="en-US" dirty="0"/>
+              <a:t> state</a:t>
+            </a:r>
+          </a:p>
+          <a:p>
+            <a:r>
+              <a:rPr lang="en-US" dirty="0"/>
+              <a:t>Registering to </a:t>
+            </a:r>
+            <a:r>
+              <a:rPr lang="en-US" dirty="0">
+                <a:solidFill>
+                  <a:srgbClr val="FF0000"/>
+                </a:solidFill>
+              </a:rPr>
+              <a:t>data</a:t>
+            </a:r>
+            <a:r>
+              <a:rPr lang="en-US" dirty="0"/>
+              <a:t> event causes stream to switch to </a:t>
+            </a:r>
+            <a:r>
+              <a:rPr lang="en-US" dirty="0">
+                <a:solidFill>
+                  <a:srgbClr val="FF0000"/>
+                </a:solidFill>
+              </a:rPr>
+              <a:t>flowing mode</a:t>
+            </a:r>
+            <a:endParaRPr lang="he-IL" dirty="0">
+              <a:solidFill>
+                <a:srgbClr val="FF0000"/>
+              </a:solidFill>
+            </a:endParaRPr>
+          </a:p>
+        </p:txBody>
+      </p:sp>
+      <p:sp>
+        <p:nvSpPr>
+          <p:cNvPr id="6" name="Rectangle 5">
+            <a:extLst>
+              <a:ext uri="{FF2B5EF4-FFF2-40B4-BE49-F238E27FC236}">
+                <a16:creationId xmlns:a16="http://schemas.microsoft.com/office/drawing/2014/main" id="{9769AB79-FAE0-407E-AE39-527B48363B2A}"/>
+              </a:ext>
+            </a:extLst>
+          </p:cNvPr>
+          <p:cNvSpPr/>
+          <p:nvPr/>
+        </p:nvSpPr>
+        <p:spPr>
+          <a:xfrm>
+            <a:off x="2076085" y="3418344"/>
+            <a:ext cx="5226525" cy="2677656"/>
+          </a:xfrm>
+          <a:prstGeom prst="rect">
+            <a:avLst/>
+          </a:prstGeom>
+          <a:solidFill>
+            <a:schemeClr val="accent1">
+              <a:lumMod val="40000"/>
+              <a:lumOff val="60000"/>
+            </a:schemeClr>
+          </a:solidFill>
+        </p:spPr>
+        <p:txBody>
+          <a:bodyPr wrap="square">
+            <a:spAutoFit/>
+          </a:bodyPr>
+          <a:lstStyle/>
+          <a:p>
+            <a:r>
+              <a:rPr lang="en-US" sz="1400" b="1" dirty="0" err="1">
+                <a:solidFill>
+                  <a:srgbClr val="000080"/>
+                </a:solidFill>
+                <a:latin typeface="Courier New" panose="02070309020205020404" pitchFamily="49" charset="0"/>
+                <a:ea typeface="Times New Roman" panose="02020603050405020304" pitchFamily="18" charset="0"/>
+              </a:rPr>
+              <a:t>const</a:t>
+            </a:r>
+            <a:r>
+              <a:rPr lang="en-US" sz="1400" b="1" dirty="0">
+                <a:solidFill>
+                  <a:srgbClr val="000080"/>
+                </a:solidFill>
+                <a:latin typeface="Courier New" panose="02070309020205020404" pitchFamily="49" charset="0"/>
+                <a:ea typeface="Times New Roman" panose="02020603050405020304" pitchFamily="18" charset="0"/>
+              </a:rPr>
+              <a:t> </a:t>
+            </a:r>
+            <a:r>
+              <a:rPr lang="en-US" sz="1400" dirty="0">
+                <a:solidFill>
+                  <a:srgbClr val="458383"/>
+                </a:solidFill>
+                <a:latin typeface="Courier New" panose="02070309020205020404" pitchFamily="49" charset="0"/>
+                <a:ea typeface="Times New Roman" panose="02020603050405020304" pitchFamily="18" charset="0"/>
+              </a:rPr>
+              <a:t>fs </a:t>
+            </a:r>
+            <a:r>
+              <a:rPr lang="en-US" sz="1400" dirty="0">
+                <a:solidFill>
+                  <a:srgbClr val="000000"/>
+                </a:solidFill>
+                <a:latin typeface="Courier New" panose="02070309020205020404" pitchFamily="49" charset="0"/>
+                <a:ea typeface="Times New Roman" panose="02020603050405020304" pitchFamily="18" charset="0"/>
+              </a:rPr>
+              <a:t>= require(</a:t>
+            </a:r>
+            <a:r>
+              <a:rPr lang="en-US" sz="1400" b="1" dirty="0">
+                <a:solidFill>
+                  <a:srgbClr val="008000"/>
+                </a:solidFill>
+                <a:latin typeface="Courier New" panose="02070309020205020404" pitchFamily="49" charset="0"/>
+                <a:ea typeface="Times New Roman" panose="02020603050405020304" pitchFamily="18" charset="0"/>
+              </a:rPr>
+              <a:t>"fs"</a:t>
+            </a:r>
+            <a:r>
+              <a:rPr lang="en-US" sz="1400" dirty="0">
+                <a:solidFill>
+                  <a:srgbClr val="000000"/>
+                </a:solidFill>
+                <a:latin typeface="Courier New" panose="02070309020205020404" pitchFamily="49" charset="0"/>
+                <a:ea typeface="Times New Roman" panose="02020603050405020304" pitchFamily="18" charset="0"/>
+              </a:rPr>
+              <a:t>);</a:t>
+            </a:r>
+            <a:br>
+              <a:rPr lang="en-US" sz="1400" dirty="0">
+                <a:solidFill>
+                  <a:srgbClr val="000000"/>
+                </a:solidFill>
+                <a:latin typeface="Courier New" panose="02070309020205020404" pitchFamily="49" charset="0"/>
+                <a:ea typeface="Times New Roman" panose="02020603050405020304" pitchFamily="18" charset="0"/>
+              </a:rPr>
+            </a:br>
+            <a:br>
+              <a:rPr lang="en-US" sz="1400" dirty="0">
+                <a:solidFill>
+                  <a:srgbClr val="000000"/>
+                </a:solidFill>
+                <a:latin typeface="Courier New" panose="02070309020205020404" pitchFamily="49" charset="0"/>
+                <a:ea typeface="Times New Roman" panose="02020603050405020304" pitchFamily="18" charset="0"/>
+              </a:rPr>
+            </a:br>
+            <a:r>
+              <a:rPr lang="en-US" sz="1400" b="1" dirty="0" err="1">
+                <a:solidFill>
+                  <a:srgbClr val="000080"/>
+                </a:solidFill>
+                <a:latin typeface="Courier New" panose="02070309020205020404" pitchFamily="49" charset="0"/>
+                <a:ea typeface="Times New Roman" panose="02020603050405020304" pitchFamily="18" charset="0"/>
+              </a:rPr>
+              <a:t>const</a:t>
+            </a:r>
+            <a:r>
+              <a:rPr lang="en-US" sz="1400" b="1" dirty="0">
+                <a:solidFill>
+                  <a:srgbClr val="000080"/>
+                </a:solidFill>
+                <a:latin typeface="Courier New" panose="02070309020205020404" pitchFamily="49" charset="0"/>
+                <a:ea typeface="Times New Roman" panose="02020603050405020304" pitchFamily="18" charset="0"/>
+              </a:rPr>
+              <a:t> </a:t>
+            </a:r>
+            <a:r>
+              <a:rPr lang="en-US" sz="1400" dirty="0">
+                <a:solidFill>
+                  <a:srgbClr val="458383"/>
+                </a:solidFill>
+                <a:latin typeface="Courier New" panose="02070309020205020404" pitchFamily="49" charset="0"/>
+                <a:ea typeface="Times New Roman" panose="02020603050405020304" pitchFamily="18" charset="0"/>
+              </a:rPr>
+              <a:t>stream </a:t>
+            </a:r>
+            <a:r>
+              <a:rPr lang="en-US" sz="1400" dirty="0">
+                <a:solidFill>
+                  <a:srgbClr val="000000"/>
+                </a:solidFill>
+                <a:latin typeface="Courier New" panose="02070309020205020404" pitchFamily="49" charset="0"/>
+                <a:ea typeface="Times New Roman" panose="02020603050405020304" pitchFamily="18" charset="0"/>
+              </a:rPr>
+              <a:t>= </a:t>
+            </a:r>
+            <a:r>
+              <a:rPr lang="en-US" sz="1400" dirty="0" err="1">
+                <a:solidFill>
+                  <a:srgbClr val="458383"/>
+                </a:solidFill>
+                <a:latin typeface="Courier New" panose="02070309020205020404" pitchFamily="49" charset="0"/>
+                <a:ea typeface="Times New Roman" panose="02020603050405020304" pitchFamily="18" charset="0"/>
+              </a:rPr>
+              <a:t>fs</a:t>
+            </a:r>
+            <a:r>
+              <a:rPr lang="en-US" sz="1400" dirty="0" err="1">
+                <a:solidFill>
+                  <a:srgbClr val="000000"/>
+                </a:solidFill>
+                <a:latin typeface="Courier New" panose="02070309020205020404" pitchFamily="49" charset="0"/>
+                <a:ea typeface="Times New Roman" panose="02020603050405020304" pitchFamily="18" charset="0"/>
+              </a:rPr>
+              <a:t>.createReadStream</a:t>
+            </a:r>
+            <a:r>
+              <a:rPr lang="en-US" sz="1400" dirty="0">
+                <a:solidFill>
+                  <a:srgbClr val="000000"/>
+                </a:solidFill>
+                <a:latin typeface="Courier New" panose="02070309020205020404" pitchFamily="49" charset="0"/>
+                <a:ea typeface="Times New Roman" panose="02020603050405020304" pitchFamily="18" charset="0"/>
+              </a:rPr>
+              <a:t>(</a:t>
+            </a:r>
+            <a:r>
+              <a:rPr lang="en-US" sz="1400" b="1" dirty="0">
+                <a:solidFill>
+                  <a:srgbClr val="008000"/>
+                </a:solidFill>
+                <a:latin typeface="Courier New" panose="02070309020205020404" pitchFamily="49" charset="0"/>
+                <a:ea typeface="Times New Roman" panose="02020603050405020304" pitchFamily="18" charset="0"/>
+              </a:rPr>
+              <a:t>"main.js"</a:t>
+            </a:r>
+            <a:r>
+              <a:rPr lang="en-US" sz="1400" dirty="0">
+                <a:solidFill>
+                  <a:srgbClr val="000000"/>
+                </a:solidFill>
+                <a:latin typeface="Courier New" panose="02070309020205020404" pitchFamily="49" charset="0"/>
+                <a:ea typeface="Times New Roman" panose="02020603050405020304" pitchFamily="18" charset="0"/>
+              </a:rPr>
+              <a:t>);</a:t>
+            </a:r>
+            <a:br>
+              <a:rPr lang="en-US" sz="1400" dirty="0">
+                <a:solidFill>
+                  <a:srgbClr val="000000"/>
+                </a:solidFill>
+                <a:latin typeface="Courier New" panose="02070309020205020404" pitchFamily="49" charset="0"/>
+                <a:ea typeface="Times New Roman" panose="02020603050405020304" pitchFamily="18" charset="0"/>
+              </a:rPr>
+            </a:br>
+            <a:br>
+              <a:rPr lang="en-US" sz="1400" dirty="0">
+                <a:solidFill>
+                  <a:srgbClr val="000000"/>
+                </a:solidFill>
+                <a:latin typeface="Courier New" panose="02070309020205020404" pitchFamily="49" charset="0"/>
+                <a:ea typeface="Times New Roman" panose="02020603050405020304" pitchFamily="18" charset="0"/>
+              </a:rPr>
+            </a:br>
+            <a:r>
+              <a:rPr lang="en-US" sz="1400" i="1" dirty="0" err="1">
+                <a:solidFill>
+                  <a:srgbClr val="000000"/>
+                </a:solidFill>
+                <a:latin typeface="Courier New" panose="02070309020205020404" pitchFamily="49" charset="0"/>
+                <a:ea typeface="Times New Roman" panose="02020603050405020304" pitchFamily="18" charset="0"/>
+              </a:rPr>
+              <a:t>setTimeout</a:t>
+            </a:r>
+            <a:r>
+              <a:rPr lang="en-US" sz="1400" dirty="0">
+                <a:solidFill>
+                  <a:srgbClr val="000000"/>
+                </a:solidFill>
+                <a:latin typeface="Courier New" panose="02070309020205020404" pitchFamily="49" charset="0"/>
+                <a:ea typeface="Times New Roman" panose="02020603050405020304" pitchFamily="18" charset="0"/>
+              </a:rPr>
+              <a:t>(</a:t>
+            </a:r>
+            <a:r>
+              <a:rPr lang="en-US" sz="1400" b="1" dirty="0">
+                <a:solidFill>
+                  <a:srgbClr val="000080"/>
+                </a:solidFill>
+                <a:latin typeface="Courier New" panose="02070309020205020404" pitchFamily="49" charset="0"/>
+                <a:ea typeface="Times New Roman" panose="02020603050405020304" pitchFamily="18" charset="0"/>
+              </a:rPr>
+              <a:t>function</a:t>
+            </a:r>
+            <a:r>
+              <a:rPr lang="en-US" sz="1400" dirty="0">
+                <a:solidFill>
+                  <a:srgbClr val="000000"/>
+                </a:solidFill>
+                <a:latin typeface="Courier New" panose="02070309020205020404" pitchFamily="49" charset="0"/>
+                <a:ea typeface="Times New Roman" panose="02020603050405020304" pitchFamily="18" charset="0"/>
+              </a:rPr>
+              <a:t>() {</a:t>
+            </a:r>
+            <a:br>
+              <a:rPr lang="en-US" sz="1400" dirty="0">
+                <a:solidFill>
+                  <a:srgbClr val="000000"/>
+                </a:solidFill>
+                <a:latin typeface="Courier New" panose="02070309020205020404" pitchFamily="49" charset="0"/>
+                <a:ea typeface="Times New Roman" panose="02020603050405020304" pitchFamily="18" charset="0"/>
+              </a:rPr>
+            </a:br>
+            <a:r>
+              <a:rPr lang="en-US" sz="1400" dirty="0">
+                <a:solidFill>
+                  <a:srgbClr val="000000"/>
+                </a:solidFill>
+                <a:latin typeface="Courier New" panose="02070309020205020404" pitchFamily="49" charset="0"/>
+                <a:ea typeface="Times New Roman" panose="02020603050405020304" pitchFamily="18" charset="0"/>
+              </a:rPr>
+              <a:t>    </a:t>
+            </a:r>
+            <a:r>
+              <a:rPr lang="en-US" sz="1400" i="1" dirty="0">
+                <a:solidFill>
+                  <a:srgbClr val="808080"/>
+                </a:solidFill>
+                <a:latin typeface="Courier New" panose="02070309020205020404" pitchFamily="49" charset="0"/>
+                <a:ea typeface="Times New Roman" panose="02020603050405020304" pitchFamily="18" charset="0"/>
+              </a:rPr>
+              <a:t>//</a:t>
+            </a:r>
+            <a:br>
+              <a:rPr lang="en-US" sz="1400" i="1" dirty="0">
+                <a:solidFill>
+                  <a:srgbClr val="808080"/>
+                </a:solidFill>
+                <a:latin typeface="Courier New" panose="02070309020205020404" pitchFamily="49" charset="0"/>
+                <a:ea typeface="Times New Roman" panose="02020603050405020304" pitchFamily="18" charset="0"/>
+              </a:rPr>
+            </a:br>
+            <a:r>
+              <a:rPr lang="en-US" sz="1400" i="1" dirty="0">
+                <a:solidFill>
+                  <a:srgbClr val="808080"/>
+                </a:solidFill>
+                <a:latin typeface="Courier New" panose="02070309020205020404" pitchFamily="49" charset="0"/>
+                <a:ea typeface="Times New Roman" panose="02020603050405020304" pitchFamily="18" charset="0"/>
+              </a:rPr>
+              <a:t>    //  Data is not lost because of this delay</a:t>
+            </a:r>
+            <a:br>
+              <a:rPr lang="en-US" sz="1400" i="1" dirty="0">
+                <a:solidFill>
+                  <a:srgbClr val="808080"/>
+                </a:solidFill>
+                <a:latin typeface="Courier New" panose="02070309020205020404" pitchFamily="49" charset="0"/>
+                <a:ea typeface="Times New Roman" panose="02020603050405020304" pitchFamily="18" charset="0"/>
+              </a:rPr>
+            </a:br>
+            <a:r>
+              <a:rPr lang="en-US" sz="1400" i="1" dirty="0">
+                <a:solidFill>
+                  <a:srgbClr val="808080"/>
+                </a:solidFill>
+                <a:latin typeface="Courier New" panose="02070309020205020404" pitchFamily="49" charset="0"/>
+                <a:ea typeface="Times New Roman" panose="02020603050405020304" pitchFamily="18" charset="0"/>
+              </a:rPr>
+              <a:t>    //</a:t>
+            </a:r>
+            <a:br>
+              <a:rPr lang="en-US" sz="1400" i="1" dirty="0">
+                <a:solidFill>
+                  <a:srgbClr val="808080"/>
+                </a:solidFill>
+                <a:latin typeface="Courier New" panose="02070309020205020404" pitchFamily="49" charset="0"/>
+                <a:ea typeface="Times New Roman" panose="02020603050405020304" pitchFamily="18" charset="0"/>
+              </a:rPr>
+            </a:br>
+            <a:r>
+              <a:rPr lang="en-US" sz="1400" i="1" dirty="0">
+                <a:solidFill>
+                  <a:srgbClr val="808080"/>
+                </a:solidFill>
+                <a:latin typeface="Courier New" panose="02070309020205020404" pitchFamily="49" charset="0"/>
+                <a:ea typeface="Times New Roman" panose="02020603050405020304" pitchFamily="18" charset="0"/>
+              </a:rPr>
+              <a:t>    </a:t>
+            </a:r>
+            <a:r>
+              <a:rPr lang="en-US" sz="1400" dirty="0" err="1">
+                <a:solidFill>
+                  <a:srgbClr val="458383"/>
+                </a:solidFill>
+                <a:latin typeface="Courier New" panose="02070309020205020404" pitchFamily="49" charset="0"/>
+                <a:ea typeface="Times New Roman" panose="02020603050405020304" pitchFamily="18" charset="0"/>
+              </a:rPr>
+              <a:t>stream</a:t>
+            </a:r>
+            <a:r>
+              <a:rPr lang="en-US" sz="1400" dirty="0" err="1">
+                <a:solidFill>
+                  <a:srgbClr val="000000"/>
+                </a:solidFill>
+                <a:latin typeface="Courier New" panose="02070309020205020404" pitchFamily="49" charset="0"/>
+                <a:ea typeface="Times New Roman" panose="02020603050405020304" pitchFamily="18" charset="0"/>
+              </a:rPr>
+              <a:t>.on</a:t>
+            </a:r>
+            <a:r>
+              <a:rPr lang="en-US" sz="1400" dirty="0">
+                <a:solidFill>
+                  <a:srgbClr val="000000"/>
+                </a:solidFill>
+                <a:latin typeface="Courier New" panose="02070309020205020404" pitchFamily="49" charset="0"/>
+                <a:ea typeface="Times New Roman" panose="02020603050405020304" pitchFamily="18" charset="0"/>
+              </a:rPr>
+              <a:t>(</a:t>
+            </a:r>
+            <a:r>
+              <a:rPr lang="en-US" sz="1400" b="1" dirty="0">
+                <a:solidFill>
+                  <a:srgbClr val="008000"/>
+                </a:solidFill>
+                <a:latin typeface="Courier New" panose="02070309020205020404" pitchFamily="49" charset="0"/>
+                <a:ea typeface="Times New Roman" panose="02020603050405020304" pitchFamily="18" charset="0"/>
+              </a:rPr>
+              <a:t>"data"</a:t>
+            </a:r>
+            <a:r>
+              <a:rPr lang="en-US" sz="1400" dirty="0">
+                <a:solidFill>
+                  <a:srgbClr val="000000"/>
+                </a:solidFill>
+                <a:latin typeface="Courier New" panose="02070309020205020404" pitchFamily="49" charset="0"/>
+                <a:ea typeface="Times New Roman" panose="02020603050405020304" pitchFamily="18" charset="0"/>
+              </a:rPr>
+              <a:t>, </a:t>
+            </a:r>
+            <a:r>
+              <a:rPr lang="en-US" sz="1400" b="1" dirty="0">
+                <a:solidFill>
+                  <a:srgbClr val="000080"/>
+                </a:solidFill>
+                <a:latin typeface="Courier New" panose="02070309020205020404" pitchFamily="49" charset="0"/>
+                <a:ea typeface="Times New Roman" panose="02020603050405020304" pitchFamily="18" charset="0"/>
+              </a:rPr>
+              <a:t>function</a:t>
+            </a:r>
+            <a:r>
+              <a:rPr lang="en-US" sz="1400" dirty="0">
+                <a:solidFill>
+                  <a:srgbClr val="000000"/>
+                </a:solidFill>
+                <a:latin typeface="Courier New" panose="02070309020205020404" pitchFamily="49" charset="0"/>
+                <a:ea typeface="Times New Roman" panose="02020603050405020304" pitchFamily="18" charset="0"/>
+              </a:rPr>
+              <a:t>(</a:t>
+            </a:r>
+            <a:r>
+              <a:rPr lang="en-US" sz="1400" dirty="0" err="1">
+                <a:solidFill>
+                  <a:srgbClr val="000000"/>
+                </a:solidFill>
+                <a:latin typeface="Courier New" panose="02070309020205020404" pitchFamily="49" charset="0"/>
+                <a:ea typeface="Times New Roman" panose="02020603050405020304" pitchFamily="18" charset="0"/>
+              </a:rPr>
+              <a:t>buf</a:t>
+            </a:r>
+            <a:r>
+              <a:rPr lang="en-US" sz="1400" dirty="0">
+                <a:solidFill>
+                  <a:srgbClr val="000000"/>
+                </a:solidFill>
+                <a:latin typeface="Courier New" panose="02070309020205020404" pitchFamily="49" charset="0"/>
+                <a:ea typeface="Times New Roman" panose="02020603050405020304" pitchFamily="18" charset="0"/>
+              </a:rPr>
+              <a:t>) {</a:t>
+            </a:r>
+            <a:br>
+              <a:rPr lang="en-US" sz="1400" dirty="0">
+                <a:solidFill>
+                  <a:srgbClr val="000000"/>
+                </a:solidFill>
+                <a:latin typeface="Courier New" panose="02070309020205020404" pitchFamily="49" charset="0"/>
+                <a:ea typeface="Times New Roman" panose="02020603050405020304" pitchFamily="18" charset="0"/>
+              </a:rPr>
+            </a:br>
+            <a:r>
+              <a:rPr lang="en-US" sz="1400" dirty="0">
+                <a:solidFill>
+                  <a:srgbClr val="000000"/>
+                </a:solidFill>
+                <a:latin typeface="Courier New" panose="02070309020205020404" pitchFamily="49" charset="0"/>
+                <a:ea typeface="Times New Roman" panose="02020603050405020304" pitchFamily="18" charset="0"/>
+              </a:rPr>
+              <a:t>        </a:t>
+            </a:r>
+            <a:r>
+              <a:rPr lang="en-US" sz="1400" b="1" i="1" dirty="0">
+                <a:solidFill>
+                  <a:srgbClr val="660E7A"/>
+                </a:solidFill>
+                <a:latin typeface="Courier New" panose="02070309020205020404" pitchFamily="49" charset="0"/>
+                <a:ea typeface="Times New Roman" panose="02020603050405020304" pitchFamily="18" charset="0"/>
+              </a:rPr>
+              <a:t>console</a:t>
+            </a:r>
+            <a:r>
+              <a:rPr lang="en-US" sz="1400" dirty="0">
+                <a:solidFill>
+                  <a:srgbClr val="000000"/>
+                </a:solidFill>
+                <a:latin typeface="Courier New" panose="02070309020205020404" pitchFamily="49" charset="0"/>
+                <a:ea typeface="Times New Roman" panose="02020603050405020304" pitchFamily="18" charset="0"/>
+              </a:rPr>
+              <a:t>.</a:t>
+            </a:r>
+            <a:r>
+              <a:rPr lang="en-US" sz="1400" dirty="0">
+                <a:solidFill>
+                  <a:srgbClr val="7A7A43"/>
+                </a:solidFill>
+                <a:latin typeface="Courier New" panose="02070309020205020404" pitchFamily="49" charset="0"/>
+                <a:ea typeface="Times New Roman" panose="02020603050405020304" pitchFamily="18" charset="0"/>
+              </a:rPr>
+              <a:t>log</a:t>
+            </a:r>
+            <a:r>
+              <a:rPr lang="en-US" sz="1400" dirty="0">
+                <a:solidFill>
+                  <a:srgbClr val="000000"/>
+                </a:solidFill>
+                <a:latin typeface="Courier New" panose="02070309020205020404" pitchFamily="49" charset="0"/>
+                <a:ea typeface="Times New Roman" panose="02020603050405020304" pitchFamily="18" charset="0"/>
+              </a:rPr>
+              <a:t>(</a:t>
+            </a:r>
+            <a:r>
+              <a:rPr lang="en-US" sz="1400" dirty="0" err="1">
+                <a:solidFill>
+                  <a:srgbClr val="000000"/>
+                </a:solidFill>
+                <a:latin typeface="Courier New" panose="02070309020205020404" pitchFamily="49" charset="0"/>
+                <a:ea typeface="Times New Roman" panose="02020603050405020304" pitchFamily="18" charset="0"/>
+              </a:rPr>
+              <a:t>buf</a:t>
+            </a:r>
+            <a:r>
+              <a:rPr lang="en-US" sz="1400" dirty="0">
+                <a:solidFill>
+                  <a:srgbClr val="000000"/>
+                </a:solidFill>
+                <a:latin typeface="Courier New" panose="02070309020205020404" pitchFamily="49" charset="0"/>
+                <a:ea typeface="Times New Roman" panose="02020603050405020304" pitchFamily="18" charset="0"/>
+              </a:rPr>
+              <a:t>);</a:t>
+            </a:r>
+            <a:br>
+              <a:rPr lang="en-US" sz="1400" dirty="0">
+                <a:solidFill>
+                  <a:srgbClr val="000000"/>
+                </a:solidFill>
+                <a:latin typeface="Courier New" panose="02070309020205020404" pitchFamily="49" charset="0"/>
+                <a:ea typeface="Times New Roman" panose="02020603050405020304" pitchFamily="18" charset="0"/>
+              </a:rPr>
+            </a:br>
+            <a:r>
+              <a:rPr lang="en-US" sz="1400" dirty="0">
+                <a:solidFill>
+                  <a:srgbClr val="000000"/>
+                </a:solidFill>
+                <a:latin typeface="Courier New" panose="02070309020205020404" pitchFamily="49" charset="0"/>
+                <a:ea typeface="Times New Roman" panose="02020603050405020304" pitchFamily="18" charset="0"/>
+              </a:rPr>
+              <a:t>    });</a:t>
+            </a:r>
+            <a:br>
+              <a:rPr lang="en-US" sz="1400" dirty="0">
+                <a:solidFill>
+                  <a:srgbClr val="000000"/>
+                </a:solidFill>
+                <a:latin typeface="Courier New" panose="02070309020205020404" pitchFamily="49" charset="0"/>
+                <a:ea typeface="Times New Roman" panose="02020603050405020304" pitchFamily="18" charset="0"/>
+              </a:rPr>
+            </a:br>
+            <a:r>
+              <a:rPr lang="en-US" sz="1400" dirty="0">
+                <a:solidFill>
+                  <a:srgbClr val="000000"/>
+                </a:solidFill>
+                <a:latin typeface="Courier New" panose="02070309020205020404" pitchFamily="49" charset="0"/>
+                <a:ea typeface="Times New Roman" panose="02020603050405020304" pitchFamily="18" charset="0"/>
+              </a:rPr>
+              <a:t>}, </a:t>
+            </a:r>
+            <a:r>
+              <a:rPr lang="en-US" sz="1400" dirty="0">
+                <a:solidFill>
+                  <a:srgbClr val="0000FF"/>
+                </a:solidFill>
+                <a:latin typeface="Courier New" panose="02070309020205020404" pitchFamily="49" charset="0"/>
+                <a:ea typeface="Times New Roman" panose="02020603050405020304" pitchFamily="18" charset="0"/>
+              </a:rPr>
+              <a:t>1500</a:t>
+            </a:r>
+            <a:r>
+              <a:rPr lang="en-US" sz="1400" dirty="0">
+                <a:solidFill>
+                  <a:srgbClr val="000000"/>
+                </a:solidFill>
+                <a:latin typeface="Courier New" panose="02070309020205020404" pitchFamily="49" charset="0"/>
+                <a:ea typeface="Times New Roman" panose="02020603050405020304" pitchFamily="18" charset="0"/>
+              </a:rPr>
+              <a:t>);</a:t>
+            </a:r>
+            <a:endParaRPr lang="he-IL" sz="1400" dirty="0"/>
+          </a:p>
+        </p:txBody>
+      </p:sp>
+      <p:sp>
+        <p:nvSpPr>
+          <p:cNvPr id="7" name="Rectangle: Rounded Corners 6">
+            <a:extLst>
+              <a:ext uri="{FF2B5EF4-FFF2-40B4-BE49-F238E27FC236}">
+                <a16:creationId xmlns:a16="http://schemas.microsoft.com/office/drawing/2014/main" id="{B6BE640D-0A96-4DC6-A87B-ED23074755BF}"/>
+              </a:ext>
+            </a:extLst>
+          </p:cNvPr>
+          <p:cNvSpPr/>
+          <p:nvPr/>
+        </p:nvSpPr>
+        <p:spPr>
+          <a:xfrm>
+            <a:off x="179512" y="3501008"/>
+            <a:ext cx="1512168" cy="1080120"/>
+          </a:xfrm>
+          <a:prstGeom prst="roundRect">
+            <a:avLst/>
+          </a:prstGeom>
+        </p:spPr>
+        <p:style>
+          <a:lnRef idx="2">
+            <a:schemeClr val="accent2">
+              <a:shade val="50000"/>
+            </a:schemeClr>
+          </a:lnRef>
+          <a:fillRef idx="1">
+            <a:schemeClr val="accent2"/>
+          </a:fillRef>
+          <a:effectRef idx="0">
+            <a:schemeClr val="accent2"/>
+          </a:effectRef>
+          <a:fontRef idx="minor">
+            <a:schemeClr val="lt1"/>
+          </a:fontRef>
+        </p:style>
+        <p:txBody>
+          <a:bodyPr rtlCol="0" anchor="ctr"/>
+          <a:lstStyle/>
+          <a:p>
+            <a:pPr algn="ctr"/>
+            <a:r>
+              <a:rPr lang="en-US" sz="1600" dirty="0"/>
+              <a:t>Buffer object</a:t>
+            </a:r>
+          </a:p>
+        </p:txBody>
+      </p:sp>
+      <p:cxnSp>
+        <p:nvCxnSpPr>
+          <p:cNvPr id="8" name="Straight Arrow Connector 7">
+            <a:extLst>
+              <a:ext uri="{FF2B5EF4-FFF2-40B4-BE49-F238E27FC236}">
+                <a16:creationId xmlns:a16="http://schemas.microsoft.com/office/drawing/2014/main" id="{27576AAE-9A9B-4E3F-A039-AE8841BBC0CD}"/>
+              </a:ext>
+            </a:extLst>
+          </p:cNvPr>
+          <p:cNvCxnSpPr>
+            <a:cxnSpLocks/>
+            <a:stCxn id="7" idx="3"/>
+          </p:cNvCxnSpPr>
+          <p:nvPr/>
+        </p:nvCxnSpPr>
+        <p:spPr>
+          <a:xfrm>
+            <a:off x="1691680" y="4041068"/>
+            <a:ext cx="3960440" cy="1116124"/>
+          </a:xfrm>
+          <a:prstGeom prst="straightConnector1">
+            <a:avLst/>
+          </a:prstGeom>
+          <a:ln w="25400">
+            <a:tailEnd type="triangle"/>
+          </a:ln>
+        </p:spPr>
+        <p:style>
+          <a:lnRef idx="1">
+            <a:schemeClr val="accent2"/>
+          </a:lnRef>
+          <a:fillRef idx="0">
+            <a:schemeClr val="accent2"/>
+          </a:fillRef>
+          <a:effectRef idx="0">
+            <a:schemeClr val="accent2"/>
+          </a:effectRef>
+          <a:fontRef idx="minor">
+            <a:schemeClr val="tx1"/>
+          </a:fontRef>
+        </p:style>
+      </p:cxnSp>
+    </p:spTree>
+    <p:extLst>
+      <p:ext uri="{BB962C8B-B14F-4D97-AF65-F5344CB8AC3E}">
+        <p14:creationId xmlns:p14="http://schemas.microsoft.com/office/powerpoint/2010/main" val="1062567396"/>
+      </p:ext>
+    </p:extLst>
+  </p:cSld>
+  <p:clrMapOvr>
+    <a:masterClrMapping/>
+  </p:clrMapOvr>
+</p:sld>
+</file>
+
+<file path=ppt/slides/slide22.xml><?xml version="1.0" encoding="utf-8"?>
+<p:sld xmlns:a="http://schemas.openxmlformats.org/drawingml/2006/main" xmlns:r="http://schemas.openxmlformats.org/officeDocument/2006/relationships" xmlns:p="http://schemas.openxmlformats.org/presentationml/2006/main">
+  <p:cSld>
+    <p:spTree>
+      <p:nvGrpSpPr>
+        <p:cNvPr id="1" name=""/>
+        <p:cNvGrpSpPr/>
+        <p:nvPr/>
+      </p:nvGrpSpPr>
+      <p:grpSpPr>
+        <a:xfrm>
+          <a:off x="0" y="0"/>
+          <a:ext cx="0" cy="0"/>
+          <a:chOff x="0" y="0"/>
+          <a:chExt cx="0" cy="0"/>
+        </a:xfrm>
+      </p:grpSpPr>
+      <p:sp>
+        <p:nvSpPr>
+          <p:cNvPr id="2" name="Title 1">
+            <a:extLst>
+              <a:ext uri="{FF2B5EF4-FFF2-40B4-BE49-F238E27FC236}">
+                <a16:creationId xmlns:a16="http://schemas.microsoft.com/office/drawing/2014/main" id="{174E484F-8D6A-4874-931E-CA38AE8D3370}"/>
+              </a:ext>
+            </a:extLst>
+          </p:cNvPr>
+          <p:cNvSpPr>
+            <a:spLocks noGrp="1"/>
+          </p:cNvSpPr>
+          <p:nvPr>
+            <p:ph type="title"/>
+          </p:nvPr>
+        </p:nvSpPr>
+        <p:spPr/>
+        <p:txBody>
+          <a:bodyPr/>
+          <a:lstStyle/>
+          <a:p>
+            <a:r>
+              <a:rPr lang="en-US" dirty="0"/>
+              <a:t>Non Flowing Mode</a:t>
+            </a:r>
+            <a:endParaRPr lang="he-IL" dirty="0"/>
+          </a:p>
+        </p:txBody>
+      </p:sp>
+      <p:sp>
+        <p:nvSpPr>
+          <p:cNvPr id="3" name="Footer Placeholder 2">
+            <a:extLst>
+              <a:ext uri="{FF2B5EF4-FFF2-40B4-BE49-F238E27FC236}">
+                <a16:creationId xmlns:a16="http://schemas.microsoft.com/office/drawing/2014/main" id="{16287052-DE8F-4BBE-B70F-84E6679D4580}"/>
+              </a:ext>
+            </a:extLst>
+          </p:cNvPr>
+          <p:cNvSpPr>
+            <a:spLocks noGrp="1"/>
+          </p:cNvSpPr>
+          <p:nvPr>
+            <p:ph type="ftr" sz="quarter" idx="11"/>
+          </p:nvPr>
+        </p:nvSpPr>
+        <p:spPr/>
+        <p:txBody>
+          <a:bodyPr/>
+          <a:lstStyle/>
+          <a:p>
+            <a:r>
+              <a:rPr lang="en-US"/>
+              <a:t>© 2017 Ori Calvo</a:t>
+            </a:r>
+            <a:endParaRPr lang="en-US" dirty="0"/>
+          </a:p>
+        </p:txBody>
+      </p:sp>
+      <p:sp>
+        <p:nvSpPr>
+          <p:cNvPr id="4" name="Slide Number Placeholder 3">
+            <a:extLst>
+              <a:ext uri="{FF2B5EF4-FFF2-40B4-BE49-F238E27FC236}">
+                <a16:creationId xmlns:a16="http://schemas.microsoft.com/office/drawing/2014/main" id="{7CE67235-6859-40B7-BCC7-B84775D86CB8}"/>
+              </a:ext>
+            </a:extLst>
+          </p:cNvPr>
+          <p:cNvSpPr>
+            <a:spLocks noGrp="1"/>
+          </p:cNvSpPr>
+          <p:nvPr>
+            <p:ph type="sldNum" sz="quarter" idx="12"/>
+          </p:nvPr>
+        </p:nvSpPr>
+        <p:spPr/>
+        <p:txBody>
+          <a:bodyPr>
+            <a:normAutofit fontScale="85000" lnSpcReduction="20000"/>
+          </a:bodyPr>
+          <a:lstStyle/>
+          <a:p>
+            <a:fld id="{87B78B44-2135-4DB2-B732-E7D5FFF77B6A}" type="slidenum">
+              <a:rPr lang="en-US" smtClean="0"/>
+              <a:pPr/>
+              <a:t>22</a:t>
+            </a:fld>
+            <a:endParaRPr lang="en-US"/>
+          </a:p>
+        </p:txBody>
+      </p:sp>
+      <p:sp>
+        <p:nvSpPr>
+          <p:cNvPr id="5" name="Content Placeholder 4">
+            <a:extLst>
+              <a:ext uri="{FF2B5EF4-FFF2-40B4-BE49-F238E27FC236}">
+                <a16:creationId xmlns:a16="http://schemas.microsoft.com/office/drawing/2014/main" id="{8B931939-8F41-42C5-BBDD-63697635FF5E}"/>
+              </a:ext>
+            </a:extLst>
+          </p:cNvPr>
+          <p:cNvSpPr>
+            <a:spLocks noGrp="1"/>
+          </p:cNvSpPr>
+          <p:nvPr>
+            <p:ph sz="quarter" idx="1"/>
+          </p:nvPr>
+        </p:nvSpPr>
+        <p:spPr>
+          <a:xfrm>
+            <a:off x="612648" y="1628800"/>
+            <a:ext cx="8153400" cy="4495800"/>
+          </a:xfrm>
+        </p:spPr>
+        <p:txBody>
+          <a:bodyPr/>
+          <a:lstStyle/>
+          <a:p>
+            <a:r>
+              <a:rPr lang="en-US" dirty="0"/>
+              <a:t>A.K.A “pull”</a:t>
+            </a:r>
+          </a:p>
+          <a:p>
+            <a:r>
+              <a:rPr lang="en-US" dirty="0"/>
+              <a:t>Wait for the </a:t>
+            </a:r>
+            <a:r>
+              <a:rPr lang="en-US" dirty="0">
+                <a:solidFill>
+                  <a:srgbClr val="FF0000"/>
+                </a:solidFill>
+              </a:rPr>
+              <a:t>readable</a:t>
+            </a:r>
+            <a:r>
+              <a:rPr lang="en-US" dirty="0"/>
+              <a:t> event</a:t>
+            </a:r>
+          </a:p>
+          <a:p>
+            <a:r>
+              <a:rPr lang="en-US" dirty="0"/>
+              <a:t>Pull the buffered data using </a:t>
+            </a:r>
+            <a:r>
+              <a:rPr lang="en-US" dirty="0">
+                <a:solidFill>
+                  <a:srgbClr val="FF0000"/>
+                </a:solidFill>
+              </a:rPr>
+              <a:t>read</a:t>
+            </a:r>
+          </a:p>
+          <a:p>
+            <a:endParaRPr lang="en-US" dirty="0">
+              <a:solidFill>
+                <a:srgbClr val="FF0000"/>
+              </a:solidFill>
+            </a:endParaRPr>
+          </a:p>
+          <a:p>
+            <a:endParaRPr lang="en-US" dirty="0">
+              <a:solidFill>
+                <a:srgbClr val="FF0000"/>
+              </a:solidFill>
+            </a:endParaRPr>
+          </a:p>
+          <a:p>
+            <a:endParaRPr lang="en-US" dirty="0">
+              <a:solidFill>
+                <a:srgbClr val="FF0000"/>
+              </a:solidFill>
+            </a:endParaRPr>
+          </a:p>
+          <a:p>
+            <a:endParaRPr lang="en-US" dirty="0">
+              <a:solidFill>
+                <a:srgbClr val="FF0000"/>
+              </a:solidFill>
+            </a:endParaRPr>
+          </a:p>
+          <a:p>
+            <a:r>
+              <a:rPr lang="en-US" dirty="0"/>
+              <a:t>Don’t mix both approaches !!!</a:t>
+            </a:r>
+            <a:endParaRPr lang="he-IL" dirty="0"/>
+          </a:p>
+        </p:txBody>
+      </p:sp>
+      <p:sp>
+        <p:nvSpPr>
+          <p:cNvPr id="6" name="Rectangle 5">
+            <a:extLst>
+              <a:ext uri="{FF2B5EF4-FFF2-40B4-BE49-F238E27FC236}">
+                <a16:creationId xmlns:a16="http://schemas.microsoft.com/office/drawing/2014/main" id="{71B02BA0-4AB0-4879-9FB4-8D95FA32B174}"/>
+              </a:ext>
+            </a:extLst>
+          </p:cNvPr>
+          <p:cNvSpPr/>
+          <p:nvPr/>
+        </p:nvSpPr>
+        <p:spPr>
+          <a:xfrm>
+            <a:off x="2155526" y="3284984"/>
+            <a:ext cx="4832948" cy="2031325"/>
+          </a:xfrm>
+          <a:prstGeom prst="rect">
+            <a:avLst/>
+          </a:prstGeom>
+          <a:solidFill>
+            <a:schemeClr val="accent1">
+              <a:lumMod val="40000"/>
+              <a:lumOff val="60000"/>
+            </a:schemeClr>
+          </a:solidFill>
+        </p:spPr>
+        <p:txBody>
+          <a:bodyPr wrap="square">
+            <a:spAutoFit/>
+          </a:bodyPr>
+          <a:lstStyle/>
+          <a:p>
+            <a:r>
+              <a:rPr lang="en-US" b="1" dirty="0" err="1">
+                <a:solidFill>
+                  <a:srgbClr val="000080"/>
+                </a:solidFill>
+                <a:latin typeface="Calibri" panose="020F0502020204030204" pitchFamily="34" charset="0"/>
+                <a:ea typeface="Calibri" panose="020F0502020204030204" pitchFamily="34" charset="0"/>
+                <a:cs typeface="Arial" panose="020B0604020202020204" pitchFamily="34" charset="0"/>
+              </a:rPr>
+              <a:t>const</a:t>
+            </a:r>
+            <a:r>
+              <a:rPr lang="en-US" b="1" dirty="0">
+                <a:solidFill>
+                  <a:srgbClr val="000080"/>
+                </a:solidFill>
+                <a:latin typeface="Calibri" panose="020F0502020204030204" pitchFamily="34" charset="0"/>
+                <a:ea typeface="Calibri" panose="020F0502020204030204" pitchFamily="34" charset="0"/>
+                <a:cs typeface="Arial" panose="020B0604020202020204" pitchFamily="34" charset="0"/>
+              </a:rPr>
+              <a:t> </a:t>
+            </a:r>
+            <a:r>
+              <a:rPr lang="en-US" dirty="0">
+                <a:solidFill>
+                  <a:srgbClr val="458383"/>
+                </a:solidFill>
+                <a:latin typeface="Calibri" panose="020F0502020204030204" pitchFamily="34" charset="0"/>
+                <a:ea typeface="Calibri" panose="020F0502020204030204" pitchFamily="34" charset="0"/>
+                <a:cs typeface="Arial" panose="020B0604020202020204" pitchFamily="34" charset="0"/>
+              </a:rPr>
+              <a:t>stream </a:t>
+            </a:r>
+            <a:r>
+              <a:rPr lang="en-US" dirty="0">
+                <a:solidFill>
+                  <a:srgbClr val="000000"/>
+                </a:solidFill>
+                <a:latin typeface="Calibri" panose="020F0502020204030204" pitchFamily="34" charset="0"/>
+                <a:ea typeface="Calibri" panose="020F0502020204030204" pitchFamily="34" charset="0"/>
+                <a:cs typeface="Arial" panose="020B0604020202020204" pitchFamily="34" charset="0"/>
+              </a:rPr>
+              <a:t>= </a:t>
+            </a:r>
+            <a:r>
+              <a:rPr lang="en-US" dirty="0" err="1">
+                <a:solidFill>
+                  <a:srgbClr val="458383"/>
+                </a:solidFill>
+                <a:latin typeface="Calibri" panose="020F0502020204030204" pitchFamily="34" charset="0"/>
+                <a:ea typeface="Calibri" panose="020F0502020204030204" pitchFamily="34" charset="0"/>
+                <a:cs typeface="Arial" panose="020B0604020202020204" pitchFamily="34" charset="0"/>
+              </a:rPr>
+              <a:t>fs</a:t>
+            </a:r>
+            <a:r>
+              <a:rPr lang="en-US" dirty="0" err="1">
+                <a:solidFill>
+                  <a:srgbClr val="000000"/>
+                </a:solidFill>
+                <a:latin typeface="Calibri" panose="020F0502020204030204" pitchFamily="34" charset="0"/>
+                <a:ea typeface="Calibri" panose="020F0502020204030204" pitchFamily="34" charset="0"/>
+                <a:cs typeface="Arial" panose="020B0604020202020204" pitchFamily="34" charset="0"/>
+              </a:rPr>
+              <a:t>.createReadStream</a:t>
+            </a:r>
+            <a:r>
+              <a:rPr lang="en-US" dirty="0">
+                <a:solidFill>
+                  <a:srgbClr val="000000"/>
+                </a:solidFill>
+                <a:latin typeface="Calibri" panose="020F0502020204030204" pitchFamily="34" charset="0"/>
+                <a:ea typeface="Calibri" panose="020F0502020204030204" pitchFamily="34" charset="0"/>
+                <a:cs typeface="Arial" panose="020B0604020202020204" pitchFamily="34" charset="0"/>
+              </a:rPr>
+              <a:t>(</a:t>
+            </a:r>
+            <a:r>
+              <a:rPr lang="en-US" b="1" dirty="0">
+                <a:solidFill>
+                  <a:srgbClr val="008000"/>
+                </a:solidFill>
+                <a:latin typeface="Calibri" panose="020F0502020204030204" pitchFamily="34" charset="0"/>
+                <a:ea typeface="Calibri" panose="020F0502020204030204" pitchFamily="34" charset="0"/>
+                <a:cs typeface="Arial" panose="020B0604020202020204" pitchFamily="34" charset="0"/>
+              </a:rPr>
+              <a:t>"main.js"</a:t>
+            </a:r>
+            <a:r>
+              <a:rPr lang="en-US" dirty="0">
+                <a:solidFill>
+                  <a:srgbClr val="000000"/>
+                </a:solidFill>
+                <a:latin typeface="Calibri" panose="020F0502020204030204" pitchFamily="34" charset="0"/>
+                <a:ea typeface="Calibri" panose="020F0502020204030204" pitchFamily="34" charset="0"/>
+                <a:cs typeface="Arial" panose="020B0604020202020204" pitchFamily="34" charset="0"/>
+              </a:rPr>
+              <a:t>);</a:t>
+            </a:r>
+            <a:br>
+              <a:rPr lang="en-US" dirty="0">
+                <a:solidFill>
+                  <a:srgbClr val="000000"/>
+                </a:solidFill>
+                <a:latin typeface="Calibri" panose="020F0502020204030204" pitchFamily="34" charset="0"/>
+                <a:ea typeface="Calibri" panose="020F0502020204030204" pitchFamily="34" charset="0"/>
+                <a:cs typeface="Arial" panose="020B0604020202020204" pitchFamily="34" charset="0"/>
+              </a:rPr>
+            </a:br>
+            <a:br>
+              <a:rPr lang="en-US" dirty="0">
+                <a:solidFill>
+                  <a:srgbClr val="000000"/>
+                </a:solidFill>
+                <a:latin typeface="Calibri" panose="020F0502020204030204" pitchFamily="34" charset="0"/>
+                <a:ea typeface="Calibri" panose="020F0502020204030204" pitchFamily="34" charset="0"/>
+                <a:cs typeface="Arial" panose="020B0604020202020204" pitchFamily="34" charset="0"/>
+              </a:rPr>
+            </a:br>
+            <a:r>
+              <a:rPr lang="en-US" dirty="0" err="1">
+                <a:solidFill>
+                  <a:srgbClr val="458383"/>
+                </a:solidFill>
+                <a:latin typeface="Calibri" panose="020F0502020204030204" pitchFamily="34" charset="0"/>
+                <a:ea typeface="Calibri" panose="020F0502020204030204" pitchFamily="34" charset="0"/>
+                <a:cs typeface="Arial" panose="020B0604020202020204" pitchFamily="34" charset="0"/>
+              </a:rPr>
+              <a:t>stream</a:t>
+            </a:r>
+            <a:r>
+              <a:rPr lang="en-US" dirty="0" err="1">
+                <a:solidFill>
+                  <a:srgbClr val="000000"/>
+                </a:solidFill>
+                <a:latin typeface="Calibri" panose="020F0502020204030204" pitchFamily="34" charset="0"/>
+                <a:ea typeface="Calibri" panose="020F0502020204030204" pitchFamily="34" charset="0"/>
+                <a:cs typeface="Arial" panose="020B0604020202020204" pitchFamily="34" charset="0"/>
+              </a:rPr>
+              <a:t>.on</a:t>
+            </a:r>
+            <a:r>
+              <a:rPr lang="en-US" dirty="0">
+                <a:solidFill>
+                  <a:srgbClr val="000000"/>
+                </a:solidFill>
+                <a:latin typeface="Calibri" panose="020F0502020204030204" pitchFamily="34" charset="0"/>
+                <a:ea typeface="Calibri" panose="020F0502020204030204" pitchFamily="34" charset="0"/>
+                <a:cs typeface="Arial" panose="020B0604020202020204" pitchFamily="34" charset="0"/>
+              </a:rPr>
+              <a:t>(</a:t>
+            </a:r>
+            <a:r>
+              <a:rPr lang="en-US" b="1" dirty="0">
+                <a:solidFill>
+                  <a:srgbClr val="008000"/>
+                </a:solidFill>
+                <a:latin typeface="Calibri" panose="020F0502020204030204" pitchFamily="34" charset="0"/>
+                <a:ea typeface="Calibri" panose="020F0502020204030204" pitchFamily="34" charset="0"/>
+                <a:cs typeface="Arial" panose="020B0604020202020204" pitchFamily="34" charset="0"/>
+              </a:rPr>
+              <a:t>"readable"</a:t>
+            </a:r>
+            <a:r>
+              <a:rPr lang="en-US" dirty="0">
+                <a:solidFill>
+                  <a:srgbClr val="000000"/>
+                </a:solidFill>
+                <a:latin typeface="Calibri" panose="020F0502020204030204" pitchFamily="34" charset="0"/>
+                <a:ea typeface="Calibri" panose="020F0502020204030204" pitchFamily="34" charset="0"/>
+                <a:cs typeface="Arial" panose="020B0604020202020204" pitchFamily="34" charset="0"/>
+              </a:rPr>
+              <a:t>, </a:t>
+            </a:r>
+            <a:r>
+              <a:rPr lang="en-US" b="1" dirty="0">
+                <a:solidFill>
+                  <a:srgbClr val="000080"/>
+                </a:solidFill>
+                <a:latin typeface="Calibri" panose="020F0502020204030204" pitchFamily="34" charset="0"/>
+                <a:ea typeface="Calibri" panose="020F0502020204030204" pitchFamily="34" charset="0"/>
+                <a:cs typeface="Arial" panose="020B0604020202020204" pitchFamily="34" charset="0"/>
+              </a:rPr>
+              <a:t>function</a:t>
+            </a:r>
+            <a:r>
+              <a:rPr lang="en-US" dirty="0">
+                <a:solidFill>
+                  <a:srgbClr val="000000"/>
+                </a:solidFill>
+                <a:latin typeface="Calibri" panose="020F0502020204030204" pitchFamily="34" charset="0"/>
+                <a:ea typeface="Calibri" panose="020F0502020204030204" pitchFamily="34" charset="0"/>
+                <a:cs typeface="Arial" panose="020B0604020202020204" pitchFamily="34" charset="0"/>
+              </a:rPr>
+              <a:t>() {</a:t>
+            </a:r>
+            <a:br>
+              <a:rPr lang="en-US" dirty="0">
+                <a:solidFill>
+                  <a:srgbClr val="000000"/>
+                </a:solidFill>
+                <a:latin typeface="Calibri" panose="020F0502020204030204" pitchFamily="34" charset="0"/>
+                <a:ea typeface="Calibri" panose="020F0502020204030204" pitchFamily="34" charset="0"/>
+                <a:cs typeface="Arial" panose="020B0604020202020204" pitchFamily="34" charset="0"/>
+              </a:rPr>
+            </a:br>
+            <a:r>
+              <a:rPr lang="en-US" dirty="0">
+                <a:solidFill>
+                  <a:srgbClr val="000000"/>
+                </a:solidFill>
+                <a:latin typeface="Calibri" panose="020F0502020204030204" pitchFamily="34" charset="0"/>
+                <a:ea typeface="Calibri" panose="020F0502020204030204" pitchFamily="34" charset="0"/>
+                <a:cs typeface="Arial" panose="020B0604020202020204" pitchFamily="34" charset="0"/>
+              </a:rPr>
+              <a:t>    </a:t>
+            </a:r>
+            <a:r>
+              <a:rPr lang="en-US" b="1" dirty="0" err="1">
+                <a:solidFill>
+                  <a:srgbClr val="000080"/>
+                </a:solidFill>
+                <a:latin typeface="Calibri" panose="020F0502020204030204" pitchFamily="34" charset="0"/>
+                <a:ea typeface="Calibri" panose="020F0502020204030204" pitchFamily="34" charset="0"/>
+                <a:cs typeface="Arial" panose="020B0604020202020204" pitchFamily="34" charset="0"/>
+              </a:rPr>
+              <a:t>const</a:t>
+            </a:r>
+            <a:r>
+              <a:rPr lang="en-US" b="1" dirty="0">
+                <a:solidFill>
+                  <a:srgbClr val="000080"/>
+                </a:solidFill>
+                <a:latin typeface="Calibri" panose="020F0502020204030204" pitchFamily="34" charset="0"/>
+                <a:ea typeface="Calibri" panose="020F0502020204030204" pitchFamily="34" charset="0"/>
+                <a:cs typeface="Arial" panose="020B0604020202020204" pitchFamily="34" charset="0"/>
+              </a:rPr>
+              <a:t> </a:t>
+            </a:r>
+            <a:r>
+              <a:rPr lang="en-US" dirty="0" err="1">
+                <a:solidFill>
+                  <a:srgbClr val="458383"/>
+                </a:solidFill>
+                <a:latin typeface="Calibri" panose="020F0502020204030204" pitchFamily="34" charset="0"/>
+                <a:ea typeface="Calibri" panose="020F0502020204030204" pitchFamily="34" charset="0"/>
+                <a:cs typeface="Arial" panose="020B0604020202020204" pitchFamily="34" charset="0"/>
+              </a:rPr>
+              <a:t>buf</a:t>
+            </a:r>
+            <a:r>
+              <a:rPr lang="en-US" dirty="0">
+                <a:solidFill>
+                  <a:srgbClr val="458383"/>
+                </a:solidFill>
+                <a:latin typeface="Calibri" panose="020F0502020204030204" pitchFamily="34" charset="0"/>
+                <a:ea typeface="Calibri" panose="020F0502020204030204" pitchFamily="34" charset="0"/>
+                <a:cs typeface="Arial" panose="020B0604020202020204" pitchFamily="34" charset="0"/>
+              </a:rPr>
+              <a:t> </a:t>
+            </a:r>
+            <a:r>
+              <a:rPr lang="en-US" dirty="0">
+                <a:solidFill>
+                  <a:srgbClr val="000000"/>
+                </a:solidFill>
+                <a:latin typeface="Calibri" panose="020F0502020204030204" pitchFamily="34" charset="0"/>
+                <a:ea typeface="Calibri" panose="020F0502020204030204" pitchFamily="34" charset="0"/>
+                <a:cs typeface="Arial" panose="020B0604020202020204" pitchFamily="34" charset="0"/>
+              </a:rPr>
+              <a:t>= </a:t>
+            </a:r>
+            <a:r>
+              <a:rPr lang="en-US" dirty="0" err="1">
+                <a:solidFill>
+                  <a:srgbClr val="458383"/>
+                </a:solidFill>
+                <a:latin typeface="Calibri" panose="020F0502020204030204" pitchFamily="34" charset="0"/>
+                <a:ea typeface="Calibri" panose="020F0502020204030204" pitchFamily="34" charset="0"/>
+                <a:cs typeface="Arial" panose="020B0604020202020204" pitchFamily="34" charset="0"/>
+              </a:rPr>
+              <a:t>stream</a:t>
+            </a:r>
+            <a:r>
+              <a:rPr lang="en-US" dirty="0" err="1">
+                <a:solidFill>
+                  <a:srgbClr val="000000"/>
+                </a:solidFill>
+                <a:latin typeface="Calibri" panose="020F0502020204030204" pitchFamily="34" charset="0"/>
+                <a:ea typeface="Calibri" panose="020F0502020204030204" pitchFamily="34" charset="0"/>
+                <a:cs typeface="Arial" panose="020B0604020202020204" pitchFamily="34" charset="0"/>
+              </a:rPr>
+              <a:t>.</a:t>
+            </a:r>
+            <a:r>
+              <a:rPr lang="en-US" dirty="0" err="1">
+                <a:solidFill>
+                  <a:srgbClr val="7A7A43"/>
+                </a:solidFill>
+                <a:latin typeface="Calibri" panose="020F0502020204030204" pitchFamily="34" charset="0"/>
+                <a:ea typeface="Calibri" panose="020F0502020204030204" pitchFamily="34" charset="0"/>
+                <a:cs typeface="Arial" panose="020B0604020202020204" pitchFamily="34" charset="0"/>
+              </a:rPr>
+              <a:t>read</a:t>
+            </a:r>
+            <a:r>
+              <a:rPr lang="en-US" dirty="0">
+                <a:solidFill>
+                  <a:srgbClr val="000000"/>
+                </a:solidFill>
+                <a:latin typeface="Calibri" panose="020F0502020204030204" pitchFamily="34" charset="0"/>
+                <a:ea typeface="Calibri" panose="020F0502020204030204" pitchFamily="34" charset="0"/>
+                <a:cs typeface="Arial" panose="020B0604020202020204" pitchFamily="34" charset="0"/>
+              </a:rPr>
+              <a:t>();</a:t>
+            </a:r>
+            <a:br>
+              <a:rPr lang="en-US" dirty="0">
+                <a:solidFill>
+                  <a:srgbClr val="000000"/>
+                </a:solidFill>
+                <a:latin typeface="Calibri" panose="020F0502020204030204" pitchFamily="34" charset="0"/>
+                <a:ea typeface="Calibri" panose="020F0502020204030204" pitchFamily="34" charset="0"/>
+                <a:cs typeface="Arial" panose="020B0604020202020204" pitchFamily="34" charset="0"/>
+              </a:rPr>
+            </a:br>
+            <a:br>
+              <a:rPr lang="en-US" dirty="0">
+                <a:solidFill>
+                  <a:srgbClr val="000000"/>
+                </a:solidFill>
+                <a:latin typeface="Calibri" panose="020F0502020204030204" pitchFamily="34" charset="0"/>
+                <a:ea typeface="Calibri" panose="020F0502020204030204" pitchFamily="34" charset="0"/>
+                <a:cs typeface="Arial" panose="020B0604020202020204" pitchFamily="34" charset="0"/>
+              </a:rPr>
+            </a:br>
+            <a:r>
+              <a:rPr lang="en-US" dirty="0">
+                <a:solidFill>
+                  <a:srgbClr val="000000"/>
+                </a:solidFill>
+                <a:latin typeface="Calibri" panose="020F0502020204030204" pitchFamily="34" charset="0"/>
+                <a:ea typeface="Calibri" panose="020F0502020204030204" pitchFamily="34" charset="0"/>
+                <a:cs typeface="Arial" panose="020B0604020202020204" pitchFamily="34" charset="0"/>
+              </a:rPr>
+              <a:t>    </a:t>
+            </a:r>
+            <a:r>
+              <a:rPr lang="en-US" b="1" i="1" dirty="0">
+                <a:solidFill>
+                  <a:srgbClr val="660E7A"/>
+                </a:solidFill>
+                <a:latin typeface="Calibri" panose="020F0502020204030204" pitchFamily="34" charset="0"/>
+                <a:ea typeface="Calibri" panose="020F0502020204030204" pitchFamily="34" charset="0"/>
+                <a:cs typeface="Arial" panose="020B0604020202020204" pitchFamily="34" charset="0"/>
+              </a:rPr>
+              <a:t>console</a:t>
+            </a:r>
+            <a:r>
+              <a:rPr lang="en-US" dirty="0">
+                <a:solidFill>
+                  <a:srgbClr val="000000"/>
+                </a:solidFill>
+                <a:latin typeface="Calibri" panose="020F0502020204030204" pitchFamily="34" charset="0"/>
+                <a:ea typeface="Calibri" panose="020F0502020204030204" pitchFamily="34" charset="0"/>
+                <a:cs typeface="Arial" panose="020B0604020202020204" pitchFamily="34" charset="0"/>
+              </a:rPr>
+              <a:t>.</a:t>
+            </a:r>
+            <a:r>
+              <a:rPr lang="en-US" dirty="0">
+                <a:solidFill>
+                  <a:srgbClr val="7A7A43"/>
+                </a:solidFill>
+                <a:latin typeface="Calibri" panose="020F0502020204030204" pitchFamily="34" charset="0"/>
+                <a:ea typeface="Calibri" panose="020F0502020204030204" pitchFamily="34" charset="0"/>
+                <a:cs typeface="Arial" panose="020B0604020202020204" pitchFamily="34" charset="0"/>
+              </a:rPr>
+              <a:t>log</a:t>
+            </a:r>
+            <a:r>
+              <a:rPr lang="en-US" dirty="0">
+                <a:solidFill>
+                  <a:srgbClr val="000000"/>
+                </a:solidFill>
+                <a:latin typeface="Calibri" panose="020F0502020204030204" pitchFamily="34" charset="0"/>
+                <a:ea typeface="Calibri" panose="020F0502020204030204" pitchFamily="34" charset="0"/>
+                <a:cs typeface="Arial" panose="020B0604020202020204" pitchFamily="34" charset="0"/>
+              </a:rPr>
+              <a:t>(</a:t>
+            </a:r>
+            <a:r>
+              <a:rPr lang="en-US" dirty="0" err="1">
+                <a:solidFill>
+                  <a:srgbClr val="458383"/>
+                </a:solidFill>
+                <a:latin typeface="Calibri" panose="020F0502020204030204" pitchFamily="34" charset="0"/>
+                <a:ea typeface="Calibri" panose="020F0502020204030204" pitchFamily="34" charset="0"/>
+                <a:cs typeface="Arial" panose="020B0604020202020204" pitchFamily="34" charset="0"/>
+              </a:rPr>
+              <a:t>buf</a:t>
+            </a:r>
+            <a:r>
+              <a:rPr lang="en-US" dirty="0">
+                <a:solidFill>
+                  <a:srgbClr val="000000"/>
+                </a:solidFill>
+                <a:latin typeface="Calibri" panose="020F0502020204030204" pitchFamily="34" charset="0"/>
+                <a:ea typeface="Calibri" panose="020F0502020204030204" pitchFamily="34" charset="0"/>
+                <a:cs typeface="Arial" panose="020B0604020202020204" pitchFamily="34" charset="0"/>
+              </a:rPr>
+              <a:t>);</a:t>
+            </a:r>
+            <a:br>
+              <a:rPr lang="en-US" dirty="0">
+                <a:solidFill>
+                  <a:srgbClr val="000000"/>
+                </a:solidFill>
+                <a:latin typeface="Calibri" panose="020F0502020204030204" pitchFamily="34" charset="0"/>
+                <a:ea typeface="Calibri" panose="020F0502020204030204" pitchFamily="34" charset="0"/>
+                <a:cs typeface="Arial" panose="020B0604020202020204" pitchFamily="34" charset="0"/>
+              </a:rPr>
+            </a:br>
+            <a:r>
+              <a:rPr lang="en-US" dirty="0">
+                <a:solidFill>
+                  <a:srgbClr val="000000"/>
+                </a:solidFill>
+                <a:latin typeface="Calibri" panose="020F0502020204030204" pitchFamily="34" charset="0"/>
+                <a:ea typeface="Calibri" panose="020F0502020204030204" pitchFamily="34" charset="0"/>
+                <a:cs typeface="Arial" panose="020B0604020202020204" pitchFamily="34" charset="0"/>
+              </a:rPr>
+              <a:t>});</a:t>
+            </a:r>
+            <a:endParaRPr lang="he-IL" dirty="0"/>
+          </a:p>
+        </p:txBody>
+      </p:sp>
+    </p:spTree>
+    <p:extLst>
+      <p:ext uri="{BB962C8B-B14F-4D97-AF65-F5344CB8AC3E}">
+        <p14:creationId xmlns:p14="http://schemas.microsoft.com/office/powerpoint/2010/main" val="587149032"/>
+      </p:ext>
+    </p:extLst>
+  </p:cSld>
+  <p:clrMapOvr>
+    <a:masterClrMapping/>
+  </p:clrMapOvr>
+</p:sld>
+</file>
+
+<file path=ppt/slides/slide23.xml><?xml version="1.0" encoding="utf-8"?>
+<p:sld xmlns:a="http://schemas.openxmlformats.org/drawingml/2006/main" xmlns:r="http://schemas.openxmlformats.org/officeDocument/2006/relationships" xmlns:p="http://schemas.openxmlformats.org/presentationml/2006/main">
+  <p:cSld>
+    <p:spTree>
+      <p:nvGrpSpPr>
+        <p:cNvPr id="1" name=""/>
+        <p:cNvGrpSpPr/>
+        <p:nvPr/>
+      </p:nvGrpSpPr>
+      <p:grpSpPr>
+        <a:xfrm>
+          <a:off x="0" y="0"/>
+          <a:ext cx="0" cy="0"/>
+          <a:chOff x="0" y="0"/>
+          <a:chExt cx="0" cy="0"/>
+        </a:xfrm>
+      </p:grpSpPr>
+      <p:sp>
+        <p:nvSpPr>
+          <p:cNvPr id="2" name="Title 1">
+            <a:extLst>
+              <a:ext uri="{FF2B5EF4-FFF2-40B4-BE49-F238E27FC236}">
+                <a16:creationId xmlns:a16="http://schemas.microsoft.com/office/drawing/2014/main" id="{A8AAB7BD-E430-4608-8F20-C6AC562455E5}"/>
+              </a:ext>
+            </a:extLst>
+          </p:cNvPr>
+          <p:cNvSpPr>
+            <a:spLocks noGrp="1"/>
+          </p:cNvSpPr>
+          <p:nvPr>
+            <p:ph type="title"/>
+          </p:nvPr>
+        </p:nvSpPr>
+        <p:spPr/>
+        <p:txBody>
+          <a:bodyPr/>
+          <a:lstStyle/>
+          <a:p>
+            <a:r>
+              <a:rPr lang="en-US" dirty="0"/>
+              <a:t>end Event</a:t>
+            </a:r>
+            <a:endParaRPr lang="he-IL" dirty="0"/>
+          </a:p>
+        </p:txBody>
+      </p:sp>
+      <p:sp>
+        <p:nvSpPr>
+          <p:cNvPr id="3" name="Footer Placeholder 2">
+            <a:extLst>
+              <a:ext uri="{FF2B5EF4-FFF2-40B4-BE49-F238E27FC236}">
+                <a16:creationId xmlns:a16="http://schemas.microsoft.com/office/drawing/2014/main" id="{75430179-76BD-41E1-924C-6593F66BF470}"/>
+              </a:ext>
+            </a:extLst>
+          </p:cNvPr>
+          <p:cNvSpPr>
+            <a:spLocks noGrp="1"/>
+          </p:cNvSpPr>
+          <p:nvPr>
+            <p:ph type="ftr" sz="quarter" idx="11"/>
+          </p:nvPr>
+        </p:nvSpPr>
+        <p:spPr/>
+        <p:txBody>
+          <a:bodyPr/>
+          <a:lstStyle/>
+          <a:p>
+            <a:r>
+              <a:rPr lang="en-US"/>
+              <a:t>© 2017 Ori Calvo</a:t>
+            </a:r>
+            <a:endParaRPr lang="en-US" dirty="0"/>
+          </a:p>
+        </p:txBody>
+      </p:sp>
+      <p:sp>
+        <p:nvSpPr>
+          <p:cNvPr id="4" name="Slide Number Placeholder 3">
+            <a:extLst>
+              <a:ext uri="{FF2B5EF4-FFF2-40B4-BE49-F238E27FC236}">
+                <a16:creationId xmlns:a16="http://schemas.microsoft.com/office/drawing/2014/main" id="{1E1BE2C0-12C7-4E68-ABCD-DCEC3E237B4E}"/>
+              </a:ext>
+            </a:extLst>
+          </p:cNvPr>
+          <p:cNvSpPr>
+            <a:spLocks noGrp="1"/>
+          </p:cNvSpPr>
+          <p:nvPr>
+            <p:ph type="sldNum" sz="quarter" idx="12"/>
+          </p:nvPr>
+        </p:nvSpPr>
+        <p:spPr/>
+        <p:txBody>
+          <a:bodyPr>
+            <a:normAutofit fontScale="85000" lnSpcReduction="20000"/>
+          </a:bodyPr>
+          <a:lstStyle/>
+          <a:p>
+            <a:fld id="{87B78B44-2135-4DB2-B732-E7D5FFF77B6A}" type="slidenum">
+              <a:rPr lang="en-US" smtClean="0"/>
+              <a:pPr/>
+              <a:t>23</a:t>
+            </a:fld>
+            <a:endParaRPr lang="en-US"/>
+          </a:p>
+        </p:txBody>
+      </p:sp>
+      <p:sp>
+        <p:nvSpPr>
+          <p:cNvPr id="5" name="Content Placeholder 4">
+            <a:extLst>
+              <a:ext uri="{FF2B5EF4-FFF2-40B4-BE49-F238E27FC236}">
+                <a16:creationId xmlns:a16="http://schemas.microsoft.com/office/drawing/2014/main" id="{1B3FA36D-1A5A-468A-83EC-6D651731A000}"/>
+              </a:ext>
+            </a:extLst>
+          </p:cNvPr>
+          <p:cNvSpPr>
+            <a:spLocks noGrp="1"/>
+          </p:cNvSpPr>
+          <p:nvPr>
+            <p:ph sz="quarter" idx="1"/>
+          </p:nvPr>
+        </p:nvSpPr>
+        <p:spPr/>
+        <p:txBody>
+          <a:bodyPr/>
+          <a:lstStyle/>
+          <a:p>
+            <a:r>
+              <a:rPr lang="en-US" dirty="0"/>
+              <a:t>Only relevant for readable streams</a:t>
+            </a:r>
+          </a:p>
+          <a:p>
+            <a:r>
+              <a:rPr lang="en-US" dirty="0"/>
+              <a:t>Signals the end of read operation</a:t>
+            </a:r>
+          </a:p>
+          <a:p>
+            <a:r>
+              <a:rPr lang="en-US" dirty="0"/>
+              <a:t>on returns the source stream </a:t>
+            </a:r>
+            <a:r>
+              <a:rPr lang="en-US" dirty="0">
+                <a:sym typeface="Wingdings" panose="05000000000000000000" pitchFamily="2" charset="2"/>
+              </a:rPr>
+              <a:t> Use chaining</a:t>
+            </a:r>
+            <a:endParaRPr lang="he-IL" dirty="0"/>
+          </a:p>
+        </p:txBody>
+      </p:sp>
+      <p:sp>
+        <p:nvSpPr>
+          <p:cNvPr id="6" name="Rectangle 5">
+            <a:extLst>
+              <a:ext uri="{FF2B5EF4-FFF2-40B4-BE49-F238E27FC236}">
+                <a16:creationId xmlns:a16="http://schemas.microsoft.com/office/drawing/2014/main" id="{5ADD7927-0295-42A9-84ED-422AB761AE26}"/>
+              </a:ext>
+            </a:extLst>
+          </p:cNvPr>
+          <p:cNvSpPr/>
+          <p:nvPr/>
+        </p:nvSpPr>
+        <p:spPr>
+          <a:xfrm>
+            <a:off x="1952836" y="3573016"/>
+            <a:ext cx="5238328" cy="2585323"/>
+          </a:xfrm>
+          <a:prstGeom prst="rect">
+            <a:avLst/>
+          </a:prstGeom>
+          <a:solidFill>
+            <a:schemeClr val="accent1">
+              <a:lumMod val="40000"/>
+              <a:lumOff val="60000"/>
+            </a:schemeClr>
+          </a:solidFill>
+        </p:spPr>
+        <p:txBody>
+          <a:bodyPr wrap="square">
+            <a:spAutoFit/>
+          </a:bodyPr>
+          <a:lstStyle/>
+          <a:p>
+            <a:r>
+              <a:rPr lang="en-US" b="1" dirty="0" err="1">
+                <a:solidFill>
+                  <a:srgbClr val="000080"/>
+                </a:solidFill>
+                <a:latin typeface="Calibri" panose="020F0502020204030204" pitchFamily="34" charset="0"/>
+                <a:ea typeface="Calibri" panose="020F0502020204030204" pitchFamily="34" charset="0"/>
+                <a:cs typeface="Arial" panose="020B0604020202020204" pitchFamily="34" charset="0"/>
+              </a:rPr>
+              <a:t>const</a:t>
+            </a:r>
+            <a:r>
+              <a:rPr lang="en-US" b="1" dirty="0">
+                <a:solidFill>
+                  <a:srgbClr val="000080"/>
+                </a:solidFill>
+                <a:latin typeface="Calibri" panose="020F0502020204030204" pitchFamily="34" charset="0"/>
+                <a:ea typeface="Calibri" panose="020F0502020204030204" pitchFamily="34" charset="0"/>
+                <a:cs typeface="Arial" panose="020B0604020202020204" pitchFamily="34" charset="0"/>
+              </a:rPr>
+              <a:t> </a:t>
+            </a:r>
+            <a:r>
+              <a:rPr lang="en-US" dirty="0">
+                <a:solidFill>
+                  <a:srgbClr val="458383"/>
+                </a:solidFill>
+                <a:latin typeface="Calibri" panose="020F0502020204030204" pitchFamily="34" charset="0"/>
+                <a:ea typeface="Calibri" panose="020F0502020204030204" pitchFamily="34" charset="0"/>
+                <a:cs typeface="Arial" panose="020B0604020202020204" pitchFamily="34" charset="0"/>
+              </a:rPr>
+              <a:t>stream </a:t>
+            </a:r>
+            <a:r>
+              <a:rPr lang="en-US" dirty="0">
+                <a:solidFill>
+                  <a:srgbClr val="000000"/>
+                </a:solidFill>
+                <a:latin typeface="Calibri" panose="020F0502020204030204" pitchFamily="34" charset="0"/>
+                <a:ea typeface="Calibri" panose="020F0502020204030204" pitchFamily="34" charset="0"/>
+                <a:cs typeface="Arial" panose="020B0604020202020204" pitchFamily="34" charset="0"/>
+              </a:rPr>
+              <a:t>= </a:t>
+            </a:r>
+            <a:r>
+              <a:rPr lang="en-US" dirty="0" err="1">
+                <a:solidFill>
+                  <a:srgbClr val="458383"/>
+                </a:solidFill>
+                <a:latin typeface="Calibri" panose="020F0502020204030204" pitchFamily="34" charset="0"/>
+                <a:ea typeface="Calibri" panose="020F0502020204030204" pitchFamily="34" charset="0"/>
+                <a:cs typeface="Arial" panose="020B0604020202020204" pitchFamily="34" charset="0"/>
+              </a:rPr>
+              <a:t>fs</a:t>
+            </a:r>
+            <a:r>
+              <a:rPr lang="en-US" dirty="0" err="1">
+                <a:solidFill>
+                  <a:srgbClr val="000000"/>
+                </a:solidFill>
+                <a:latin typeface="Calibri" panose="020F0502020204030204" pitchFamily="34" charset="0"/>
+                <a:ea typeface="Calibri" panose="020F0502020204030204" pitchFamily="34" charset="0"/>
+                <a:cs typeface="Arial" panose="020B0604020202020204" pitchFamily="34" charset="0"/>
+              </a:rPr>
+              <a:t>.createReadStream</a:t>
+            </a:r>
+            <a:r>
+              <a:rPr lang="en-US" dirty="0">
+                <a:solidFill>
+                  <a:srgbClr val="000000"/>
+                </a:solidFill>
+                <a:latin typeface="Calibri" panose="020F0502020204030204" pitchFamily="34" charset="0"/>
+                <a:ea typeface="Calibri" panose="020F0502020204030204" pitchFamily="34" charset="0"/>
+                <a:cs typeface="Arial" panose="020B0604020202020204" pitchFamily="34" charset="0"/>
+              </a:rPr>
+              <a:t>(</a:t>
+            </a:r>
+            <a:r>
+              <a:rPr lang="en-US" b="1" dirty="0">
+                <a:solidFill>
+                  <a:srgbClr val="008000"/>
+                </a:solidFill>
+                <a:latin typeface="Calibri" panose="020F0502020204030204" pitchFamily="34" charset="0"/>
+                <a:ea typeface="Calibri" panose="020F0502020204030204" pitchFamily="34" charset="0"/>
+                <a:cs typeface="Arial" panose="020B0604020202020204" pitchFamily="34" charset="0"/>
+              </a:rPr>
+              <a:t>"main.js"</a:t>
+            </a:r>
+            <a:r>
+              <a:rPr lang="en-US" dirty="0">
+                <a:solidFill>
+                  <a:srgbClr val="000000"/>
+                </a:solidFill>
+                <a:latin typeface="Calibri" panose="020F0502020204030204" pitchFamily="34" charset="0"/>
+                <a:ea typeface="Calibri" panose="020F0502020204030204" pitchFamily="34" charset="0"/>
+                <a:cs typeface="Arial" panose="020B0604020202020204" pitchFamily="34" charset="0"/>
+              </a:rPr>
+              <a:t>);</a:t>
+            </a:r>
+            <a:br>
+              <a:rPr lang="en-US" dirty="0">
+                <a:solidFill>
+                  <a:srgbClr val="000000"/>
+                </a:solidFill>
+                <a:latin typeface="Calibri" panose="020F0502020204030204" pitchFamily="34" charset="0"/>
+                <a:ea typeface="Calibri" panose="020F0502020204030204" pitchFamily="34" charset="0"/>
+                <a:cs typeface="Arial" panose="020B0604020202020204" pitchFamily="34" charset="0"/>
+              </a:rPr>
+            </a:br>
+            <a:br>
+              <a:rPr lang="en-US" dirty="0">
+                <a:solidFill>
+                  <a:srgbClr val="000000"/>
+                </a:solidFill>
+                <a:latin typeface="Calibri" panose="020F0502020204030204" pitchFamily="34" charset="0"/>
+                <a:ea typeface="Calibri" panose="020F0502020204030204" pitchFamily="34" charset="0"/>
+                <a:cs typeface="Arial" panose="020B0604020202020204" pitchFamily="34" charset="0"/>
+              </a:rPr>
+            </a:br>
+            <a:r>
+              <a:rPr lang="en-US" dirty="0">
+                <a:solidFill>
+                  <a:srgbClr val="458383"/>
+                </a:solidFill>
+                <a:latin typeface="Calibri" panose="020F0502020204030204" pitchFamily="34" charset="0"/>
+                <a:ea typeface="Calibri" panose="020F0502020204030204" pitchFamily="34" charset="0"/>
+                <a:cs typeface="Arial" panose="020B0604020202020204" pitchFamily="34" charset="0"/>
+              </a:rPr>
+              <a:t>stream</a:t>
+            </a:r>
+            <a:br>
+              <a:rPr lang="en-US" dirty="0">
+                <a:solidFill>
+                  <a:srgbClr val="458383"/>
+                </a:solidFill>
+                <a:latin typeface="Calibri" panose="020F0502020204030204" pitchFamily="34" charset="0"/>
+                <a:ea typeface="Calibri" panose="020F0502020204030204" pitchFamily="34" charset="0"/>
+                <a:cs typeface="Arial" panose="020B0604020202020204" pitchFamily="34" charset="0"/>
+              </a:rPr>
+            </a:br>
+            <a:r>
+              <a:rPr lang="en-US" dirty="0">
+                <a:solidFill>
+                  <a:srgbClr val="458383"/>
+                </a:solidFill>
+                <a:latin typeface="Calibri" panose="020F0502020204030204" pitchFamily="34" charset="0"/>
+                <a:ea typeface="Calibri" panose="020F0502020204030204" pitchFamily="34" charset="0"/>
+                <a:cs typeface="Arial" panose="020B0604020202020204" pitchFamily="34" charset="0"/>
+              </a:rPr>
+              <a:t>    </a:t>
+            </a:r>
+            <a:r>
+              <a:rPr lang="en-US" dirty="0">
+                <a:solidFill>
+                  <a:srgbClr val="000000"/>
+                </a:solidFill>
+                <a:latin typeface="Calibri" panose="020F0502020204030204" pitchFamily="34" charset="0"/>
+                <a:ea typeface="Calibri" panose="020F0502020204030204" pitchFamily="34" charset="0"/>
+                <a:cs typeface="Arial" panose="020B0604020202020204" pitchFamily="34" charset="0"/>
+              </a:rPr>
+              <a:t>.on(</a:t>
+            </a:r>
+            <a:r>
+              <a:rPr lang="en-US" b="1" dirty="0">
+                <a:solidFill>
+                  <a:srgbClr val="008000"/>
+                </a:solidFill>
+                <a:latin typeface="Calibri" panose="020F0502020204030204" pitchFamily="34" charset="0"/>
+                <a:ea typeface="Calibri" panose="020F0502020204030204" pitchFamily="34" charset="0"/>
+                <a:cs typeface="Arial" panose="020B0604020202020204" pitchFamily="34" charset="0"/>
+              </a:rPr>
+              <a:t>"data"</a:t>
+            </a:r>
+            <a:r>
+              <a:rPr lang="en-US" dirty="0">
+                <a:solidFill>
+                  <a:srgbClr val="000000"/>
+                </a:solidFill>
+                <a:latin typeface="Calibri" panose="020F0502020204030204" pitchFamily="34" charset="0"/>
+                <a:ea typeface="Calibri" panose="020F0502020204030204" pitchFamily="34" charset="0"/>
+                <a:cs typeface="Arial" panose="020B0604020202020204" pitchFamily="34" charset="0"/>
+              </a:rPr>
+              <a:t>, </a:t>
+            </a:r>
+            <a:r>
+              <a:rPr lang="en-US" b="1" dirty="0">
+                <a:solidFill>
+                  <a:srgbClr val="000080"/>
+                </a:solidFill>
+                <a:latin typeface="Calibri" panose="020F0502020204030204" pitchFamily="34" charset="0"/>
+                <a:ea typeface="Calibri" panose="020F0502020204030204" pitchFamily="34" charset="0"/>
+                <a:cs typeface="Arial" panose="020B0604020202020204" pitchFamily="34" charset="0"/>
+              </a:rPr>
+              <a:t>function</a:t>
+            </a:r>
+            <a:r>
+              <a:rPr lang="en-US" dirty="0">
+                <a:solidFill>
+                  <a:srgbClr val="000000"/>
+                </a:solidFill>
+                <a:latin typeface="Calibri" panose="020F0502020204030204" pitchFamily="34" charset="0"/>
+                <a:ea typeface="Calibri" panose="020F0502020204030204" pitchFamily="34" charset="0"/>
+                <a:cs typeface="Arial" panose="020B0604020202020204" pitchFamily="34" charset="0"/>
+              </a:rPr>
+              <a:t>(</a:t>
+            </a:r>
+            <a:r>
+              <a:rPr lang="en-US" dirty="0" err="1">
+                <a:solidFill>
+                  <a:srgbClr val="000000"/>
+                </a:solidFill>
+                <a:latin typeface="Calibri" panose="020F0502020204030204" pitchFamily="34" charset="0"/>
+                <a:ea typeface="Calibri" panose="020F0502020204030204" pitchFamily="34" charset="0"/>
+                <a:cs typeface="Arial" panose="020B0604020202020204" pitchFamily="34" charset="0"/>
+              </a:rPr>
+              <a:t>buf</a:t>
+            </a:r>
+            <a:r>
+              <a:rPr lang="en-US" dirty="0">
+                <a:solidFill>
+                  <a:srgbClr val="000000"/>
+                </a:solidFill>
+                <a:latin typeface="Calibri" panose="020F0502020204030204" pitchFamily="34" charset="0"/>
+                <a:ea typeface="Calibri" panose="020F0502020204030204" pitchFamily="34" charset="0"/>
+                <a:cs typeface="Arial" panose="020B0604020202020204" pitchFamily="34" charset="0"/>
+              </a:rPr>
+              <a:t>) {</a:t>
+            </a:r>
+            <a:br>
+              <a:rPr lang="en-US" dirty="0">
+                <a:solidFill>
+                  <a:srgbClr val="000000"/>
+                </a:solidFill>
+                <a:latin typeface="Calibri" panose="020F0502020204030204" pitchFamily="34" charset="0"/>
+                <a:ea typeface="Calibri" panose="020F0502020204030204" pitchFamily="34" charset="0"/>
+                <a:cs typeface="Arial" panose="020B0604020202020204" pitchFamily="34" charset="0"/>
+              </a:rPr>
+            </a:br>
+            <a:r>
+              <a:rPr lang="en-US" dirty="0">
+                <a:solidFill>
+                  <a:srgbClr val="000000"/>
+                </a:solidFill>
+                <a:latin typeface="Calibri" panose="020F0502020204030204" pitchFamily="34" charset="0"/>
+                <a:ea typeface="Calibri" panose="020F0502020204030204" pitchFamily="34" charset="0"/>
+                <a:cs typeface="Arial" panose="020B0604020202020204" pitchFamily="34" charset="0"/>
+              </a:rPr>
+              <a:t>        </a:t>
+            </a:r>
+            <a:r>
+              <a:rPr lang="en-US" b="1" i="1" dirty="0">
+                <a:solidFill>
+                  <a:srgbClr val="660E7A"/>
+                </a:solidFill>
+                <a:latin typeface="Calibri" panose="020F0502020204030204" pitchFamily="34" charset="0"/>
+                <a:ea typeface="Calibri" panose="020F0502020204030204" pitchFamily="34" charset="0"/>
+                <a:cs typeface="Arial" panose="020B0604020202020204" pitchFamily="34" charset="0"/>
+              </a:rPr>
+              <a:t>console</a:t>
+            </a:r>
+            <a:r>
+              <a:rPr lang="en-US" dirty="0">
+                <a:solidFill>
+                  <a:srgbClr val="000000"/>
+                </a:solidFill>
+                <a:latin typeface="Calibri" panose="020F0502020204030204" pitchFamily="34" charset="0"/>
+                <a:ea typeface="Calibri" panose="020F0502020204030204" pitchFamily="34" charset="0"/>
+                <a:cs typeface="Arial" panose="020B0604020202020204" pitchFamily="34" charset="0"/>
+              </a:rPr>
+              <a:t>.</a:t>
+            </a:r>
+            <a:r>
+              <a:rPr lang="en-US" dirty="0">
+                <a:solidFill>
+                  <a:srgbClr val="7A7A43"/>
+                </a:solidFill>
+                <a:latin typeface="Calibri" panose="020F0502020204030204" pitchFamily="34" charset="0"/>
+                <a:ea typeface="Calibri" panose="020F0502020204030204" pitchFamily="34" charset="0"/>
+                <a:cs typeface="Arial" panose="020B0604020202020204" pitchFamily="34" charset="0"/>
+              </a:rPr>
+              <a:t>log</a:t>
+            </a:r>
+            <a:r>
+              <a:rPr lang="en-US" dirty="0">
+                <a:solidFill>
+                  <a:srgbClr val="000000"/>
+                </a:solidFill>
+                <a:latin typeface="Calibri" panose="020F0502020204030204" pitchFamily="34" charset="0"/>
+                <a:ea typeface="Calibri" panose="020F0502020204030204" pitchFamily="34" charset="0"/>
+                <a:cs typeface="Arial" panose="020B0604020202020204" pitchFamily="34" charset="0"/>
+              </a:rPr>
+              <a:t>(</a:t>
+            </a:r>
+            <a:r>
+              <a:rPr lang="en-US" b="1" dirty="0">
+                <a:solidFill>
+                  <a:srgbClr val="008000"/>
+                </a:solidFill>
+                <a:latin typeface="Calibri" panose="020F0502020204030204" pitchFamily="34" charset="0"/>
+                <a:ea typeface="Calibri" panose="020F0502020204030204" pitchFamily="34" charset="0"/>
+                <a:cs typeface="Arial" panose="020B0604020202020204" pitchFamily="34" charset="0"/>
+              </a:rPr>
+              <a:t>"data"</a:t>
+            </a:r>
+            <a:r>
+              <a:rPr lang="en-US" dirty="0">
+                <a:solidFill>
+                  <a:srgbClr val="000000"/>
+                </a:solidFill>
+                <a:latin typeface="Calibri" panose="020F0502020204030204" pitchFamily="34" charset="0"/>
+                <a:ea typeface="Calibri" panose="020F0502020204030204" pitchFamily="34" charset="0"/>
+                <a:cs typeface="Arial" panose="020B0604020202020204" pitchFamily="34" charset="0"/>
+              </a:rPr>
+              <a:t>, </a:t>
+            </a:r>
+            <a:r>
+              <a:rPr lang="en-US" dirty="0" err="1">
+                <a:solidFill>
+                  <a:srgbClr val="000000"/>
+                </a:solidFill>
+                <a:latin typeface="Calibri" panose="020F0502020204030204" pitchFamily="34" charset="0"/>
+                <a:ea typeface="Calibri" panose="020F0502020204030204" pitchFamily="34" charset="0"/>
+                <a:cs typeface="Arial" panose="020B0604020202020204" pitchFamily="34" charset="0"/>
+              </a:rPr>
+              <a:t>buf</a:t>
+            </a:r>
+            <a:r>
+              <a:rPr lang="en-US" dirty="0">
+                <a:solidFill>
+                  <a:srgbClr val="000000"/>
+                </a:solidFill>
+                <a:latin typeface="Calibri" panose="020F0502020204030204" pitchFamily="34" charset="0"/>
+                <a:ea typeface="Calibri" panose="020F0502020204030204" pitchFamily="34" charset="0"/>
+                <a:cs typeface="Arial" panose="020B0604020202020204" pitchFamily="34" charset="0"/>
+              </a:rPr>
+              <a:t>);</a:t>
+            </a:r>
+            <a:br>
+              <a:rPr lang="en-US" dirty="0">
+                <a:solidFill>
+                  <a:srgbClr val="000000"/>
+                </a:solidFill>
+                <a:latin typeface="Calibri" panose="020F0502020204030204" pitchFamily="34" charset="0"/>
+                <a:ea typeface="Calibri" panose="020F0502020204030204" pitchFamily="34" charset="0"/>
+                <a:cs typeface="Arial" panose="020B0604020202020204" pitchFamily="34" charset="0"/>
+              </a:rPr>
+            </a:br>
+            <a:r>
+              <a:rPr lang="en-US" dirty="0">
+                <a:solidFill>
+                  <a:srgbClr val="000000"/>
+                </a:solidFill>
+                <a:latin typeface="Calibri" panose="020F0502020204030204" pitchFamily="34" charset="0"/>
+                <a:ea typeface="Calibri" panose="020F0502020204030204" pitchFamily="34" charset="0"/>
+                <a:cs typeface="Arial" panose="020B0604020202020204" pitchFamily="34" charset="0"/>
+              </a:rPr>
+              <a:t>    })</a:t>
+            </a:r>
+            <a:br>
+              <a:rPr lang="en-US" dirty="0">
+                <a:solidFill>
+                  <a:srgbClr val="000000"/>
+                </a:solidFill>
+                <a:latin typeface="Calibri" panose="020F0502020204030204" pitchFamily="34" charset="0"/>
+                <a:ea typeface="Calibri" panose="020F0502020204030204" pitchFamily="34" charset="0"/>
+                <a:cs typeface="Arial" panose="020B0604020202020204" pitchFamily="34" charset="0"/>
+              </a:rPr>
+            </a:br>
+            <a:r>
+              <a:rPr lang="en-US" dirty="0">
+                <a:solidFill>
+                  <a:srgbClr val="000000"/>
+                </a:solidFill>
+                <a:latin typeface="Calibri" panose="020F0502020204030204" pitchFamily="34" charset="0"/>
+                <a:ea typeface="Calibri" panose="020F0502020204030204" pitchFamily="34" charset="0"/>
+                <a:cs typeface="Arial" panose="020B0604020202020204" pitchFamily="34" charset="0"/>
+              </a:rPr>
+              <a:t>    .on(</a:t>
+            </a:r>
+            <a:r>
+              <a:rPr lang="en-US" b="1" dirty="0">
+                <a:solidFill>
+                  <a:srgbClr val="008000"/>
+                </a:solidFill>
+                <a:latin typeface="Calibri" panose="020F0502020204030204" pitchFamily="34" charset="0"/>
+                <a:ea typeface="Calibri" panose="020F0502020204030204" pitchFamily="34" charset="0"/>
+                <a:cs typeface="Arial" panose="020B0604020202020204" pitchFamily="34" charset="0"/>
+              </a:rPr>
+              <a:t>"end"</a:t>
+            </a:r>
+            <a:r>
+              <a:rPr lang="en-US" dirty="0">
+                <a:solidFill>
+                  <a:srgbClr val="000000"/>
+                </a:solidFill>
+                <a:latin typeface="Calibri" panose="020F0502020204030204" pitchFamily="34" charset="0"/>
+                <a:ea typeface="Calibri" panose="020F0502020204030204" pitchFamily="34" charset="0"/>
+                <a:cs typeface="Arial" panose="020B0604020202020204" pitchFamily="34" charset="0"/>
+              </a:rPr>
+              <a:t>, </a:t>
+            </a:r>
+            <a:r>
+              <a:rPr lang="en-US" b="1" dirty="0">
+                <a:solidFill>
+                  <a:srgbClr val="000080"/>
+                </a:solidFill>
+                <a:latin typeface="Calibri" panose="020F0502020204030204" pitchFamily="34" charset="0"/>
+                <a:ea typeface="Calibri" panose="020F0502020204030204" pitchFamily="34" charset="0"/>
+                <a:cs typeface="Arial" panose="020B0604020202020204" pitchFamily="34" charset="0"/>
+              </a:rPr>
+              <a:t>function</a:t>
+            </a:r>
+            <a:r>
+              <a:rPr lang="en-US" dirty="0">
+                <a:solidFill>
+                  <a:srgbClr val="000000"/>
+                </a:solidFill>
+                <a:latin typeface="Calibri" panose="020F0502020204030204" pitchFamily="34" charset="0"/>
+                <a:ea typeface="Calibri" panose="020F0502020204030204" pitchFamily="34" charset="0"/>
+                <a:cs typeface="Arial" panose="020B0604020202020204" pitchFamily="34" charset="0"/>
+              </a:rPr>
+              <a:t>() {</a:t>
+            </a:r>
+            <a:br>
+              <a:rPr lang="en-US" dirty="0">
+                <a:solidFill>
+                  <a:srgbClr val="000000"/>
+                </a:solidFill>
+                <a:latin typeface="Calibri" panose="020F0502020204030204" pitchFamily="34" charset="0"/>
+                <a:ea typeface="Calibri" panose="020F0502020204030204" pitchFamily="34" charset="0"/>
+                <a:cs typeface="Arial" panose="020B0604020202020204" pitchFamily="34" charset="0"/>
+              </a:rPr>
+            </a:br>
+            <a:r>
+              <a:rPr lang="en-US" dirty="0">
+                <a:solidFill>
+                  <a:srgbClr val="000000"/>
+                </a:solidFill>
+                <a:latin typeface="Calibri" panose="020F0502020204030204" pitchFamily="34" charset="0"/>
+                <a:ea typeface="Calibri" panose="020F0502020204030204" pitchFamily="34" charset="0"/>
+                <a:cs typeface="Arial" panose="020B0604020202020204" pitchFamily="34" charset="0"/>
+              </a:rPr>
+              <a:t>        </a:t>
+            </a:r>
+            <a:r>
+              <a:rPr lang="en-US" b="1" i="1" dirty="0">
+                <a:solidFill>
+                  <a:srgbClr val="660E7A"/>
+                </a:solidFill>
+                <a:latin typeface="Calibri" panose="020F0502020204030204" pitchFamily="34" charset="0"/>
+                <a:ea typeface="Calibri" panose="020F0502020204030204" pitchFamily="34" charset="0"/>
+                <a:cs typeface="Arial" panose="020B0604020202020204" pitchFamily="34" charset="0"/>
+              </a:rPr>
+              <a:t>console</a:t>
+            </a:r>
+            <a:r>
+              <a:rPr lang="en-US" dirty="0">
+                <a:solidFill>
+                  <a:srgbClr val="000000"/>
+                </a:solidFill>
+                <a:latin typeface="Calibri" panose="020F0502020204030204" pitchFamily="34" charset="0"/>
+                <a:ea typeface="Calibri" panose="020F0502020204030204" pitchFamily="34" charset="0"/>
+                <a:cs typeface="Arial" panose="020B0604020202020204" pitchFamily="34" charset="0"/>
+              </a:rPr>
+              <a:t>.</a:t>
+            </a:r>
+            <a:r>
+              <a:rPr lang="en-US" dirty="0">
+                <a:solidFill>
+                  <a:srgbClr val="7A7A43"/>
+                </a:solidFill>
+                <a:latin typeface="Calibri" panose="020F0502020204030204" pitchFamily="34" charset="0"/>
+                <a:ea typeface="Calibri" panose="020F0502020204030204" pitchFamily="34" charset="0"/>
+                <a:cs typeface="Arial" panose="020B0604020202020204" pitchFamily="34" charset="0"/>
+              </a:rPr>
+              <a:t>log</a:t>
+            </a:r>
+            <a:r>
+              <a:rPr lang="en-US" dirty="0">
+                <a:solidFill>
+                  <a:srgbClr val="000000"/>
+                </a:solidFill>
+                <a:latin typeface="Calibri" panose="020F0502020204030204" pitchFamily="34" charset="0"/>
+                <a:ea typeface="Calibri" panose="020F0502020204030204" pitchFamily="34" charset="0"/>
+                <a:cs typeface="Arial" panose="020B0604020202020204" pitchFamily="34" charset="0"/>
+              </a:rPr>
+              <a:t>(</a:t>
+            </a:r>
+            <a:r>
+              <a:rPr lang="en-US" b="1" dirty="0">
+                <a:solidFill>
+                  <a:srgbClr val="008000"/>
+                </a:solidFill>
+                <a:latin typeface="Calibri" panose="020F0502020204030204" pitchFamily="34" charset="0"/>
+                <a:ea typeface="Calibri" panose="020F0502020204030204" pitchFamily="34" charset="0"/>
+                <a:cs typeface="Arial" panose="020B0604020202020204" pitchFamily="34" charset="0"/>
+              </a:rPr>
+              <a:t>"end"</a:t>
+            </a:r>
+            <a:r>
+              <a:rPr lang="en-US" dirty="0">
+                <a:solidFill>
+                  <a:srgbClr val="000000"/>
+                </a:solidFill>
+                <a:latin typeface="Calibri" panose="020F0502020204030204" pitchFamily="34" charset="0"/>
+                <a:ea typeface="Calibri" panose="020F0502020204030204" pitchFamily="34" charset="0"/>
+                <a:cs typeface="Arial" panose="020B0604020202020204" pitchFamily="34" charset="0"/>
+              </a:rPr>
+              <a:t>);</a:t>
+            </a:r>
+            <a:br>
+              <a:rPr lang="en-US" dirty="0">
+                <a:solidFill>
+                  <a:srgbClr val="000000"/>
+                </a:solidFill>
+                <a:latin typeface="Calibri" panose="020F0502020204030204" pitchFamily="34" charset="0"/>
+                <a:ea typeface="Calibri" panose="020F0502020204030204" pitchFamily="34" charset="0"/>
+                <a:cs typeface="Arial" panose="020B0604020202020204" pitchFamily="34" charset="0"/>
+              </a:rPr>
+            </a:br>
+            <a:r>
+              <a:rPr lang="en-US" dirty="0">
+                <a:solidFill>
+                  <a:srgbClr val="000000"/>
+                </a:solidFill>
+                <a:latin typeface="Calibri" panose="020F0502020204030204" pitchFamily="34" charset="0"/>
+                <a:ea typeface="Calibri" panose="020F0502020204030204" pitchFamily="34" charset="0"/>
+                <a:cs typeface="Arial" panose="020B0604020202020204" pitchFamily="34" charset="0"/>
+              </a:rPr>
+              <a:t>    });</a:t>
+            </a:r>
+            <a:endParaRPr lang="he-IL" dirty="0"/>
+          </a:p>
+        </p:txBody>
+      </p:sp>
+    </p:spTree>
+    <p:extLst>
+      <p:ext uri="{BB962C8B-B14F-4D97-AF65-F5344CB8AC3E}">
+        <p14:creationId xmlns:p14="http://schemas.microsoft.com/office/powerpoint/2010/main" val="1790732705"/>
+      </p:ext>
+    </p:extLst>
+  </p:cSld>
+  <p:clrMapOvr>
+    <a:masterClrMapping/>
+  </p:clrMapOvr>
+</p:sld>
+</file>
+
+<file path=ppt/slides/slide24.xml><?xml version="1.0" encoding="utf-8"?>
+<p:sld xmlns:a="http://schemas.openxmlformats.org/drawingml/2006/main" xmlns:r="http://schemas.openxmlformats.org/officeDocument/2006/relationships" xmlns:p="http://schemas.openxmlformats.org/presentationml/2006/main">
+  <p:cSld>
+    <p:spTree>
+      <p:nvGrpSpPr>
+        <p:cNvPr id="1" name=""/>
+        <p:cNvGrpSpPr/>
+        <p:nvPr/>
+      </p:nvGrpSpPr>
+      <p:grpSpPr>
+        <a:xfrm>
+          <a:off x="0" y="0"/>
+          <a:ext cx="0" cy="0"/>
+          <a:chOff x="0" y="0"/>
+          <a:chExt cx="0" cy="0"/>
+        </a:xfrm>
+      </p:grpSpPr>
+      <p:sp>
+        <p:nvSpPr>
+          <p:cNvPr id="2" name="Title 1">
+            <a:extLst>
+              <a:ext uri="{FF2B5EF4-FFF2-40B4-BE49-F238E27FC236}">
+                <a16:creationId xmlns:a16="http://schemas.microsoft.com/office/drawing/2014/main" id="{F99B41BE-02A4-4727-BE00-A3508B926237}"/>
+              </a:ext>
+            </a:extLst>
+          </p:cNvPr>
+          <p:cNvSpPr>
+            <a:spLocks noGrp="1"/>
+          </p:cNvSpPr>
+          <p:nvPr>
+            <p:ph type="title"/>
+          </p:nvPr>
+        </p:nvSpPr>
+        <p:spPr/>
+        <p:txBody>
+          <a:bodyPr/>
+          <a:lstStyle/>
+          <a:p>
+            <a:r>
+              <a:rPr lang="en-US" dirty="0"/>
+              <a:t>error Event</a:t>
+            </a:r>
+            <a:endParaRPr lang="he-IL" dirty="0"/>
+          </a:p>
+        </p:txBody>
+      </p:sp>
+      <p:sp>
+        <p:nvSpPr>
+          <p:cNvPr id="3" name="Footer Placeholder 2">
+            <a:extLst>
+              <a:ext uri="{FF2B5EF4-FFF2-40B4-BE49-F238E27FC236}">
+                <a16:creationId xmlns:a16="http://schemas.microsoft.com/office/drawing/2014/main" id="{0C658C87-254B-4AEA-934F-EF9D8537D02E}"/>
+              </a:ext>
+            </a:extLst>
+          </p:cNvPr>
+          <p:cNvSpPr>
+            <a:spLocks noGrp="1"/>
+          </p:cNvSpPr>
+          <p:nvPr>
+            <p:ph type="ftr" sz="quarter" idx="11"/>
+          </p:nvPr>
+        </p:nvSpPr>
+        <p:spPr/>
+        <p:txBody>
+          <a:bodyPr/>
+          <a:lstStyle/>
+          <a:p>
+            <a:r>
+              <a:rPr lang="en-US"/>
+              <a:t>© 2017 Ori Calvo</a:t>
+            </a:r>
+            <a:endParaRPr lang="en-US" dirty="0"/>
+          </a:p>
+        </p:txBody>
+      </p:sp>
+      <p:sp>
+        <p:nvSpPr>
+          <p:cNvPr id="4" name="Slide Number Placeholder 3">
+            <a:extLst>
+              <a:ext uri="{FF2B5EF4-FFF2-40B4-BE49-F238E27FC236}">
+                <a16:creationId xmlns:a16="http://schemas.microsoft.com/office/drawing/2014/main" id="{F3325A7C-F26C-4274-8D7C-81B913F2C0B4}"/>
+              </a:ext>
+            </a:extLst>
+          </p:cNvPr>
+          <p:cNvSpPr>
+            <a:spLocks noGrp="1"/>
+          </p:cNvSpPr>
+          <p:nvPr>
+            <p:ph type="sldNum" sz="quarter" idx="12"/>
+          </p:nvPr>
+        </p:nvSpPr>
+        <p:spPr/>
+        <p:txBody>
+          <a:bodyPr>
+            <a:normAutofit fontScale="85000" lnSpcReduction="20000"/>
+          </a:bodyPr>
+          <a:lstStyle/>
+          <a:p>
+            <a:fld id="{87B78B44-2135-4DB2-B732-E7D5FFF77B6A}" type="slidenum">
+              <a:rPr lang="en-US" smtClean="0"/>
+              <a:pPr/>
+              <a:t>24</a:t>
+            </a:fld>
+            <a:endParaRPr lang="en-US"/>
+          </a:p>
+        </p:txBody>
+      </p:sp>
+      <p:sp>
+        <p:nvSpPr>
+          <p:cNvPr id="5" name="Content Placeholder 4">
+            <a:extLst>
+              <a:ext uri="{FF2B5EF4-FFF2-40B4-BE49-F238E27FC236}">
+                <a16:creationId xmlns:a16="http://schemas.microsoft.com/office/drawing/2014/main" id="{F158B047-C5EA-4930-B13A-ED36C931B90C}"/>
+              </a:ext>
+            </a:extLst>
+          </p:cNvPr>
+          <p:cNvSpPr>
+            <a:spLocks noGrp="1"/>
+          </p:cNvSpPr>
+          <p:nvPr>
+            <p:ph sz="quarter" idx="1"/>
+          </p:nvPr>
+        </p:nvSpPr>
+        <p:spPr/>
+        <p:txBody>
+          <a:bodyPr/>
+          <a:lstStyle/>
+          <a:p>
+            <a:r>
+              <a:rPr lang="en-US" dirty="0"/>
+              <a:t>As for any </a:t>
+            </a:r>
+            <a:r>
+              <a:rPr lang="en-US" dirty="0" err="1">
+                <a:solidFill>
+                  <a:srgbClr val="FF0000"/>
+                </a:solidFill>
+              </a:rPr>
+              <a:t>EventEmitter</a:t>
+            </a:r>
+            <a:r>
+              <a:rPr lang="en-US" dirty="0"/>
+              <a:t>, you must handle the error event. Else, Node.js kills your process</a:t>
+            </a:r>
+            <a:endParaRPr lang="he-IL" dirty="0"/>
+          </a:p>
+        </p:txBody>
+      </p:sp>
+      <p:sp>
+        <p:nvSpPr>
+          <p:cNvPr id="7" name="Rectangle 6">
+            <a:extLst>
+              <a:ext uri="{FF2B5EF4-FFF2-40B4-BE49-F238E27FC236}">
+                <a16:creationId xmlns:a16="http://schemas.microsoft.com/office/drawing/2014/main" id="{F2892C79-2A77-425B-949E-7CA8E97A1EB0}"/>
+              </a:ext>
+            </a:extLst>
+          </p:cNvPr>
+          <p:cNvSpPr/>
+          <p:nvPr/>
+        </p:nvSpPr>
+        <p:spPr>
+          <a:xfrm>
+            <a:off x="2277080" y="2941141"/>
+            <a:ext cx="4824536" cy="3139321"/>
+          </a:xfrm>
+          <a:prstGeom prst="rect">
+            <a:avLst/>
+          </a:prstGeom>
+          <a:solidFill>
+            <a:schemeClr val="accent1">
+              <a:lumMod val="40000"/>
+              <a:lumOff val="60000"/>
+            </a:schemeClr>
+          </a:solidFill>
+        </p:spPr>
+        <p:txBody>
+          <a:bodyPr wrap="square">
+            <a:spAutoFit/>
+          </a:bodyPr>
+          <a:lstStyle/>
+          <a:p>
+            <a:r>
+              <a:rPr lang="en-US" b="1" dirty="0" err="1">
+                <a:solidFill>
+                  <a:srgbClr val="000080"/>
+                </a:solidFill>
+                <a:latin typeface="Calibri" panose="020F0502020204030204" pitchFamily="34" charset="0"/>
+                <a:ea typeface="Calibri" panose="020F0502020204030204" pitchFamily="34" charset="0"/>
+                <a:cs typeface="Arial" panose="020B0604020202020204" pitchFamily="34" charset="0"/>
+              </a:rPr>
+              <a:t>var</a:t>
+            </a:r>
+            <a:r>
+              <a:rPr lang="en-US" b="1" dirty="0">
+                <a:solidFill>
+                  <a:srgbClr val="000080"/>
+                </a:solidFill>
+                <a:latin typeface="Calibri" panose="020F0502020204030204" pitchFamily="34" charset="0"/>
+                <a:ea typeface="Calibri" panose="020F0502020204030204" pitchFamily="34" charset="0"/>
+                <a:cs typeface="Arial" panose="020B0604020202020204" pitchFamily="34" charset="0"/>
+              </a:rPr>
+              <a:t> </a:t>
+            </a:r>
+            <a:r>
+              <a:rPr lang="en-US" dirty="0">
+                <a:solidFill>
+                  <a:srgbClr val="458383"/>
+                </a:solidFill>
+                <a:latin typeface="Calibri" panose="020F0502020204030204" pitchFamily="34" charset="0"/>
+                <a:ea typeface="Calibri" panose="020F0502020204030204" pitchFamily="34" charset="0"/>
+                <a:cs typeface="Arial" panose="020B0604020202020204" pitchFamily="34" charset="0"/>
+              </a:rPr>
+              <a:t>net </a:t>
+            </a:r>
+            <a:r>
+              <a:rPr lang="en-US" dirty="0">
+                <a:solidFill>
+                  <a:srgbClr val="000000"/>
+                </a:solidFill>
+                <a:latin typeface="Calibri" panose="020F0502020204030204" pitchFamily="34" charset="0"/>
+                <a:ea typeface="Calibri" panose="020F0502020204030204" pitchFamily="34" charset="0"/>
+                <a:cs typeface="Arial" panose="020B0604020202020204" pitchFamily="34" charset="0"/>
+              </a:rPr>
+              <a:t>= require(</a:t>
+            </a:r>
+            <a:r>
+              <a:rPr lang="en-US" b="1" dirty="0">
+                <a:solidFill>
+                  <a:srgbClr val="008000"/>
+                </a:solidFill>
+                <a:latin typeface="Calibri" panose="020F0502020204030204" pitchFamily="34" charset="0"/>
+                <a:ea typeface="Calibri" panose="020F0502020204030204" pitchFamily="34" charset="0"/>
+                <a:cs typeface="Arial" panose="020B0604020202020204" pitchFamily="34" charset="0"/>
+              </a:rPr>
+              <a:t>'net'</a:t>
+            </a:r>
+            <a:r>
+              <a:rPr lang="en-US" dirty="0">
+                <a:solidFill>
+                  <a:srgbClr val="000000"/>
+                </a:solidFill>
+                <a:latin typeface="Calibri" panose="020F0502020204030204" pitchFamily="34" charset="0"/>
+                <a:ea typeface="Calibri" panose="020F0502020204030204" pitchFamily="34" charset="0"/>
+                <a:cs typeface="Arial" panose="020B0604020202020204" pitchFamily="34" charset="0"/>
+              </a:rPr>
+              <a:t>);</a:t>
+            </a:r>
+            <a:br>
+              <a:rPr lang="en-US" dirty="0">
+                <a:solidFill>
+                  <a:srgbClr val="000000"/>
+                </a:solidFill>
+                <a:latin typeface="Calibri" panose="020F0502020204030204" pitchFamily="34" charset="0"/>
+                <a:ea typeface="Calibri" panose="020F0502020204030204" pitchFamily="34" charset="0"/>
+                <a:cs typeface="Arial" panose="020B0604020202020204" pitchFamily="34" charset="0"/>
+              </a:rPr>
+            </a:br>
+            <a:br>
+              <a:rPr lang="en-US" dirty="0">
+                <a:solidFill>
+                  <a:srgbClr val="000000"/>
+                </a:solidFill>
+                <a:latin typeface="Calibri" panose="020F0502020204030204" pitchFamily="34" charset="0"/>
+                <a:ea typeface="Calibri" panose="020F0502020204030204" pitchFamily="34" charset="0"/>
+                <a:cs typeface="Arial" panose="020B0604020202020204" pitchFamily="34" charset="0"/>
+              </a:rPr>
+            </a:br>
+            <a:r>
+              <a:rPr lang="en-US" b="1" dirty="0" err="1">
+                <a:solidFill>
+                  <a:srgbClr val="000080"/>
+                </a:solidFill>
+                <a:latin typeface="Calibri" panose="020F0502020204030204" pitchFamily="34" charset="0"/>
+                <a:ea typeface="Calibri" panose="020F0502020204030204" pitchFamily="34" charset="0"/>
+                <a:cs typeface="Arial" panose="020B0604020202020204" pitchFamily="34" charset="0"/>
+              </a:rPr>
+              <a:t>var</a:t>
+            </a:r>
+            <a:r>
+              <a:rPr lang="en-US" b="1" dirty="0">
+                <a:solidFill>
+                  <a:srgbClr val="000080"/>
+                </a:solidFill>
+                <a:latin typeface="Calibri" panose="020F0502020204030204" pitchFamily="34" charset="0"/>
+                <a:ea typeface="Calibri" panose="020F0502020204030204" pitchFamily="34" charset="0"/>
+                <a:cs typeface="Arial" panose="020B0604020202020204" pitchFamily="34" charset="0"/>
+              </a:rPr>
+              <a:t> </a:t>
+            </a:r>
+            <a:r>
+              <a:rPr lang="en-US" dirty="0">
+                <a:solidFill>
+                  <a:srgbClr val="458383"/>
+                </a:solidFill>
+                <a:latin typeface="Calibri" panose="020F0502020204030204" pitchFamily="34" charset="0"/>
+                <a:ea typeface="Calibri" panose="020F0502020204030204" pitchFamily="34" charset="0"/>
+                <a:cs typeface="Arial" panose="020B0604020202020204" pitchFamily="34" charset="0"/>
+              </a:rPr>
+              <a:t>server </a:t>
+            </a:r>
+            <a:r>
+              <a:rPr lang="en-US" dirty="0">
+                <a:solidFill>
+                  <a:srgbClr val="000000"/>
+                </a:solidFill>
+                <a:latin typeface="Calibri" panose="020F0502020204030204" pitchFamily="34" charset="0"/>
+                <a:ea typeface="Calibri" panose="020F0502020204030204" pitchFamily="34" charset="0"/>
+                <a:cs typeface="Arial" panose="020B0604020202020204" pitchFamily="34" charset="0"/>
+              </a:rPr>
+              <a:t>= </a:t>
+            </a:r>
+            <a:r>
+              <a:rPr lang="en-US" dirty="0" err="1">
+                <a:solidFill>
+                  <a:srgbClr val="458383"/>
+                </a:solidFill>
+                <a:latin typeface="Calibri" panose="020F0502020204030204" pitchFamily="34" charset="0"/>
+                <a:ea typeface="Calibri" panose="020F0502020204030204" pitchFamily="34" charset="0"/>
+                <a:cs typeface="Arial" panose="020B0604020202020204" pitchFamily="34" charset="0"/>
+              </a:rPr>
+              <a:t>net</a:t>
+            </a:r>
+            <a:r>
+              <a:rPr lang="en-US" dirty="0" err="1">
+                <a:solidFill>
+                  <a:srgbClr val="000000"/>
+                </a:solidFill>
+                <a:latin typeface="Calibri" panose="020F0502020204030204" pitchFamily="34" charset="0"/>
+                <a:ea typeface="Calibri" panose="020F0502020204030204" pitchFamily="34" charset="0"/>
+                <a:cs typeface="Arial" panose="020B0604020202020204" pitchFamily="34" charset="0"/>
+              </a:rPr>
+              <a:t>.createServer</a:t>
+            </a:r>
+            <a:r>
+              <a:rPr lang="en-US" dirty="0">
+                <a:solidFill>
+                  <a:srgbClr val="000000"/>
+                </a:solidFill>
+                <a:latin typeface="Calibri" panose="020F0502020204030204" pitchFamily="34" charset="0"/>
+                <a:ea typeface="Calibri" panose="020F0502020204030204" pitchFamily="34" charset="0"/>
+                <a:cs typeface="Arial" panose="020B0604020202020204" pitchFamily="34" charset="0"/>
+              </a:rPr>
+              <a:t>(</a:t>
+            </a:r>
+            <a:r>
+              <a:rPr lang="en-US" b="1" dirty="0">
+                <a:solidFill>
+                  <a:srgbClr val="000080"/>
+                </a:solidFill>
+                <a:latin typeface="Calibri" panose="020F0502020204030204" pitchFamily="34" charset="0"/>
+                <a:ea typeface="Calibri" panose="020F0502020204030204" pitchFamily="34" charset="0"/>
+                <a:cs typeface="Arial" panose="020B0604020202020204" pitchFamily="34" charset="0"/>
+              </a:rPr>
+              <a:t>function</a:t>
+            </a:r>
+            <a:r>
+              <a:rPr lang="en-US" dirty="0">
+                <a:solidFill>
+                  <a:srgbClr val="000000"/>
+                </a:solidFill>
+                <a:latin typeface="Calibri" panose="020F0502020204030204" pitchFamily="34" charset="0"/>
+                <a:ea typeface="Calibri" panose="020F0502020204030204" pitchFamily="34" charset="0"/>
+                <a:cs typeface="Arial" panose="020B0604020202020204" pitchFamily="34" charset="0"/>
+              </a:rPr>
+              <a:t>(socket) {</a:t>
+            </a:r>
+            <a:br>
+              <a:rPr lang="en-US" dirty="0">
+                <a:solidFill>
+                  <a:srgbClr val="000000"/>
+                </a:solidFill>
+                <a:latin typeface="Calibri" panose="020F0502020204030204" pitchFamily="34" charset="0"/>
+                <a:ea typeface="Calibri" panose="020F0502020204030204" pitchFamily="34" charset="0"/>
+                <a:cs typeface="Arial" panose="020B0604020202020204" pitchFamily="34" charset="0"/>
+              </a:rPr>
+            </a:br>
+            <a:r>
+              <a:rPr lang="en-US" dirty="0">
+                <a:solidFill>
+                  <a:srgbClr val="000000"/>
+                </a:solidFill>
+                <a:latin typeface="Calibri" panose="020F0502020204030204" pitchFamily="34" charset="0"/>
+                <a:ea typeface="Calibri" panose="020F0502020204030204" pitchFamily="34" charset="0"/>
+                <a:cs typeface="Arial" panose="020B0604020202020204" pitchFamily="34" charset="0"/>
+              </a:rPr>
+              <a:t>    </a:t>
+            </a:r>
+            <a:r>
+              <a:rPr lang="en-US" b="1" i="1" dirty="0">
+                <a:solidFill>
+                  <a:srgbClr val="660E7A"/>
+                </a:solidFill>
+                <a:latin typeface="Calibri" panose="020F0502020204030204" pitchFamily="34" charset="0"/>
+                <a:ea typeface="Calibri" panose="020F0502020204030204" pitchFamily="34" charset="0"/>
+                <a:cs typeface="Arial" panose="020B0604020202020204" pitchFamily="34" charset="0"/>
+              </a:rPr>
+              <a:t>console</a:t>
+            </a:r>
+            <a:r>
+              <a:rPr lang="en-US" dirty="0">
+                <a:solidFill>
+                  <a:srgbClr val="000000"/>
+                </a:solidFill>
+                <a:latin typeface="Calibri" panose="020F0502020204030204" pitchFamily="34" charset="0"/>
+                <a:ea typeface="Calibri" panose="020F0502020204030204" pitchFamily="34" charset="0"/>
+                <a:cs typeface="Arial" panose="020B0604020202020204" pitchFamily="34" charset="0"/>
+              </a:rPr>
+              <a:t>.</a:t>
+            </a:r>
+            <a:r>
+              <a:rPr lang="en-US" dirty="0">
+                <a:solidFill>
+                  <a:srgbClr val="7A7A43"/>
+                </a:solidFill>
+                <a:latin typeface="Calibri" panose="020F0502020204030204" pitchFamily="34" charset="0"/>
+                <a:ea typeface="Calibri" panose="020F0502020204030204" pitchFamily="34" charset="0"/>
+                <a:cs typeface="Arial" panose="020B0604020202020204" pitchFamily="34" charset="0"/>
+              </a:rPr>
+              <a:t>log</a:t>
+            </a:r>
+            <a:r>
+              <a:rPr lang="en-US" dirty="0">
+                <a:solidFill>
+                  <a:srgbClr val="000000"/>
+                </a:solidFill>
+                <a:latin typeface="Calibri" panose="020F0502020204030204" pitchFamily="34" charset="0"/>
+                <a:ea typeface="Calibri" panose="020F0502020204030204" pitchFamily="34" charset="0"/>
+                <a:cs typeface="Arial" panose="020B0604020202020204" pitchFamily="34" charset="0"/>
+              </a:rPr>
+              <a:t>(</a:t>
+            </a:r>
+            <a:r>
+              <a:rPr lang="en-US" b="1" dirty="0">
+                <a:solidFill>
+                  <a:srgbClr val="008000"/>
+                </a:solidFill>
+                <a:latin typeface="Calibri" panose="020F0502020204030204" pitchFamily="34" charset="0"/>
+                <a:ea typeface="Calibri" panose="020F0502020204030204" pitchFamily="34" charset="0"/>
+                <a:cs typeface="Arial" panose="020B0604020202020204" pitchFamily="34" charset="0"/>
+              </a:rPr>
+              <a:t>"New connection"</a:t>
+            </a:r>
+            <a:r>
+              <a:rPr lang="en-US" dirty="0">
+                <a:solidFill>
+                  <a:srgbClr val="000000"/>
+                </a:solidFill>
+                <a:latin typeface="Calibri" panose="020F0502020204030204" pitchFamily="34" charset="0"/>
+                <a:ea typeface="Calibri" panose="020F0502020204030204" pitchFamily="34" charset="0"/>
+                <a:cs typeface="Arial" panose="020B0604020202020204" pitchFamily="34" charset="0"/>
+              </a:rPr>
+              <a:t>);</a:t>
+            </a:r>
+            <a:br>
+              <a:rPr lang="en-US" dirty="0">
+                <a:solidFill>
+                  <a:srgbClr val="000000"/>
+                </a:solidFill>
+                <a:latin typeface="Calibri" panose="020F0502020204030204" pitchFamily="34" charset="0"/>
+                <a:ea typeface="Calibri" panose="020F0502020204030204" pitchFamily="34" charset="0"/>
+                <a:cs typeface="Arial" panose="020B0604020202020204" pitchFamily="34" charset="0"/>
+              </a:rPr>
+            </a:br>
+            <a:br>
+              <a:rPr lang="en-US" dirty="0">
+                <a:solidFill>
+                  <a:srgbClr val="000000"/>
+                </a:solidFill>
+                <a:latin typeface="Calibri" panose="020F0502020204030204" pitchFamily="34" charset="0"/>
+                <a:ea typeface="Calibri" panose="020F0502020204030204" pitchFamily="34" charset="0"/>
+                <a:cs typeface="Arial" panose="020B0604020202020204" pitchFamily="34" charset="0"/>
+              </a:rPr>
+            </a:br>
+            <a:r>
+              <a:rPr lang="en-US" dirty="0">
+                <a:solidFill>
+                  <a:srgbClr val="000000"/>
+                </a:solidFill>
+                <a:latin typeface="Calibri" panose="020F0502020204030204" pitchFamily="34" charset="0"/>
+                <a:ea typeface="Calibri" panose="020F0502020204030204" pitchFamily="34" charset="0"/>
+                <a:cs typeface="Arial" panose="020B0604020202020204" pitchFamily="34" charset="0"/>
+              </a:rPr>
+              <a:t>    </a:t>
+            </a:r>
+            <a:r>
+              <a:rPr lang="en-US" dirty="0" err="1">
+                <a:solidFill>
+                  <a:srgbClr val="000000"/>
+                </a:solidFill>
+                <a:latin typeface="Calibri" panose="020F0502020204030204" pitchFamily="34" charset="0"/>
+                <a:ea typeface="Calibri" panose="020F0502020204030204" pitchFamily="34" charset="0"/>
+                <a:cs typeface="Arial" panose="020B0604020202020204" pitchFamily="34" charset="0"/>
+              </a:rPr>
+              <a:t>socket.pipe</a:t>
+            </a:r>
+            <a:r>
+              <a:rPr lang="en-US" dirty="0">
+                <a:solidFill>
+                  <a:srgbClr val="000000"/>
+                </a:solidFill>
+                <a:latin typeface="Calibri" panose="020F0502020204030204" pitchFamily="34" charset="0"/>
+                <a:ea typeface="Calibri" panose="020F0502020204030204" pitchFamily="34" charset="0"/>
+                <a:cs typeface="Arial" panose="020B0604020202020204" pitchFamily="34" charset="0"/>
+              </a:rPr>
+              <a:t>(socket).on(</a:t>
+            </a:r>
+            <a:r>
+              <a:rPr lang="en-US" b="1" dirty="0">
+                <a:solidFill>
+                  <a:srgbClr val="008000"/>
+                </a:solidFill>
+                <a:latin typeface="Calibri" panose="020F0502020204030204" pitchFamily="34" charset="0"/>
+                <a:ea typeface="Calibri" panose="020F0502020204030204" pitchFamily="34" charset="0"/>
+                <a:cs typeface="Arial" panose="020B0604020202020204" pitchFamily="34" charset="0"/>
+              </a:rPr>
+              <a:t>"error"</a:t>
+            </a:r>
+            <a:r>
+              <a:rPr lang="en-US" dirty="0">
+                <a:solidFill>
+                  <a:srgbClr val="000000"/>
+                </a:solidFill>
+                <a:latin typeface="Calibri" panose="020F0502020204030204" pitchFamily="34" charset="0"/>
+                <a:ea typeface="Calibri" panose="020F0502020204030204" pitchFamily="34" charset="0"/>
+                <a:cs typeface="Arial" panose="020B0604020202020204" pitchFamily="34" charset="0"/>
+              </a:rPr>
+              <a:t>, </a:t>
+            </a:r>
+            <a:r>
+              <a:rPr lang="en-US" b="1" dirty="0">
+                <a:solidFill>
+                  <a:srgbClr val="000080"/>
+                </a:solidFill>
+                <a:latin typeface="Calibri" panose="020F0502020204030204" pitchFamily="34" charset="0"/>
+                <a:ea typeface="Calibri" panose="020F0502020204030204" pitchFamily="34" charset="0"/>
+                <a:cs typeface="Arial" panose="020B0604020202020204" pitchFamily="34" charset="0"/>
+              </a:rPr>
+              <a:t>function</a:t>
+            </a:r>
+            <a:r>
+              <a:rPr lang="en-US" dirty="0">
+                <a:solidFill>
+                  <a:srgbClr val="000000"/>
+                </a:solidFill>
+                <a:latin typeface="Calibri" panose="020F0502020204030204" pitchFamily="34" charset="0"/>
+                <a:ea typeface="Calibri" panose="020F0502020204030204" pitchFamily="34" charset="0"/>
+                <a:cs typeface="Arial" panose="020B0604020202020204" pitchFamily="34" charset="0"/>
+              </a:rPr>
+              <a:t>(err) {</a:t>
+            </a:r>
+            <a:br>
+              <a:rPr lang="en-US" dirty="0">
+                <a:solidFill>
+                  <a:srgbClr val="000000"/>
+                </a:solidFill>
+                <a:latin typeface="Calibri" panose="020F0502020204030204" pitchFamily="34" charset="0"/>
+                <a:ea typeface="Calibri" panose="020F0502020204030204" pitchFamily="34" charset="0"/>
+                <a:cs typeface="Arial" panose="020B0604020202020204" pitchFamily="34" charset="0"/>
+              </a:rPr>
+            </a:br>
+            <a:r>
+              <a:rPr lang="en-US" dirty="0">
+                <a:solidFill>
+                  <a:srgbClr val="000000"/>
+                </a:solidFill>
+                <a:latin typeface="Calibri" panose="020F0502020204030204" pitchFamily="34" charset="0"/>
+                <a:ea typeface="Calibri" panose="020F0502020204030204" pitchFamily="34" charset="0"/>
+                <a:cs typeface="Arial" panose="020B0604020202020204" pitchFamily="34" charset="0"/>
+              </a:rPr>
+              <a:t>        </a:t>
+            </a:r>
+            <a:r>
+              <a:rPr lang="en-US" b="1" i="1" dirty="0" err="1">
+                <a:solidFill>
+                  <a:srgbClr val="660E7A"/>
+                </a:solidFill>
+                <a:latin typeface="Calibri" panose="020F0502020204030204" pitchFamily="34" charset="0"/>
+                <a:ea typeface="Calibri" panose="020F0502020204030204" pitchFamily="34" charset="0"/>
+                <a:cs typeface="Arial" panose="020B0604020202020204" pitchFamily="34" charset="0"/>
+              </a:rPr>
+              <a:t>console</a:t>
+            </a:r>
+            <a:r>
+              <a:rPr lang="en-US" dirty="0" err="1">
+                <a:solidFill>
+                  <a:srgbClr val="000000"/>
+                </a:solidFill>
+                <a:latin typeface="Calibri" panose="020F0502020204030204" pitchFamily="34" charset="0"/>
+                <a:ea typeface="Calibri" panose="020F0502020204030204" pitchFamily="34" charset="0"/>
+                <a:cs typeface="Arial" panose="020B0604020202020204" pitchFamily="34" charset="0"/>
+              </a:rPr>
+              <a:t>.</a:t>
+            </a:r>
+            <a:r>
+              <a:rPr lang="en-US" dirty="0" err="1">
+                <a:solidFill>
+                  <a:srgbClr val="7A7A43"/>
+                </a:solidFill>
+                <a:latin typeface="Calibri" panose="020F0502020204030204" pitchFamily="34" charset="0"/>
+                <a:ea typeface="Calibri" panose="020F0502020204030204" pitchFamily="34" charset="0"/>
+                <a:cs typeface="Arial" panose="020B0604020202020204" pitchFamily="34" charset="0"/>
+              </a:rPr>
+              <a:t>error</a:t>
+            </a:r>
+            <a:r>
+              <a:rPr lang="en-US" dirty="0">
+                <a:solidFill>
+                  <a:srgbClr val="000000"/>
+                </a:solidFill>
+                <a:latin typeface="Calibri" panose="020F0502020204030204" pitchFamily="34" charset="0"/>
+                <a:ea typeface="Calibri" panose="020F0502020204030204" pitchFamily="34" charset="0"/>
+                <a:cs typeface="Arial" panose="020B0604020202020204" pitchFamily="34" charset="0"/>
+              </a:rPr>
+              <a:t>(err);</a:t>
+            </a:r>
+            <a:br>
+              <a:rPr lang="en-US" dirty="0">
+                <a:solidFill>
+                  <a:srgbClr val="000000"/>
+                </a:solidFill>
+                <a:latin typeface="Calibri" panose="020F0502020204030204" pitchFamily="34" charset="0"/>
+                <a:ea typeface="Calibri" panose="020F0502020204030204" pitchFamily="34" charset="0"/>
+                <a:cs typeface="Arial" panose="020B0604020202020204" pitchFamily="34" charset="0"/>
+              </a:rPr>
+            </a:br>
+            <a:r>
+              <a:rPr lang="en-US" dirty="0">
+                <a:solidFill>
+                  <a:srgbClr val="000000"/>
+                </a:solidFill>
+                <a:latin typeface="Calibri" panose="020F0502020204030204" pitchFamily="34" charset="0"/>
+                <a:ea typeface="Calibri" panose="020F0502020204030204" pitchFamily="34" charset="0"/>
+                <a:cs typeface="Arial" panose="020B0604020202020204" pitchFamily="34" charset="0"/>
+              </a:rPr>
+              <a:t>    });</a:t>
+            </a:r>
+            <a:br>
+              <a:rPr lang="en-US" dirty="0">
+                <a:solidFill>
+                  <a:srgbClr val="000000"/>
+                </a:solidFill>
+                <a:latin typeface="Calibri" panose="020F0502020204030204" pitchFamily="34" charset="0"/>
+                <a:ea typeface="Calibri" panose="020F0502020204030204" pitchFamily="34" charset="0"/>
+                <a:cs typeface="Arial" panose="020B0604020202020204" pitchFamily="34" charset="0"/>
+              </a:rPr>
+            </a:br>
+            <a:r>
+              <a:rPr lang="en-US" dirty="0">
+                <a:solidFill>
+                  <a:srgbClr val="000000"/>
+                </a:solidFill>
+                <a:latin typeface="Calibri" panose="020F0502020204030204" pitchFamily="34" charset="0"/>
+                <a:ea typeface="Calibri" panose="020F0502020204030204" pitchFamily="34" charset="0"/>
+                <a:cs typeface="Arial" panose="020B0604020202020204" pitchFamily="34" charset="0"/>
+              </a:rPr>
+              <a:t>});</a:t>
+            </a:r>
+            <a:br>
+              <a:rPr lang="en-US" dirty="0">
+                <a:solidFill>
+                  <a:srgbClr val="000000"/>
+                </a:solidFill>
+                <a:latin typeface="Calibri" panose="020F0502020204030204" pitchFamily="34" charset="0"/>
+                <a:ea typeface="Calibri" panose="020F0502020204030204" pitchFamily="34" charset="0"/>
+                <a:cs typeface="Arial" panose="020B0604020202020204" pitchFamily="34" charset="0"/>
+              </a:rPr>
+            </a:br>
+            <a:br>
+              <a:rPr lang="en-US" dirty="0">
+                <a:solidFill>
+                  <a:srgbClr val="000000"/>
+                </a:solidFill>
+                <a:latin typeface="Calibri" panose="020F0502020204030204" pitchFamily="34" charset="0"/>
+                <a:ea typeface="Calibri" panose="020F0502020204030204" pitchFamily="34" charset="0"/>
+                <a:cs typeface="Arial" panose="020B0604020202020204" pitchFamily="34" charset="0"/>
+              </a:rPr>
+            </a:br>
+            <a:r>
+              <a:rPr lang="en-US" dirty="0" err="1">
+                <a:solidFill>
+                  <a:srgbClr val="458383"/>
+                </a:solidFill>
+                <a:latin typeface="Calibri" panose="020F0502020204030204" pitchFamily="34" charset="0"/>
+                <a:ea typeface="Calibri" panose="020F0502020204030204" pitchFamily="34" charset="0"/>
+                <a:cs typeface="Arial" panose="020B0604020202020204" pitchFamily="34" charset="0"/>
+              </a:rPr>
+              <a:t>server</a:t>
+            </a:r>
+            <a:r>
+              <a:rPr lang="en-US" dirty="0" err="1">
+                <a:solidFill>
+                  <a:srgbClr val="000000"/>
+                </a:solidFill>
+                <a:latin typeface="Calibri" panose="020F0502020204030204" pitchFamily="34" charset="0"/>
+                <a:ea typeface="Calibri" panose="020F0502020204030204" pitchFamily="34" charset="0"/>
+                <a:cs typeface="Arial" panose="020B0604020202020204" pitchFamily="34" charset="0"/>
+              </a:rPr>
+              <a:t>.listen</a:t>
+            </a:r>
+            <a:r>
+              <a:rPr lang="en-US" dirty="0">
+                <a:solidFill>
+                  <a:srgbClr val="000000"/>
+                </a:solidFill>
+                <a:latin typeface="Calibri" panose="020F0502020204030204" pitchFamily="34" charset="0"/>
+                <a:ea typeface="Calibri" panose="020F0502020204030204" pitchFamily="34" charset="0"/>
+                <a:cs typeface="Arial" panose="020B0604020202020204" pitchFamily="34" charset="0"/>
+              </a:rPr>
+              <a:t>(</a:t>
+            </a:r>
+            <a:r>
+              <a:rPr lang="en-US" dirty="0">
+                <a:solidFill>
+                  <a:srgbClr val="0000FF"/>
+                </a:solidFill>
+                <a:latin typeface="Calibri" panose="020F0502020204030204" pitchFamily="34" charset="0"/>
+                <a:ea typeface="Calibri" panose="020F0502020204030204" pitchFamily="34" charset="0"/>
+                <a:cs typeface="Arial" panose="020B0604020202020204" pitchFamily="34" charset="0"/>
+              </a:rPr>
+              <a:t>1337</a:t>
+            </a:r>
+            <a:r>
+              <a:rPr lang="en-US" dirty="0">
+                <a:solidFill>
+                  <a:srgbClr val="000000"/>
+                </a:solidFill>
+                <a:latin typeface="Calibri" panose="020F0502020204030204" pitchFamily="34" charset="0"/>
+                <a:ea typeface="Calibri" panose="020F0502020204030204" pitchFamily="34" charset="0"/>
+                <a:cs typeface="Arial" panose="020B0604020202020204" pitchFamily="34" charset="0"/>
+              </a:rPr>
+              <a:t>, </a:t>
+            </a:r>
+            <a:r>
+              <a:rPr lang="en-US" b="1" dirty="0">
+                <a:solidFill>
+                  <a:srgbClr val="008000"/>
+                </a:solidFill>
+                <a:latin typeface="Calibri" panose="020F0502020204030204" pitchFamily="34" charset="0"/>
+                <a:ea typeface="Calibri" panose="020F0502020204030204" pitchFamily="34" charset="0"/>
+                <a:cs typeface="Arial" panose="020B0604020202020204" pitchFamily="34" charset="0"/>
+              </a:rPr>
+              <a:t>'127.0.0.1'</a:t>
+            </a:r>
+            <a:r>
+              <a:rPr lang="en-US" dirty="0">
+                <a:solidFill>
+                  <a:srgbClr val="000000"/>
+                </a:solidFill>
+                <a:latin typeface="Calibri" panose="020F0502020204030204" pitchFamily="34" charset="0"/>
+                <a:ea typeface="Calibri" panose="020F0502020204030204" pitchFamily="34" charset="0"/>
+                <a:cs typeface="Arial" panose="020B0604020202020204" pitchFamily="34" charset="0"/>
+              </a:rPr>
+              <a:t>);</a:t>
+            </a:r>
+            <a:endParaRPr lang="he-IL" dirty="0"/>
+          </a:p>
+        </p:txBody>
+      </p:sp>
+    </p:spTree>
+    <p:extLst>
+      <p:ext uri="{BB962C8B-B14F-4D97-AF65-F5344CB8AC3E}">
+        <p14:creationId xmlns:p14="http://schemas.microsoft.com/office/powerpoint/2010/main" val="737044754"/>
+      </p:ext>
+    </p:extLst>
+  </p:cSld>
+  <p:clrMapOvr>
+    <a:masterClrMapping/>
+  </p:clrMapOvr>
+</p:sld>
+</file>
+
+<file path=ppt/slides/slide25.xml><?xml version="1.0" encoding="utf-8"?>
+<p:sld xmlns:a="http://schemas.openxmlformats.org/drawingml/2006/main" xmlns:r="http://schemas.openxmlformats.org/officeDocument/2006/relationships" xmlns:p="http://schemas.openxmlformats.org/presentationml/2006/main">
+  <p:cSld>
+    <p:spTree>
+      <p:nvGrpSpPr>
+        <p:cNvPr id="1" name=""/>
+        <p:cNvGrpSpPr/>
+        <p:nvPr/>
+      </p:nvGrpSpPr>
+      <p:grpSpPr>
+        <a:xfrm>
+          <a:off x="0" y="0"/>
+          <a:ext cx="0" cy="0"/>
+          <a:chOff x="0" y="0"/>
+          <a:chExt cx="0" cy="0"/>
+        </a:xfrm>
+      </p:grpSpPr>
+      <p:sp>
+        <p:nvSpPr>
+          <p:cNvPr id="2" name="Title 1">
+            <a:extLst>
+              <a:ext uri="{FF2B5EF4-FFF2-40B4-BE49-F238E27FC236}">
+                <a16:creationId xmlns:a16="http://schemas.microsoft.com/office/drawing/2014/main" id="{733B9319-F29F-44E2-9E55-D45D925B7F97}"/>
+              </a:ext>
+            </a:extLst>
+          </p:cNvPr>
+          <p:cNvSpPr>
+            <a:spLocks noGrp="1"/>
+          </p:cNvSpPr>
+          <p:nvPr>
+            <p:ph type="title"/>
+          </p:nvPr>
+        </p:nvSpPr>
+        <p:spPr/>
+        <p:txBody>
+          <a:bodyPr/>
+          <a:lstStyle/>
+          <a:p>
+            <a:r>
+              <a:rPr lang="en-US" dirty="0"/>
+              <a:t>TCP Client</a:t>
+            </a:r>
+            <a:endParaRPr lang="he-IL" dirty="0"/>
+          </a:p>
+        </p:txBody>
+      </p:sp>
+      <p:sp>
+        <p:nvSpPr>
+          <p:cNvPr id="3" name="Footer Placeholder 2">
+            <a:extLst>
+              <a:ext uri="{FF2B5EF4-FFF2-40B4-BE49-F238E27FC236}">
+                <a16:creationId xmlns:a16="http://schemas.microsoft.com/office/drawing/2014/main" id="{162D8CE8-73BA-4767-B9F3-F89ED6E27936}"/>
+              </a:ext>
+            </a:extLst>
+          </p:cNvPr>
+          <p:cNvSpPr>
+            <a:spLocks noGrp="1"/>
+          </p:cNvSpPr>
+          <p:nvPr>
+            <p:ph type="ftr" sz="quarter" idx="11"/>
+          </p:nvPr>
+        </p:nvSpPr>
+        <p:spPr/>
+        <p:txBody>
+          <a:bodyPr/>
+          <a:lstStyle/>
+          <a:p>
+            <a:r>
+              <a:rPr lang="en-US"/>
+              <a:t>© 2017 Ori Calvo</a:t>
+            </a:r>
+            <a:endParaRPr lang="en-US" dirty="0"/>
+          </a:p>
+        </p:txBody>
+      </p:sp>
+      <p:sp>
+        <p:nvSpPr>
+          <p:cNvPr id="4" name="Slide Number Placeholder 3">
+            <a:extLst>
+              <a:ext uri="{FF2B5EF4-FFF2-40B4-BE49-F238E27FC236}">
+                <a16:creationId xmlns:a16="http://schemas.microsoft.com/office/drawing/2014/main" id="{F401A1A4-5880-4119-BBA9-2C2E39289524}"/>
+              </a:ext>
+            </a:extLst>
+          </p:cNvPr>
+          <p:cNvSpPr>
+            <a:spLocks noGrp="1"/>
+          </p:cNvSpPr>
+          <p:nvPr>
+            <p:ph type="sldNum" sz="quarter" idx="12"/>
+          </p:nvPr>
+        </p:nvSpPr>
+        <p:spPr/>
+        <p:txBody>
+          <a:bodyPr>
+            <a:normAutofit fontScale="85000" lnSpcReduction="20000"/>
+          </a:bodyPr>
+          <a:lstStyle/>
+          <a:p>
+            <a:fld id="{87B78B44-2135-4DB2-B732-E7D5FFF77B6A}" type="slidenum">
+              <a:rPr lang="en-US" smtClean="0"/>
+              <a:pPr/>
+              <a:t>25</a:t>
+            </a:fld>
+            <a:endParaRPr lang="en-US"/>
+          </a:p>
+        </p:txBody>
+      </p:sp>
+      <p:sp>
+        <p:nvSpPr>
+          <p:cNvPr id="5" name="Content Placeholder 4">
+            <a:extLst>
+              <a:ext uri="{FF2B5EF4-FFF2-40B4-BE49-F238E27FC236}">
+                <a16:creationId xmlns:a16="http://schemas.microsoft.com/office/drawing/2014/main" id="{BCBF31A8-70F5-468C-8C9B-8BA517B7F9A0}"/>
+              </a:ext>
+            </a:extLst>
+          </p:cNvPr>
+          <p:cNvSpPr>
+            <a:spLocks noGrp="1"/>
+          </p:cNvSpPr>
+          <p:nvPr>
+            <p:ph sz="quarter" idx="1"/>
+          </p:nvPr>
+        </p:nvSpPr>
+        <p:spPr/>
+        <p:txBody>
+          <a:bodyPr/>
+          <a:lstStyle/>
+          <a:p>
+            <a:r>
+              <a:rPr lang="en-US" dirty="0"/>
+              <a:t>Same paradigm</a:t>
+            </a:r>
+            <a:endParaRPr lang="he-IL" dirty="0"/>
+          </a:p>
+        </p:txBody>
+      </p:sp>
+      <p:sp>
+        <p:nvSpPr>
+          <p:cNvPr id="6" name="Rectangle 5">
+            <a:extLst>
+              <a:ext uri="{FF2B5EF4-FFF2-40B4-BE49-F238E27FC236}">
+                <a16:creationId xmlns:a16="http://schemas.microsoft.com/office/drawing/2014/main" id="{0DF85539-F416-4BA1-875A-FF8DA338A4D1}"/>
+              </a:ext>
+            </a:extLst>
+          </p:cNvPr>
+          <p:cNvSpPr/>
+          <p:nvPr/>
+        </p:nvSpPr>
+        <p:spPr>
+          <a:xfrm>
+            <a:off x="2312876" y="2348880"/>
+            <a:ext cx="4518248" cy="4031873"/>
+          </a:xfrm>
+          <a:prstGeom prst="rect">
+            <a:avLst/>
+          </a:prstGeom>
+          <a:solidFill>
+            <a:schemeClr val="accent1">
+              <a:lumMod val="40000"/>
+              <a:lumOff val="60000"/>
+            </a:schemeClr>
+          </a:solidFill>
+        </p:spPr>
+        <p:txBody>
+          <a:bodyPr wrap="square">
+            <a:spAutoFit/>
+          </a:bodyPr>
+          <a:lstStyle/>
+          <a:p>
+            <a:r>
+              <a:rPr lang="en-US" sz="1600" b="1" dirty="0" err="1">
+                <a:solidFill>
+                  <a:srgbClr val="000080"/>
+                </a:solidFill>
+                <a:latin typeface="Calibri" panose="020F0502020204030204" pitchFamily="34" charset="0"/>
+                <a:ea typeface="Calibri" panose="020F0502020204030204" pitchFamily="34" charset="0"/>
+                <a:cs typeface="Arial" panose="020B0604020202020204" pitchFamily="34" charset="0"/>
+              </a:rPr>
+              <a:t>const</a:t>
+            </a:r>
+            <a:r>
+              <a:rPr lang="en-US" sz="1600" b="1" dirty="0">
+                <a:solidFill>
+                  <a:srgbClr val="000080"/>
+                </a:solidFill>
+                <a:latin typeface="Calibri" panose="020F0502020204030204" pitchFamily="34" charset="0"/>
+                <a:ea typeface="Calibri" panose="020F0502020204030204" pitchFamily="34" charset="0"/>
+                <a:cs typeface="Arial" panose="020B0604020202020204" pitchFamily="34" charset="0"/>
+              </a:rPr>
+              <a:t> </a:t>
+            </a:r>
+            <a:r>
+              <a:rPr lang="en-US" sz="1600" dirty="0">
+                <a:solidFill>
+                  <a:srgbClr val="458383"/>
+                </a:solidFill>
+                <a:latin typeface="Calibri" panose="020F0502020204030204" pitchFamily="34" charset="0"/>
+                <a:ea typeface="Calibri" panose="020F0502020204030204" pitchFamily="34" charset="0"/>
+                <a:cs typeface="Arial" panose="020B0604020202020204" pitchFamily="34" charset="0"/>
+              </a:rPr>
+              <a:t>net </a:t>
+            </a:r>
+            <a:r>
+              <a:rPr lang="en-US" sz="1600" dirty="0">
+                <a:solidFill>
+                  <a:srgbClr val="000000"/>
+                </a:solidFill>
+                <a:latin typeface="Calibri" panose="020F0502020204030204" pitchFamily="34" charset="0"/>
+                <a:ea typeface="Calibri" panose="020F0502020204030204" pitchFamily="34" charset="0"/>
+                <a:cs typeface="Arial" panose="020B0604020202020204" pitchFamily="34" charset="0"/>
+              </a:rPr>
+              <a:t>= require(</a:t>
+            </a:r>
+            <a:r>
+              <a:rPr lang="en-US" sz="1600" b="1" dirty="0">
+                <a:solidFill>
+                  <a:srgbClr val="008000"/>
+                </a:solidFill>
+                <a:latin typeface="Calibri" panose="020F0502020204030204" pitchFamily="34" charset="0"/>
+                <a:ea typeface="Calibri" panose="020F0502020204030204" pitchFamily="34" charset="0"/>
+                <a:cs typeface="Arial" panose="020B0604020202020204" pitchFamily="34" charset="0"/>
+              </a:rPr>
+              <a:t>'net'</a:t>
+            </a:r>
+            <a:r>
+              <a:rPr lang="en-US" sz="1600" dirty="0">
+                <a:solidFill>
+                  <a:srgbClr val="000000"/>
+                </a:solidFill>
+                <a:latin typeface="Calibri" panose="020F0502020204030204" pitchFamily="34" charset="0"/>
+                <a:ea typeface="Calibri" panose="020F0502020204030204" pitchFamily="34" charset="0"/>
+                <a:cs typeface="Arial" panose="020B0604020202020204" pitchFamily="34" charset="0"/>
+              </a:rPr>
+              <a:t>);</a:t>
+            </a:r>
+            <a:br>
+              <a:rPr lang="en-US" sz="1600" dirty="0">
+                <a:solidFill>
+                  <a:srgbClr val="000000"/>
+                </a:solidFill>
+                <a:latin typeface="Calibri" panose="020F0502020204030204" pitchFamily="34" charset="0"/>
+                <a:ea typeface="Calibri" panose="020F0502020204030204" pitchFamily="34" charset="0"/>
+                <a:cs typeface="Arial" panose="020B0604020202020204" pitchFamily="34" charset="0"/>
+              </a:rPr>
+            </a:br>
+            <a:br>
+              <a:rPr lang="en-US" sz="1600" dirty="0">
+                <a:solidFill>
+                  <a:srgbClr val="000000"/>
+                </a:solidFill>
+                <a:latin typeface="Calibri" panose="020F0502020204030204" pitchFamily="34" charset="0"/>
+                <a:ea typeface="Calibri" panose="020F0502020204030204" pitchFamily="34" charset="0"/>
+                <a:cs typeface="Arial" panose="020B0604020202020204" pitchFamily="34" charset="0"/>
+              </a:rPr>
+            </a:br>
+            <a:r>
+              <a:rPr lang="en-US" sz="1600" b="1" dirty="0" err="1">
+                <a:solidFill>
+                  <a:srgbClr val="000080"/>
+                </a:solidFill>
+                <a:latin typeface="Calibri" panose="020F0502020204030204" pitchFamily="34" charset="0"/>
+                <a:ea typeface="Calibri" panose="020F0502020204030204" pitchFamily="34" charset="0"/>
+                <a:cs typeface="Arial" panose="020B0604020202020204" pitchFamily="34" charset="0"/>
+              </a:rPr>
+              <a:t>const</a:t>
+            </a:r>
+            <a:r>
+              <a:rPr lang="en-US" sz="1600" b="1" dirty="0">
+                <a:solidFill>
+                  <a:srgbClr val="000080"/>
+                </a:solidFill>
+                <a:latin typeface="Calibri" panose="020F0502020204030204" pitchFamily="34" charset="0"/>
+                <a:ea typeface="Calibri" panose="020F0502020204030204" pitchFamily="34" charset="0"/>
+                <a:cs typeface="Arial" panose="020B0604020202020204" pitchFamily="34" charset="0"/>
+              </a:rPr>
+              <a:t> </a:t>
+            </a:r>
+            <a:r>
+              <a:rPr lang="en-US" sz="1600" dirty="0">
+                <a:solidFill>
+                  <a:srgbClr val="458383"/>
+                </a:solidFill>
+                <a:latin typeface="Calibri" panose="020F0502020204030204" pitchFamily="34" charset="0"/>
+                <a:ea typeface="Calibri" panose="020F0502020204030204" pitchFamily="34" charset="0"/>
+                <a:cs typeface="Arial" panose="020B0604020202020204" pitchFamily="34" charset="0"/>
+              </a:rPr>
+              <a:t>client </a:t>
+            </a:r>
+            <a:r>
+              <a:rPr lang="en-US" sz="1600" dirty="0">
+                <a:solidFill>
+                  <a:srgbClr val="000000"/>
+                </a:solidFill>
+                <a:latin typeface="Calibri" panose="020F0502020204030204" pitchFamily="34" charset="0"/>
+                <a:ea typeface="Calibri" panose="020F0502020204030204" pitchFamily="34" charset="0"/>
+                <a:cs typeface="Arial" panose="020B0604020202020204" pitchFamily="34" charset="0"/>
+              </a:rPr>
+              <a:t>= </a:t>
+            </a:r>
+            <a:r>
+              <a:rPr lang="en-US" sz="1600" b="1" dirty="0">
+                <a:solidFill>
+                  <a:srgbClr val="000080"/>
+                </a:solidFill>
+                <a:latin typeface="Calibri" panose="020F0502020204030204" pitchFamily="34" charset="0"/>
+                <a:ea typeface="Calibri" panose="020F0502020204030204" pitchFamily="34" charset="0"/>
+                <a:cs typeface="Arial" panose="020B0604020202020204" pitchFamily="34" charset="0"/>
+              </a:rPr>
+              <a:t>new </a:t>
+            </a:r>
+            <a:r>
+              <a:rPr lang="en-US" sz="1600" dirty="0" err="1">
+                <a:solidFill>
+                  <a:srgbClr val="458383"/>
+                </a:solidFill>
+                <a:latin typeface="Calibri" panose="020F0502020204030204" pitchFamily="34" charset="0"/>
+                <a:ea typeface="Calibri" panose="020F0502020204030204" pitchFamily="34" charset="0"/>
+                <a:cs typeface="Arial" panose="020B0604020202020204" pitchFamily="34" charset="0"/>
+              </a:rPr>
+              <a:t>net</a:t>
+            </a:r>
+            <a:r>
+              <a:rPr lang="en-US" sz="1600" dirty="0" err="1">
+                <a:solidFill>
+                  <a:srgbClr val="000000"/>
+                </a:solidFill>
+                <a:latin typeface="Calibri" panose="020F0502020204030204" pitchFamily="34" charset="0"/>
+                <a:ea typeface="Calibri" panose="020F0502020204030204" pitchFamily="34" charset="0"/>
+                <a:cs typeface="Arial" panose="020B0604020202020204" pitchFamily="34" charset="0"/>
+              </a:rPr>
+              <a:t>.Socket</a:t>
+            </a:r>
+            <a:r>
+              <a:rPr lang="en-US" sz="1600" dirty="0">
+                <a:solidFill>
+                  <a:srgbClr val="000000"/>
+                </a:solidFill>
+                <a:latin typeface="Calibri" panose="020F0502020204030204" pitchFamily="34" charset="0"/>
+                <a:ea typeface="Calibri" panose="020F0502020204030204" pitchFamily="34" charset="0"/>
+                <a:cs typeface="Arial" panose="020B0604020202020204" pitchFamily="34" charset="0"/>
+              </a:rPr>
+              <a:t>();</a:t>
+            </a:r>
+            <a:br>
+              <a:rPr lang="en-US" sz="1600" dirty="0">
+                <a:solidFill>
+                  <a:srgbClr val="000000"/>
+                </a:solidFill>
+                <a:latin typeface="Calibri" panose="020F0502020204030204" pitchFamily="34" charset="0"/>
+                <a:ea typeface="Calibri" panose="020F0502020204030204" pitchFamily="34" charset="0"/>
+                <a:cs typeface="Arial" panose="020B0604020202020204" pitchFamily="34" charset="0"/>
+              </a:rPr>
+            </a:br>
+            <a:br>
+              <a:rPr lang="en-US" sz="1600" dirty="0">
+                <a:solidFill>
+                  <a:srgbClr val="000000"/>
+                </a:solidFill>
+                <a:latin typeface="Calibri" panose="020F0502020204030204" pitchFamily="34" charset="0"/>
+                <a:ea typeface="Calibri" panose="020F0502020204030204" pitchFamily="34" charset="0"/>
+                <a:cs typeface="Arial" panose="020B0604020202020204" pitchFamily="34" charset="0"/>
+              </a:rPr>
+            </a:br>
+            <a:r>
+              <a:rPr lang="en-US" sz="1600" dirty="0">
+                <a:solidFill>
+                  <a:srgbClr val="458383"/>
+                </a:solidFill>
+                <a:latin typeface="Calibri" panose="020F0502020204030204" pitchFamily="34" charset="0"/>
+                <a:ea typeface="Calibri" panose="020F0502020204030204" pitchFamily="34" charset="0"/>
+                <a:cs typeface="Arial" panose="020B0604020202020204" pitchFamily="34" charset="0"/>
+              </a:rPr>
+              <a:t>client</a:t>
+            </a:r>
+            <a:br>
+              <a:rPr lang="en-US" sz="1600" dirty="0">
+                <a:solidFill>
+                  <a:srgbClr val="458383"/>
+                </a:solidFill>
+                <a:latin typeface="Calibri" panose="020F0502020204030204" pitchFamily="34" charset="0"/>
+                <a:ea typeface="Calibri" panose="020F0502020204030204" pitchFamily="34" charset="0"/>
+                <a:cs typeface="Arial" panose="020B0604020202020204" pitchFamily="34" charset="0"/>
+              </a:rPr>
+            </a:br>
+            <a:r>
+              <a:rPr lang="en-US" sz="1600" dirty="0">
+                <a:solidFill>
+                  <a:srgbClr val="458383"/>
+                </a:solidFill>
+                <a:latin typeface="Calibri" panose="020F0502020204030204" pitchFamily="34" charset="0"/>
+                <a:ea typeface="Calibri" panose="020F0502020204030204" pitchFamily="34" charset="0"/>
+                <a:cs typeface="Arial" panose="020B0604020202020204" pitchFamily="34" charset="0"/>
+              </a:rPr>
+              <a:t>    </a:t>
+            </a:r>
+            <a:r>
+              <a:rPr lang="en-US" sz="1600" dirty="0">
+                <a:solidFill>
+                  <a:srgbClr val="000000"/>
+                </a:solidFill>
+                <a:latin typeface="Calibri" panose="020F0502020204030204" pitchFamily="34" charset="0"/>
+                <a:ea typeface="Calibri" panose="020F0502020204030204" pitchFamily="34" charset="0"/>
+                <a:cs typeface="Arial" panose="020B0604020202020204" pitchFamily="34" charset="0"/>
+              </a:rPr>
+              <a:t>.</a:t>
+            </a:r>
+            <a:r>
+              <a:rPr lang="en-US" sz="1600" dirty="0">
+                <a:solidFill>
+                  <a:srgbClr val="7A7A43"/>
+                </a:solidFill>
+                <a:latin typeface="Calibri" panose="020F0502020204030204" pitchFamily="34" charset="0"/>
+                <a:ea typeface="Calibri" panose="020F0502020204030204" pitchFamily="34" charset="0"/>
+                <a:cs typeface="Arial" panose="020B0604020202020204" pitchFamily="34" charset="0"/>
+              </a:rPr>
+              <a:t>connect</a:t>
+            </a:r>
+            <a:r>
+              <a:rPr lang="en-US" sz="1600" dirty="0">
+                <a:solidFill>
+                  <a:srgbClr val="000000"/>
+                </a:solidFill>
+                <a:latin typeface="Calibri" panose="020F0502020204030204" pitchFamily="34" charset="0"/>
+                <a:ea typeface="Calibri" panose="020F0502020204030204" pitchFamily="34" charset="0"/>
+                <a:cs typeface="Arial" panose="020B0604020202020204" pitchFamily="34" charset="0"/>
+              </a:rPr>
+              <a:t>(</a:t>
+            </a:r>
+            <a:r>
+              <a:rPr lang="en-US" sz="1600" dirty="0">
+                <a:solidFill>
+                  <a:srgbClr val="0000FF"/>
+                </a:solidFill>
+                <a:latin typeface="Calibri" panose="020F0502020204030204" pitchFamily="34" charset="0"/>
+                <a:ea typeface="Calibri" panose="020F0502020204030204" pitchFamily="34" charset="0"/>
+                <a:cs typeface="Arial" panose="020B0604020202020204" pitchFamily="34" charset="0"/>
+              </a:rPr>
+              <a:t>1337</a:t>
+            </a:r>
+            <a:r>
+              <a:rPr lang="en-US" sz="1600" dirty="0">
+                <a:solidFill>
+                  <a:srgbClr val="000000"/>
+                </a:solidFill>
+                <a:latin typeface="Calibri" panose="020F0502020204030204" pitchFamily="34" charset="0"/>
+                <a:ea typeface="Calibri" panose="020F0502020204030204" pitchFamily="34" charset="0"/>
+                <a:cs typeface="Arial" panose="020B0604020202020204" pitchFamily="34" charset="0"/>
+              </a:rPr>
+              <a:t>, </a:t>
+            </a:r>
+            <a:r>
+              <a:rPr lang="en-US" sz="1600" b="1" dirty="0">
+                <a:solidFill>
+                  <a:srgbClr val="008000"/>
+                </a:solidFill>
+                <a:latin typeface="Calibri" panose="020F0502020204030204" pitchFamily="34" charset="0"/>
+                <a:ea typeface="Calibri" panose="020F0502020204030204" pitchFamily="34" charset="0"/>
+                <a:cs typeface="Arial" panose="020B0604020202020204" pitchFamily="34" charset="0"/>
+              </a:rPr>
+              <a:t>'127.0.0.1'</a:t>
+            </a:r>
+            <a:r>
+              <a:rPr lang="en-US" sz="1600" dirty="0">
+                <a:solidFill>
+                  <a:srgbClr val="000000"/>
+                </a:solidFill>
+                <a:latin typeface="Calibri" panose="020F0502020204030204" pitchFamily="34" charset="0"/>
+                <a:ea typeface="Calibri" panose="020F0502020204030204" pitchFamily="34" charset="0"/>
+                <a:cs typeface="Arial" panose="020B0604020202020204" pitchFamily="34" charset="0"/>
+              </a:rPr>
+              <a:t>, </a:t>
+            </a:r>
+            <a:r>
+              <a:rPr lang="en-US" sz="1600" b="1" dirty="0">
+                <a:solidFill>
+                  <a:srgbClr val="000080"/>
+                </a:solidFill>
+                <a:latin typeface="Calibri" panose="020F0502020204030204" pitchFamily="34" charset="0"/>
+                <a:ea typeface="Calibri" panose="020F0502020204030204" pitchFamily="34" charset="0"/>
+                <a:cs typeface="Arial" panose="020B0604020202020204" pitchFamily="34" charset="0"/>
+              </a:rPr>
+              <a:t>function </a:t>
+            </a:r>
+            <a:r>
+              <a:rPr lang="en-US" sz="1600" dirty="0">
+                <a:solidFill>
+                  <a:srgbClr val="000000"/>
+                </a:solidFill>
+                <a:latin typeface="Calibri" panose="020F0502020204030204" pitchFamily="34" charset="0"/>
+                <a:ea typeface="Calibri" panose="020F0502020204030204" pitchFamily="34" charset="0"/>
+                <a:cs typeface="Arial" panose="020B0604020202020204" pitchFamily="34" charset="0"/>
+              </a:rPr>
+              <a:t>() {</a:t>
+            </a:r>
+            <a:br>
+              <a:rPr lang="en-US" sz="1600" dirty="0">
+                <a:solidFill>
+                  <a:srgbClr val="000000"/>
+                </a:solidFill>
+                <a:latin typeface="Calibri" panose="020F0502020204030204" pitchFamily="34" charset="0"/>
+                <a:ea typeface="Calibri" panose="020F0502020204030204" pitchFamily="34" charset="0"/>
+                <a:cs typeface="Arial" panose="020B0604020202020204" pitchFamily="34" charset="0"/>
+              </a:rPr>
+            </a:br>
+            <a:r>
+              <a:rPr lang="en-US" sz="1600" dirty="0">
+                <a:solidFill>
+                  <a:srgbClr val="000000"/>
+                </a:solidFill>
+                <a:latin typeface="Calibri" panose="020F0502020204030204" pitchFamily="34" charset="0"/>
+                <a:ea typeface="Calibri" panose="020F0502020204030204" pitchFamily="34" charset="0"/>
+                <a:cs typeface="Arial" panose="020B0604020202020204" pitchFamily="34" charset="0"/>
+              </a:rPr>
+              <a:t>        </a:t>
+            </a:r>
+            <a:r>
+              <a:rPr lang="en-US" sz="1600" b="1" i="1" dirty="0">
+                <a:solidFill>
+                  <a:srgbClr val="660E7A"/>
+                </a:solidFill>
+                <a:latin typeface="Calibri" panose="020F0502020204030204" pitchFamily="34" charset="0"/>
+                <a:ea typeface="Calibri" panose="020F0502020204030204" pitchFamily="34" charset="0"/>
+                <a:cs typeface="Arial" panose="020B0604020202020204" pitchFamily="34" charset="0"/>
+              </a:rPr>
+              <a:t>console</a:t>
+            </a:r>
+            <a:r>
+              <a:rPr lang="en-US" sz="1600" dirty="0">
+                <a:solidFill>
+                  <a:srgbClr val="000000"/>
+                </a:solidFill>
+                <a:latin typeface="Calibri" panose="020F0502020204030204" pitchFamily="34" charset="0"/>
+                <a:ea typeface="Calibri" panose="020F0502020204030204" pitchFamily="34" charset="0"/>
+                <a:cs typeface="Arial" panose="020B0604020202020204" pitchFamily="34" charset="0"/>
+              </a:rPr>
+              <a:t>.</a:t>
+            </a:r>
+            <a:r>
+              <a:rPr lang="en-US" sz="1600" dirty="0">
+                <a:solidFill>
+                  <a:srgbClr val="7A7A43"/>
+                </a:solidFill>
+                <a:latin typeface="Calibri" panose="020F0502020204030204" pitchFamily="34" charset="0"/>
+                <a:ea typeface="Calibri" panose="020F0502020204030204" pitchFamily="34" charset="0"/>
+                <a:cs typeface="Arial" panose="020B0604020202020204" pitchFamily="34" charset="0"/>
+              </a:rPr>
+              <a:t>log</a:t>
+            </a:r>
+            <a:r>
+              <a:rPr lang="en-US" sz="1600" dirty="0">
+                <a:solidFill>
+                  <a:srgbClr val="000000"/>
+                </a:solidFill>
+                <a:latin typeface="Calibri" panose="020F0502020204030204" pitchFamily="34" charset="0"/>
+                <a:ea typeface="Calibri" panose="020F0502020204030204" pitchFamily="34" charset="0"/>
+                <a:cs typeface="Arial" panose="020B0604020202020204" pitchFamily="34" charset="0"/>
+              </a:rPr>
+              <a:t>(</a:t>
+            </a:r>
+            <a:r>
+              <a:rPr lang="en-US" sz="1600" b="1" dirty="0">
+                <a:solidFill>
+                  <a:srgbClr val="008000"/>
+                </a:solidFill>
+                <a:latin typeface="Calibri" panose="020F0502020204030204" pitchFamily="34" charset="0"/>
+                <a:ea typeface="Calibri" panose="020F0502020204030204" pitchFamily="34" charset="0"/>
+                <a:cs typeface="Arial" panose="020B0604020202020204" pitchFamily="34" charset="0"/>
+              </a:rPr>
+              <a:t>'Connected'</a:t>
+            </a:r>
+            <a:r>
+              <a:rPr lang="en-US" sz="1600" dirty="0">
+                <a:solidFill>
+                  <a:srgbClr val="000000"/>
+                </a:solidFill>
+                <a:latin typeface="Calibri" panose="020F0502020204030204" pitchFamily="34" charset="0"/>
+                <a:ea typeface="Calibri" panose="020F0502020204030204" pitchFamily="34" charset="0"/>
+                <a:cs typeface="Arial" panose="020B0604020202020204" pitchFamily="34" charset="0"/>
+              </a:rPr>
+              <a:t>);</a:t>
+            </a:r>
+            <a:br>
+              <a:rPr lang="en-US" sz="1600" dirty="0">
+                <a:solidFill>
+                  <a:srgbClr val="000000"/>
+                </a:solidFill>
+                <a:latin typeface="Calibri" panose="020F0502020204030204" pitchFamily="34" charset="0"/>
+                <a:ea typeface="Calibri" panose="020F0502020204030204" pitchFamily="34" charset="0"/>
+                <a:cs typeface="Arial" panose="020B0604020202020204" pitchFamily="34" charset="0"/>
+              </a:rPr>
+            </a:br>
+            <a:r>
+              <a:rPr lang="en-US" sz="1600" dirty="0">
+                <a:solidFill>
+                  <a:srgbClr val="000000"/>
+                </a:solidFill>
+                <a:latin typeface="Calibri" panose="020F0502020204030204" pitchFamily="34" charset="0"/>
+                <a:ea typeface="Calibri" panose="020F0502020204030204" pitchFamily="34" charset="0"/>
+                <a:cs typeface="Arial" panose="020B0604020202020204" pitchFamily="34" charset="0"/>
+              </a:rPr>
+              <a:t>        </a:t>
+            </a:r>
+            <a:r>
+              <a:rPr lang="en-US" sz="1600" dirty="0" err="1">
+                <a:solidFill>
+                  <a:srgbClr val="458383"/>
+                </a:solidFill>
+                <a:latin typeface="Calibri" panose="020F0502020204030204" pitchFamily="34" charset="0"/>
+                <a:ea typeface="Calibri" panose="020F0502020204030204" pitchFamily="34" charset="0"/>
+                <a:cs typeface="Arial" panose="020B0604020202020204" pitchFamily="34" charset="0"/>
+              </a:rPr>
+              <a:t>client</a:t>
+            </a:r>
+            <a:r>
+              <a:rPr lang="en-US" sz="1600" dirty="0" err="1">
+                <a:solidFill>
+                  <a:srgbClr val="000000"/>
+                </a:solidFill>
+                <a:latin typeface="Calibri" panose="020F0502020204030204" pitchFamily="34" charset="0"/>
+                <a:ea typeface="Calibri" panose="020F0502020204030204" pitchFamily="34" charset="0"/>
+                <a:cs typeface="Arial" panose="020B0604020202020204" pitchFamily="34" charset="0"/>
+              </a:rPr>
+              <a:t>.</a:t>
+            </a:r>
+            <a:r>
+              <a:rPr lang="en-US" sz="1600" dirty="0" err="1">
+                <a:solidFill>
+                  <a:srgbClr val="7A7A43"/>
+                </a:solidFill>
+                <a:latin typeface="Calibri" panose="020F0502020204030204" pitchFamily="34" charset="0"/>
+                <a:ea typeface="Calibri" panose="020F0502020204030204" pitchFamily="34" charset="0"/>
+                <a:cs typeface="Arial" panose="020B0604020202020204" pitchFamily="34" charset="0"/>
+              </a:rPr>
+              <a:t>write</a:t>
+            </a:r>
+            <a:r>
+              <a:rPr lang="en-US" sz="1600" dirty="0">
+                <a:solidFill>
+                  <a:srgbClr val="000000"/>
+                </a:solidFill>
+                <a:latin typeface="Calibri" panose="020F0502020204030204" pitchFamily="34" charset="0"/>
+                <a:ea typeface="Calibri" panose="020F0502020204030204" pitchFamily="34" charset="0"/>
+                <a:cs typeface="Arial" panose="020B0604020202020204" pitchFamily="34" charset="0"/>
+              </a:rPr>
+              <a:t>(</a:t>
+            </a:r>
+            <a:r>
+              <a:rPr lang="en-US" sz="1600" b="1" dirty="0">
+                <a:solidFill>
+                  <a:srgbClr val="008000"/>
+                </a:solidFill>
+                <a:latin typeface="Calibri" panose="020F0502020204030204" pitchFamily="34" charset="0"/>
+                <a:ea typeface="Calibri" panose="020F0502020204030204" pitchFamily="34" charset="0"/>
+                <a:cs typeface="Arial" panose="020B0604020202020204" pitchFamily="34" charset="0"/>
+              </a:rPr>
+              <a:t>'Hello, server'</a:t>
+            </a:r>
+            <a:r>
+              <a:rPr lang="en-US" sz="1600" dirty="0">
+                <a:solidFill>
+                  <a:srgbClr val="000000"/>
+                </a:solidFill>
+                <a:latin typeface="Calibri" panose="020F0502020204030204" pitchFamily="34" charset="0"/>
+                <a:ea typeface="Calibri" panose="020F0502020204030204" pitchFamily="34" charset="0"/>
+                <a:cs typeface="Arial" panose="020B0604020202020204" pitchFamily="34" charset="0"/>
+              </a:rPr>
+              <a:t>);</a:t>
+            </a:r>
+            <a:br>
+              <a:rPr lang="en-US" sz="1600" dirty="0">
+                <a:solidFill>
+                  <a:srgbClr val="000000"/>
+                </a:solidFill>
+                <a:latin typeface="Calibri" panose="020F0502020204030204" pitchFamily="34" charset="0"/>
+                <a:ea typeface="Calibri" panose="020F0502020204030204" pitchFamily="34" charset="0"/>
+                <a:cs typeface="Arial" panose="020B0604020202020204" pitchFamily="34" charset="0"/>
+              </a:rPr>
+            </a:br>
+            <a:r>
+              <a:rPr lang="en-US" sz="1600" dirty="0">
+                <a:solidFill>
+                  <a:srgbClr val="000000"/>
+                </a:solidFill>
+                <a:latin typeface="Calibri" panose="020F0502020204030204" pitchFamily="34" charset="0"/>
+                <a:ea typeface="Calibri" panose="020F0502020204030204" pitchFamily="34" charset="0"/>
+                <a:cs typeface="Arial" panose="020B0604020202020204" pitchFamily="34" charset="0"/>
+              </a:rPr>
+              <a:t>    })</a:t>
+            </a:r>
+            <a:br>
+              <a:rPr lang="en-US" sz="1600" dirty="0">
+                <a:solidFill>
+                  <a:srgbClr val="000000"/>
+                </a:solidFill>
+                <a:latin typeface="Calibri" panose="020F0502020204030204" pitchFamily="34" charset="0"/>
+                <a:ea typeface="Calibri" panose="020F0502020204030204" pitchFamily="34" charset="0"/>
+                <a:cs typeface="Arial" panose="020B0604020202020204" pitchFamily="34" charset="0"/>
+              </a:rPr>
+            </a:br>
+            <a:r>
+              <a:rPr lang="en-US" sz="1600" dirty="0">
+                <a:solidFill>
+                  <a:srgbClr val="000000"/>
+                </a:solidFill>
+                <a:latin typeface="Calibri" panose="020F0502020204030204" pitchFamily="34" charset="0"/>
+                <a:ea typeface="Calibri" panose="020F0502020204030204" pitchFamily="34" charset="0"/>
+                <a:cs typeface="Arial" panose="020B0604020202020204" pitchFamily="34" charset="0"/>
+              </a:rPr>
+              <a:t>    .on(</a:t>
+            </a:r>
+            <a:r>
+              <a:rPr lang="en-US" sz="1600" b="1" dirty="0">
+                <a:solidFill>
+                  <a:srgbClr val="008000"/>
+                </a:solidFill>
+                <a:latin typeface="Calibri" panose="020F0502020204030204" pitchFamily="34" charset="0"/>
+                <a:ea typeface="Calibri" panose="020F0502020204030204" pitchFamily="34" charset="0"/>
+                <a:cs typeface="Arial" panose="020B0604020202020204" pitchFamily="34" charset="0"/>
+              </a:rPr>
+              <a:t>'data'</a:t>
+            </a:r>
+            <a:r>
+              <a:rPr lang="en-US" sz="1600" dirty="0">
+                <a:solidFill>
+                  <a:srgbClr val="000000"/>
+                </a:solidFill>
+                <a:latin typeface="Calibri" panose="020F0502020204030204" pitchFamily="34" charset="0"/>
+                <a:ea typeface="Calibri" panose="020F0502020204030204" pitchFamily="34" charset="0"/>
+                <a:cs typeface="Arial" panose="020B0604020202020204" pitchFamily="34" charset="0"/>
+              </a:rPr>
+              <a:t>, </a:t>
+            </a:r>
+            <a:r>
+              <a:rPr lang="en-US" sz="1600" b="1" dirty="0">
+                <a:solidFill>
+                  <a:srgbClr val="000080"/>
+                </a:solidFill>
+                <a:latin typeface="Calibri" panose="020F0502020204030204" pitchFamily="34" charset="0"/>
+                <a:ea typeface="Calibri" panose="020F0502020204030204" pitchFamily="34" charset="0"/>
+                <a:cs typeface="Arial" panose="020B0604020202020204" pitchFamily="34" charset="0"/>
+              </a:rPr>
+              <a:t>function </a:t>
+            </a:r>
+            <a:r>
+              <a:rPr lang="en-US" sz="1600" dirty="0">
+                <a:solidFill>
+                  <a:srgbClr val="000000"/>
+                </a:solidFill>
+                <a:latin typeface="Calibri" panose="020F0502020204030204" pitchFamily="34" charset="0"/>
+                <a:ea typeface="Calibri" panose="020F0502020204030204" pitchFamily="34" charset="0"/>
+                <a:cs typeface="Arial" panose="020B0604020202020204" pitchFamily="34" charset="0"/>
+              </a:rPr>
+              <a:t>(data) {</a:t>
+            </a:r>
+            <a:br>
+              <a:rPr lang="en-US" sz="1600" dirty="0">
+                <a:solidFill>
+                  <a:srgbClr val="000000"/>
+                </a:solidFill>
+                <a:latin typeface="Calibri" panose="020F0502020204030204" pitchFamily="34" charset="0"/>
+                <a:ea typeface="Calibri" panose="020F0502020204030204" pitchFamily="34" charset="0"/>
+                <a:cs typeface="Arial" panose="020B0604020202020204" pitchFamily="34" charset="0"/>
+              </a:rPr>
+            </a:br>
+            <a:r>
+              <a:rPr lang="en-US" sz="1600" dirty="0">
+                <a:solidFill>
+                  <a:srgbClr val="000000"/>
+                </a:solidFill>
+                <a:latin typeface="Calibri" panose="020F0502020204030204" pitchFamily="34" charset="0"/>
+                <a:ea typeface="Calibri" panose="020F0502020204030204" pitchFamily="34" charset="0"/>
+                <a:cs typeface="Arial" panose="020B0604020202020204" pitchFamily="34" charset="0"/>
+              </a:rPr>
+              <a:t>        </a:t>
+            </a:r>
+            <a:r>
+              <a:rPr lang="en-US" sz="1600" b="1" i="1" dirty="0">
+                <a:solidFill>
+                  <a:srgbClr val="660E7A"/>
+                </a:solidFill>
+                <a:latin typeface="Calibri" panose="020F0502020204030204" pitchFamily="34" charset="0"/>
+                <a:ea typeface="Calibri" panose="020F0502020204030204" pitchFamily="34" charset="0"/>
+                <a:cs typeface="Arial" panose="020B0604020202020204" pitchFamily="34" charset="0"/>
+              </a:rPr>
+              <a:t>console</a:t>
+            </a:r>
+            <a:r>
+              <a:rPr lang="en-US" sz="1600" dirty="0">
+                <a:solidFill>
+                  <a:srgbClr val="000000"/>
+                </a:solidFill>
+                <a:latin typeface="Calibri" panose="020F0502020204030204" pitchFamily="34" charset="0"/>
+                <a:ea typeface="Calibri" panose="020F0502020204030204" pitchFamily="34" charset="0"/>
+                <a:cs typeface="Arial" panose="020B0604020202020204" pitchFamily="34" charset="0"/>
+              </a:rPr>
+              <a:t>.</a:t>
+            </a:r>
+            <a:r>
+              <a:rPr lang="en-US" sz="1600" dirty="0">
+                <a:solidFill>
+                  <a:srgbClr val="7A7A43"/>
+                </a:solidFill>
+                <a:latin typeface="Calibri" panose="020F0502020204030204" pitchFamily="34" charset="0"/>
+                <a:ea typeface="Calibri" panose="020F0502020204030204" pitchFamily="34" charset="0"/>
+                <a:cs typeface="Arial" panose="020B0604020202020204" pitchFamily="34" charset="0"/>
+              </a:rPr>
+              <a:t>log</a:t>
+            </a:r>
+            <a:r>
+              <a:rPr lang="en-US" sz="1600" dirty="0">
+                <a:solidFill>
+                  <a:srgbClr val="000000"/>
+                </a:solidFill>
+                <a:latin typeface="Calibri" panose="020F0502020204030204" pitchFamily="34" charset="0"/>
+                <a:ea typeface="Calibri" panose="020F0502020204030204" pitchFamily="34" charset="0"/>
+                <a:cs typeface="Arial" panose="020B0604020202020204" pitchFamily="34" charset="0"/>
+              </a:rPr>
+              <a:t>(</a:t>
+            </a:r>
+            <a:r>
+              <a:rPr lang="en-US" sz="1600" b="1" dirty="0">
+                <a:solidFill>
+                  <a:srgbClr val="008000"/>
+                </a:solidFill>
+                <a:latin typeface="Calibri" panose="020F0502020204030204" pitchFamily="34" charset="0"/>
+                <a:ea typeface="Calibri" panose="020F0502020204030204" pitchFamily="34" charset="0"/>
+                <a:cs typeface="Arial" panose="020B0604020202020204" pitchFamily="34" charset="0"/>
+              </a:rPr>
+              <a:t>'Received: ' </a:t>
+            </a:r>
+            <a:r>
+              <a:rPr lang="en-US" sz="1600" dirty="0">
+                <a:solidFill>
+                  <a:srgbClr val="000000"/>
+                </a:solidFill>
+                <a:latin typeface="Calibri" panose="020F0502020204030204" pitchFamily="34" charset="0"/>
+                <a:ea typeface="Calibri" panose="020F0502020204030204" pitchFamily="34" charset="0"/>
+                <a:cs typeface="Arial" panose="020B0604020202020204" pitchFamily="34" charset="0"/>
+              </a:rPr>
+              <a:t>+ data);</a:t>
+            </a:r>
+            <a:br>
+              <a:rPr lang="en-US" sz="1600" dirty="0">
+                <a:solidFill>
+                  <a:srgbClr val="000000"/>
+                </a:solidFill>
+                <a:latin typeface="Calibri" panose="020F0502020204030204" pitchFamily="34" charset="0"/>
+                <a:ea typeface="Calibri" panose="020F0502020204030204" pitchFamily="34" charset="0"/>
+                <a:cs typeface="Arial" panose="020B0604020202020204" pitchFamily="34" charset="0"/>
+              </a:rPr>
+            </a:br>
+            <a:r>
+              <a:rPr lang="en-US" sz="1600" dirty="0">
+                <a:solidFill>
+                  <a:srgbClr val="000000"/>
+                </a:solidFill>
+                <a:latin typeface="Calibri" panose="020F0502020204030204" pitchFamily="34" charset="0"/>
+                <a:ea typeface="Calibri" panose="020F0502020204030204" pitchFamily="34" charset="0"/>
+                <a:cs typeface="Arial" panose="020B0604020202020204" pitchFamily="34" charset="0"/>
+              </a:rPr>
+              <a:t>        </a:t>
+            </a:r>
+            <a:r>
+              <a:rPr lang="en-US" sz="1600" dirty="0" err="1">
+                <a:solidFill>
+                  <a:srgbClr val="458383"/>
+                </a:solidFill>
+                <a:latin typeface="Calibri" panose="020F0502020204030204" pitchFamily="34" charset="0"/>
+                <a:ea typeface="Calibri" panose="020F0502020204030204" pitchFamily="34" charset="0"/>
+                <a:cs typeface="Arial" panose="020B0604020202020204" pitchFamily="34" charset="0"/>
+              </a:rPr>
+              <a:t>client</a:t>
+            </a:r>
+            <a:r>
+              <a:rPr lang="en-US" sz="1600" dirty="0" err="1">
+                <a:solidFill>
+                  <a:srgbClr val="000000"/>
+                </a:solidFill>
+                <a:latin typeface="Calibri" panose="020F0502020204030204" pitchFamily="34" charset="0"/>
+                <a:ea typeface="Calibri" panose="020F0502020204030204" pitchFamily="34" charset="0"/>
+                <a:cs typeface="Arial" panose="020B0604020202020204" pitchFamily="34" charset="0"/>
+              </a:rPr>
+              <a:t>.destroy</a:t>
+            </a:r>
+            <a:r>
+              <a:rPr lang="en-US" sz="1600" dirty="0">
+                <a:solidFill>
+                  <a:srgbClr val="000000"/>
+                </a:solidFill>
+                <a:latin typeface="Calibri" panose="020F0502020204030204" pitchFamily="34" charset="0"/>
+                <a:ea typeface="Calibri" panose="020F0502020204030204" pitchFamily="34" charset="0"/>
+                <a:cs typeface="Arial" panose="020B0604020202020204" pitchFamily="34" charset="0"/>
+              </a:rPr>
+              <a:t>();</a:t>
+            </a:r>
+            <a:br>
+              <a:rPr lang="en-US" sz="1600" dirty="0">
+                <a:solidFill>
+                  <a:srgbClr val="000000"/>
+                </a:solidFill>
+                <a:latin typeface="Calibri" panose="020F0502020204030204" pitchFamily="34" charset="0"/>
+                <a:ea typeface="Calibri" panose="020F0502020204030204" pitchFamily="34" charset="0"/>
+                <a:cs typeface="Arial" panose="020B0604020202020204" pitchFamily="34" charset="0"/>
+              </a:rPr>
+            </a:br>
+            <a:r>
+              <a:rPr lang="en-US" sz="1600" dirty="0">
+                <a:solidFill>
+                  <a:srgbClr val="000000"/>
+                </a:solidFill>
+                <a:latin typeface="Calibri" panose="020F0502020204030204" pitchFamily="34" charset="0"/>
+                <a:ea typeface="Calibri" panose="020F0502020204030204" pitchFamily="34" charset="0"/>
+                <a:cs typeface="Arial" panose="020B0604020202020204" pitchFamily="34" charset="0"/>
+              </a:rPr>
+              <a:t>    })</a:t>
+            </a:r>
+            <a:br>
+              <a:rPr lang="en-US" sz="1600" dirty="0">
+                <a:solidFill>
+                  <a:srgbClr val="000000"/>
+                </a:solidFill>
+                <a:latin typeface="Calibri" panose="020F0502020204030204" pitchFamily="34" charset="0"/>
+                <a:ea typeface="Calibri" panose="020F0502020204030204" pitchFamily="34" charset="0"/>
+                <a:cs typeface="Arial" panose="020B0604020202020204" pitchFamily="34" charset="0"/>
+              </a:rPr>
+            </a:br>
+            <a:r>
+              <a:rPr lang="en-US" sz="1600" dirty="0">
+                <a:solidFill>
+                  <a:srgbClr val="000000"/>
+                </a:solidFill>
+                <a:latin typeface="Calibri" panose="020F0502020204030204" pitchFamily="34" charset="0"/>
+                <a:ea typeface="Calibri" panose="020F0502020204030204" pitchFamily="34" charset="0"/>
+                <a:cs typeface="Arial" panose="020B0604020202020204" pitchFamily="34" charset="0"/>
+              </a:rPr>
+              <a:t>    .on(</a:t>
+            </a:r>
+            <a:r>
+              <a:rPr lang="en-US" sz="1600" b="1" dirty="0">
+                <a:solidFill>
+                  <a:srgbClr val="008000"/>
+                </a:solidFill>
+                <a:latin typeface="Calibri" panose="020F0502020204030204" pitchFamily="34" charset="0"/>
+                <a:ea typeface="Calibri" panose="020F0502020204030204" pitchFamily="34" charset="0"/>
+                <a:cs typeface="Arial" panose="020B0604020202020204" pitchFamily="34" charset="0"/>
+              </a:rPr>
+              <a:t>'close'</a:t>
+            </a:r>
+            <a:r>
+              <a:rPr lang="en-US" sz="1600" dirty="0">
+                <a:solidFill>
+                  <a:srgbClr val="000000"/>
+                </a:solidFill>
+                <a:latin typeface="Calibri" panose="020F0502020204030204" pitchFamily="34" charset="0"/>
+                <a:ea typeface="Calibri" panose="020F0502020204030204" pitchFamily="34" charset="0"/>
+                <a:cs typeface="Arial" panose="020B0604020202020204" pitchFamily="34" charset="0"/>
+              </a:rPr>
+              <a:t>, </a:t>
+            </a:r>
+            <a:r>
+              <a:rPr lang="en-US" sz="1600" b="1" dirty="0">
+                <a:solidFill>
+                  <a:srgbClr val="000080"/>
+                </a:solidFill>
+                <a:latin typeface="Calibri" panose="020F0502020204030204" pitchFamily="34" charset="0"/>
+                <a:ea typeface="Calibri" panose="020F0502020204030204" pitchFamily="34" charset="0"/>
+                <a:cs typeface="Arial" panose="020B0604020202020204" pitchFamily="34" charset="0"/>
+              </a:rPr>
+              <a:t>function </a:t>
+            </a:r>
+            <a:r>
+              <a:rPr lang="en-US" sz="1600" dirty="0">
+                <a:solidFill>
+                  <a:srgbClr val="000000"/>
+                </a:solidFill>
+                <a:latin typeface="Calibri" panose="020F0502020204030204" pitchFamily="34" charset="0"/>
+                <a:ea typeface="Calibri" panose="020F0502020204030204" pitchFamily="34" charset="0"/>
+                <a:cs typeface="Arial" panose="020B0604020202020204" pitchFamily="34" charset="0"/>
+              </a:rPr>
+              <a:t>() {</a:t>
+            </a:r>
+            <a:br>
+              <a:rPr lang="en-US" sz="1600" dirty="0">
+                <a:solidFill>
+                  <a:srgbClr val="000000"/>
+                </a:solidFill>
+                <a:latin typeface="Calibri" panose="020F0502020204030204" pitchFamily="34" charset="0"/>
+                <a:ea typeface="Calibri" panose="020F0502020204030204" pitchFamily="34" charset="0"/>
+                <a:cs typeface="Arial" panose="020B0604020202020204" pitchFamily="34" charset="0"/>
+              </a:rPr>
+            </a:br>
+            <a:r>
+              <a:rPr lang="en-US" sz="1600" dirty="0">
+                <a:solidFill>
+                  <a:srgbClr val="000000"/>
+                </a:solidFill>
+                <a:latin typeface="Calibri" panose="020F0502020204030204" pitchFamily="34" charset="0"/>
+                <a:ea typeface="Calibri" panose="020F0502020204030204" pitchFamily="34" charset="0"/>
+                <a:cs typeface="Arial" panose="020B0604020202020204" pitchFamily="34" charset="0"/>
+              </a:rPr>
+              <a:t>        </a:t>
+            </a:r>
+            <a:r>
+              <a:rPr lang="en-US" sz="1600" b="1" i="1" dirty="0">
+                <a:solidFill>
+                  <a:srgbClr val="660E7A"/>
+                </a:solidFill>
+                <a:latin typeface="Calibri" panose="020F0502020204030204" pitchFamily="34" charset="0"/>
+                <a:ea typeface="Calibri" panose="020F0502020204030204" pitchFamily="34" charset="0"/>
+                <a:cs typeface="Arial" panose="020B0604020202020204" pitchFamily="34" charset="0"/>
+              </a:rPr>
+              <a:t>console</a:t>
+            </a:r>
+            <a:r>
+              <a:rPr lang="en-US" sz="1600" dirty="0">
+                <a:solidFill>
+                  <a:srgbClr val="000000"/>
+                </a:solidFill>
+                <a:latin typeface="Calibri" panose="020F0502020204030204" pitchFamily="34" charset="0"/>
+                <a:ea typeface="Calibri" panose="020F0502020204030204" pitchFamily="34" charset="0"/>
+                <a:cs typeface="Arial" panose="020B0604020202020204" pitchFamily="34" charset="0"/>
+              </a:rPr>
+              <a:t>.</a:t>
+            </a:r>
+            <a:r>
+              <a:rPr lang="en-US" sz="1600" dirty="0">
+                <a:solidFill>
+                  <a:srgbClr val="7A7A43"/>
+                </a:solidFill>
+                <a:latin typeface="Calibri" panose="020F0502020204030204" pitchFamily="34" charset="0"/>
+                <a:ea typeface="Calibri" panose="020F0502020204030204" pitchFamily="34" charset="0"/>
+                <a:cs typeface="Arial" panose="020B0604020202020204" pitchFamily="34" charset="0"/>
+              </a:rPr>
+              <a:t>log</a:t>
+            </a:r>
+            <a:r>
+              <a:rPr lang="en-US" sz="1600" dirty="0">
+                <a:solidFill>
+                  <a:srgbClr val="000000"/>
+                </a:solidFill>
+                <a:latin typeface="Calibri" panose="020F0502020204030204" pitchFamily="34" charset="0"/>
+                <a:ea typeface="Calibri" panose="020F0502020204030204" pitchFamily="34" charset="0"/>
+                <a:cs typeface="Arial" panose="020B0604020202020204" pitchFamily="34" charset="0"/>
+              </a:rPr>
+              <a:t>(</a:t>
+            </a:r>
+            <a:r>
+              <a:rPr lang="en-US" sz="1600" b="1" dirty="0">
+                <a:solidFill>
+                  <a:srgbClr val="008000"/>
+                </a:solidFill>
+                <a:latin typeface="Calibri" panose="020F0502020204030204" pitchFamily="34" charset="0"/>
+                <a:ea typeface="Calibri" panose="020F0502020204030204" pitchFamily="34" charset="0"/>
+                <a:cs typeface="Arial" panose="020B0604020202020204" pitchFamily="34" charset="0"/>
+              </a:rPr>
+              <a:t>'Connection closed'</a:t>
+            </a:r>
+            <a:r>
+              <a:rPr lang="en-US" sz="1600" dirty="0">
+                <a:solidFill>
+                  <a:srgbClr val="000000"/>
+                </a:solidFill>
+                <a:latin typeface="Calibri" panose="020F0502020204030204" pitchFamily="34" charset="0"/>
+                <a:ea typeface="Calibri" panose="020F0502020204030204" pitchFamily="34" charset="0"/>
+                <a:cs typeface="Arial" panose="020B0604020202020204" pitchFamily="34" charset="0"/>
+              </a:rPr>
+              <a:t>);</a:t>
+            </a:r>
+            <a:br>
+              <a:rPr lang="en-US" sz="1600" dirty="0">
+                <a:solidFill>
+                  <a:srgbClr val="000000"/>
+                </a:solidFill>
+                <a:latin typeface="Calibri" panose="020F0502020204030204" pitchFamily="34" charset="0"/>
+                <a:ea typeface="Calibri" panose="020F0502020204030204" pitchFamily="34" charset="0"/>
+                <a:cs typeface="Arial" panose="020B0604020202020204" pitchFamily="34" charset="0"/>
+              </a:rPr>
+            </a:br>
+            <a:r>
+              <a:rPr lang="en-US" sz="1600" dirty="0">
+                <a:solidFill>
+                  <a:srgbClr val="000000"/>
+                </a:solidFill>
+                <a:latin typeface="Calibri" panose="020F0502020204030204" pitchFamily="34" charset="0"/>
+                <a:ea typeface="Calibri" panose="020F0502020204030204" pitchFamily="34" charset="0"/>
+                <a:cs typeface="Arial" panose="020B0604020202020204" pitchFamily="34" charset="0"/>
+              </a:rPr>
+              <a:t>    });</a:t>
+            </a:r>
+            <a:endParaRPr lang="he-IL" sz="1600" dirty="0"/>
+          </a:p>
+        </p:txBody>
+      </p:sp>
+    </p:spTree>
+    <p:extLst>
+      <p:ext uri="{BB962C8B-B14F-4D97-AF65-F5344CB8AC3E}">
+        <p14:creationId xmlns:p14="http://schemas.microsoft.com/office/powerpoint/2010/main" val="816849471"/>
+      </p:ext>
+    </p:extLst>
+  </p:cSld>
+  <p:clrMapOvr>
+    <a:masterClrMapping/>
+  </p:clrMapOvr>
+</p:sld>
+</file>
+
+<file path=ppt/slides/slide26.xml><?xml version="1.0" encoding="utf-8"?>
+<p:sld xmlns:a="http://schemas.openxmlformats.org/drawingml/2006/main" xmlns:r="http://schemas.openxmlformats.org/officeDocument/2006/relationships" xmlns:p="http://schemas.openxmlformats.org/presentationml/2006/main">
+  <p:cSld>
+    <p:spTree>
+      <p:nvGrpSpPr>
+        <p:cNvPr id="1" name=""/>
+        <p:cNvGrpSpPr/>
+        <p:nvPr/>
+      </p:nvGrpSpPr>
+      <p:grpSpPr>
+        <a:xfrm>
+          <a:off x="0" y="0"/>
+          <a:ext cx="0" cy="0"/>
+          <a:chOff x="0" y="0"/>
+          <a:chExt cx="0" cy="0"/>
+        </a:xfrm>
+      </p:grpSpPr>
+      <p:sp>
+        <p:nvSpPr>
+          <p:cNvPr id="2" name="Title 1">
+            <a:extLst>
+              <a:ext uri="{FF2B5EF4-FFF2-40B4-BE49-F238E27FC236}">
+                <a16:creationId xmlns:a16="http://schemas.microsoft.com/office/drawing/2014/main" id="{08669004-1ECA-414D-970E-084F49BD9CEC}"/>
+              </a:ext>
+            </a:extLst>
+          </p:cNvPr>
+          <p:cNvSpPr>
+            <a:spLocks noGrp="1"/>
+          </p:cNvSpPr>
+          <p:nvPr>
+            <p:ph type="title"/>
+          </p:nvPr>
+        </p:nvSpPr>
+        <p:spPr/>
+        <p:txBody>
+          <a:bodyPr/>
+          <a:lstStyle/>
+          <a:p>
+            <a:r>
+              <a:rPr lang="en-US" dirty="0"/>
+              <a:t>Pipe</a:t>
+            </a:r>
+            <a:endParaRPr lang="he-IL" dirty="0"/>
+          </a:p>
+        </p:txBody>
+      </p:sp>
+      <p:sp>
+        <p:nvSpPr>
+          <p:cNvPr id="3" name="Footer Placeholder 2">
+            <a:extLst>
+              <a:ext uri="{FF2B5EF4-FFF2-40B4-BE49-F238E27FC236}">
+                <a16:creationId xmlns:a16="http://schemas.microsoft.com/office/drawing/2014/main" id="{1F825E59-66F8-4E7D-AB23-D33F4912197C}"/>
+              </a:ext>
+            </a:extLst>
+          </p:cNvPr>
+          <p:cNvSpPr>
+            <a:spLocks noGrp="1"/>
+          </p:cNvSpPr>
+          <p:nvPr>
+            <p:ph type="ftr" sz="quarter" idx="11"/>
+          </p:nvPr>
+        </p:nvSpPr>
+        <p:spPr/>
+        <p:txBody>
+          <a:bodyPr/>
+          <a:lstStyle/>
+          <a:p>
+            <a:r>
+              <a:rPr lang="en-US"/>
+              <a:t>© 2017 Ori Calvo</a:t>
+            </a:r>
+            <a:endParaRPr lang="en-US" dirty="0"/>
+          </a:p>
+        </p:txBody>
+      </p:sp>
+      <p:sp>
+        <p:nvSpPr>
+          <p:cNvPr id="4" name="Slide Number Placeholder 3">
+            <a:extLst>
+              <a:ext uri="{FF2B5EF4-FFF2-40B4-BE49-F238E27FC236}">
+                <a16:creationId xmlns:a16="http://schemas.microsoft.com/office/drawing/2014/main" id="{D43FF6A0-889A-48C3-8675-D23562EE32B0}"/>
+              </a:ext>
+            </a:extLst>
+          </p:cNvPr>
+          <p:cNvSpPr>
+            <a:spLocks noGrp="1"/>
+          </p:cNvSpPr>
+          <p:nvPr>
+            <p:ph type="sldNum" sz="quarter" idx="12"/>
+          </p:nvPr>
+        </p:nvSpPr>
+        <p:spPr/>
+        <p:txBody>
+          <a:bodyPr>
+            <a:normAutofit fontScale="85000" lnSpcReduction="20000"/>
+          </a:bodyPr>
+          <a:lstStyle/>
+          <a:p>
+            <a:fld id="{87B78B44-2135-4DB2-B732-E7D5FFF77B6A}" type="slidenum">
+              <a:rPr lang="en-US" smtClean="0"/>
+              <a:pPr/>
+              <a:t>26</a:t>
+            </a:fld>
+            <a:endParaRPr lang="en-US"/>
+          </a:p>
+        </p:txBody>
+      </p:sp>
+      <p:sp>
+        <p:nvSpPr>
+          <p:cNvPr id="5" name="Content Placeholder 4">
+            <a:extLst>
+              <a:ext uri="{FF2B5EF4-FFF2-40B4-BE49-F238E27FC236}">
+                <a16:creationId xmlns:a16="http://schemas.microsoft.com/office/drawing/2014/main" id="{3A0AD5CF-C5DB-4AFD-8ABF-7DE255A20354}"/>
+              </a:ext>
+            </a:extLst>
+          </p:cNvPr>
+          <p:cNvSpPr>
+            <a:spLocks noGrp="1"/>
+          </p:cNvSpPr>
+          <p:nvPr>
+            <p:ph sz="quarter" idx="1"/>
+          </p:nvPr>
+        </p:nvSpPr>
+        <p:spPr>
+          <a:xfrm>
+            <a:off x="612648" y="1600200"/>
+            <a:ext cx="8153400" cy="4709120"/>
+          </a:xfrm>
+        </p:spPr>
+        <p:txBody>
+          <a:bodyPr>
+            <a:normAutofit/>
+          </a:bodyPr>
+          <a:lstStyle/>
+          <a:p>
+            <a:r>
+              <a:rPr lang="en-US" dirty="0"/>
+              <a:t>Instead of handling the </a:t>
+            </a:r>
+            <a:r>
+              <a:rPr lang="en-US" dirty="0">
+                <a:solidFill>
+                  <a:srgbClr val="FF0000"/>
+                </a:solidFill>
+              </a:rPr>
+              <a:t>data</a:t>
+            </a:r>
+            <a:r>
+              <a:rPr lang="en-US" dirty="0"/>
+              <a:t> event directly you can </a:t>
+            </a:r>
+            <a:r>
+              <a:rPr lang="en-US" dirty="0">
+                <a:solidFill>
+                  <a:srgbClr val="FF0000"/>
+                </a:solidFill>
+              </a:rPr>
+              <a:t>pipe</a:t>
+            </a:r>
+            <a:r>
+              <a:rPr lang="en-US" dirty="0"/>
+              <a:t> into a writable stream</a:t>
+            </a:r>
+          </a:p>
+          <a:p>
+            <a:endParaRPr lang="en-US" dirty="0"/>
+          </a:p>
+          <a:p>
+            <a:endParaRPr lang="en-US" dirty="0"/>
+          </a:p>
+          <a:p>
+            <a:endParaRPr lang="en-US" dirty="0"/>
+          </a:p>
+          <a:p>
+            <a:endParaRPr lang="en-US" dirty="0"/>
+          </a:p>
+          <a:p>
+            <a:r>
+              <a:rPr lang="en-US" dirty="0"/>
+              <a:t>The readable stream automatically switches to flowing mode</a:t>
+            </a:r>
+          </a:p>
+        </p:txBody>
+      </p:sp>
+      <p:sp>
+        <p:nvSpPr>
+          <p:cNvPr id="7" name="Rectangle 6">
+            <a:extLst>
+              <a:ext uri="{FF2B5EF4-FFF2-40B4-BE49-F238E27FC236}">
+                <a16:creationId xmlns:a16="http://schemas.microsoft.com/office/drawing/2014/main" id="{42F7357B-4B14-4858-BBBC-ADBD69E76CAF}"/>
+              </a:ext>
+            </a:extLst>
+          </p:cNvPr>
+          <p:cNvSpPr/>
+          <p:nvPr/>
+        </p:nvSpPr>
+        <p:spPr>
+          <a:xfrm>
+            <a:off x="2017411" y="2924944"/>
+            <a:ext cx="5343873" cy="1477328"/>
+          </a:xfrm>
+          <a:prstGeom prst="rect">
+            <a:avLst/>
+          </a:prstGeom>
+          <a:solidFill>
+            <a:schemeClr val="accent1">
+              <a:lumMod val="40000"/>
+              <a:lumOff val="60000"/>
+            </a:schemeClr>
+          </a:solidFill>
+        </p:spPr>
+        <p:txBody>
+          <a:bodyPr wrap="square">
+            <a:spAutoFit/>
+          </a:bodyPr>
+          <a:lstStyle/>
+          <a:p>
+            <a:r>
+              <a:rPr lang="en-US" b="1" dirty="0" err="1">
+                <a:solidFill>
+                  <a:srgbClr val="000080"/>
+                </a:solidFill>
+                <a:latin typeface="Calibri" panose="020F0502020204030204" pitchFamily="34" charset="0"/>
+                <a:ea typeface="Calibri" panose="020F0502020204030204" pitchFamily="34" charset="0"/>
+                <a:cs typeface="Arial" panose="020B0604020202020204" pitchFamily="34" charset="0"/>
+              </a:rPr>
+              <a:t>const</a:t>
+            </a:r>
+            <a:r>
+              <a:rPr lang="en-US" b="1" dirty="0">
+                <a:solidFill>
+                  <a:srgbClr val="000080"/>
+                </a:solidFill>
+                <a:latin typeface="Calibri" panose="020F0502020204030204" pitchFamily="34" charset="0"/>
+                <a:ea typeface="Calibri" panose="020F0502020204030204" pitchFamily="34" charset="0"/>
+                <a:cs typeface="Arial" panose="020B0604020202020204" pitchFamily="34" charset="0"/>
+              </a:rPr>
+              <a:t> </a:t>
+            </a:r>
+            <a:r>
+              <a:rPr lang="en-US" dirty="0">
+                <a:solidFill>
+                  <a:srgbClr val="458383"/>
+                </a:solidFill>
+                <a:latin typeface="Calibri" panose="020F0502020204030204" pitchFamily="34" charset="0"/>
+                <a:ea typeface="Calibri" panose="020F0502020204030204" pitchFamily="34" charset="0"/>
+                <a:cs typeface="Arial" panose="020B0604020202020204" pitchFamily="34" charset="0"/>
+              </a:rPr>
+              <a:t>fs </a:t>
+            </a:r>
+            <a:r>
+              <a:rPr lang="en-US" dirty="0">
+                <a:solidFill>
+                  <a:srgbClr val="000000"/>
+                </a:solidFill>
+                <a:latin typeface="Calibri" panose="020F0502020204030204" pitchFamily="34" charset="0"/>
+                <a:ea typeface="Calibri" panose="020F0502020204030204" pitchFamily="34" charset="0"/>
+                <a:cs typeface="Arial" panose="020B0604020202020204" pitchFamily="34" charset="0"/>
+              </a:rPr>
+              <a:t>= require(</a:t>
+            </a:r>
+            <a:r>
+              <a:rPr lang="en-US" b="1" dirty="0">
+                <a:solidFill>
+                  <a:srgbClr val="008000"/>
+                </a:solidFill>
+                <a:latin typeface="Calibri" panose="020F0502020204030204" pitchFamily="34" charset="0"/>
+                <a:ea typeface="Calibri" panose="020F0502020204030204" pitchFamily="34" charset="0"/>
+                <a:cs typeface="Arial" panose="020B0604020202020204" pitchFamily="34" charset="0"/>
+              </a:rPr>
+              <a:t>"fs"</a:t>
+            </a:r>
+            <a:r>
+              <a:rPr lang="en-US" dirty="0">
+                <a:solidFill>
+                  <a:srgbClr val="000000"/>
+                </a:solidFill>
+                <a:latin typeface="Calibri" panose="020F0502020204030204" pitchFamily="34" charset="0"/>
+                <a:ea typeface="Calibri" panose="020F0502020204030204" pitchFamily="34" charset="0"/>
+                <a:cs typeface="Arial" panose="020B0604020202020204" pitchFamily="34" charset="0"/>
+              </a:rPr>
+              <a:t>);</a:t>
+            </a:r>
+            <a:br>
+              <a:rPr lang="en-US" dirty="0">
+                <a:solidFill>
+                  <a:srgbClr val="000000"/>
+                </a:solidFill>
+                <a:latin typeface="Calibri" panose="020F0502020204030204" pitchFamily="34" charset="0"/>
+                <a:ea typeface="Calibri" panose="020F0502020204030204" pitchFamily="34" charset="0"/>
+                <a:cs typeface="Arial" panose="020B0604020202020204" pitchFamily="34" charset="0"/>
+              </a:rPr>
+            </a:br>
+            <a:br>
+              <a:rPr lang="en-US" dirty="0">
+                <a:solidFill>
+                  <a:srgbClr val="000000"/>
+                </a:solidFill>
+                <a:latin typeface="Calibri" panose="020F0502020204030204" pitchFamily="34" charset="0"/>
+                <a:ea typeface="Calibri" panose="020F0502020204030204" pitchFamily="34" charset="0"/>
+                <a:cs typeface="Arial" panose="020B0604020202020204" pitchFamily="34" charset="0"/>
+              </a:rPr>
+            </a:br>
+            <a:r>
+              <a:rPr lang="en-US" b="1" dirty="0" err="1">
+                <a:solidFill>
+                  <a:srgbClr val="000080"/>
+                </a:solidFill>
+                <a:latin typeface="Calibri" panose="020F0502020204030204" pitchFamily="34" charset="0"/>
+                <a:ea typeface="Calibri" panose="020F0502020204030204" pitchFamily="34" charset="0"/>
+                <a:cs typeface="Arial" panose="020B0604020202020204" pitchFamily="34" charset="0"/>
+              </a:rPr>
+              <a:t>const</a:t>
+            </a:r>
+            <a:r>
+              <a:rPr lang="en-US" b="1" dirty="0">
+                <a:solidFill>
+                  <a:srgbClr val="000080"/>
+                </a:solidFill>
+                <a:latin typeface="Calibri" panose="020F0502020204030204" pitchFamily="34" charset="0"/>
+                <a:ea typeface="Calibri" panose="020F0502020204030204" pitchFamily="34" charset="0"/>
+                <a:cs typeface="Arial" panose="020B0604020202020204" pitchFamily="34" charset="0"/>
+              </a:rPr>
+              <a:t> </a:t>
+            </a:r>
+            <a:r>
+              <a:rPr lang="en-US" dirty="0">
+                <a:solidFill>
+                  <a:srgbClr val="458383"/>
+                </a:solidFill>
+                <a:latin typeface="Calibri" panose="020F0502020204030204" pitchFamily="34" charset="0"/>
+                <a:ea typeface="Calibri" panose="020F0502020204030204" pitchFamily="34" charset="0"/>
+                <a:cs typeface="Arial" panose="020B0604020202020204" pitchFamily="34" charset="0"/>
+              </a:rPr>
+              <a:t>stream </a:t>
+            </a:r>
+            <a:r>
+              <a:rPr lang="en-US" dirty="0">
+                <a:solidFill>
+                  <a:srgbClr val="000000"/>
+                </a:solidFill>
+                <a:latin typeface="Calibri" panose="020F0502020204030204" pitchFamily="34" charset="0"/>
+                <a:ea typeface="Calibri" panose="020F0502020204030204" pitchFamily="34" charset="0"/>
+                <a:cs typeface="Arial" panose="020B0604020202020204" pitchFamily="34" charset="0"/>
+              </a:rPr>
+              <a:t>= </a:t>
+            </a:r>
+            <a:r>
+              <a:rPr lang="en-US" dirty="0" err="1">
+                <a:solidFill>
+                  <a:srgbClr val="458383"/>
+                </a:solidFill>
+                <a:latin typeface="Calibri" panose="020F0502020204030204" pitchFamily="34" charset="0"/>
+                <a:ea typeface="Calibri" panose="020F0502020204030204" pitchFamily="34" charset="0"/>
+                <a:cs typeface="Arial" panose="020B0604020202020204" pitchFamily="34" charset="0"/>
+              </a:rPr>
+              <a:t>fs</a:t>
+            </a:r>
+            <a:r>
+              <a:rPr lang="en-US" dirty="0" err="1">
+                <a:solidFill>
+                  <a:srgbClr val="000000"/>
+                </a:solidFill>
+                <a:latin typeface="Calibri" panose="020F0502020204030204" pitchFamily="34" charset="0"/>
+                <a:ea typeface="Calibri" panose="020F0502020204030204" pitchFamily="34" charset="0"/>
+                <a:cs typeface="Arial" panose="020B0604020202020204" pitchFamily="34" charset="0"/>
+              </a:rPr>
+              <a:t>.createReadStream</a:t>
+            </a:r>
+            <a:r>
+              <a:rPr lang="en-US" dirty="0">
+                <a:solidFill>
+                  <a:srgbClr val="000000"/>
+                </a:solidFill>
+                <a:latin typeface="Calibri" panose="020F0502020204030204" pitchFamily="34" charset="0"/>
+                <a:ea typeface="Calibri" panose="020F0502020204030204" pitchFamily="34" charset="0"/>
+                <a:cs typeface="Arial" panose="020B0604020202020204" pitchFamily="34" charset="0"/>
+              </a:rPr>
+              <a:t>(</a:t>
+            </a:r>
+            <a:r>
+              <a:rPr lang="en-US" b="1" dirty="0">
+                <a:solidFill>
+                  <a:srgbClr val="008000"/>
+                </a:solidFill>
+                <a:latin typeface="Calibri" panose="020F0502020204030204" pitchFamily="34" charset="0"/>
+                <a:ea typeface="Calibri" panose="020F0502020204030204" pitchFamily="34" charset="0"/>
+                <a:cs typeface="Arial" panose="020B0604020202020204" pitchFamily="34" charset="0"/>
+              </a:rPr>
+              <a:t>"main.js"</a:t>
+            </a:r>
+            <a:r>
+              <a:rPr lang="en-US" dirty="0">
+                <a:solidFill>
+                  <a:srgbClr val="000000"/>
+                </a:solidFill>
+                <a:latin typeface="Calibri" panose="020F0502020204030204" pitchFamily="34" charset="0"/>
+                <a:ea typeface="Calibri" panose="020F0502020204030204" pitchFamily="34" charset="0"/>
+                <a:cs typeface="Arial" panose="020B0604020202020204" pitchFamily="34" charset="0"/>
+              </a:rPr>
+              <a:t>);</a:t>
+            </a:r>
+            <a:br>
+              <a:rPr lang="en-US" dirty="0">
+                <a:solidFill>
+                  <a:srgbClr val="000000"/>
+                </a:solidFill>
+                <a:latin typeface="Calibri" panose="020F0502020204030204" pitchFamily="34" charset="0"/>
+                <a:ea typeface="Calibri" panose="020F0502020204030204" pitchFamily="34" charset="0"/>
+                <a:cs typeface="Arial" panose="020B0604020202020204" pitchFamily="34" charset="0"/>
+              </a:rPr>
+            </a:br>
+            <a:br>
+              <a:rPr lang="en-US" dirty="0">
+                <a:solidFill>
+                  <a:srgbClr val="000000"/>
+                </a:solidFill>
+                <a:latin typeface="Calibri" panose="020F0502020204030204" pitchFamily="34" charset="0"/>
+                <a:ea typeface="Calibri" panose="020F0502020204030204" pitchFamily="34" charset="0"/>
+                <a:cs typeface="Arial" panose="020B0604020202020204" pitchFamily="34" charset="0"/>
+              </a:rPr>
+            </a:br>
+            <a:r>
+              <a:rPr lang="en-US" dirty="0" err="1">
+                <a:solidFill>
+                  <a:srgbClr val="458383"/>
+                </a:solidFill>
+                <a:latin typeface="Calibri" panose="020F0502020204030204" pitchFamily="34" charset="0"/>
+                <a:ea typeface="Calibri" panose="020F0502020204030204" pitchFamily="34" charset="0"/>
+                <a:cs typeface="Arial" panose="020B0604020202020204" pitchFamily="34" charset="0"/>
+              </a:rPr>
+              <a:t>stream</a:t>
+            </a:r>
+            <a:r>
+              <a:rPr lang="en-US" dirty="0" err="1">
+                <a:solidFill>
+                  <a:srgbClr val="000000"/>
+                </a:solidFill>
+                <a:latin typeface="Calibri" panose="020F0502020204030204" pitchFamily="34" charset="0"/>
+                <a:ea typeface="Calibri" panose="020F0502020204030204" pitchFamily="34" charset="0"/>
+                <a:cs typeface="Arial" panose="020B0604020202020204" pitchFamily="34" charset="0"/>
+              </a:rPr>
+              <a:t>.pipe</a:t>
+            </a:r>
+            <a:r>
+              <a:rPr lang="en-US" dirty="0">
+                <a:solidFill>
+                  <a:srgbClr val="000000"/>
+                </a:solidFill>
+                <a:latin typeface="Calibri" panose="020F0502020204030204" pitchFamily="34" charset="0"/>
+                <a:ea typeface="Calibri" panose="020F0502020204030204" pitchFamily="34" charset="0"/>
+                <a:cs typeface="Arial" panose="020B0604020202020204" pitchFamily="34" charset="0"/>
+              </a:rPr>
+              <a:t>(</a:t>
+            </a:r>
+            <a:r>
+              <a:rPr lang="en-US" dirty="0" err="1">
+                <a:solidFill>
+                  <a:srgbClr val="458383"/>
+                </a:solidFill>
+                <a:latin typeface="Calibri" panose="020F0502020204030204" pitchFamily="34" charset="0"/>
+                <a:ea typeface="Calibri" panose="020F0502020204030204" pitchFamily="34" charset="0"/>
+                <a:cs typeface="Arial" panose="020B0604020202020204" pitchFamily="34" charset="0"/>
+              </a:rPr>
+              <a:t>fs</a:t>
+            </a:r>
+            <a:r>
+              <a:rPr lang="en-US" dirty="0" err="1">
+                <a:solidFill>
+                  <a:srgbClr val="000000"/>
+                </a:solidFill>
+                <a:latin typeface="Calibri" panose="020F0502020204030204" pitchFamily="34" charset="0"/>
+                <a:ea typeface="Calibri" panose="020F0502020204030204" pitchFamily="34" charset="0"/>
+                <a:cs typeface="Arial" panose="020B0604020202020204" pitchFamily="34" charset="0"/>
+              </a:rPr>
+              <a:t>.createWriteStream</a:t>
+            </a:r>
+            <a:r>
+              <a:rPr lang="en-US" dirty="0">
+                <a:solidFill>
+                  <a:srgbClr val="000000"/>
+                </a:solidFill>
+                <a:latin typeface="Calibri" panose="020F0502020204030204" pitchFamily="34" charset="0"/>
+                <a:ea typeface="Calibri" panose="020F0502020204030204" pitchFamily="34" charset="0"/>
+                <a:cs typeface="Arial" panose="020B0604020202020204" pitchFamily="34" charset="0"/>
+              </a:rPr>
+              <a:t>(</a:t>
+            </a:r>
+            <a:r>
+              <a:rPr lang="en-US" b="1" dirty="0">
+                <a:solidFill>
+                  <a:srgbClr val="008000"/>
+                </a:solidFill>
+                <a:latin typeface="Calibri" panose="020F0502020204030204" pitchFamily="34" charset="0"/>
+                <a:ea typeface="Calibri" panose="020F0502020204030204" pitchFamily="34" charset="0"/>
+                <a:cs typeface="Arial" panose="020B0604020202020204" pitchFamily="34" charset="0"/>
+              </a:rPr>
+              <a:t>"</a:t>
+            </a:r>
+            <a:r>
+              <a:rPr lang="en-US" b="1" dirty="0" err="1">
+                <a:solidFill>
+                  <a:srgbClr val="008000"/>
+                </a:solidFill>
+                <a:latin typeface="Calibri" panose="020F0502020204030204" pitchFamily="34" charset="0"/>
+                <a:ea typeface="Calibri" panose="020F0502020204030204" pitchFamily="34" charset="0"/>
+                <a:cs typeface="Arial" panose="020B0604020202020204" pitchFamily="34" charset="0"/>
+              </a:rPr>
+              <a:t>main.js.backup</a:t>
+            </a:r>
+            <a:r>
+              <a:rPr lang="en-US" b="1" dirty="0">
+                <a:solidFill>
+                  <a:srgbClr val="008000"/>
+                </a:solidFill>
+                <a:latin typeface="Calibri" panose="020F0502020204030204" pitchFamily="34" charset="0"/>
+                <a:ea typeface="Calibri" panose="020F0502020204030204" pitchFamily="34" charset="0"/>
+                <a:cs typeface="Arial" panose="020B0604020202020204" pitchFamily="34" charset="0"/>
+              </a:rPr>
+              <a:t>"</a:t>
+            </a:r>
+            <a:r>
+              <a:rPr lang="en-US" dirty="0">
+                <a:solidFill>
+                  <a:srgbClr val="000000"/>
+                </a:solidFill>
+                <a:latin typeface="Calibri" panose="020F0502020204030204" pitchFamily="34" charset="0"/>
+                <a:ea typeface="Calibri" panose="020F0502020204030204" pitchFamily="34" charset="0"/>
+                <a:cs typeface="Arial" panose="020B0604020202020204" pitchFamily="34" charset="0"/>
+              </a:rPr>
+              <a:t>));</a:t>
+            </a:r>
+            <a:endParaRPr lang="he-IL" dirty="0"/>
+          </a:p>
+        </p:txBody>
+      </p:sp>
+    </p:spTree>
+    <p:extLst>
+      <p:ext uri="{BB962C8B-B14F-4D97-AF65-F5344CB8AC3E}">
+        <p14:creationId xmlns:p14="http://schemas.microsoft.com/office/powerpoint/2010/main" val="2977086169"/>
+      </p:ext>
+    </p:extLst>
+  </p:cSld>
+  <p:clrMapOvr>
+    <a:masterClrMapping/>
+  </p:clrMapOvr>
+</p:sld>
+</file>
+
+<file path=ppt/slides/slide27.xml><?xml version="1.0" encoding="utf-8"?>
+<p:sld xmlns:a="http://schemas.openxmlformats.org/drawingml/2006/main" xmlns:r="http://schemas.openxmlformats.org/officeDocument/2006/relationships" xmlns:p="http://schemas.openxmlformats.org/presentationml/2006/main">
+  <p:cSld>
+    <p:spTree>
+      <p:nvGrpSpPr>
+        <p:cNvPr id="1" name=""/>
+        <p:cNvGrpSpPr/>
+        <p:nvPr/>
+      </p:nvGrpSpPr>
+      <p:grpSpPr>
+        <a:xfrm>
+          <a:off x="0" y="0"/>
+          <a:ext cx="0" cy="0"/>
+          <a:chOff x="0" y="0"/>
+          <a:chExt cx="0" cy="0"/>
+        </a:xfrm>
+      </p:grpSpPr>
+      <p:sp>
+        <p:nvSpPr>
+          <p:cNvPr id="2" name="Title 1">
+            <a:extLst>
+              <a:ext uri="{FF2B5EF4-FFF2-40B4-BE49-F238E27FC236}">
+                <a16:creationId xmlns:a16="http://schemas.microsoft.com/office/drawing/2014/main" id="{64A3AA6E-1566-4497-8D69-413E7F5B6B30}"/>
+              </a:ext>
+            </a:extLst>
+          </p:cNvPr>
+          <p:cNvSpPr>
+            <a:spLocks noGrp="1"/>
+          </p:cNvSpPr>
+          <p:nvPr>
+            <p:ph type="title"/>
+          </p:nvPr>
+        </p:nvSpPr>
+        <p:spPr/>
+        <p:txBody>
+          <a:bodyPr/>
+          <a:lstStyle/>
+          <a:p>
+            <a:r>
+              <a:rPr lang="en-US" dirty="0"/>
+              <a:t>Pipe Notes</a:t>
+            </a:r>
+            <a:endParaRPr lang="he-IL" dirty="0"/>
+          </a:p>
+        </p:txBody>
+      </p:sp>
+      <p:sp>
+        <p:nvSpPr>
+          <p:cNvPr id="3" name="Footer Placeholder 2">
+            <a:extLst>
+              <a:ext uri="{FF2B5EF4-FFF2-40B4-BE49-F238E27FC236}">
+                <a16:creationId xmlns:a16="http://schemas.microsoft.com/office/drawing/2014/main" id="{80D130B9-F01E-4866-A932-0D46FBCCB35C}"/>
+              </a:ext>
+            </a:extLst>
+          </p:cNvPr>
+          <p:cNvSpPr>
+            <a:spLocks noGrp="1"/>
+          </p:cNvSpPr>
+          <p:nvPr>
+            <p:ph type="ftr" sz="quarter" idx="11"/>
+          </p:nvPr>
+        </p:nvSpPr>
+        <p:spPr/>
+        <p:txBody>
+          <a:bodyPr/>
+          <a:lstStyle/>
+          <a:p>
+            <a:r>
+              <a:rPr lang="en-US"/>
+              <a:t>© 2017 Ori Calvo</a:t>
+            </a:r>
+            <a:endParaRPr lang="en-US" dirty="0"/>
+          </a:p>
+        </p:txBody>
+      </p:sp>
+      <p:sp>
+        <p:nvSpPr>
+          <p:cNvPr id="4" name="Slide Number Placeholder 3">
+            <a:extLst>
+              <a:ext uri="{FF2B5EF4-FFF2-40B4-BE49-F238E27FC236}">
+                <a16:creationId xmlns:a16="http://schemas.microsoft.com/office/drawing/2014/main" id="{C73DFF08-FE2B-453F-9D7C-45D1CDD30718}"/>
+              </a:ext>
+            </a:extLst>
+          </p:cNvPr>
+          <p:cNvSpPr>
+            <a:spLocks noGrp="1"/>
+          </p:cNvSpPr>
+          <p:nvPr>
+            <p:ph type="sldNum" sz="quarter" idx="12"/>
+          </p:nvPr>
+        </p:nvSpPr>
+        <p:spPr/>
+        <p:txBody>
+          <a:bodyPr>
+            <a:normAutofit fontScale="85000" lnSpcReduction="20000"/>
+          </a:bodyPr>
+          <a:lstStyle/>
+          <a:p>
+            <a:fld id="{87B78B44-2135-4DB2-B732-E7D5FFF77B6A}" type="slidenum">
+              <a:rPr lang="en-US" smtClean="0"/>
+              <a:pPr/>
+              <a:t>27</a:t>
+            </a:fld>
+            <a:endParaRPr lang="en-US"/>
+          </a:p>
+        </p:txBody>
+      </p:sp>
+      <p:sp>
+        <p:nvSpPr>
+          <p:cNvPr id="5" name="Content Placeholder 4">
+            <a:extLst>
+              <a:ext uri="{FF2B5EF4-FFF2-40B4-BE49-F238E27FC236}">
+                <a16:creationId xmlns:a16="http://schemas.microsoft.com/office/drawing/2014/main" id="{19189A6A-D32E-481C-99E6-956618A287AF}"/>
+              </a:ext>
+            </a:extLst>
+          </p:cNvPr>
+          <p:cNvSpPr>
+            <a:spLocks noGrp="1"/>
+          </p:cNvSpPr>
+          <p:nvPr>
+            <p:ph sz="quarter" idx="1"/>
+          </p:nvPr>
+        </p:nvSpPr>
+        <p:spPr/>
+        <p:txBody>
+          <a:bodyPr/>
+          <a:lstStyle/>
+          <a:p>
+            <a:r>
+              <a:rPr lang="en-US" dirty="0"/>
+              <a:t>The flow of data is controller by the pipe</a:t>
+            </a:r>
+          </a:p>
+          <a:p>
+            <a:pPr lvl="1"/>
+            <a:r>
+              <a:rPr lang="en-US" dirty="0"/>
+              <a:t>For example, backpressure</a:t>
+            </a:r>
+          </a:p>
+          <a:p>
+            <a:r>
+              <a:rPr lang="en-US" dirty="0"/>
+              <a:t>Can attach multiple write streams</a:t>
+            </a:r>
+          </a:p>
+          <a:p>
+            <a:r>
+              <a:rPr lang="en-US" dirty="0"/>
+              <a:t>Automatically ends the write stream when the readable emits end</a:t>
+            </a:r>
+          </a:p>
+          <a:p>
+            <a:pPr lvl="1"/>
+            <a:r>
+              <a:rPr lang="en-US" dirty="0"/>
+              <a:t>Can disable it using the option </a:t>
+            </a:r>
+          </a:p>
+          <a:p>
+            <a:pPr lvl="1"/>
+            <a:endParaRPr lang="en-US" dirty="0"/>
+          </a:p>
+          <a:p>
+            <a:pPr lvl="1"/>
+            <a:endParaRPr lang="en-US" dirty="0"/>
+          </a:p>
+          <a:p>
+            <a:pPr lvl="1"/>
+            <a:r>
+              <a:rPr lang="en-US" dirty="0"/>
+              <a:t>In case of an error the write stream is not closed</a:t>
+            </a:r>
+            <a:endParaRPr lang="he-IL" dirty="0"/>
+          </a:p>
+        </p:txBody>
+      </p:sp>
+      <p:sp>
+        <p:nvSpPr>
+          <p:cNvPr id="6" name="Rectangle 5">
+            <a:extLst>
+              <a:ext uri="{FF2B5EF4-FFF2-40B4-BE49-F238E27FC236}">
+                <a16:creationId xmlns:a16="http://schemas.microsoft.com/office/drawing/2014/main" id="{833E0D95-2A86-44DA-B40E-79CD4DB952C6}"/>
+              </a:ext>
+            </a:extLst>
+          </p:cNvPr>
+          <p:cNvSpPr/>
+          <p:nvPr/>
+        </p:nvSpPr>
+        <p:spPr>
+          <a:xfrm>
+            <a:off x="3320988" y="4653136"/>
+            <a:ext cx="2502024" cy="923330"/>
+          </a:xfrm>
+          <a:prstGeom prst="rect">
+            <a:avLst/>
+          </a:prstGeom>
+          <a:solidFill>
+            <a:schemeClr val="accent1">
+              <a:lumMod val="40000"/>
+              <a:lumOff val="60000"/>
+            </a:schemeClr>
+          </a:solidFill>
+        </p:spPr>
+        <p:txBody>
+          <a:bodyPr wrap="square">
+            <a:spAutoFit/>
+          </a:bodyPr>
+          <a:lstStyle/>
+          <a:p>
+            <a:r>
+              <a:rPr lang="en-US" dirty="0" err="1">
+                <a:solidFill>
+                  <a:srgbClr val="000000"/>
+                </a:solidFill>
+                <a:latin typeface="Calibri" panose="020F0502020204030204" pitchFamily="34" charset="0"/>
+                <a:ea typeface="Calibri" panose="020F0502020204030204" pitchFamily="34" charset="0"/>
+                <a:cs typeface="Arial" panose="020B0604020202020204" pitchFamily="34" charset="0"/>
+              </a:rPr>
+              <a:t>reader.pipe</a:t>
+            </a:r>
+            <a:r>
+              <a:rPr lang="en-US" dirty="0">
+                <a:solidFill>
+                  <a:srgbClr val="000000"/>
+                </a:solidFill>
+                <a:latin typeface="Calibri" panose="020F0502020204030204" pitchFamily="34" charset="0"/>
+                <a:ea typeface="Calibri" panose="020F0502020204030204" pitchFamily="34" charset="0"/>
+                <a:cs typeface="Arial" panose="020B0604020202020204" pitchFamily="34" charset="0"/>
+              </a:rPr>
+              <a:t>(writer, { </a:t>
+            </a:r>
+            <a:br>
+              <a:rPr lang="en-US" dirty="0">
+                <a:solidFill>
+                  <a:srgbClr val="000000"/>
+                </a:solidFill>
+                <a:latin typeface="Calibri" panose="020F0502020204030204" pitchFamily="34" charset="0"/>
+                <a:ea typeface="Calibri" panose="020F0502020204030204" pitchFamily="34" charset="0"/>
+                <a:cs typeface="Arial" panose="020B0604020202020204" pitchFamily="34" charset="0"/>
+              </a:rPr>
+            </a:br>
+            <a:r>
+              <a:rPr lang="en-US" dirty="0">
+                <a:solidFill>
+                  <a:srgbClr val="000000"/>
+                </a:solidFill>
+                <a:latin typeface="Calibri" panose="020F0502020204030204" pitchFamily="34" charset="0"/>
+                <a:ea typeface="Calibri" panose="020F0502020204030204" pitchFamily="34" charset="0"/>
+                <a:cs typeface="Arial" panose="020B0604020202020204" pitchFamily="34" charset="0"/>
+              </a:rPr>
+              <a:t>    </a:t>
+            </a:r>
+            <a:r>
+              <a:rPr lang="en-US" b="1" dirty="0">
+                <a:solidFill>
+                  <a:srgbClr val="660E7A"/>
+                </a:solidFill>
+                <a:latin typeface="Calibri" panose="020F0502020204030204" pitchFamily="34" charset="0"/>
+                <a:ea typeface="Calibri" panose="020F0502020204030204" pitchFamily="34" charset="0"/>
+                <a:cs typeface="Arial" panose="020B0604020202020204" pitchFamily="34" charset="0"/>
+              </a:rPr>
+              <a:t>end</a:t>
+            </a:r>
+            <a:r>
+              <a:rPr lang="en-US" dirty="0">
+                <a:solidFill>
+                  <a:srgbClr val="000000"/>
+                </a:solidFill>
+                <a:latin typeface="Calibri" panose="020F0502020204030204" pitchFamily="34" charset="0"/>
+                <a:ea typeface="Calibri" panose="020F0502020204030204" pitchFamily="34" charset="0"/>
+                <a:cs typeface="Arial" panose="020B0604020202020204" pitchFamily="34" charset="0"/>
+              </a:rPr>
+              <a:t>: </a:t>
+            </a:r>
+            <a:r>
+              <a:rPr lang="en-US" b="1" dirty="0">
+                <a:solidFill>
+                  <a:srgbClr val="000080"/>
+                </a:solidFill>
+                <a:latin typeface="Calibri" panose="020F0502020204030204" pitchFamily="34" charset="0"/>
+                <a:ea typeface="Calibri" panose="020F0502020204030204" pitchFamily="34" charset="0"/>
+                <a:cs typeface="Arial" panose="020B0604020202020204" pitchFamily="34" charset="0"/>
+              </a:rPr>
+              <a:t>false </a:t>
+            </a:r>
+            <a:br>
+              <a:rPr lang="en-US" b="1" dirty="0">
+                <a:solidFill>
+                  <a:srgbClr val="000080"/>
+                </a:solidFill>
+                <a:latin typeface="Calibri" panose="020F0502020204030204" pitchFamily="34" charset="0"/>
+                <a:ea typeface="Calibri" panose="020F0502020204030204" pitchFamily="34" charset="0"/>
+                <a:cs typeface="Arial" panose="020B0604020202020204" pitchFamily="34" charset="0"/>
+              </a:rPr>
+            </a:br>
+            <a:r>
+              <a:rPr lang="en-US" dirty="0">
+                <a:solidFill>
+                  <a:srgbClr val="000000"/>
+                </a:solidFill>
+                <a:latin typeface="Calibri" panose="020F0502020204030204" pitchFamily="34" charset="0"/>
+                <a:ea typeface="Calibri" panose="020F0502020204030204" pitchFamily="34" charset="0"/>
+                <a:cs typeface="Arial" panose="020B0604020202020204" pitchFamily="34" charset="0"/>
+              </a:rPr>
+              <a:t>});</a:t>
+            </a:r>
+            <a:endParaRPr lang="he-IL" dirty="0"/>
+          </a:p>
+        </p:txBody>
+      </p:sp>
+    </p:spTree>
+    <p:extLst>
+      <p:ext uri="{BB962C8B-B14F-4D97-AF65-F5344CB8AC3E}">
+        <p14:creationId xmlns:p14="http://schemas.microsoft.com/office/powerpoint/2010/main" val="1581739765"/>
+      </p:ext>
+    </p:extLst>
+  </p:cSld>
+  <p:clrMapOvr>
+    <a:masterClrMapping/>
+  </p:clrMapOvr>
+</p:sld>
+</file>
+
+<file path=ppt/slides/slide28.xml><?xml version="1.0" encoding="utf-8"?>
+<p:sld xmlns:a="http://schemas.openxmlformats.org/drawingml/2006/main" xmlns:r="http://schemas.openxmlformats.org/officeDocument/2006/relationships" xmlns:p="http://schemas.openxmlformats.org/presentationml/2006/main">
+  <p:cSld>
+    <p:spTree>
+      <p:nvGrpSpPr>
+        <p:cNvPr id="1" name=""/>
+        <p:cNvGrpSpPr/>
+        <p:nvPr/>
+      </p:nvGrpSpPr>
+      <p:grpSpPr>
+        <a:xfrm>
+          <a:off x="0" y="0"/>
+          <a:ext cx="0" cy="0"/>
+          <a:chOff x="0" y="0"/>
+          <a:chExt cx="0" cy="0"/>
+        </a:xfrm>
+      </p:grpSpPr>
+      <p:sp>
+        <p:nvSpPr>
+          <p:cNvPr id="2" name="Title 1">
+            <a:extLst>
+              <a:ext uri="{FF2B5EF4-FFF2-40B4-BE49-F238E27FC236}">
+                <a16:creationId xmlns:a16="http://schemas.microsoft.com/office/drawing/2014/main" id="{F884EA83-9F57-4B60-9FE4-8651296CD3CA}"/>
+              </a:ext>
+            </a:extLst>
+          </p:cNvPr>
+          <p:cNvSpPr>
+            <a:spLocks noGrp="1"/>
+          </p:cNvSpPr>
+          <p:nvPr>
+            <p:ph type="title"/>
+          </p:nvPr>
+        </p:nvSpPr>
+        <p:spPr/>
+        <p:txBody>
+          <a:bodyPr/>
+          <a:lstStyle/>
+          <a:p>
+            <a:r>
+              <a:rPr lang="en-US" dirty="0"/>
+              <a:t>Chain of Pipes</a:t>
+            </a:r>
+            <a:endParaRPr lang="he-IL" dirty="0"/>
+          </a:p>
+        </p:txBody>
+      </p:sp>
+      <p:sp>
+        <p:nvSpPr>
+          <p:cNvPr id="3" name="Footer Placeholder 2">
+            <a:extLst>
+              <a:ext uri="{FF2B5EF4-FFF2-40B4-BE49-F238E27FC236}">
+                <a16:creationId xmlns:a16="http://schemas.microsoft.com/office/drawing/2014/main" id="{ABDE7BCC-6738-4F97-B3FA-3A440E871E79}"/>
+              </a:ext>
+            </a:extLst>
+          </p:cNvPr>
+          <p:cNvSpPr>
+            <a:spLocks noGrp="1"/>
+          </p:cNvSpPr>
+          <p:nvPr>
+            <p:ph type="ftr" sz="quarter" idx="11"/>
+          </p:nvPr>
+        </p:nvSpPr>
+        <p:spPr/>
+        <p:txBody>
+          <a:bodyPr/>
+          <a:lstStyle/>
+          <a:p>
+            <a:r>
+              <a:rPr lang="en-US"/>
+              <a:t>© 2017 Ori Calvo</a:t>
+            </a:r>
+            <a:endParaRPr lang="en-US" dirty="0"/>
+          </a:p>
+        </p:txBody>
+      </p:sp>
+      <p:sp>
+        <p:nvSpPr>
+          <p:cNvPr id="4" name="Slide Number Placeholder 3">
+            <a:extLst>
+              <a:ext uri="{FF2B5EF4-FFF2-40B4-BE49-F238E27FC236}">
+                <a16:creationId xmlns:a16="http://schemas.microsoft.com/office/drawing/2014/main" id="{E1C034A6-436C-4658-866F-8A920FD18669}"/>
+              </a:ext>
+            </a:extLst>
+          </p:cNvPr>
+          <p:cNvSpPr>
+            <a:spLocks noGrp="1"/>
+          </p:cNvSpPr>
+          <p:nvPr>
+            <p:ph type="sldNum" sz="quarter" idx="12"/>
+          </p:nvPr>
+        </p:nvSpPr>
+        <p:spPr/>
+        <p:txBody>
+          <a:bodyPr>
+            <a:normAutofit fontScale="85000" lnSpcReduction="20000"/>
+          </a:bodyPr>
+          <a:lstStyle/>
+          <a:p>
+            <a:fld id="{87B78B44-2135-4DB2-B732-E7D5FFF77B6A}" type="slidenum">
+              <a:rPr lang="en-US" smtClean="0"/>
+              <a:pPr/>
+              <a:t>28</a:t>
+            </a:fld>
+            <a:endParaRPr lang="en-US"/>
+          </a:p>
+        </p:txBody>
+      </p:sp>
+      <p:sp>
+        <p:nvSpPr>
+          <p:cNvPr id="5" name="Content Placeholder 4">
+            <a:extLst>
+              <a:ext uri="{FF2B5EF4-FFF2-40B4-BE49-F238E27FC236}">
+                <a16:creationId xmlns:a16="http://schemas.microsoft.com/office/drawing/2014/main" id="{81B8E1AF-4AFD-48C5-B599-C2A3FE6F06B5}"/>
+              </a:ext>
+            </a:extLst>
+          </p:cNvPr>
+          <p:cNvSpPr>
+            <a:spLocks noGrp="1"/>
+          </p:cNvSpPr>
+          <p:nvPr>
+            <p:ph sz="quarter" idx="1"/>
+          </p:nvPr>
+        </p:nvSpPr>
+        <p:spPr/>
+        <p:txBody>
+          <a:bodyPr/>
+          <a:lstStyle/>
+          <a:p>
+            <a:r>
+              <a:rPr lang="en-US" dirty="0"/>
+              <a:t>pipe method returns a reference to the destination stream</a:t>
+            </a:r>
+            <a:endParaRPr lang="he-IL" dirty="0"/>
+          </a:p>
+        </p:txBody>
+      </p:sp>
+      <p:sp>
+        <p:nvSpPr>
+          <p:cNvPr id="6" name="Rectangle 5">
+            <a:extLst>
+              <a:ext uri="{FF2B5EF4-FFF2-40B4-BE49-F238E27FC236}">
+                <a16:creationId xmlns:a16="http://schemas.microsoft.com/office/drawing/2014/main" id="{365EAE30-EE59-4000-BFC5-32159B530FFC}"/>
+              </a:ext>
+            </a:extLst>
+          </p:cNvPr>
+          <p:cNvSpPr/>
+          <p:nvPr/>
+        </p:nvSpPr>
+        <p:spPr>
+          <a:xfrm>
+            <a:off x="2286000" y="2780928"/>
+            <a:ext cx="4572000" cy="1754326"/>
+          </a:xfrm>
+          <a:prstGeom prst="rect">
+            <a:avLst/>
+          </a:prstGeom>
+          <a:solidFill>
+            <a:schemeClr val="accent1">
+              <a:lumMod val="40000"/>
+              <a:lumOff val="60000"/>
+            </a:schemeClr>
+          </a:solidFill>
+        </p:spPr>
+        <p:txBody>
+          <a:bodyPr>
+            <a:spAutoFit/>
+          </a:bodyPr>
+          <a:lstStyle/>
+          <a:p>
+            <a:r>
+              <a:rPr lang="en-US" b="1" dirty="0" err="1">
+                <a:solidFill>
+                  <a:srgbClr val="000080"/>
+                </a:solidFill>
+                <a:latin typeface="Calibri" panose="020F0502020204030204" pitchFamily="34" charset="0"/>
+                <a:ea typeface="Calibri" panose="020F0502020204030204" pitchFamily="34" charset="0"/>
+                <a:cs typeface="Arial" panose="020B0604020202020204" pitchFamily="34" charset="0"/>
+              </a:rPr>
+              <a:t>const</a:t>
+            </a:r>
+            <a:r>
+              <a:rPr lang="en-US" b="1" dirty="0">
+                <a:solidFill>
+                  <a:srgbClr val="000080"/>
+                </a:solidFill>
+                <a:latin typeface="Calibri" panose="020F0502020204030204" pitchFamily="34" charset="0"/>
+                <a:ea typeface="Calibri" panose="020F0502020204030204" pitchFamily="34" charset="0"/>
+                <a:cs typeface="Arial" panose="020B0604020202020204" pitchFamily="34" charset="0"/>
+              </a:rPr>
+              <a:t> </a:t>
+            </a:r>
+            <a:r>
+              <a:rPr lang="en-US" dirty="0">
+                <a:solidFill>
+                  <a:srgbClr val="458383"/>
+                </a:solidFill>
+                <a:latin typeface="Calibri" panose="020F0502020204030204" pitchFamily="34" charset="0"/>
+                <a:ea typeface="Calibri" panose="020F0502020204030204" pitchFamily="34" charset="0"/>
+                <a:cs typeface="Arial" panose="020B0604020202020204" pitchFamily="34" charset="0"/>
+              </a:rPr>
+              <a:t>fs </a:t>
+            </a:r>
+            <a:r>
+              <a:rPr lang="en-US" dirty="0">
+                <a:solidFill>
+                  <a:srgbClr val="000000"/>
+                </a:solidFill>
+                <a:latin typeface="Calibri" panose="020F0502020204030204" pitchFamily="34" charset="0"/>
+                <a:ea typeface="Calibri" panose="020F0502020204030204" pitchFamily="34" charset="0"/>
+                <a:cs typeface="Arial" panose="020B0604020202020204" pitchFamily="34" charset="0"/>
+              </a:rPr>
+              <a:t>= require(</a:t>
+            </a:r>
+            <a:r>
+              <a:rPr lang="en-US" b="1" dirty="0">
+                <a:solidFill>
+                  <a:srgbClr val="008000"/>
+                </a:solidFill>
+                <a:latin typeface="Calibri" panose="020F0502020204030204" pitchFamily="34" charset="0"/>
+                <a:ea typeface="Calibri" panose="020F0502020204030204" pitchFamily="34" charset="0"/>
+                <a:cs typeface="Arial" panose="020B0604020202020204" pitchFamily="34" charset="0"/>
+              </a:rPr>
+              <a:t>"fs"</a:t>
+            </a:r>
+            <a:r>
+              <a:rPr lang="en-US" dirty="0">
+                <a:solidFill>
+                  <a:srgbClr val="000000"/>
+                </a:solidFill>
+                <a:latin typeface="Calibri" panose="020F0502020204030204" pitchFamily="34" charset="0"/>
+                <a:ea typeface="Calibri" panose="020F0502020204030204" pitchFamily="34" charset="0"/>
+                <a:cs typeface="Arial" panose="020B0604020202020204" pitchFamily="34" charset="0"/>
+              </a:rPr>
+              <a:t>);</a:t>
+            </a:r>
+            <a:br>
+              <a:rPr lang="en-US" dirty="0">
+                <a:solidFill>
+                  <a:srgbClr val="000000"/>
+                </a:solidFill>
+                <a:latin typeface="Calibri" panose="020F0502020204030204" pitchFamily="34" charset="0"/>
+                <a:ea typeface="Calibri" panose="020F0502020204030204" pitchFamily="34" charset="0"/>
+                <a:cs typeface="Arial" panose="020B0604020202020204" pitchFamily="34" charset="0"/>
+              </a:rPr>
+            </a:br>
+            <a:r>
+              <a:rPr lang="en-US" b="1" dirty="0" err="1">
+                <a:solidFill>
+                  <a:srgbClr val="000080"/>
+                </a:solidFill>
+                <a:latin typeface="Calibri" panose="020F0502020204030204" pitchFamily="34" charset="0"/>
+                <a:ea typeface="Calibri" panose="020F0502020204030204" pitchFamily="34" charset="0"/>
+                <a:cs typeface="Arial" panose="020B0604020202020204" pitchFamily="34" charset="0"/>
+              </a:rPr>
+              <a:t>const</a:t>
+            </a:r>
+            <a:r>
+              <a:rPr lang="en-US" b="1" dirty="0">
+                <a:solidFill>
+                  <a:srgbClr val="000080"/>
+                </a:solidFill>
+                <a:latin typeface="Calibri" panose="020F0502020204030204" pitchFamily="34" charset="0"/>
+                <a:ea typeface="Calibri" panose="020F0502020204030204" pitchFamily="34" charset="0"/>
+                <a:cs typeface="Arial" panose="020B0604020202020204" pitchFamily="34" charset="0"/>
+              </a:rPr>
+              <a:t> </a:t>
+            </a:r>
+            <a:r>
+              <a:rPr lang="en-US" dirty="0" err="1">
+                <a:solidFill>
+                  <a:srgbClr val="458383"/>
+                </a:solidFill>
+                <a:latin typeface="Calibri" panose="020F0502020204030204" pitchFamily="34" charset="0"/>
+                <a:ea typeface="Calibri" panose="020F0502020204030204" pitchFamily="34" charset="0"/>
+                <a:cs typeface="Arial" panose="020B0604020202020204" pitchFamily="34" charset="0"/>
+              </a:rPr>
+              <a:t>zlib</a:t>
+            </a:r>
+            <a:r>
+              <a:rPr lang="en-US" dirty="0">
+                <a:solidFill>
+                  <a:srgbClr val="458383"/>
+                </a:solidFill>
+                <a:latin typeface="Calibri" panose="020F0502020204030204" pitchFamily="34" charset="0"/>
+                <a:ea typeface="Calibri" panose="020F0502020204030204" pitchFamily="34" charset="0"/>
+                <a:cs typeface="Arial" panose="020B0604020202020204" pitchFamily="34" charset="0"/>
+              </a:rPr>
+              <a:t> </a:t>
+            </a:r>
+            <a:r>
+              <a:rPr lang="en-US" dirty="0">
+                <a:solidFill>
+                  <a:srgbClr val="000000"/>
+                </a:solidFill>
+                <a:latin typeface="Calibri" panose="020F0502020204030204" pitchFamily="34" charset="0"/>
+                <a:ea typeface="Calibri" panose="020F0502020204030204" pitchFamily="34" charset="0"/>
+                <a:cs typeface="Arial" panose="020B0604020202020204" pitchFamily="34" charset="0"/>
+              </a:rPr>
+              <a:t>= require(</a:t>
+            </a:r>
+            <a:r>
+              <a:rPr lang="en-US" b="1" dirty="0">
+                <a:solidFill>
+                  <a:srgbClr val="008000"/>
+                </a:solidFill>
+                <a:latin typeface="Calibri" panose="020F0502020204030204" pitchFamily="34" charset="0"/>
+                <a:ea typeface="Calibri" panose="020F0502020204030204" pitchFamily="34" charset="0"/>
+                <a:cs typeface="Arial" panose="020B0604020202020204" pitchFamily="34" charset="0"/>
+              </a:rPr>
+              <a:t>"</a:t>
+            </a:r>
+            <a:r>
+              <a:rPr lang="en-US" b="1" dirty="0" err="1">
+                <a:solidFill>
+                  <a:srgbClr val="008000"/>
+                </a:solidFill>
+                <a:latin typeface="Calibri" panose="020F0502020204030204" pitchFamily="34" charset="0"/>
+                <a:ea typeface="Calibri" panose="020F0502020204030204" pitchFamily="34" charset="0"/>
+                <a:cs typeface="Arial" panose="020B0604020202020204" pitchFamily="34" charset="0"/>
+              </a:rPr>
+              <a:t>zlib</a:t>
+            </a:r>
+            <a:r>
+              <a:rPr lang="en-US" b="1" dirty="0">
+                <a:solidFill>
+                  <a:srgbClr val="008000"/>
+                </a:solidFill>
+                <a:latin typeface="Calibri" panose="020F0502020204030204" pitchFamily="34" charset="0"/>
+                <a:ea typeface="Calibri" panose="020F0502020204030204" pitchFamily="34" charset="0"/>
+                <a:cs typeface="Arial" panose="020B0604020202020204" pitchFamily="34" charset="0"/>
+              </a:rPr>
+              <a:t>"</a:t>
+            </a:r>
+            <a:r>
+              <a:rPr lang="en-US" dirty="0">
+                <a:solidFill>
+                  <a:srgbClr val="000000"/>
+                </a:solidFill>
+                <a:latin typeface="Calibri" panose="020F0502020204030204" pitchFamily="34" charset="0"/>
+                <a:ea typeface="Calibri" panose="020F0502020204030204" pitchFamily="34" charset="0"/>
+                <a:cs typeface="Arial" panose="020B0604020202020204" pitchFamily="34" charset="0"/>
+              </a:rPr>
+              <a:t>);</a:t>
+            </a:r>
+            <a:br>
+              <a:rPr lang="en-US" dirty="0">
+                <a:solidFill>
+                  <a:srgbClr val="000000"/>
+                </a:solidFill>
+                <a:latin typeface="Calibri" panose="020F0502020204030204" pitchFamily="34" charset="0"/>
+                <a:ea typeface="Calibri" panose="020F0502020204030204" pitchFamily="34" charset="0"/>
+                <a:cs typeface="Arial" panose="020B0604020202020204" pitchFamily="34" charset="0"/>
+              </a:rPr>
+            </a:br>
+            <a:br>
+              <a:rPr lang="en-US" dirty="0">
+                <a:solidFill>
+                  <a:srgbClr val="000000"/>
+                </a:solidFill>
+                <a:latin typeface="Calibri" panose="020F0502020204030204" pitchFamily="34" charset="0"/>
+                <a:ea typeface="Calibri" panose="020F0502020204030204" pitchFamily="34" charset="0"/>
+                <a:cs typeface="Arial" panose="020B0604020202020204" pitchFamily="34" charset="0"/>
+              </a:rPr>
+            </a:br>
+            <a:r>
+              <a:rPr lang="en-US" dirty="0" err="1">
+                <a:solidFill>
+                  <a:srgbClr val="458383"/>
+                </a:solidFill>
+                <a:latin typeface="Calibri" panose="020F0502020204030204" pitchFamily="34" charset="0"/>
+                <a:ea typeface="Calibri" panose="020F0502020204030204" pitchFamily="34" charset="0"/>
+                <a:cs typeface="Arial" panose="020B0604020202020204" pitchFamily="34" charset="0"/>
+              </a:rPr>
+              <a:t>fs</a:t>
+            </a:r>
+            <a:r>
+              <a:rPr lang="en-US" dirty="0" err="1">
+                <a:solidFill>
+                  <a:srgbClr val="000000"/>
+                </a:solidFill>
+                <a:latin typeface="Calibri" panose="020F0502020204030204" pitchFamily="34" charset="0"/>
+                <a:ea typeface="Calibri" panose="020F0502020204030204" pitchFamily="34" charset="0"/>
+                <a:cs typeface="Arial" panose="020B0604020202020204" pitchFamily="34" charset="0"/>
+              </a:rPr>
+              <a:t>.createReadStream</a:t>
+            </a:r>
+            <a:r>
+              <a:rPr lang="en-US" dirty="0">
+                <a:solidFill>
+                  <a:srgbClr val="000000"/>
+                </a:solidFill>
+                <a:latin typeface="Calibri" panose="020F0502020204030204" pitchFamily="34" charset="0"/>
+                <a:ea typeface="Calibri" panose="020F0502020204030204" pitchFamily="34" charset="0"/>
+                <a:cs typeface="Arial" panose="020B0604020202020204" pitchFamily="34" charset="0"/>
+              </a:rPr>
+              <a:t>(</a:t>
+            </a:r>
+            <a:r>
+              <a:rPr lang="en-US" b="1" dirty="0">
+                <a:solidFill>
+                  <a:srgbClr val="008000"/>
+                </a:solidFill>
+                <a:latin typeface="Calibri" panose="020F0502020204030204" pitchFamily="34" charset="0"/>
+                <a:ea typeface="Calibri" panose="020F0502020204030204" pitchFamily="34" charset="0"/>
+                <a:cs typeface="Arial" panose="020B0604020202020204" pitchFamily="34" charset="0"/>
+              </a:rPr>
+              <a:t>"main.js"</a:t>
+            </a:r>
+            <a:r>
+              <a:rPr lang="en-US" dirty="0">
+                <a:solidFill>
+                  <a:srgbClr val="000000"/>
+                </a:solidFill>
+                <a:latin typeface="Calibri" panose="020F0502020204030204" pitchFamily="34" charset="0"/>
+                <a:ea typeface="Calibri" panose="020F0502020204030204" pitchFamily="34" charset="0"/>
+                <a:cs typeface="Arial" panose="020B0604020202020204" pitchFamily="34" charset="0"/>
+              </a:rPr>
+              <a:t>)</a:t>
+            </a:r>
+            <a:br>
+              <a:rPr lang="en-US" dirty="0">
+                <a:solidFill>
+                  <a:srgbClr val="000000"/>
+                </a:solidFill>
+                <a:latin typeface="Calibri" panose="020F0502020204030204" pitchFamily="34" charset="0"/>
+                <a:ea typeface="Calibri" panose="020F0502020204030204" pitchFamily="34" charset="0"/>
+                <a:cs typeface="Arial" panose="020B0604020202020204" pitchFamily="34" charset="0"/>
+              </a:rPr>
+            </a:br>
+            <a:r>
+              <a:rPr lang="en-US" dirty="0">
+                <a:solidFill>
+                  <a:srgbClr val="000000"/>
+                </a:solidFill>
+                <a:latin typeface="Calibri" panose="020F0502020204030204" pitchFamily="34" charset="0"/>
+                <a:ea typeface="Calibri" panose="020F0502020204030204" pitchFamily="34" charset="0"/>
+                <a:cs typeface="Arial" panose="020B0604020202020204" pitchFamily="34" charset="0"/>
+              </a:rPr>
+              <a:t>    .pipe(</a:t>
+            </a:r>
+            <a:r>
+              <a:rPr lang="en-US" dirty="0" err="1">
+                <a:solidFill>
+                  <a:srgbClr val="458383"/>
+                </a:solidFill>
+                <a:latin typeface="Calibri" panose="020F0502020204030204" pitchFamily="34" charset="0"/>
+                <a:ea typeface="Calibri" panose="020F0502020204030204" pitchFamily="34" charset="0"/>
+                <a:cs typeface="Arial" panose="020B0604020202020204" pitchFamily="34" charset="0"/>
+              </a:rPr>
+              <a:t>zlib</a:t>
+            </a:r>
+            <a:r>
+              <a:rPr lang="en-US" dirty="0" err="1">
+                <a:solidFill>
+                  <a:srgbClr val="000000"/>
+                </a:solidFill>
+                <a:latin typeface="Calibri" panose="020F0502020204030204" pitchFamily="34" charset="0"/>
+                <a:ea typeface="Calibri" panose="020F0502020204030204" pitchFamily="34" charset="0"/>
+                <a:cs typeface="Arial" panose="020B0604020202020204" pitchFamily="34" charset="0"/>
+              </a:rPr>
+              <a:t>.createGzip</a:t>
+            </a:r>
+            <a:r>
+              <a:rPr lang="en-US" dirty="0">
+                <a:solidFill>
+                  <a:srgbClr val="000000"/>
+                </a:solidFill>
+                <a:latin typeface="Calibri" panose="020F0502020204030204" pitchFamily="34" charset="0"/>
+                <a:ea typeface="Calibri" panose="020F0502020204030204" pitchFamily="34" charset="0"/>
+                <a:cs typeface="Arial" panose="020B0604020202020204" pitchFamily="34" charset="0"/>
+              </a:rPr>
+              <a:t>())</a:t>
+            </a:r>
+            <a:br>
+              <a:rPr lang="en-US" dirty="0">
+                <a:solidFill>
+                  <a:srgbClr val="000000"/>
+                </a:solidFill>
+                <a:latin typeface="Calibri" panose="020F0502020204030204" pitchFamily="34" charset="0"/>
+                <a:ea typeface="Calibri" panose="020F0502020204030204" pitchFamily="34" charset="0"/>
+                <a:cs typeface="Arial" panose="020B0604020202020204" pitchFamily="34" charset="0"/>
+              </a:rPr>
+            </a:br>
+            <a:r>
+              <a:rPr lang="en-US" dirty="0">
+                <a:solidFill>
+                  <a:srgbClr val="000000"/>
+                </a:solidFill>
+                <a:latin typeface="Calibri" panose="020F0502020204030204" pitchFamily="34" charset="0"/>
+                <a:ea typeface="Calibri" panose="020F0502020204030204" pitchFamily="34" charset="0"/>
+                <a:cs typeface="Arial" panose="020B0604020202020204" pitchFamily="34" charset="0"/>
+              </a:rPr>
+              <a:t>    .pipe(</a:t>
+            </a:r>
+            <a:r>
+              <a:rPr lang="en-US" dirty="0" err="1">
+                <a:solidFill>
+                  <a:srgbClr val="458383"/>
+                </a:solidFill>
+                <a:latin typeface="Calibri" panose="020F0502020204030204" pitchFamily="34" charset="0"/>
+                <a:ea typeface="Calibri" panose="020F0502020204030204" pitchFamily="34" charset="0"/>
+                <a:cs typeface="Arial" panose="020B0604020202020204" pitchFamily="34" charset="0"/>
+              </a:rPr>
+              <a:t>fs</a:t>
+            </a:r>
+            <a:r>
+              <a:rPr lang="en-US" dirty="0" err="1">
+                <a:solidFill>
+                  <a:srgbClr val="000000"/>
+                </a:solidFill>
+                <a:latin typeface="Calibri" panose="020F0502020204030204" pitchFamily="34" charset="0"/>
+                <a:ea typeface="Calibri" panose="020F0502020204030204" pitchFamily="34" charset="0"/>
+                <a:cs typeface="Arial" panose="020B0604020202020204" pitchFamily="34" charset="0"/>
+              </a:rPr>
+              <a:t>.createWriteStream</a:t>
+            </a:r>
+            <a:r>
+              <a:rPr lang="en-US" dirty="0">
+                <a:solidFill>
+                  <a:srgbClr val="000000"/>
+                </a:solidFill>
+                <a:latin typeface="Calibri" panose="020F0502020204030204" pitchFamily="34" charset="0"/>
+                <a:ea typeface="Calibri" panose="020F0502020204030204" pitchFamily="34" charset="0"/>
+                <a:cs typeface="Arial" panose="020B0604020202020204" pitchFamily="34" charset="0"/>
+              </a:rPr>
+              <a:t>(</a:t>
+            </a:r>
+            <a:r>
+              <a:rPr lang="en-US" b="1" dirty="0">
+                <a:solidFill>
+                  <a:srgbClr val="008000"/>
+                </a:solidFill>
+                <a:latin typeface="Calibri" panose="020F0502020204030204" pitchFamily="34" charset="0"/>
+                <a:ea typeface="Calibri" panose="020F0502020204030204" pitchFamily="34" charset="0"/>
+                <a:cs typeface="Arial" panose="020B0604020202020204" pitchFamily="34" charset="0"/>
+              </a:rPr>
+              <a:t>"main.js.gz"</a:t>
+            </a:r>
+            <a:r>
+              <a:rPr lang="en-US" dirty="0">
+                <a:solidFill>
+                  <a:srgbClr val="000000"/>
+                </a:solidFill>
+                <a:latin typeface="Calibri" panose="020F0502020204030204" pitchFamily="34" charset="0"/>
+                <a:ea typeface="Calibri" panose="020F0502020204030204" pitchFamily="34" charset="0"/>
+                <a:cs typeface="Arial" panose="020B0604020202020204" pitchFamily="34" charset="0"/>
+              </a:rPr>
+              <a:t>));</a:t>
+            </a:r>
+            <a:endParaRPr lang="he-IL" dirty="0"/>
+          </a:p>
+        </p:txBody>
+      </p:sp>
+    </p:spTree>
+    <p:extLst>
+      <p:ext uri="{BB962C8B-B14F-4D97-AF65-F5344CB8AC3E}">
+        <p14:creationId xmlns:p14="http://schemas.microsoft.com/office/powerpoint/2010/main" val="2415963770"/>
+      </p:ext>
+    </p:extLst>
+  </p:cSld>
+  <p:clrMapOvr>
+    <a:masterClrMapping/>
+  </p:clrMapOvr>
+</p:sld>
+</file>
+
+<file path=ppt/slides/slide29.xml><?xml version="1.0" encoding="utf-8"?>
+<p:sld xmlns:a="http://schemas.openxmlformats.org/drawingml/2006/main" xmlns:r="http://schemas.openxmlformats.org/officeDocument/2006/relationships" xmlns:p="http://schemas.openxmlformats.org/presentationml/2006/main">
+  <p:cSld>
+    <p:spTree>
+      <p:nvGrpSpPr>
+        <p:cNvPr id="1" name=""/>
+        <p:cNvGrpSpPr/>
+        <p:nvPr/>
+      </p:nvGrpSpPr>
+      <p:grpSpPr>
+        <a:xfrm>
+          <a:off x="0" y="0"/>
+          <a:ext cx="0" cy="0"/>
+          <a:chOff x="0" y="0"/>
+          <a:chExt cx="0" cy="0"/>
+        </a:xfrm>
+      </p:grpSpPr>
+      <p:sp>
+        <p:nvSpPr>
+          <p:cNvPr id="2" name="Title 1">
+            <a:extLst>
+              <a:ext uri="{FF2B5EF4-FFF2-40B4-BE49-F238E27FC236}">
+                <a16:creationId xmlns:a16="http://schemas.microsoft.com/office/drawing/2014/main" id="{47BD6CAA-0829-40AD-8B17-768CF7DED263}"/>
+              </a:ext>
+            </a:extLst>
+          </p:cNvPr>
+          <p:cNvSpPr>
+            <a:spLocks noGrp="1"/>
+          </p:cNvSpPr>
+          <p:nvPr>
+            <p:ph type="title"/>
+          </p:nvPr>
+        </p:nvSpPr>
+        <p:spPr/>
+        <p:txBody>
+          <a:bodyPr/>
+          <a:lstStyle/>
+          <a:p>
+            <a:r>
+              <a:rPr lang="en-US" dirty="0"/>
+              <a:t>finish Event</a:t>
+            </a:r>
+            <a:endParaRPr lang="he-IL" dirty="0"/>
+          </a:p>
+        </p:txBody>
+      </p:sp>
+      <p:sp>
+        <p:nvSpPr>
+          <p:cNvPr id="3" name="Footer Placeholder 2">
+            <a:extLst>
+              <a:ext uri="{FF2B5EF4-FFF2-40B4-BE49-F238E27FC236}">
+                <a16:creationId xmlns:a16="http://schemas.microsoft.com/office/drawing/2014/main" id="{A327F177-3108-4F2E-B443-BA2E04F813CB}"/>
+              </a:ext>
+            </a:extLst>
+          </p:cNvPr>
+          <p:cNvSpPr>
+            <a:spLocks noGrp="1"/>
+          </p:cNvSpPr>
+          <p:nvPr>
+            <p:ph type="ftr" sz="quarter" idx="11"/>
+          </p:nvPr>
+        </p:nvSpPr>
+        <p:spPr/>
+        <p:txBody>
+          <a:bodyPr/>
+          <a:lstStyle/>
+          <a:p>
+            <a:r>
+              <a:rPr lang="en-US"/>
+              <a:t>© 2017 Ori Calvo</a:t>
+            </a:r>
+            <a:endParaRPr lang="en-US" dirty="0"/>
+          </a:p>
+        </p:txBody>
+      </p:sp>
+      <p:sp>
+        <p:nvSpPr>
+          <p:cNvPr id="4" name="Slide Number Placeholder 3">
+            <a:extLst>
+              <a:ext uri="{FF2B5EF4-FFF2-40B4-BE49-F238E27FC236}">
+                <a16:creationId xmlns:a16="http://schemas.microsoft.com/office/drawing/2014/main" id="{1E22284A-519C-4DAA-9810-CFBB81A4D616}"/>
+              </a:ext>
+            </a:extLst>
+          </p:cNvPr>
+          <p:cNvSpPr>
+            <a:spLocks noGrp="1"/>
+          </p:cNvSpPr>
+          <p:nvPr>
+            <p:ph type="sldNum" sz="quarter" idx="12"/>
+          </p:nvPr>
+        </p:nvSpPr>
+        <p:spPr/>
+        <p:txBody>
+          <a:bodyPr>
+            <a:normAutofit fontScale="85000" lnSpcReduction="20000"/>
+          </a:bodyPr>
+          <a:lstStyle/>
+          <a:p>
+            <a:fld id="{87B78B44-2135-4DB2-B732-E7D5FFF77B6A}" type="slidenum">
+              <a:rPr lang="en-US" smtClean="0"/>
+              <a:pPr/>
+              <a:t>29</a:t>
+            </a:fld>
+            <a:endParaRPr lang="en-US"/>
+          </a:p>
+        </p:txBody>
+      </p:sp>
+      <p:sp>
+        <p:nvSpPr>
+          <p:cNvPr id="5" name="Content Placeholder 4">
+            <a:extLst>
+              <a:ext uri="{FF2B5EF4-FFF2-40B4-BE49-F238E27FC236}">
+                <a16:creationId xmlns:a16="http://schemas.microsoft.com/office/drawing/2014/main" id="{55F18F7A-A0D3-4A20-B81D-9E909E7115B6}"/>
+              </a:ext>
+            </a:extLst>
+          </p:cNvPr>
+          <p:cNvSpPr>
+            <a:spLocks noGrp="1"/>
+          </p:cNvSpPr>
+          <p:nvPr>
+            <p:ph sz="quarter" idx="1"/>
+          </p:nvPr>
+        </p:nvSpPr>
+        <p:spPr/>
+        <p:txBody>
+          <a:bodyPr/>
+          <a:lstStyle/>
+          <a:p>
+            <a:r>
+              <a:rPr lang="en-US" dirty="0"/>
+              <a:t>The </a:t>
+            </a:r>
+            <a:r>
+              <a:rPr lang="en-US" dirty="0">
+                <a:solidFill>
+                  <a:srgbClr val="FF0000"/>
+                </a:solidFill>
+              </a:rPr>
+              <a:t>finish</a:t>
+            </a:r>
+            <a:r>
+              <a:rPr lang="en-US" dirty="0"/>
+              <a:t> event can be used to determine the end of the writing operation</a:t>
+            </a:r>
+            <a:endParaRPr lang="he-IL" dirty="0"/>
+          </a:p>
+        </p:txBody>
+      </p:sp>
+      <p:sp>
+        <p:nvSpPr>
+          <p:cNvPr id="6" name="Rectangle 5">
+            <a:extLst>
+              <a:ext uri="{FF2B5EF4-FFF2-40B4-BE49-F238E27FC236}">
+                <a16:creationId xmlns:a16="http://schemas.microsoft.com/office/drawing/2014/main" id="{9E94B509-4EDD-49BC-9BB4-82A1E84485FE}"/>
+              </a:ext>
+            </a:extLst>
+          </p:cNvPr>
+          <p:cNvSpPr/>
+          <p:nvPr/>
+        </p:nvSpPr>
+        <p:spPr>
+          <a:xfrm>
+            <a:off x="1926168" y="2691348"/>
+            <a:ext cx="5526360" cy="3785652"/>
+          </a:xfrm>
+          <a:prstGeom prst="rect">
+            <a:avLst/>
+          </a:prstGeom>
+          <a:solidFill>
+            <a:schemeClr val="accent1">
+              <a:lumMod val="40000"/>
+              <a:lumOff val="60000"/>
+            </a:schemeClr>
+          </a:solidFill>
+        </p:spPr>
+        <p:txBody>
+          <a:bodyPr wrap="square">
+            <a:spAutoFit/>
+          </a:bodyPr>
+          <a:lstStyle/>
+          <a:p>
+            <a:r>
+              <a:rPr lang="en-US" sz="1600" b="1" dirty="0" err="1">
+                <a:solidFill>
+                  <a:srgbClr val="000080"/>
+                </a:solidFill>
+                <a:latin typeface="Calibri" panose="020F0502020204030204" pitchFamily="34" charset="0"/>
+                <a:ea typeface="Calibri" panose="020F0502020204030204" pitchFamily="34" charset="0"/>
+                <a:cs typeface="Arial" panose="020B0604020202020204" pitchFamily="34" charset="0"/>
+              </a:rPr>
+              <a:t>async</a:t>
+            </a:r>
+            <a:r>
+              <a:rPr lang="en-US" sz="1600" b="1" dirty="0">
+                <a:solidFill>
+                  <a:srgbClr val="000080"/>
+                </a:solidFill>
+                <a:latin typeface="Calibri" panose="020F0502020204030204" pitchFamily="34" charset="0"/>
+                <a:ea typeface="Calibri" panose="020F0502020204030204" pitchFamily="34" charset="0"/>
+                <a:cs typeface="Arial" panose="020B0604020202020204" pitchFamily="34" charset="0"/>
+              </a:rPr>
+              <a:t> function </a:t>
+            </a:r>
+            <a:r>
+              <a:rPr lang="en-US" sz="1600" i="1" dirty="0">
+                <a:solidFill>
+                  <a:srgbClr val="000000"/>
+                </a:solidFill>
+                <a:latin typeface="Calibri" panose="020F0502020204030204" pitchFamily="34" charset="0"/>
+                <a:ea typeface="Calibri" panose="020F0502020204030204" pitchFamily="34" charset="0"/>
+                <a:cs typeface="Arial" panose="020B0604020202020204" pitchFamily="34" charset="0"/>
+              </a:rPr>
+              <a:t>main</a:t>
+            </a:r>
+            <a:r>
+              <a:rPr lang="en-US" sz="1600" dirty="0">
+                <a:solidFill>
+                  <a:srgbClr val="000000"/>
+                </a:solidFill>
+                <a:latin typeface="Calibri" panose="020F0502020204030204" pitchFamily="34" charset="0"/>
+                <a:ea typeface="Calibri" panose="020F0502020204030204" pitchFamily="34" charset="0"/>
+                <a:cs typeface="Arial" panose="020B0604020202020204" pitchFamily="34" charset="0"/>
+              </a:rPr>
+              <a:t>() {</a:t>
+            </a:r>
+            <a:br>
+              <a:rPr lang="en-US" sz="1600" dirty="0">
+                <a:solidFill>
+                  <a:srgbClr val="000000"/>
+                </a:solidFill>
+                <a:latin typeface="Calibri" panose="020F0502020204030204" pitchFamily="34" charset="0"/>
+                <a:ea typeface="Calibri" panose="020F0502020204030204" pitchFamily="34" charset="0"/>
+                <a:cs typeface="Arial" panose="020B0604020202020204" pitchFamily="34" charset="0"/>
+              </a:rPr>
+            </a:br>
+            <a:r>
+              <a:rPr lang="en-US" sz="1600" dirty="0">
+                <a:solidFill>
+                  <a:srgbClr val="000000"/>
+                </a:solidFill>
+                <a:latin typeface="Calibri" panose="020F0502020204030204" pitchFamily="34" charset="0"/>
+                <a:ea typeface="Calibri" panose="020F0502020204030204" pitchFamily="34" charset="0"/>
+                <a:cs typeface="Arial" panose="020B0604020202020204" pitchFamily="34" charset="0"/>
+              </a:rPr>
+              <a:t>    </a:t>
+            </a:r>
+            <a:r>
+              <a:rPr lang="en-US" sz="1600" b="1" dirty="0">
+                <a:solidFill>
+                  <a:srgbClr val="000080"/>
+                </a:solidFill>
+                <a:latin typeface="Calibri" panose="020F0502020204030204" pitchFamily="34" charset="0"/>
+                <a:ea typeface="Calibri" panose="020F0502020204030204" pitchFamily="34" charset="0"/>
+                <a:cs typeface="Arial" panose="020B0604020202020204" pitchFamily="34" charset="0"/>
+              </a:rPr>
+              <a:t>await </a:t>
+            </a:r>
+            <a:r>
+              <a:rPr lang="en-US" sz="1600" i="1" dirty="0">
+                <a:solidFill>
+                  <a:srgbClr val="000000"/>
+                </a:solidFill>
+                <a:latin typeface="Calibri" panose="020F0502020204030204" pitchFamily="34" charset="0"/>
+                <a:ea typeface="Calibri" panose="020F0502020204030204" pitchFamily="34" charset="0"/>
+                <a:cs typeface="Arial" panose="020B0604020202020204" pitchFamily="34" charset="0"/>
+              </a:rPr>
+              <a:t>zip</a:t>
+            </a:r>
+            <a:r>
+              <a:rPr lang="en-US" sz="1600" dirty="0">
+                <a:solidFill>
+                  <a:srgbClr val="000000"/>
+                </a:solidFill>
+                <a:latin typeface="Calibri" panose="020F0502020204030204" pitchFamily="34" charset="0"/>
+                <a:ea typeface="Calibri" panose="020F0502020204030204" pitchFamily="34" charset="0"/>
+                <a:cs typeface="Arial" panose="020B0604020202020204" pitchFamily="34" charset="0"/>
+              </a:rPr>
+              <a:t>(</a:t>
+            </a:r>
+            <a:r>
+              <a:rPr lang="en-US" sz="1600" b="1" dirty="0">
+                <a:solidFill>
+                  <a:srgbClr val="008000"/>
+                </a:solidFill>
+                <a:latin typeface="Calibri" panose="020F0502020204030204" pitchFamily="34" charset="0"/>
+                <a:ea typeface="Calibri" panose="020F0502020204030204" pitchFamily="34" charset="0"/>
+                <a:cs typeface="Arial" panose="020B0604020202020204" pitchFamily="34" charset="0"/>
+              </a:rPr>
+              <a:t>"main.js"</a:t>
+            </a:r>
+            <a:r>
+              <a:rPr lang="en-US" sz="1600" dirty="0">
+                <a:solidFill>
+                  <a:srgbClr val="000000"/>
+                </a:solidFill>
+                <a:latin typeface="Calibri" panose="020F0502020204030204" pitchFamily="34" charset="0"/>
+                <a:ea typeface="Calibri" panose="020F0502020204030204" pitchFamily="34" charset="0"/>
+                <a:cs typeface="Arial" panose="020B0604020202020204" pitchFamily="34" charset="0"/>
+              </a:rPr>
+              <a:t>, </a:t>
+            </a:r>
+            <a:r>
+              <a:rPr lang="en-US" sz="1600" b="1" dirty="0">
+                <a:solidFill>
+                  <a:srgbClr val="008000"/>
+                </a:solidFill>
+                <a:latin typeface="Calibri" panose="020F0502020204030204" pitchFamily="34" charset="0"/>
+                <a:ea typeface="Calibri" panose="020F0502020204030204" pitchFamily="34" charset="0"/>
+                <a:cs typeface="Arial" panose="020B0604020202020204" pitchFamily="34" charset="0"/>
+              </a:rPr>
+              <a:t>"main.js.gz"</a:t>
+            </a:r>
+            <a:r>
+              <a:rPr lang="en-US" sz="1600" dirty="0">
+                <a:solidFill>
+                  <a:srgbClr val="000000"/>
+                </a:solidFill>
+                <a:latin typeface="Calibri" panose="020F0502020204030204" pitchFamily="34" charset="0"/>
+                <a:ea typeface="Calibri" panose="020F0502020204030204" pitchFamily="34" charset="0"/>
+                <a:cs typeface="Arial" panose="020B0604020202020204" pitchFamily="34" charset="0"/>
+              </a:rPr>
+              <a:t>);</a:t>
+            </a:r>
+            <a:br>
+              <a:rPr lang="en-US" sz="1600" dirty="0">
+                <a:solidFill>
+                  <a:srgbClr val="000000"/>
+                </a:solidFill>
+                <a:latin typeface="Calibri" panose="020F0502020204030204" pitchFamily="34" charset="0"/>
+                <a:ea typeface="Calibri" panose="020F0502020204030204" pitchFamily="34" charset="0"/>
+                <a:cs typeface="Arial" panose="020B0604020202020204" pitchFamily="34" charset="0"/>
+              </a:rPr>
+            </a:br>
+            <a:r>
+              <a:rPr lang="en-US" sz="1600" dirty="0">
+                <a:solidFill>
+                  <a:srgbClr val="000000"/>
+                </a:solidFill>
+                <a:latin typeface="Calibri" panose="020F0502020204030204" pitchFamily="34" charset="0"/>
+                <a:ea typeface="Calibri" panose="020F0502020204030204" pitchFamily="34" charset="0"/>
+                <a:cs typeface="Arial" panose="020B0604020202020204" pitchFamily="34" charset="0"/>
+              </a:rPr>
+              <a:t>    </a:t>
+            </a:r>
+            <a:r>
+              <a:rPr lang="en-US" sz="1600" b="1" dirty="0">
+                <a:solidFill>
+                  <a:srgbClr val="000080"/>
+                </a:solidFill>
+                <a:latin typeface="Calibri" panose="020F0502020204030204" pitchFamily="34" charset="0"/>
+                <a:ea typeface="Calibri" panose="020F0502020204030204" pitchFamily="34" charset="0"/>
+                <a:cs typeface="Arial" panose="020B0604020202020204" pitchFamily="34" charset="0"/>
+              </a:rPr>
+              <a:t>await </a:t>
+            </a:r>
+            <a:r>
+              <a:rPr lang="en-US" sz="1600" dirty="0">
+                <a:solidFill>
+                  <a:srgbClr val="458383"/>
+                </a:solidFill>
+                <a:latin typeface="Calibri" panose="020F0502020204030204" pitchFamily="34" charset="0"/>
+                <a:ea typeface="Calibri" panose="020F0502020204030204" pitchFamily="34" charset="0"/>
+                <a:cs typeface="Arial" panose="020B0604020202020204" pitchFamily="34" charset="0"/>
+              </a:rPr>
+              <a:t>rename</a:t>
+            </a:r>
+            <a:r>
+              <a:rPr lang="en-US" sz="1600" dirty="0">
+                <a:solidFill>
+                  <a:srgbClr val="000000"/>
+                </a:solidFill>
+                <a:latin typeface="Calibri" panose="020F0502020204030204" pitchFamily="34" charset="0"/>
+                <a:ea typeface="Calibri" panose="020F0502020204030204" pitchFamily="34" charset="0"/>
+                <a:cs typeface="Arial" panose="020B0604020202020204" pitchFamily="34" charset="0"/>
+              </a:rPr>
+              <a:t>(</a:t>
+            </a:r>
+            <a:r>
+              <a:rPr lang="en-US" sz="1600" b="1" dirty="0">
+                <a:solidFill>
+                  <a:srgbClr val="008000"/>
+                </a:solidFill>
+                <a:latin typeface="Calibri" panose="020F0502020204030204" pitchFamily="34" charset="0"/>
+                <a:ea typeface="Calibri" panose="020F0502020204030204" pitchFamily="34" charset="0"/>
+                <a:cs typeface="Arial" panose="020B0604020202020204" pitchFamily="34" charset="0"/>
+              </a:rPr>
+              <a:t>"temp/main.js.gz"</a:t>
+            </a:r>
+            <a:r>
+              <a:rPr lang="en-US" sz="1600" dirty="0">
+                <a:solidFill>
+                  <a:srgbClr val="000000"/>
+                </a:solidFill>
+                <a:latin typeface="Calibri" panose="020F0502020204030204" pitchFamily="34" charset="0"/>
+                <a:ea typeface="Calibri" panose="020F0502020204030204" pitchFamily="34" charset="0"/>
+                <a:cs typeface="Arial" panose="020B0604020202020204" pitchFamily="34" charset="0"/>
+              </a:rPr>
+              <a:t>, </a:t>
+            </a:r>
+            <a:r>
+              <a:rPr lang="en-US" sz="1600" b="1" dirty="0">
+                <a:solidFill>
+                  <a:srgbClr val="008000"/>
+                </a:solidFill>
+                <a:latin typeface="Calibri" panose="020F0502020204030204" pitchFamily="34" charset="0"/>
+                <a:ea typeface="Calibri" panose="020F0502020204030204" pitchFamily="34" charset="0"/>
+                <a:cs typeface="Arial" panose="020B0604020202020204" pitchFamily="34" charset="0"/>
+              </a:rPr>
+              <a:t>"done/main.js.gz"</a:t>
+            </a:r>
+            <a:r>
+              <a:rPr lang="en-US" sz="1600" dirty="0">
+                <a:solidFill>
+                  <a:srgbClr val="000000"/>
+                </a:solidFill>
+                <a:latin typeface="Calibri" panose="020F0502020204030204" pitchFamily="34" charset="0"/>
+                <a:ea typeface="Calibri" panose="020F0502020204030204" pitchFamily="34" charset="0"/>
+                <a:cs typeface="Arial" panose="020B0604020202020204" pitchFamily="34" charset="0"/>
+              </a:rPr>
+              <a:t>);</a:t>
+            </a:r>
+            <a:br>
+              <a:rPr lang="en-US" sz="1600" dirty="0">
+                <a:solidFill>
+                  <a:srgbClr val="000000"/>
+                </a:solidFill>
+                <a:latin typeface="Calibri" panose="020F0502020204030204" pitchFamily="34" charset="0"/>
+                <a:ea typeface="Calibri" panose="020F0502020204030204" pitchFamily="34" charset="0"/>
+                <a:cs typeface="Arial" panose="020B0604020202020204" pitchFamily="34" charset="0"/>
+              </a:rPr>
+            </a:br>
+            <a:r>
+              <a:rPr lang="en-US" sz="1600" dirty="0">
+                <a:solidFill>
+                  <a:srgbClr val="000000"/>
+                </a:solidFill>
+                <a:latin typeface="Calibri" panose="020F0502020204030204" pitchFamily="34" charset="0"/>
+                <a:ea typeface="Calibri" panose="020F0502020204030204" pitchFamily="34" charset="0"/>
+                <a:cs typeface="Arial" panose="020B0604020202020204" pitchFamily="34" charset="0"/>
+              </a:rPr>
+              <a:t>}</a:t>
+            </a:r>
+            <a:br>
+              <a:rPr lang="en-US" sz="1600" dirty="0">
+                <a:solidFill>
+                  <a:srgbClr val="000000"/>
+                </a:solidFill>
+                <a:latin typeface="Calibri" panose="020F0502020204030204" pitchFamily="34" charset="0"/>
+                <a:ea typeface="Calibri" panose="020F0502020204030204" pitchFamily="34" charset="0"/>
+                <a:cs typeface="Arial" panose="020B0604020202020204" pitchFamily="34" charset="0"/>
+              </a:rPr>
+            </a:br>
+            <a:br>
+              <a:rPr lang="en-US" sz="1600" dirty="0">
+                <a:solidFill>
+                  <a:srgbClr val="000000"/>
+                </a:solidFill>
+                <a:latin typeface="Calibri" panose="020F0502020204030204" pitchFamily="34" charset="0"/>
+                <a:ea typeface="Calibri" panose="020F0502020204030204" pitchFamily="34" charset="0"/>
+                <a:cs typeface="Arial" panose="020B0604020202020204" pitchFamily="34" charset="0"/>
+              </a:rPr>
+            </a:br>
+            <a:r>
+              <a:rPr lang="en-US" sz="1600" b="1" dirty="0">
+                <a:solidFill>
+                  <a:srgbClr val="000080"/>
+                </a:solidFill>
+                <a:latin typeface="Calibri" panose="020F0502020204030204" pitchFamily="34" charset="0"/>
+                <a:ea typeface="Calibri" panose="020F0502020204030204" pitchFamily="34" charset="0"/>
+                <a:cs typeface="Arial" panose="020B0604020202020204" pitchFamily="34" charset="0"/>
+              </a:rPr>
+              <a:t>function </a:t>
+            </a:r>
+            <a:r>
+              <a:rPr lang="en-US" sz="1600" i="1" dirty="0">
+                <a:solidFill>
+                  <a:srgbClr val="000000"/>
+                </a:solidFill>
+                <a:latin typeface="Calibri" panose="020F0502020204030204" pitchFamily="34" charset="0"/>
+                <a:ea typeface="Calibri" panose="020F0502020204030204" pitchFamily="34" charset="0"/>
+                <a:cs typeface="Arial" panose="020B0604020202020204" pitchFamily="34" charset="0"/>
+              </a:rPr>
+              <a:t>zip</a:t>
+            </a:r>
+            <a:r>
+              <a:rPr lang="en-US" sz="1600" dirty="0">
+                <a:solidFill>
+                  <a:srgbClr val="000000"/>
+                </a:solidFill>
+                <a:latin typeface="Calibri" panose="020F0502020204030204" pitchFamily="34" charset="0"/>
+                <a:ea typeface="Calibri" panose="020F0502020204030204" pitchFamily="34" charset="0"/>
+                <a:cs typeface="Arial" panose="020B0604020202020204" pitchFamily="34" charset="0"/>
+              </a:rPr>
+              <a:t>(</a:t>
+            </a:r>
+            <a:r>
+              <a:rPr lang="en-US" sz="1600" dirty="0" err="1">
+                <a:solidFill>
+                  <a:srgbClr val="000000"/>
+                </a:solidFill>
+                <a:latin typeface="Calibri" panose="020F0502020204030204" pitchFamily="34" charset="0"/>
+                <a:ea typeface="Calibri" panose="020F0502020204030204" pitchFamily="34" charset="0"/>
+                <a:cs typeface="Arial" panose="020B0604020202020204" pitchFamily="34" charset="0"/>
+              </a:rPr>
+              <a:t>dest</a:t>
+            </a:r>
+            <a:r>
+              <a:rPr lang="en-US" sz="1600" dirty="0">
+                <a:solidFill>
+                  <a:srgbClr val="000000"/>
+                </a:solidFill>
+                <a:latin typeface="Calibri" panose="020F0502020204030204" pitchFamily="34" charset="0"/>
+                <a:ea typeface="Calibri" panose="020F0502020204030204" pitchFamily="34" charset="0"/>
+                <a:cs typeface="Arial" panose="020B0604020202020204" pitchFamily="34" charset="0"/>
+              </a:rPr>
+              <a:t>, source) {</a:t>
+            </a:r>
+            <a:br>
+              <a:rPr lang="en-US" sz="1600" dirty="0">
+                <a:solidFill>
+                  <a:srgbClr val="000000"/>
+                </a:solidFill>
+                <a:latin typeface="Calibri" panose="020F0502020204030204" pitchFamily="34" charset="0"/>
+                <a:ea typeface="Calibri" panose="020F0502020204030204" pitchFamily="34" charset="0"/>
+                <a:cs typeface="Arial" panose="020B0604020202020204" pitchFamily="34" charset="0"/>
+              </a:rPr>
+            </a:br>
+            <a:r>
+              <a:rPr lang="en-US" sz="1600" dirty="0">
+                <a:solidFill>
+                  <a:srgbClr val="000000"/>
+                </a:solidFill>
+                <a:latin typeface="Calibri" panose="020F0502020204030204" pitchFamily="34" charset="0"/>
+                <a:ea typeface="Calibri" panose="020F0502020204030204" pitchFamily="34" charset="0"/>
+                <a:cs typeface="Arial" panose="020B0604020202020204" pitchFamily="34" charset="0"/>
+              </a:rPr>
+              <a:t>    </a:t>
+            </a:r>
+            <a:r>
+              <a:rPr lang="en-US" sz="1600" b="1" dirty="0">
+                <a:solidFill>
+                  <a:srgbClr val="000080"/>
+                </a:solidFill>
+                <a:latin typeface="Calibri" panose="020F0502020204030204" pitchFamily="34" charset="0"/>
+                <a:ea typeface="Calibri" panose="020F0502020204030204" pitchFamily="34" charset="0"/>
+                <a:cs typeface="Arial" panose="020B0604020202020204" pitchFamily="34" charset="0"/>
+              </a:rPr>
+              <a:t>return new </a:t>
+            </a:r>
+            <a:r>
+              <a:rPr lang="en-US" sz="1600" b="1" i="1" dirty="0">
+                <a:solidFill>
+                  <a:srgbClr val="660E7A"/>
+                </a:solidFill>
+                <a:latin typeface="Calibri" panose="020F0502020204030204" pitchFamily="34" charset="0"/>
+                <a:ea typeface="Calibri" panose="020F0502020204030204" pitchFamily="34" charset="0"/>
+                <a:cs typeface="Arial" panose="020B0604020202020204" pitchFamily="34" charset="0"/>
+              </a:rPr>
+              <a:t>Promise</a:t>
+            </a:r>
+            <a:r>
+              <a:rPr lang="en-US" sz="1600" dirty="0">
+                <a:solidFill>
+                  <a:srgbClr val="000000"/>
+                </a:solidFill>
+                <a:latin typeface="Calibri" panose="020F0502020204030204" pitchFamily="34" charset="0"/>
+                <a:ea typeface="Calibri" panose="020F0502020204030204" pitchFamily="34" charset="0"/>
+                <a:cs typeface="Arial" panose="020B0604020202020204" pitchFamily="34" charset="0"/>
+              </a:rPr>
+              <a:t>((</a:t>
+            </a:r>
+            <a:r>
+              <a:rPr lang="en-US" sz="1600" dirty="0" err="1">
+                <a:solidFill>
+                  <a:srgbClr val="000000"/>
+                </a:solidFill>
+                <a:latin typeface="Calibri" panose="020F0502020204030204" pitchFamily="34" charset="0"/>
+                <a:ea typeface="Calibri" panose="020F0502020204030204" pitchFamily="34" charset="0"/>
+                <a:cs typeface="Arial" panose="020B0604020202020204" pitchFamily="34" charset="0"/>
+              </a:rPr>
+              <a:t>resolve,reject</a:t>
+            </a:r>
+            <a:r>
+              <a:rPr lang="en-US" sz="1600" dirty="0">
+                <a:solidFill>
+                  <a:srgbClr val="000000"/>
+                </a:solidFill>
+                <a:latin typeface="Calibri" panose="020F0502020204030204" pitchFamily="34" charset="0"/>
+                <a:ea typeface="Calibri" panose="020F0502020204030204" pitchFamily="34" charset="0"/>
+                <a:cs typeface="Arial" panose="020B0604020202020204" pitchFamily="34" charset="0"/>
+              </a:rPr>
+              <a:t>)=&gt; {</a:t>
+            </a:r>
+            <a:br>
+              <a:rPr lang="en-US" sz="1600" dirty="0">
+                <a:solidFill>
+                  <a:srgbClr val="000000"/>
+                </a:solidFill>
+                <a:latin typeface="Calibri" panose="020F0502020204030204" pitchFamily="34" charset="0"/>
+                <a:ea typeface="Calibri" panose="020F0502020204030204" pitchFamily="34" charset="0"/>
+                <a:cs typeface="Arial" panose="020B0604020202020204" pitchFamily="34" charset="0"/>
+              </a:rPr>
+            </a:br>
+            <a:r>
+              <a:rPr lang="en-US" sz="1600" dirty="0">
+                <a:solidFill>
+                  <a:srgbClr val="000000"/>
+                </a:solidFill>
+                <a:latin typeface="Calibri" panose="020F0502020204030204" pitchFamily="34" charset="0"/>
+                <a:ea typeface="Calibri" panose="020F0502020204030204" pitchFamily="34" charset="0"/>
+                <a:cs typeface="Arial" panose="020B0604020202020204" pitchFamily="34" charset="0"/>
+              </a:rPr>
+              <a:t>        </a:t>
+            </a:r>
+            <a:r>
+              <a:rPr lang="en-US" sz="1600" dirty="0" err="1">
+                <a:solidFill>
+                  <a:srgbClr val="458383"/>
+                </a:solidFill>
+                <a:latin typeface="Calibri" panose="020F0502020204030204" pitchFamily="34" charset="0"/>
+                <a:ea typeface="Calibri" panose="020F0502020204030204" pitchFamily="34" charset="0"/>
+                <a:cs typeface="Arial" panose="020B0604020202020204" pitchFamily="34" charset="0"/>
+              </a:rPr>
+              <a:t>fs</a:t>
+            </a:r>
+            <a:r>
+              <a:rPr lang="en-US" sz="1600" dirty="0" err="1">
+                <a:solidFill>
+                  <a:srgbClr val="000000"/>
+                </a:solidFill>
+                <a:latin typeface="Calibri" panose="020F0502020204030204" pitchFamily="34" charset="0"/>
+                <a:ea typeface="Calibri" panose="020F0502020204030204" pitchFamily="34" charset="0"/>
+                <a:cs typeface="Arial" panose="020B0604020202020204" pitchFamily="34" charset="0"/>
+              </a:rPr>
+              <a:t>.createReadStream</a:t>
+            </a:r>
+            <a:r>
+              <a:rPr lang="en-US" sz="1600" dirty="0">
+                <a:solidFill>
+                  <a:srgbClr val="000000"/>
+                </a:solidFill>
+                <a:latin typeface="Calibri" panose="020F0502020204030204" pitchFamily="34" charset="0"/>
+                <a:ea typeface="Calibri" panose="020F0502020204030204" pitchFamily="34" charset="0"/>
+                <a:cs typeface="Arial" panose="020B0604020202020204" pitchFamily="34" charset="0"/>
+              </a:rPr>
+              <a:t>(</a:t>
+            </a:r>
+            <a:r>
+              <a:rPr lang="en-US" sz="1600" b="1" dirty="0">
+                <a:solidFill>
+                  <a:srgbClr val="008000"/>
+                </a:solidFill>
+                <a:latin typeface="Calibri" panose="020F0502020204030204" pitchFamily="34" charset="0"/>
+                <a:ea typeface="Calibri" panose="020F0502020204030204" pitchFamily="34" charset="0"/>
+                <a:cs typeface="Arial" panose="020B0604020202020204" pitchFamily="34" charset="0"/>
+              </a:rPr>
+              <a:t>"main.js"</a:t>
+            </a:r>
+            <a:r>
+              <a:rPr lang="en-US" sz="1600" dirty="0">
+                <a:solidFill>
+                  <a:srgbClr val="000000"/>
+                </a:solidFill>
+                <a:latin typeface="Calibri" panose="020F0502020204030204" pitchFamily="34" charset="0"/>
+                <a:ea typeface="Calibri" panose="020F0502020204030204" pitchFamily="34" charset="0"/>
+                <a:cs typeface="Arial" panose="020B0604020202020204" pitchFamily="34" charset="0"/>
+              </a:rPr>
+              <a:t>)</a:t>
+            </a:r>
+            <a:br>
+              <a:rPr lang="en-US" sz="1600" dirty="0">
+                <a:solidFill>
+                  <a:srgbClr val="000000"/>
+                </a:solidFill>
+                <a:latin typeface="Calibri" panose="020F0502020204030204" pitchFamily="34" charset="0"/>
+                <a:ea typeface="Calibri" panose="020F0502020204030204" pitchFamily="34" charset="0"/>
+                <a:cs typeface="Arial" panose="020B0604020202020204" pitchFamily="34" charset="0"/>
+              </a:rPr>
+            </a:br>
+            <a:r>
+              <a:rPr lang="en-US" sz="1600" dirty="0">
+                <a:solidFill>
+                  <a:srgbClr val="000000"/>
+                </a:solidFill>
+                <a:latin typeface="Calibri" panose="020F0502020204030204" pitchFamily="34" charset="0"/>
+                <a:ea typeface="Calibri" panose="020F0502020204030204" pitchFamily="34" charset="0"/>
+                <a:cs typeface="Arial" panose="020B0604020202020204" pitchFamily="34" charset="0"/>
+              </a:rPr>
+              <a:t>            .pipe(</a:t>
+            </a:r>
+            <a:r>
+              <a:rPr lang="en-US" sz="1600" dirty="0" err="1">
+                <a:solidFill>
+                  <a:srgbClr val="458383"/>
+                </a:solidFill>
+                <a:latin typeface="Calibri" panose="020F0502020204030204" pitchFamily="34" charset="0"/>
+                <a:ea typeface="Calibri" panose="020F0502020204030204" pitchFamily="34" charset="0"/>
+                <a:cs typeface="Arial" panose="020B0604020202020204" pitchFamily="34" charset="0"/>
+              </a:rPr>
+              <a:t>zlib</a:t>
+            </a:r>
+            <a:r>
+              <a:rPr lang="en-US" sz="1600" dirty="0" err="1">
+                <a:solidFill>
+                  <a:srgbClr val="000000"/>
+                </a:solidFill>
+                <a:latin typeface="Calibri" panose="020F0502020204030204" pitchFamily="34" charset="0"/>
+                <a:ea typeface="Calibri" panose="020F0502020204030204" pitchFamily="34" charset="0"/>
+                <a:cs typeface="Arial" panose="020B0604020202020204" pitchFamily="34" charset="0"/>
+              </a:rPr>
+              <a:t>.createGzip</a:t>
+            </a:r>
+            <a:r>
+              <a:rPr lang="en-US" sz="1600" dirty="0">
+                <a:solidFill>
+                  <a:srgbClr val="000000"/>
+                </a:solidFill>
+                <a:latin typeface="Calibri" panose="020F0502020204030204" pitchFamily="34" charset="0"/>
+                <a:ea typeface="Calibri" panose="020F0502020204030204" pitchFamily="34" charset="0"/>
+                <a:cs typeface="Arial" panose="020B0604020202020204" pitchFamily="34" charset="0"/>
+              </a:rPr>
+              <a:t>())</a:t>
+            </a:r>
+            <a:br>
+              <a:rPr lang="en-US" sz="1600" dirty="0">
+                <a:solidFill>
+                  <a:srgbClr val="000000"/>
+                </a:solidFill>
+                <a:latin typeface="Calibri" panose="020F0502020204030204" pitchFamily="34" charset="0"/>
+                <a:ea typeface="Calibri" panose="020F0502020204030204" pitchFamily="34" charset="0"/>
+                <a:cs typeface="Arial" panose="020B0604020202020204" pitchFamily="34" charset="0"/>
+              </a:rPr>
+            </a:br>
+            <a:r>
+              <a:rPr lang="en-US" sz="1600" dirty="0">
+                <a:solidFill>
+                  <a:srgbClr val="000000"/>
+                </a:solidFill>
+                <a:latin typeface="Calibri" panose="020F0502020204030204" pitchFamily="34" charset="0"/>
+                <a:ea typeface="Calibri" panose="020F0502020204030204" pitchFamily="34" charset="0"/>
+                <a:cs typeface="Arial" panose="020B0604020202020204" pitchFamily="34" charset="0"/>
+              </a:rPr>
+              <a:t>            .pipe(</a:t>
+            </a:r>
+            <a:r>
+              <a:rPr lang="en-US" sz="1600" dirty="0" err="1">
+                <a:solidFill>
+                  <a:srgbClr val="458383"/>
+                </a:solidFill>
+                <a:latin typeface="Calibri" panose="020F0502020204030204" pitchFamily="34" charset="0"/>
+                <a:ea typeface="Calibri" panose="020F0502020204030204" pitchFamily="34" charset="0"/>
+                <a:cs typeface="Arial" panose="020B0604020202020204" pitchFamily="34" charset="0"/>
+              </a:rPr>
+              <a:t>fs</a:t>
+            </a:r>
+            <a:r>
+              <a:rPr lang="en-US" sz="1600" dirty="0" err="1">
+                <a:solidFill>
+                  <a:srgbClr val="000000"/>
+                </a:solidFill>
+                <a:latin typeface="Calibri" panose="020F0502020204030204" pitchFamily="34" charset="0"/>
+                <a:ea typeface="Calibri" panose="020F0502020204030204" pitchFamily="34" charset="0"/>
+                <a:cs typeface="Arial" panose="020B0604020202020204" pitchFamily="34" charset="0"/>
+              </a:rPr>
+              <a:t>.createWriteStream</a:t>
+            </a:r>
+            <a:r>
+              <a:rPr lang="en-US" sz="1600" dirty="0">
+                <a:solidFill>
+                  <a:srgbClr val="000000"/>
+                </a:solidFill>
+                <a:latin typeface="Calibri" panose="020F0502020204030204" pitchFamily="34" charset="0"/>
+                <a:ea typeface="Calibri" panose="020F0502020204030204" pitchFamily="34" charset="0"/>
+                <a:cs typeface="Arial" panose="020B0604020202020204" pitchFamily="34" charset="0"/>
+              </a:rPr>
+              <a:t>(</a:t>
+            </a:r>
+            <a:r>
+              <a:rPr lang="en-US" sz="1600" b="1" dirty="0">
+                <a:solidFill>
+                  <a:srgbClr val="008000"/>
+                </a:solidFill>
+                <a:latin typeface="Calibri" panose="020F0502020204030204" pitchFamily="34" charset="0"/>
+                <a:ea typeface="Calibri" panose="020F0502020204030204" pitchFamily="34" charset="0"/>
+                <a:cs typeface="Arial" panose="020B0604020202020204" pitchFamily="34" charset="0"/>
+              </a:rPr>
+              <a:t>"temp/main.js.gz"</a:t>
+            </a:r>
+            <a:r>
+              <a:rPr lang="en-US" sz="1600" dirty="0">
+                <a:solidFill>
+                  <a:srgbClr val="000000"/>
+                </a:solidFill>
+                <a:latin typeface="Calibri" panose="020F0502020204030204" pitchFamily="34" charset="0"/>
+                <a:ea typeface="Calibri" panose="020F0502020204030204" pitchFamily="34" charset="0"/>
+                <a:cs typeface="Arial" panose="020B0604020202020204" pitchFamily="34" charset="0"/>
+              </a:rPr>
+              <a:t>))</a:t>
+            </a:r>
+            <a:br>
+              <a:rPr lang="en-US" sz="1600" dirty="0">
+                <a:solidFill>
+                  <a:srgbClr val="000000"/>
+                </a:solidFill>
+                <a:latin typeface="Calibri" panose="020F0502020204030204" pitchFamily="34" charset="0"/>
+                <a:ea typeface="Calibri" panose="020F0502020204030204" pitchFamily="34" charset="0"/>
+                <a:cs typeface="Arial" panose="020B0604020202020204" pitchFamily="34" charset="0"/>
+              </a:rPr>
+            </a:br>
+            <a:r>
+              <a:rPr lang="en-US" sz="1600" dirty="0">
+                <a:solidFill>
+                  <a:srgbClr val="000000"/>
+                </a:solidFill>
+                <a:latin typeface="Calibri" panose="020F0502020204030204" pitchFamily="34" charset="0"/>
+                <a:ea typeface="Calibri" panose="020F0502020204030204" pitchFamily="34" charset="0"/>
+                <a:cs typeface="Arial" panose="020B0604020202020204" pitchFamily="34" charset="0"/>
+              </a:rPr>
+              <a:t>            .on(</a:t>
+            </a:r>
+            <a:r>
+              <a:rPr lang="en-US" sz="1600" b="1" dirty="0">
+                <a:solidFill>
+                  <a:srgbClr val="008000"/>
+                </a:solidFill>
+                <a:latin typeface="Calibri" panose="020F0502020204030204" pitchFamily="34" charset="0"/>
+                <a:ea typeface="Calibri" panose="020F0502020204030204" pitchFamily="34" charset="0"/>
+                <a:cs typeface="Arial" panose="020B0604020202020204" pitchFamily="34" charset="0"/>
+              </a:rPr>
+              <a:t>"finish"</a:t>
+            </a:r>
+            <a:r>
+              <a:rPr lang="en-US" sz="1600" dirty="0">
+                <a:solidFill>
+                  <a:srgbClr val="000000"/>
+                </a:solidFill>
+                <a:latin typeface="Calibri" panose="020F0502020204030204" pitchFamily="34" charset="0"/>
+                <a:ea typeface="Calibri" panose="020F0502020204030204" pitchFamily="34" charset="0"/>
+                <a:cs typeface="Arial" panose="020B0604020202020204" pitchFamily="34" charset="0"/>
+              </a:rPr>
+              <a:t>, </a:t>
+            </a:r>
+            <a:r>
+              <a:rPr lang="en-US" sz="1600" b="1" dirty="0">
+                <a:solidFill>
+                  <a:srgbClr val="000080"/>
+                </a:solidFill>
+                <a:latin typeface="Calibri" panose="020F0502020204030204" pitchFamily="34" charset="0"/>
+                <a:ea typeface="Calibri" panose="020F0502020204030204" pitchFamily="34" charset="0"/>
+                <a:cs typeface="Arial" panose="020B0604020202020204" pitchFamily="34" charset="0"/>
+              </a:rPr>
+              <a:t>function </a:t>
+            </a:r>
+            <a:r>
+              <a:rPr lang="en-US" sz="1600" dirty="0">
+                <a:solidFill>
+                  <a:srgbClr val="000000"/>
+                </a:solidFill>
+                <a:latin typeface="Calibri" panose="020F0502020204030204" pitchFamily="34" charset="0"/>
+                <a:ea typeface="Calibri" panose="020F0502020204030204" pitchFamily="34" charset="0"/>
+                <a:cs typeface="Arial" panose="020B0604020202020204" pitchFamily="34" charset="0"/>
+              </a:rPr>
+              <a:t>() {</a:t>
+            </a:r>
+            <a:br>
+              <a:rPr lang="en-US" sz="1600" dirty="0">
+                <a:solidFill>
+                  <a:srgbClr val="000000"/>
+                </a:solidFill>
+                <a:latin typeface="Calibri" panose="020F0502020204030204" pitchFamily="34" charset="0"/>
+                <a:ea typeface="Calibri" panose="020F0502020204030204" pitchFamily="34" charset="0"/>
+                <a:cs typeface="Arial" panose="020B0604020202020204" pitchFamily="34" charset="0"/>
+              </a:rPr>
+            </a:br>
+            <a:r>
+              <a:rPr lang="en-US" sz="1600" dirty="0">
+                <a:solidFill>
+                  <a:srgbClr val="000000"/>
+                </a:solidFill>
+                <a:latin typeface="Calibri" panose="020F0502020204030204" pitchFamily="34" charset="0"/>
+                <a:ea typeface="Calibri" panose="020F0502020204030204" pitchFamily="34" charset="0"/>
+                <a:cs typeface="Arial" panose="020B0604020202020204" pitchFamily="34" charset="0"/>
+              </a:rPr>
+              <a:t>                resolve();</a:t>
+            </a:r>
+            <a:br>
+              <a:rPr lang="en-US" sz="1600" dirty="0">
+                <a:solidFill>
+                  <a:srgbClr val="000000"/>
+                </a:solidFill>
+                <a:latin typeface="Calibri" panose="020F0502020204030204" pitchFamily="34" charset="0"/>
+                <a:ea typeface="Calibri" panose="020F0502020204030204" pitchFamily="34" charset="0"/>
+                <a:cs typeface="Arial" panose="020B0604020202020204" pitchFamily="34" charset="0"/>
+              </a:rPr>
+            </a:br>
+            <a:r>
+              <a:rPr lang="en-US" sz="1600" dirty="0">
+                <a:solidFill>
+                  <a:srgbClr val="000000"/>
+                </a:solidFill>
+                <a:latin typeface="Calibri" panose="020F0502020204030204" pitchFamily="34" charset="0"/>
+                <a:ea typeface="Calibri" panose="020F0502020204030204" pitchFamily="34" charset="0"/>
+                <a:cs typeface="Arial" panose="020B0604020202020204" pitchFamily="34" charset="0"/>
+              </a:rPr>
+              <a:t>            });</a:t>
+            </a:r>
+            <a:br>
+              <a:rPr lang="en-US" sz="1600" dirty="0">
+                <a:solidFill>
+                  <a:srgbClr val="000000"/>
+                </a:solidFill>
+                <a:latin typeface="Calibri" panose="020F0502020204030204" pitchFamily="34" charset="0"/>
+                <a:ea typeface="Calibri" panose="020F0502020204030204" pitchFamily="34" charset="0"/>
+                <a:cs typeface="Arial" panose="020B0604020202020204" pitchFamily="34" charset="0"/>
+              </a:rPr>
+            </a:br>
+            <a:r>
+              <a:rPr lang="en-US" sz="1600" dirty="0">
+                <a:solidFill>
+                  <a:srgbClr val="000000"/>
+                </a:solidFill>
+                <a:latin typeface="Calibri" panose="020F0502020204030204" pitchFamily="34" charset="0"/>
+                <a:ea typeface="Calibri" panose="020F0502020204030204" pitchFamily="34" charset="0"/>
+                <a:cs typeface="Arial" panose="020B0604020202020204" pitchFamily="34" charset="0"/>
+              </a:rPr>
+              <a:t>    });</a:t>
+            </a:r>
+            <a:br>
+              <a:rPr lang="en-US" sz="1600" dirty="0">
+                <a:solidFill>
+                  <a:srgbClr val="000000"/>
+                </a:solidFill>
+                <a:latin typeface="Calibri" panose="020F0502020204030204" pitchFamily="34" charset="0"/>
+                <a:ea typeface="Calibri" panose="020F0502020204030204" pitchFamily="34" charset="0"/>
+                <a:cs typeface="Arial" panose="020B0604020202020204" pitchFamily="34" charset="0"/>
+              </a:rPr>
+            </a:br>
+            <a:r>
+              <a:rPr lang="en-US" sz="1600" dirty="0">
+                <a:solidFill>
+                  <a:srgbClr val="000000"/>
+                </a:solidFill>
+                <a:latin typeface="Calibri" panose="020F0502020204030204" pitchFamily="34" charset="0"/>
+                <a:ea typeface="Calibri" panose="020F0502020204030204" pitchFamily="34" charset="0"/>
+                <a:cs typeface="Arial" panose="020B0604020202020204" pitchFamily="34" charset="0"/>
+              </a:rPr>
+              <a:t>}</a:t>
+            </a:r>
+            <a:endParaRPr lang="he-IL" sz="1600" dirty="0"/>
+          </a:p>
+        </p:txBody>
+      </p:sp>
+    </p:spTree>
+    <p:extLst>
+      <p:ext uri="{BB962C8B-B14F-4D97-AF65-F5344CB8AC3E}">
+        <p14:creationId xmlns:p14="http://schemas.microsoft.com/office/powerpoint/2010/main" val="1963611658"/>
+      </p:ext>
+    </p:extLst>
   </p:cSld>
   <p:clrMapOvr>
     <a:masterClrMapping/>
@@ -10959,6 +18214,316 @@
     <p:extLst>
       <p:ext uri="{BB962C8B-B14F-4D97-AF65-F5344CB8AC3E}">
         <p14:creationId xmlns:p14="http://schemas.microsoft.com/office/powerpoint/2010/main" val="766597567"/>
+      </p:ext>
+    </p:extLst>
+  </p:cSld>
+  <p:clrMapOvr>
+    <a:masterClrMapping/>
+  </p:clrMapOvr>
+</p:sld>
+</file>
+
+<file path=ppt/slides/slide30.xml><?xml version="1.0" encoding="utf-8"?>
+<p:sld xmlns:a="http://schemas.openxmlformats.org/drawingml/2006/main" xmlns:r="http://schemas.openxmlformats.org/officeDocument/2006/relationships" xmlns:p="http://schemas.openxmlformats.org/presentationml/2006/main">
+  <p:cSld>
+    <p:spTree>
+      <p:nvGrpSpPr>
+        <p:cNvPr id="1" name=""/>
+        <p:cNvGrpSpPr/>
+        <p:nvPr/>
+      </p:nvGrpSpPr>
+      <p:grpSpPr>
+        <a:xfrm>
+          <a:off x="0" y="0"/>
+          <a:ext cx="0" cy="0"/>
+          <a:chOff x="0" y="0"/>
+          <a:chExt cx="0" cy="0"/>
+        </a:xfrm>
+      </p:grpSpPr>
+      <p:sp>
+        <p:nvSpPr>
+          <p:cNvPr id="2" name="Title 1">
+            <a:extLst>
+              <a:ext uri="{FF2B5EF4-FFF2-40B4-BE49-F238E27FC236}">
+                <a16:creationId xmlns:a16="http://schemas.microsoft.com/office/drawing/2014/main" id="{61933E36-B7B9-45D9-AFB4-B3E71C8ED413}"/>
+              </a:ext>
+            </a:extLst>
+          </p:cNvPr>
+          <p:cNvSpPr>
+            <a:spLocks noGrp="1"/>
+          </p:cNvSpPr>
+          <p:nvPr>
+            <p:ph type="title"/>
+          </p:nvPr>
+        </p:nvSpPr>
+        <p:spPr/>
+        <p:txBody>
+          <a:bodyPr/>
+          <a:lstStyle/>
+          <a:p>
+            <a:r>
+              <a:rPr lang="en-US" dirty="0"/>
+              <a:t>Pipe &amp; Errors </a:t>
+            </a:r>
+            <a:endParaRPr lang="he-IL" dirty="0"/>
+          </a:p>
+        </p:txBody>
+      </p:sp>
+      <p:sp>
+        <p:nvSpPr>
+          <p:cNvPr id="3" name="Footer Placeholder 2">
+            <a:extLst>
+              <a:ext uri="{FF2B5EF4-FFF2-40B4-BE49-F238E27FC236}">
+                <a16:creationId xmlns:a16="http://schemas.microsoft.com/office/drawing/2014/main" id="{157A9D7A-A76B-406A-BCB6-364142E07767}"/>
+              </a:ext>
+            </a:extLst>
+          </p:cNvPr>
+          <p:cNvSpPr>
+            <a:spLocks noGrp="1"/>
+          </p:cNvSpPr>
+          <p:nvPr>
+            <p:ph type="ftr" sz="quarter" idx="11"/>
+          </p:nvPr>
+        </p:nvSpPr>
+        <p:spPr/>
+        <p:txBody>
+          <a:bodyPr/>
+          <a:lstStyle/>
+          <a:p>
+            <a:r>
+              <a:rPr lang="en-US"/>
+              <a:t>© 2017 Ori Calvo</a:t>
+            </a:r>
+            <a:endParaRPr lang="en-US" dirty="0"/>
+          </a:p>
+        </p:txBody>
+      </p:sp>
+      <p:sp>
+        <p:nvSpPr>
+          <p:cNvPr id="4" name="Slide Number Placeholder 3">
+            <a:extLst>
+              <a:ext uri="{FF2B5EF4-FFF2-40B4-BE49-F238E27FC236}">
+                <a16:creationId xmlns:a16="http://schemas.microsoft.com/office/drawing/2014/main" id="{8BD00E88-3AD4-4F50-ABED-51DC8EB45B13}"/>
+              </a:ext>
+            </a:extLst>
+          </p:cNvPr>
+          <p:cNvSpPr>
+            <a:spLocks noGrp="1"/>
+          </p:cNvSpPr>
+          <p:nvPr>
+            <p:ph type="sldNum" sz="quarter" idx="12"/>
+          </p:nvPr>
+        </p:nvSpPr>
+        <p:spPr/>
+        <p:txBody>
+          <a:bodyPr>
+            <a:normAutofit fontScale="85000" lnSpcReduction="20000"/>
+          </a:bodyPr>
+          <a:lstStyle/>
+          <a:p>
+            <a:fld id="{87B78B44-2135-4DB2-B732-E7D5FFF77B6A}" type="slidenum">
+              <a:rPr lang="en-US" smtClean="0"/>
+              <a:pPr/>
+              <a:t>30</a:t>
+            </a:fld>
+            <a:endParaRPr lang="en-US"/>
+          </a:p>
+        </p:txBody>
+      </p:sp>
+      <p:sp>
+        <p:nvSpPr>
+          <p:cNvPr id="5" name="Content Placeholder 4">
+            <a:extLst>
+              <a:ext uri="{FF2B5EF4-FFF2-40B4-BE49-F238E27FC236}">
+                <a16:creationId xmlns:a16="http://schemas.microsoft.com/office/drawing/2014/main" id="{640C4C8B-03BF-403B-ABCD-70139AAB7531}"/>
+              </a:ext>
+            </a:extLst>
+          </p:cNvPr>
+          <p:cNvSpPr>
+            <a:spLocks noGrp="1"/>
+          </p:cNvSpPr>
+          <p:nvPr>
+            <p:ph sz="quarter" idx="1"/>
+          </p:nvPr>
+        </p:nvSpPr>
+        <p:spPr/>
+        <p:txBody>
+          <a:bodyPr/>
+          <a:lstStyle/>
+          <a:p>
+            <a:endParaRPr lang="he-IL"/>
+          </a:p>
+        </p:txBody>
+      </p:sp>
+    </p:spTree>
+    <p:extLst>
+      <p:ext uri="{BB962C8B-B14F-4D97-AF65-F5344CB8AC3E}">
+        <p14:creationId xmlns:p14="http://schemas.microsoft.com/office/powerpoint/2010/main" val="4058116430"/>
+      </p:ext>
+    </p:extLst>
+  </p:cSld>
+  <p:clrMapOvr>
+    <a:masterClrMapping/>
+  </p:clrMapOvr>
+</p:sld>
+</file>
+
+<file path=ppt/slides/slide31.xml><?xml version="1.0" encoding="utf-8"?>
+<p:sld xmlns:a="http://schemas.openxmlformats.org/drawingml/2006/main" xmlns:r="http://schemas.openxmlformats.org/officeDocument/2006/relationships" xmlns:p="http://schemas.openxmlformats.org/presentationml/2006/main">
+  <p:cSld>
+    <p:spTree>
+      <p:nvGrpSpPr>
+        <p:cNvPr id="1" name=""/>
+        <p:cNvGrpSpPr/>
+        <p:nvPr/>
+      </p:nvGrpSpPr>
+      <p:grpSpPr>
+        <a:xfrm>
+          <a:off x="0" y="0"/>
+          <a:ext cx="0" cy="0"/>
+          <a:chOff x="0" y="0"/>
+          <a:chExt cx="0" cy="0"/>
+        </a:xfrm>
+      </p:grpSpPr>
+      <p:sp>
+        <p:nvSpPr>
+          <p:cNvPr id="2" name="Title 1">
+            <a:extLst>
+              <a:ext uri="{FF2B5EF4-FFF2-40B4-BE49-F238E27FC236}">
+                <a16:creationId xmlns:a16="http://schemas.microsoft.com/office/drawing/2014/main" id="{2BF88AF4-110E-46D7-8AEC-6396D98D7E2F}"/>
+              </a:ext>
+            </a:extLst>
+          </p:cNvPr>
+          <p:cNvSpPr>
+            <a:spLocks noGrp="1"/>
+          </p:cNvSpPr>
+          <p:nvPr>
+            <p:ph type="title"/>
+          </p:nvPr>
+        </p:nvSpPr>
+        <p:spPr/>
+        <p:txBody>
+          <a:bodyPr/>
+          <a:lstStyle/>
+          <a:p>
+            <a:r>
+              <a:rPr lang="en-US" dirty="0"/>
+              <a:t>Stream of what ?</a:t>
+            </a:r>
+          </a:p>
+        </p:txBody>
+      </p:sp>
+      <p:sp>
+        <p:nvSpPr>
+          <p:cNvPr id="3" name="Footer Placeholder 2">
+            <a:extLst>
+              <a:ext uri="{FF2B5EF4-FFF2-40B4-BE49-F238E27FC236}">
+                <a16:creationId xmlns:a16="http://schemas.microsoft.com/office/drawing/2014/main" id="{22EA5588-2D85-4FD0-B3A9-92303FBE8DE1}"/>
+              </a:ext>
+            </a:extLst>
+          </p:cNvPr>
+          <p:cNvSpPr>
+            <a:spLocks noGrp="1"/>
+          </p:cNvSpPr>
+          <p:nvPr>
+            <p:ph type="ftr" sz="quarter" idx="11"/>
+          </p:nvPr>
+        </p:nvSpPr>
+        <p:spPr/>
+        <p:txBody>
+          <a:bodyPr/>
+          <a:lstStyle/>
+          <a:p>
+            <a:r>
+              <a:rPr lang="en-US"/>
+              <a:t>© 2017 Ori Calvo</a:t>
+            </a:r>
+            <a:endParaRPr lang="en-US" dirty="0"/>
+          </a:p>
+        </p:txBody>
+      </p:sp>
+      <p:sp>
+        <p:nvSpPr>
+          <p:cNvPr id="4" name="Slide Number Placeholder 3">
+            <a:extLst>
+              <a:ext uri="{FF2B5EF4-FFF2-40B4-BE49-F238E27FC236}">
+                <a16:creationId xmlns:a16="http://schemas.microsoft.com/office/drawing/2014/main" id="{D2DEF4AF-D544-4C13-B841-7A5E215FFBC3}"/>
+              </a:ext>
+            </a:extLst>
+          </p:cNvPr>
+          <p:cNvSpPr>
+            <a:spLocks noGrp="1"/>
+          </p:cNvSpPr>
+          <p:nvPr>
+            <p:ph type="sldNum" sz="quarter" idx="12"/>
+          </p:nvPr>
+        </p:nvSpPr>
+        <p:spPr/>
+        <p:txBody>
+          <a:bodyPr>
+            <a:normAutofit fontScale="85000" lnSpcReduction="20000"/>
+          </a:bodyPr>
+          <a:lstStyle/>
+          <a:p>
+            <a:fld id="{87B78B44-2135-4DB2-B732-E7D5FFF77B6A}" type="slidenum">
+              <a:rPr lang="en-US" smtClean="0"/>
+              <a:pPr/>
+              <a:t>31</a:t>
+            </a:fld>
+            <a:endParaRPr lang="en-US"/>
+          </a:p>
+        </p:txBody>
+      </p:sp>
+      <p:sp>
+        <p:nvSpPr>
+          <p:cNvPr id="5" name="Content Placeholder 4">
+            <a:extLst>
+              <a:ext uri="{FF2B5EF4-FFF2-40B4-BE49-F238E27FC236}">
+                <a16:creationId xmlns:a16="http://schemas.microsoft.com/office/drawing/2014/main" id="{3D1A381B-F1D6-4621-8BA8-601B1C8F0AE8}"/>
+              </a:ext>
+            </a:extLst>
+          </p:cNvPr>
+          <p:cNvSpPr>
+            <a:spLocks noGrp="1"/>
+          </p:cNvSpPr>
+          <p:nvPr>
+            <p:ph sz="quarter" idx="1"/>
+          </p:nvPr>
+        </p:nvSpPr>
+        <p:spPr/>
+        <p:txBody>
+          <a:bodyPr/>
+          <a:lstStyle/>
+          <a:p>
+            <a:r>
+              <a:rPr lang="en-US" dirty="0"/>
+              <a:t>Buffer | string | Uint8Array</a:t>
+            </a:r>
+          </a:p>
+          <a:p>
+            <a:r>
+              <a:rPr lang="en-US" dirty="0"/>
+              <a:t>However, the abstraction model is flexible enough to represent non bytes stream</a:t>
+            </a:r>
+          </a:p>
+          <a:p>
+            <a:r>
+              <a:rPr lang="en-US" dirty="0"/>
+              <a:t>AKA “Object Mode”</a:t>
+            </a:r>
+          </a:p>
+          <a:p>
+            <a:r>
+              <a:rPr lang="en-US" dirty="0"/>
+              <a:t>Will discuss it later in more details</a:t>
+            </a:r>
+          </a:p>
+        </p:txBody>
+      </p:sp>
+    </p:spTree>
+    <p:extLst>
+      <p:ext uri="{BB962C8B-B14F-4D97-AF65-F5344CB8AC3E}">
+        <p14:creationId xmlns:p14="http://schemas.microsoft.com/office/powerpoint/2010/main" val="1374164199"/>
       </p:ext>
     </p:extLst>
   </p:cSld>
@@ -13168,7 +20733,7 @@
             </a:r>
             <a:r>
               <a:rPr lang="en-US" dirty="0"/>
-              <a:t> event is a special way</a:t>
+              <a:t> event in a special way</a:t>
             </a:r>
           </a:p>
           <a:p>

--- a/PPTs/05 Core Modules.pptx
+++ b/PPTs/05 Core Modules.pptx
@@ -5,7 +5,7 @@
     <p:sldMasterId id="2147483672" r:id="rId1"/>
   </p:sldMasterIdLst>
   <p:notesMasterIdLst>
-    <p:notesMasterId r:id="rId33"/>
+    <p:notesMasterId r:id="rId37"/>
   </p:notesMasterIdLst>
   <p:sldIdLst>
     <p:sldId id="256" r:id="rId2"/>
@@ -28,17 +28,21 @@
     <p:sldId id="324" r:id="rId19"/>
     <p:sldId id="325" r:id="rId20"/>
     <p:sldId id="328" r:id="rId21"/>
-    <p:sldId id="330" r:id="rId22"/>
-    <p:sldId id="334" r:id="rId23"/>
-    <p:sldId id="336" r:id="rId24"/>
-    <p:sldId id="337" r:id="rId25"/>
-    <p:sldId id="338" r:id="rId26"/>
-    <p:sldId id="331" r:id="rId27"/>
-    <p:sldId id="339" r:id="rId28"/>
-    <p:sldId id="332" r:id="rId29"/>
-    <p:sldId id="333" r:id="rId30"/>
-    <p:sldId id="335" r:id="rId31"/>
-    <p:sldId id="329" r:id="rId32"/>
+    <p:sldId id="334" r:id="rId22"/>
+    <p:sldId id="340" r:id="rId23"/>
+    <p:sldId id="330" r:id="rId24"/>
+    <p:sldId id="336" r:id="rId25"/>
+    <p:sldId id="337" r:id="rId26"/>
+    <p:sldId id="338" r:id="rId27"/>
+    <p:sldId id="331" r:id="rId28"/>
+    <p:sldId id="339" r:id="rId29"/>
+    <p:sldId id="332" r:id="rId30"/>
+    <p:sldId id="333" r:id="rId31"/>
+    <p:sldId id="335" r:id="rId32"/>
+    <p:sldId id="341" r:id="rId33"/>
+    <p:sldId id="329" r:id="rId34"/>
+    <p:sldId id="342" r:id="rId35"/>
+    <p:sldId id="343" r:id="rId36"/>
   </p:sldIdLst>
   <p:sldSz cx="9144000" cy="6858000" type="screen4x3"/>
   <p:notesSz cx="6858000" cy="9144000"/>
@@ -162,8 +166,9 @@
             <p14:sldId id="324"/>
             <p14:sldId id="325"/>
             <p14:sldId id="328"/>
+            <p14:sldId id="334"/>
+            <p14:sldId id="340"/>
             <p14:sldId id="330"/>
-            <p14:sldId id="334"/>
             <p14:sldId id="336"/>
             <p14:sldId id="337"/>
             <p14:sldId id="338"/>
@@ -172,7 +177,10 @@
             <p14:sldId id="332"/>
             <p14:sldId id="333"/>
             <p14:sldId id="335"/>
+            <p14:sldId id="341"/>
             <p14:sldId id="329"/>
+            <p14:sldId id="342"/>
+            <p14:sldId id="343"/>
           </p14:sldIdLst>
         </p14:section>
       </p14:sectionLst>
@@ -278,7 +286,7 @@
             <a:fld id="{BC6FC07C-0485-40B9-BC68-01FB6F3C1F19}" type="datetimeFigureOut">
               <a:rPr lang="en-US" smtClean="0"/>
               <a:pPr/>
-              <a:t>3/27/2018</a:t>
+              <a:t>4/9/2018</a:t>
             </a:fld>
             <a:endParaRPr lang="en-US"/>
           </a:p>
@@ -11040,6 +11048,1399 @@
           <p:cNvPr id="2" name="Title 1">
             <a:extLst>
               <a:ext uri="{FF2B5EF4-FFF2-40B4-BE49-F238E27FC236}">
+                <a16:creationId xmlns:a16="http://schemas.microsoft.com/office/drawing/2014/main" id="{174E484F-8D6A-4874-931E-CA38AE8D3370}"/>
+              </a:ext>
+            </a:extLst>
+          </p:cNvPr>
+          <p:cNvSpPr>
+            <a:spLocks noGrp="1"/>
+          </p:cNvSpPr>
+          <p:nvPr>
+            <p:ph type="title"/>
+          </p:nvPr>
+        </p:nvSpPr>
+        <p:spPr/>
+        <p:txBody>
+          <a:bodyPr/>
+          <a:lstStyle/>
+          <a:p>
+            <a:r>
+              <a:rPr lang="en-US" dirty="0"/>
+              <a:t>Consuming Readable Stream</a:t>
+            </a:r>
+            <a:endParaRPr lang="he-IL" dirty="0"/>
+          </a:p>
+        </p:txBody>
+      </p:sp>
+      <p:sp>
+        <p:nvSpPr>
+          <p:cNvPr id="3" name="Footer Placeholder 2">
+            <a:extLst>
+              <a:ext uri="{FF2B5EF4-FFF2-40B4-BE49-F238E27FC236}">
+                <a16:creationId xmlns:a16="http://schemas.microsoft.com/office/drawing/2014/main" id="{16287052-DE8F-4BBE-B70F-84E6679D4580}"/>
+              </a:ext>
+            </a:extLst>
+          </p:cNvPr>
+          <p:cNvSpPr>
+            <a:spLocks noGrp="1"/>
+          </p:cNvSpPr>
+          <p:nvPr>
+            <p:ph type="ftr" sz="quarter" idx="11"/>
+          </p:nvPr>
+        </p:nvSpPr>
+        <p:spPr/>
+        <p:txBody>
+          <a:bodyPr/>
+          <a:lstStyle/>
+          <a:p>
+            <a:r>
+              <a:rPr lang="en-US"/>
+              <a:t>© 2017 Ori Calvo</a:t>
+            </a:r>
+            <a:endParaRPr lang="en-US" dirty="0"/>
+          </a:p>
+        </p:txBody>
+      </p:sp>
+      <p:sp>
+        <p:nvSpPr>
+          <p:cNvPr id="4" name="Slide Number Placeholder 3">
+            <a:extLst>
+              <a:ext uri="{FF2B5EF4-FFF2-40B4-BE49-F238E27FC236}">
+                <a16:creationId xmlns:a16="http://schemas.microsoft.com/office/drawing/2014/main" id="{7CE67235-6859-40B7-BCC7-B84775D86CB8}"/>
+              </a:ext>
+            </a:extLst>
+          </p:cNvPr>
+          <p:cNvSpPr>
+            <a:spLocks noGrp="1"/>
+          </p:cNvSpPr>
+          <p:nvPr>
+            <p:ph type="sldNum" sz="quarter" idx="12"/>
+          </p:nvPr>
+        </p:nvSpPr>
+        <p:spPr/>
+        <p:txBody>
+          <a:bodyPr>
+            <a:normAutofit fontScale="85000" lnSpcReduction="20000"/>
+          </a:bodyPr>
+          <a:lstStyle/>
+          <a:p>
+            <a:fld id="{87B78B44-2135-4DB2-B732-E7D5FFF77B6A}" type="slidenum">
+              <a:rPr lang="en-US" smtClean="0"/>
+              <a:pPr/>
+              <a:t>21</a:t>
+            </a:fld>
+            <a:endParaRPr lang="en-US"/>
+          </a:p>
+        </p:txBody>
+      </p:sp>
+      <p:sp>
+        <p:nvSpPr>
+          <p:cNvPr id="5" name="Content Placeholder 4">
+            <a:extLst>
+              <a:ext uri="{FF2B5EF4-FFF2-40B4-BE49-F238E27FC236}">
+                <a16:creationId xmlns:a16="http://schemas.microsoft.com/office/drawing/2014/main" id="{8B931939-8F41-42C5-BBDD-63697635FF5E}"/>
+              </a:ext>
+            </a:extLst>
+          </p:cNvPr>
+          <p:cNvSpPr>
+            <a:spLocks noGrp="1"/>
+          </p:cNvSpPr>
+          <p:nvPr>
+            <p:ph sz="quarter" idx="1"/>
+          </p:nvPr>
+        </p:nvSpPr>
+        <p:spPr>
+          <a:xfrm>
+            <a:off x="612648" y="1628800"/>
+            <a:ext cx="8153400" cy="4495800"/>
+          </a:xfrm>
+        </p:spPr>
+        <p:txBody>
+          <a:bodyPr/>
+          <a:lstStyle/>
+          <a:p>
+            <a:r>
+              <a:rPr lang="en-US" dirty="0"/>
+              <a:t>A.K.A “pull”</a:t>
+            </a:r>
+          </a:p>
+          <a:p>
+            <a:r>
+              <a:rPr lang="en-US" dirty="0"/>
+              <a:t>Wait for the </a:t>
+            </a:r>
+            <a:r>
+              <a:rPr lang="en-US" dirty="0">
+                <a:solidFill>
+                  <a:srgbClr val="FF0000"/>
+                </a:solidFill>
+              </a:rPr>
+              <a:t>readable</a:t>
+            </a:r>
+            <a:r>
+              <a:rPr lang="en-US" dirty="0"/>
+              <a:t> event</a:t>
+            </a:r>
+          </a:p>
+          <a:p>
+            <a:r>
+              <a:rPr lang="en-US" dirty="0"/>
+              <a:t>Pull the buffered data using </a:t>
+            </a:r>
+            <a:r>
+              <a:rPr lang="en-US" dirty="0">
+                <a:solidFill>
+                  <a:srgbClr val="FF0000"/>
+                </a:solidFill>
+              </a:rPr>
+              <a:t>read</a:t>
+            </a:r>
+          </a:p>
+          <a:p>
+            <a:endParaRPr lang="en-US" dirty="0">
+              <a:solidFill>
+                <a:srgbClr val="FF0000"/>
+              </a:solidFill>
+            </a:endParaRPr>
+          </a:p>
+          <a:p>
+            <a:endParaRPr lang="en-US" dirty="0">
+              <a:solidFill>
+                <a:srgbClr val="FF0000"/>
+              </a:solidFill>
+            </a:endParaRPr>
+          </a:p>
+          <a:p>
+            <a:endParaRPr lang="en-US" dirty="0">
+              <a:solidFill>
+                <a:srgbClr val="FF0000"/>
+              </a:solidFill>
+            </a:endParaRPr>
+          </a:p>
+          <a:p>
+            <a:endParaRPr lang="en-US" dirty="0">
+              <a:solidFill>
+                <a:srgbClr val="FF0000"/>
+              </a:solidFill>
+            </a:endParaRPr>
+          </a:p>
+        </p:txBody>
+      </p:sp>
+      <p:sp>
+        <p:nvSpPr>
+          <p:cNvPr id="6" name="Rectangle 5">
+            <a:extLst>
+              <a:ext uri="{FF2B5EF4-FFF2-40B4-BE49-F238E27FC236}">
+                <a16:creationId xmlns:a16="http://schemas.microsoft.com/office/drawing/2014/main" id="{71B02BA0-4AB0-4879-9FB4-8D95FA32B174}"/>
+              </a:ext>
+            </a:extLst>
+          </p:cNvPr>
+          <p:cNvSpPr/>
+          <p:nvPr/>
+        </p:nvSpPr>
+        <p:spPr>
+          <a:xfrm>
+            <a:off x="2155526" y="3284984"/>
+            <a:ext cx="4832948" cy="2031325"/>
+          </a:xfrm>
+          <a:prstGeom prst="rect">
+            <a:avLst/>
+          </a:prstGeom>
+          <a:solidFill>
+            <a:schemeClr val="accent1">
+              <a:lumMod val="40000"/>
+              <a:lumOff val="60000"/>
+            </a:schemeClr>
+          </a:solidFill>
+        </p:spPr>
+        <p:txBody>
+          <a:bodyPr wrap="square">
+            <a:spAutoFit/>
+          </a:bodyPr>
+          <a:lstStyle/>
+          <a:p>
+            <a:r>
+              <a:rPr lang="en-US" b="1" dirty="0" err="1">
+                <a:solidFill>
+                  <a:srgbClr val="000080"/>
+                </a:solidFill>
+                <a:latin typeface="Calibri" panose="020F0502020204030204" pitchFamily="34" charset="0"/>
+                <a:ea typeface="Calibri" panose="020F0502020204030204" pitchFamily="34" charset="0"/>
+                <a:cs typeface="Arial" panose="020B0604020202020204" pitchFamily="34" charset="0"/>
+              </a:rPr>
+              <a:t>const</a:t>
+            </a:r>
+            <a:r>
+              <a:rPr lang="en-US" b="1" dirty="0">
+                <a:solidFill>
+                  <a:srgbClr val="000080"/>
+                </a:solidFill>
+                <a:latin typeface="Calibri" panose="020F0502020204030204" pitchFamily="34" charset="0"/>
+                <a:ea typeface="Calibri" panose="020F0502020204030204" pitchFamily="34" charset="0"/>
+                <a:cs typeface="Arial" panose="020B0604020202020204" pitchFamily="34" charset="0"/>
+              </a:rPr>
+              <a:t> </a:t>
+            </a:r>
+            <a:r>
+              <a:rPr lang="en-US" dirty="0">
+                <a:solidFill>
+                  <a:srgbClr val="458383"/>
+                </a:solidFill>
+                <a:latin typeface="Calibri" panose="020F0502020204030204" pitchFamily="34" charset="0"/>
+                <a:ea typeface="Calibri" panose="020F0502020204030204" pitchFamily="34" charset="0"/>
+                <a:cs typeface="Arial" panose="020B0604020202020204" pitchFamily="34" charset="0"/>
+              </a:rPr>
+              <a:t>stream </a:t>
+            </a:r>
+            <a:r>
+              <a:rPr lang="en-US" dirty="0">
+                <a:solidFill>
+                  <a:srgbClr val="000000"/>
+                </a:solidFill>
+                <a:latin typeface="Calibri" panose="020F0502020204030204" pitchFamily="34" charset="0"/>
+                <a:ea typeface="Calibri" panose="020F0502020204030204" pitchFamily="34" charset="0"/>
+                <a:cs typeface="Arial" panose="020B0604020202020204" pitchFamily="34" charset="0"/>
+              </a:rPr>
+              <a:t>= </a:t>
+            </a:r>
+            <a:r>
+              <a:rPr lang="en-US" dirty="0" err="1">
+                <a:solidFill>
+                  <a:srgbClr val="458383"/>
+                </a:solidFill>
+                <a:latin typeface="Calibri" panose="020F0502020204030204" pitchFamily="34" charset="0"/>
+                <a:ea typeface="Calibri" panose="020F0502020204030204" pitchFamily="34" charset="0"/>
+                <a:cs typeface="Arial" panose="020B0604020202020204" pitchFamily="34" charset="0"/>
+              </a:rPr>
+              <a:t>fs</a:t>
+            </a:r>
+            <a:r>
+              <a:rPr lang="en-US" dirty="0" err="1">
+                <a:solidFill>
+                  <a:srgbClr val="000000"/>
+                </a:solidFill>
+                <a:latin typeface="Calibri" panose="020F0502020204030204" pitchFamily="34" charset="0"/>
+                <a:ea typeface="Calibri" panose="020F0502020204030204" pitchFamily="34" charset="0"/>
+                <a:cs typeface="Arial" panose="020B0604020202020204" pitchFamily="34" charset="0"/>
+              </a:rPr>
+              <a:t>.createReadStream</a:t>
+            </a:r>
+            <a:r>
+              <a:rPr lang="en-US" dirty="0">
+                <a:solidFill>
+                  <a:srgbClr val="000000"/>
+                </a:solidFill>
+                <a:latin typeface="Calibri" panose="020F0502020204030204" pitchFamily="34" charset="0"/>
+                <a:ea typeface="Calibri" panose="020F0502020204030204" pitchFamily="34" charset="0"/>
+                <a:cs typeface="Arial" panose="020B0604020202020204" pitchFamily="34" charset="0"/>
+              </a:rPr>
+              <a:t>(</a:t>
+            </a:r>
+            <a:r>
+              <a:rPr lang="en-US" b="1" dirty="0">
+                <a:solidFill>
+                  <a:srgbClr val="008000"/>
+                </a:solidFill>
+                <a:latin typeface="Calibri" panose="020F0502020204030204" pitchFamily="34" charset="0"/>
+                <a:ea typeface="Calibri" panose="020F0502020204030204" pitchFamily="34" charset="0"/>
+                <a:cs typeface="Arial" panose="020B0604020202020204" pitchFamily="34" charset="0"/>
+              </a:rPr>
+              <a:t>"main.js"</a:t>
+            </a:r>
+            <a:r>
+              <a:rPr lang="en-US" dirty="0">
+                <a:solidFill>
+                  <a:srgbClr val="000000"/>
+                </a:solidFill>
+                <a:latin typeface="Calibri" panose="020F0502020204030204" pitchFamily="34" charset="0"/>
+                <a:ea typeface="Calibri" panose="020F0502020204030204" pitchFamily="34" charset="0"/>
+                <a:cs typeface="Arial" panose="020B0604020202020204" pitchFamily="34" charset="0"/>
+              </a:rPr>
+              <a:t>);</a:t>
+            </a:r>
+            <a:br>
+              <a:rPr lang="en-US" dirty="0">
+                <a:solidFill>
+                  <a:srgbClr val="000000"/>
+                </a:solidFill>
+                <a:latin typeface="Calibri" panose="020F0502020204030204" pitchFamily="34" charset="0"/>
+                <a:ea typeface="Calibri" panose="020F0502020204030204" pitchFamily="34" charset="0"/>
+                <a:cs typeface="Arial" panose="020B0604020202020204" pitchFamily="34" charset="0"/>
+              </a:rPr>
+            </a:br>
+            <a:br>
+              <a:rPr lang="en-US" dirty="0">
+                <a:solidFill>
+                  <a:srgbClr val="000000"/>
+                </a:solidFill>
+                <a:latin typeface="Calibri" panose="020F0502020204030204" pitchFamily="34" charset="0"/>
+                <a:ea typeface="Calibri" panose="020F0502020204030204" pitchFamily="34" charset="0"/>
+                <a:cs typeface="Arial" panose="020B0604020202020204" pitchFamily="34" charset="0"/>
+              </a:rPr>
+            </a:br>
+            <a:r>
+              <a:rPr lang="en-US" dirty="0" err="1">
+                <a:solidFill>
+                  <a:srgbClr val="458383"/>
+                </a:solidFill>
+                <a:latin typeface="Calibri" panose="020F0502020204030204" pitchFamily="34" charset="0"/>
+                <a:ea typeface="Calibri" panose="020F0502020204030204" pitchFamily="34" charset="0"/>
+                <a:cs typeface="Arial" panose="020B0604020202020204" pitchFamily="34" charset="0"/>
+              </a:rPr>
+              <a:t>stream</a:t>
+            </a:r>
+            <a:r>
+              <a:rPr lang="en-US" dirty="0" err="1">
+                <a:solidFill>
+                  <a:srgbClr val="000000"/>
+                </a:solidFill>
+                <a:latin typeface="Calibri" panose="020F0502020204030204" pitchFamily="34" charset="0"/>
+                <a:ea typeface="Calibri" panose="020F0502020204030204" pitchFamily="34" charset="0"/>
+                <a:cs typeface="Arial" panose="020B0604020202020204" pitchFamily="34" charset="0"/>
+              </a:rPr>
+              <a:t>.on</a:t>
+            </a:r>
+            <a:r>
+              <a:rPr lang="en-US" dirty="0">
+                <a:solidFill>
+                  <a:srgbClr val="000000"/>
+                </a:solidFill>
+                <a:latin typeface="Calibri" panose="020F0502020204030204" pitchFamily="34" charset="0"/>
+                <a:ea typeface="Calibri" panose="020F0502020204030204" pitchFamily="34" charset="0"/>
+                <a:cs typeface="Arial" panose="020B0604020202020204" pitchFamily="34" charset="0"/>
+              </a:rPr>
+              <a:t>(</a:t>
+            </a:r>
+            <a:r>
+              <a:rPr lang="en-US" b="1" dirty="0">
+                <a:solidFill>
+                  <a:srgbClr val="008000"/>
+                </a:solidFill>
+                <a:latin typeface="Calibri" panose="020F0502020204030204" pitchFamily="34" charset="0"/>
+                <a:ea typeface="Calibri" panose="020F0502020204030204" pitchFamily="34" charset="0"/>
+                <a:cs typeface="Arial" panose="020B0604020202020204" pitchFamily="34" charset="0"/>
+              </a:rPr>
+              <a:t>"readable"</a:t>
+            </a:r>
+            <a:r>
+              <a:rPr lang="en-US" dirty="0">
+                <a:solidFill>
+                  <a:srgbClr val="000000"/>
+                </a:solidFill>
+                <a:latin typeface="Calibri" panose="020F0502020204030204" pitchFamily="34" charset="0"/>
+                <a:ea typeface="Calibri" panose="020F0502020204030204" pitchFamily="34" charset="0"/>
+                <a:cs typeface="Arial" panose="020B0604020202020204" pitchFamily="34" charset="0"/>
+              </a:rPr>
+              <a:t>, </a:t>
+            </a:r>
+            <a:r>
+              <a:rPr lang="en-US" b="1" dirty="0">
+                <a:solidFill>
+                  <a:srgbClr val="000080"/>
+                </a:solidFill>
+                <a:latin typeface="Calibri" panose="020F0502020204030204" pitchFamily="34" charset="0"/>
+                <a:ea typeface="Calibri" panose="020F0502020204030204" pitchFamily="34" charset="0"/>
+                <a:cs typeface="Arial" panose="020B0604020202020204" pitchFamily="34" charset="0"/>
+              </a:rPr>
+              <a:t>function</a:t>
+            </a:r>
+            <a:r>
+              <a:rPr lang="en-US" dirty="0">
+                <a:solidFill>
+                  <a:srgbClr val="000000"/>
+                </a:solidFill>
+                <a:latin typeface="Calibri" panose="020F0502020204030204" pitchFamily="34" charset="0"/>
+                <a:ea typeface="Calibri" panose="020F0502020204030204" pitchFamily="34" charset="0"/>
+                <a:cs typeface="Arial" panose="020B0604020202020204" pitchFamily="34" charset="0"/>
+              </a:rPr>
+              <a:t>() {</a:t>
+            </a:r>
+            <a:br>
+              <a:rPr lang="en-US" dirty="0">
+                <a:solidFill>
+                  <a:srgbClr val="000000"/>
+                </a:solidFill>
+                <a:latin typeface="Calibri" panose="020F0502020204030204" pitchFamily="34" charset="0"/>
+                <a:ea typeface="Calibri" panose="020F0502020204030204" pitchFamily="34" charset="0"/>
+                <a:cs typeface="Arial" panose="020B0604020202020204" pitchFamily="34" charset="0"/>
+              </a:rPr>
+            </a:br>
+            <a:r>
+              <a:rPr lang="en-US" dirty="0">
+                <a:solidFill>
+                  <a:srgbClr val="000000"/>
+                </a:solidFill>
+                <a:latin typeface="Calibri" panose="020F0502020204030204" pitchFamily="34" charset="0"/>
+                <a:ea typeface="Calibri" panose="020F0502020204030204" pitchFamily="34" charset="0"/>
+                <a:cs typeface="Arial" panose="020B0604020202020204" pitchFamily="34" charset="0"/>
+              </a:rPr>
+              <a:t>    </a:t>
+            </a:r>
+            <a:r>
+              <a:rPr lang="en-US" b="1" dirty="0" err="1">
+                <a:solidFill>
+                  <a:srgbClr val="000080"/>
+                </a:solidFill>
+                <a:latin typeface="Calibri" panose="020F0502020204030204" pitchFamily="34" charset="0"/>
+                <a:ea typeface="Calibri" panose="020F0502020204030204" pitchFamily="34" charset="0"/>
+                <a:cs typeface="Arial" panose="020B0604020202020204" pitchFamily="34" charset="0"/>
+              </a:rPr>
+              <a:t>const</a:t>
+            </a:r>
+            <a:r>
+              <a:rPr lang="en-US" b="1" dirty="0">
+                <a:solidFill>
+                  <a:srgbClr val="000080"/>
+                </a:solidFill>
+                <a:latin typeface="Calibri" panose="020F0502020204030204" pitchFamily="34" charset="0"/>
+                <a:ea typeface="Calibri" panose="020F0502020204030204" pitchFamily="34" charset="0"/>
+                <a:cs typeface="Arial" panose="020B0604020202020204" pitchFamily="34" charset="0"/>
+              </a:rPr>
+              <a:t> </a:t>
+            </a:r>
+            <a:r>
+              <a:rPr lang="en-US" dirty="0" err="1">
+                <a:solidFill>
+                  <a:srgbClr val="458383"/>
+                </a:solidFill>
+                <a:latin typeface="Calibri" panose="020F0502020204030204" pitchFamily="34" charset="0"/>
+                <a:ea typeface="Calibri" panose="020F0502020204030204" pitchFamily="34" charset="0"/>
+                <a:cs typeface="Arial" panose="020B0604020202020204" pitchFamily="34" charset="0"/>
+              </a:rPr>
+              <a:t>buf</a:t>
+            </a:r>
+            <a:r>
+              <a:rPr lang="en-US" dirty="0">
+                <a:solidFill>
+                  <a:srgbClr val="458383"/>
+                </a:solidFill>
+                <a:latin typeface="Calibri" panose="020F0502020204030204" pitchFamily="34" charset="0"/>
+                <a:ea typeface="Calibri" panose="020F0502020204030204" pitchFamily="34" charset="0"/>
+                <a:cs typeface="Arial" panose="020B0604020202020204" pitchFamily="34" charset="0"/>
+              </a:rPr>
+              <a:t> </a:t>
+            </a:r>
+            <a:r>
+              <a:rPr lang="en-US" dirty="0">
+                <a:solidFill>
+                  <a:srgbClr val="000000"/>
+                </a:solidFill>
+                <a:latin typeface="Calibri" panose="020F0502020204030204" pitchFamily="34" charset="0"/>
+                <a:ea typeface="Calibri" panose="020F0502020204030204" pitchFamily="34" charset="0"/>
+                <a:cs typeface="Arial" panose="020B0604020202020204" pitchFamily="34" charset="0"/>
+              </a:rPr>
+              <a:t>= </a:t>
+            </a:r>
+            <a:r>
+              <a:rPr lang="en-US" dirty="0" err="1">
+                <a:solidFill>
+                  <a:srgbClr val="458383"/>
+                </a:solidFill>
+                <a:latin typeface="Calibri" panose="020F0502020204030204" pitchFamily="34" charset="0"/>
+                <a:ea typeface="Calibri" panose="020F0502020204030204" pitchFamily="34" charset="0"/>
+                <a:cs typeface="Arial" panose="020B0604020202020204" pitchFamily="34" charset="0"/>
+              </a:rPr>
+              <a:t>stream</a:t>
+            </a:r>
+            <a:r>
+              <a:rPr lang="en-US" dirty="0" err="1">
+                <a:solidFill>
+                  <a:srgbClr val="000000"/>
+                </a:solidFill>
+                <a:latin typeface="Calibri" panose="020F0502020204030204" pitchFamily="34" charset="0"/>
+                <a:ea typeface="Calibri" panose="020F0502020204030204" pitchFamily="34" charset="0"/>
+                <a:cs typeface="Arial" panose="020B0604020202020204" pitchFamily="34" charset="0"/>
+              </a:rPr>
+              <a:t>.</a:t>
+            </a:r>
+            <a:r>
+              <a:rPr lang="en-US" dirty="0" err="1">
+                <a:solidFill>
+                  <a:srgbClr val="7A7A43"/>
+                </a:solidFill>
+                <a:latin typeface="Calibri" panose="020F0502020204030204" pitchFamily="34" charset="0"/>
+                <a:ea typeface="Calibri" panose="020F0502020204030204" pitchFamily="34" charset="0"/>
+                <a:cs typeface="Arial" panose="020B0604020202020204" pitchFamily="34" charset="0"/>
+              </a:rPr>
+              <a:t>read</a:t>
+            </a:r>
+            <a:r>
+              <a:rPr lang="en-US" dirty="0">
+                <a:solidFill>
+                  <a:srgbClr val="000000"/>
+                </a:solidFill>
+                <a:latin typeface="Calibri" panose="020F0502020204030204" pitchFamily="34" charset="0"/>
+                <a:ea typeface="Calibri" panose="020F0502020204030204" pitchFamily="34" charset="0"/>
+                <a:cs typeface="Arial" panose="020B0604020202020204" pitchFamily="34" charset="0"/>
+              </a:rPr>
+              <a:t>();</a:t>
+            </a:r>
+            <a:br>
+              <a:rPr lang="en-US" dirty="0">
+                <a:solidFill>
+                  <a:srgbClr val="000000"/>
+                </a:solidFill>
+                <a:latin typeface="Calibri" panose="020F0502020204030204" pitchFamily="34" charset="0"/>
+                <a:ea typeface="Calibri" panose="020F0502020204030204" pitchFamily="34" charset="0"/>
+                <a:cs typeface="Arial" panose="020B0604020202020204" pitchFamily="34" charset="0"/>
+              </a:rPr>
+            </a:br>
+            <a:br>
+              <a:rPr lang="en-US" dirty="0">
+                <a:solidFill>
+                  <a:srgbClr val="000000"/>
+                </a:solidFill>
+                <a:latin typeface="Calibri" panose="020F0502020204030204" pitchFamily="34" charset="0"/>
+                <a:ea typeface="Calibri" panose="020F0502020204030204" pitchFamily="34" charset="0"/>
+                <a:cs typeface="Arial" panose="020B0604020202020204" pitchFamily="34" charset="0"/>
+              </a:rPr>
+            </a:br>
+            <a:r>
+              <a:rPr lang="en-US" dirty="0">
+                <a:solidFill>
+                  <a:srgbClr val="000000"/>
+                </a:solidFill>
+                <a:latin typeface="Calibri" panose="020F0502020204030204" pitchFamily="34" charset="0"/>
+                <a:ea typeface="Calibri" panose="020F0502020204030204" pitchFamily="34" charset="0"/>
+                <a:cs typeface="Arial" panose="020B0604020202020204" pitchFamily="34" charset="0"/>
+              </a:rPr>
+              <a:t>    </a:t>
+            </a:r>
+            <a:r>
+              <a:rPr lang="en-US" b="1" i="1" dirty="0">
+                <a:solidFill>
+                  <a:srgbClr val="660E7A"/>
+                </a:solidFill>
+                <a:latin typeface="Calibri" panose="020F0502020204030204" pitchFamily="34" charset="0"/>
+                <a:ea typeface="Calibri" panose="020F0502020204030204" pitchFamily="34" charset="0"/>
+                <a:cs typeface="Arial" panose="020B0604020202020204" pitchFamily="34" charset="0"/>
+              </a:rPr>
+              <a:t>console</a:t>
+            </a:r>
+            <a:r>
+              <a:rPr lang="en-US" dirty="0">
+                <a:solidFill>
+                  <a:srgbClr val="000000"/>
+                </a:solidFill>
+                <a:latin typeface="Calibri" panose="020F0502020204030204" pitchFamily="34" charset="0"/>
+                <a:ea typeface="Calibri" panose="020F0502020204030204" pitchFamily="34" charset="0"/>
+                <a:cs typeface="Arial" panose="020B0604020202020204" pitchFamily="34" charset="0"/>
+              </a:rPr>
+              <a:t>.</a:t>
+            </a:r>
+            <a:r>
+              <a:rPr lang="en-US" dirty="0">
+                <a:solidFill>
+                  <a:srgbClr val="7A7A43"/>
+                </a:solidFill>
+                <a:latin typeface="Calibri" panose="020F0502020204030204" pitchFamily="34" charset="0"/>
+                <a:ea typeface="Calibri" panose="020F0502020204030204" pitchFamily="34" charset="0"/>
+                <a:cs typeface="Arial" panose="020B0604020202020204" pitchFamily="34" charset="0"/>
+              </a:rPr>
+              <a:t>log</a:t>
+            </a:r>
+            <a:r>
+              <a:rPr lang="en-US" dirty="0">
+                <a:solidFill>
+                  <a:srgbClr val="000000"/>
+                </a:solidFill>
+                <a:latin typeface="Calibri" panose="020F0502020204030204" pitchFamily="34" charset="0"/>
+                <a:ea typeface="Calibri" panose="020F0502020204030204" pitchFamily="34" charset="0"/>
+                <a:cs typeface="Arial" panose="020B0604020202020204" pitchFamily="34" charset="0"/>
+              </a:rPr>
+              <a:t>(</a:t>
+            </a:r>
+            <a:r>
+              <a:rPr lang="en-US" dirty="0" err="1">
+                <a:solidFill>
+                  <a:srgbClr val="458383"/>
+                </a:solidFill>
+                <a:latin typeface="Calibri" panose="020F0502020204030204" pitchFamily="34" charset="0"/>
+                <a:ea typeface="Calibri" panose="020F0502020204030204" pitchFamily="34" charset="0"/>
+                <a:cs typeface="Arial" panose="020B0604020202020204" pitchFamily="34" charset="0"/>
+              </a:rPr>
+              <a:t>buf</a:t>
+            </a:r>
+            <a:r>
+              <a:rPr lang="en-US" dirty="0">
+                <a:solidFill>
+                  <a:srgbClr val="000000"/>
+                </a:solidFill>
+                <a:latin typeface="Calibri" panose="020F0502020204030204" pitchFamily="34" charset="0"/>
+                <a:ea typeface="Calibri" panose="020F0502020204030204" pitchFamily="34" charset="0"/>
+                <a:cs typeface="Arial" panose="020B0604020202020204" pitchFamily="34" charset="0"/>
+              </a:rPr>
+              <a:t>);</a:t>
+            </a:r>
+            <a:br>
+              <a:rPr lang="en-US" dirty="0">
+                <a:solidFill>
+                  <a:srgbClr val="000000"/>
+                </a:solidFill>
+                <a:latin typeface="Calibri" panose="020F0502020204030204" pitchFamily="34" charset="0"/>
+                <a:ea typeface="Calibri" panose="020F0502020204030204" pitchFamily="34" charset="0"/>
+                <a:cs typeface="Arial" panose="020B0604020202020204" pitchFamily="34" charset="0"/>
+              </a:rPr>
+            </a:br>
+            <a:r>
+              <a:rPr lang="en-US" dirty="0">
+                <a:solidFill>
+                  <a:srgbClr val="000000"/>
+                </a:solidFill>
+                <a:latin typeface="Calibri" panose="020F0502020204030204" pitchFamily="34" charset="0"/>
+                <a:ea typeface="Calibri" panose="020F0502020204030204" pitchFamily="34" charset="0"/>
+                <a:cs typeface="Arial" panose="020B0604020202020204" pitchFamily="34" charset="0"/>
+              </a:rPr>
+              <a:t>});</a:t>
+            </a:r>
+            <a:endParaRPr lang="he-IL" dirty="0"/>
+          </a:p>
+        </p:txBody>
+      </p:sp>
+    </p:spTree>
+    <p:extLst>
+      <p:ext uri="{BB962C8B-B14F-4D97-AF65-F5344CB8AC3E}">
+        <p14:creationId xmlns:p14="http://schemas.microsoft.com/office/powerpoint/2010/main" val="587149032"/>
+      </p:ext>
+    </p:extLst>
+  </p:cSld>
+  <p:clrMapOvr>
+    <a:masterClrMapping/>
+  </p:clrMapOvr>
+</p:sld>
+</file>
+
+<file path=ppt/slides/slide22.xml><?xml version="1.0" encoding="utf-8"?>
+<p:sld xmlns:a="http://schemas.openxmlformats.org/drawingml/2006/main" xmlns:r="http://schemas.openxmlformats.org/officeDocument/2006/relationships" xmlns:p="http://schemas.openxmlformats.org/presentationml/2006/main">
+  <p:cSld>
+    <p:spTree>
+      <p:nvGrpSpPr>
+        <p:cNvPr id="1" name=""/>
+        <p:cNvGrpSpPr/>
+        <p:nvPr/>
+      </p:nvGrpSpPr>
+      <p:grpSpPr>
+        <a:xfrm>
+          <a:off x="0" y="0"/>
+          <a:ext cx="0" cy="0"/>
+          <a:chOff x="0" y="0"/>
+          <a:chExt cx="0" cy="0"/>
+        </a:xfrm>
+      </p:grpSpPr>
+      <p:sp>
+        <p:nvSpPr>
+          <p:cNvPr id="2" name="Title 1">
+            <a:extLst>
+              <a:ext uri="{FF2B5EF4-FFF2-40B4-BE49-F238E27FC236}">
+                <a16:creationId xmlns:a16="http://schemas.microsoft.com/office/drawing/2014/main" id="{174E484F-8D6A-4874-931E-CA38AE8D3370}"/>
+              </a:ext>
+            </a:extLst>
+          </p:cNvPr>
+          <p:cNvSpPr>
+            <a:spLocks noGrp="1"/>
+          </p:cNvSpPr>
+          <p:nvPr>
+            <p:ph type="title"/>
+          </p:nvPr>
+        </p:nvSpPr>
+        <p:spPr/>
+        <p:txBody>
+          <a:bodyPr/>
+          <a:lstStyle/>
+          <a:p>
+            <a:r>
+              <a:rPr lang="en-US" dirty="0"/>
+              <a:t>read(size)</a:t>
+            </a:r>
+            <a:endParaRPr lang="he-IL" dirty="0"/>
+          </a:p>
+        </p:txBody>
+      </p:sp>
+      <p:sp>
+        <p:nvSpPr>
+          <p:cNvPr id="3" name="Footer Placeholder 2">
+            <a:extLst>
+              <a:ext uri="{FF2B5EF4-FFF2-40B4-BE49-F238E27FC236}">
+                <a16:creationId xmlns:a16="http://schemas.microsoft.com/office/drawing/2014/main" id="{16287052-DE8F-4BBE-B70F-84E6679D4580}"/>
+              </a:ext>
+            </a:extLst>
+          </p:cNvPr>
+          <p:cNvSpPr>
+            <a:spLocks noGrp="1"/>
+          </p:cNvSpPr>
+          <p:nvPr>
+            <p:ph type="ftr" sz="quarter" idx="11"/>
+          </p:nvPr>
+        </p:nvSpPr>
+        <p:spPr/>
+        <p:txBody>
+          <a:bodyPr/>
+          <a:lstStyle/>
+          <a:p>
+            <a:r>
+              <a:rPr lang="en-US"/>
+              <a:t>© 2017 Ori Calvo</a:t>
+            </a:r>
+            <a:endParaRPr lang="en-US" dirty="0"/>
+          </a:p>
+        </p:txBody>
+      </p:sp>
+      <p:sp>
+        <p:nvSpPr>
+          <p:cNvPr id="4" name="Slide Number Placeholder 3">
+            <a:extLst>
+              <a:ext uri="{FF2B5EF4-FFF2-40B4-BE49-F238E27FC236}">
+                <a16:creationId xmlns:a16="http://schemas.microsoft.com/office/drawing/2014/main" id="{7CE67235-6859-40B7-BCC7-B84775D86CB8}"/>
+              </a:ext>
+            </a:extLst>
+          </p:cNvPr>
+          <p:cNvSpPr>
+            <a:spLocks noGrp="1"/>
+          </p:cNvSpPr>
+          <p:nvPr>
+            <p:ph type="sldNum" sz="quarter" idx="12"/>
+          </p:nvPr>
+        </p:nvSpPr>
+        <p:spPr/>
+        <p:txBody>
+          <a:bodyPr>
+            <a:normAutofit fontScale="85000" lnSpcReduction="20000"/>
+          </a:bodyPr>
+          <a:lstStyle/>
+          <a:p>
+            <a:fld id="{87B78B44-2135-4DB2-B732-E7D5FFF77B6A}" type="slidenum">
+              <a:rPr lang="en-US" smtClean="0"/>
+              <a:pPr/>
+              <a:t>22</a:t>
+            </a:fld>
+            <a:endParaRPr lang="en-US"/>
+          </a:p>
+        </p:txBody>
+      </p:sp>
+      <p:sp>
+        <p:nvSpPr>
+          <p:cNvPr id="5" name="Content Placeholder 4">
+            <a:extLst>
+              <a:ext uri="{FF2B5EF4-FFF2-40B4-BE49-F238E27FC236}">
+                <a16:creationId xmlns:a16="http://schemas.microsoft.com/office/drawing/2014/main" id="{8B931939-8F41-42C5-BBDD-63697635FF5E}"/>
+              </a:ext>
+            </a:extLst>
+          </p:cNvPr>
+          <p:cNvSpPr>
+            <a:spLocks noGrp="1"/>
+          </p:cNvSpPr>
+          <p:nvPr>
+            <p:ph sz="quarter" idx="1"/>
+          </p:nvPr>
+        </p:nvSpPr>
+        <p:spPr>
+          <a:xfrm>
+            <a:off x="612648" y="1628800"/>
+            <a:ext cx="8153400" cy="4495800"/>
+          </a:xfrm>
+        </p:spPr>
+        <p:txBody>
+          <a:bodyPr/>
+          <a:lstStyle/>
+          <a:p>
+            <a:r>
+              <a:rPr lang="en-US" dirty="0"/>
+              <a:t>You can limit of size of the returned buffer</a:t>
+            </a:r>
+          </a:p>
+          <a:p>
+            <a:r>
+              <a:rPr lang="en-US" dirty="0"/>
+              <a:t>Must invoke </a:t>
+            </a:r>
+            <a:r>
+              <a:rPr lang="en-US" dirty="0">
+                <a:solidFill>
+                  <a:srgbClr val="FF0000"/>
+                </a:solidFill>
+              </a:rPr>
+              <a:t>read</a:t>
+            </a:r>
+            <a:r>
+              <a:rPr lang="en-US" dirty="0"/>
+              <a:t> multiple times until </a:t>
+            </a:r>
+            <a:r>
+              <a:rPr lang="en-US" dirty="0">
+                <a:solidFill>
+                  <a:srgbClr val="FF0000"/>
+                </a:solidFill>
+              </a:rPr>
+              <a:t>null</a:t>
+            </a:r>
+            <a:r>
+              <a:rPr lang="en-US" dirty="0"/>
+              <a:t> is returned</a:t>
+            </a:r>
+          </a:p>
+          <a:p>
+            <a:endParaRPr lang="en-US" dirty="0">
+              <a:solidFill>
+                <a:srgbClr val="FF0000"/>
+              </a:solidFill>
+            </a:endParaRPr>
+          </a:p>
+        </p:txBody>
+      </p:sp>
+      <p:sp>
+        <p:nvSpPr>
+          <p:cNvPr id="7" name="Rectangle 6">
+            <a:extLst>
+              <a:ext uri="{FF2B5EF4-FFF2-40B4-BE49-F238E27FC236}">
+                <a16:creationId xmlns:a16="http://schemas.microsoft.com/office/drawing/2014/main" id="{7596F474-1A89-463B-9D17-964251EBFD5C}"/>
+              </a:ext>
+            </a:extLst>
+          </p:cNvPr>
+          <p:cNvSpPr/>
+          <p:nvPr/>
+        </p:nvSpPr>
+        <p:spPr>
+          <a:xfrm>
+            <a:off x="1268968" y="3284984"/>
+            <a:ext cx="6840760" cy="2585323"/>
+          </a:xfrm>
+          <a:prstGeom prst="rect">
+            <a:avLst/>
+          </a:prstGeom>
+          <a:solidFill>
+            <a:schemeClr val="accent1">
+              <a:lumMod val="40000"/>
+              <a:lumOff val="60000"/>
+            </a:schemeClr>
+          </a:solidFill>
+        </p:spPr>
+        <p:txBody>
+          <a:bodyPr wrap="square">
+            <a:spAutoFit/>
+          </a:bodyPr>
+          <a:lstStyle/>
+          <a:p>
+            <a:r>
+              <a:rPr lang="en-US" b="1" dirty="0" err="1">
+                <a:solidFill>
+                  <a:srgbClr val="000080"/>
+                </a:solidFill>
+                <a:latin typeface="Courier New" panose="02070309020205020404" pitchFamily="49" charset="0"/>
+                <a:ea typeface="Times New Roman" panose="02020603050405020304" pitchFamily="18" charset="0"/>
+              </a:rPr>
+              <a:t>const</a:t>
+            </a:r>
+            <a:r>
+              <a:rPr lang="en-US" b="1" dirty="0">
+                <a:solidFill>
+                  <a:srgbClr val="000080"/>
+                </a:solidFill>
+                <a:latin typeface="Courier New" panose="02070309020205020404" pitchFamily="49" charset="0"/>
+                <a:ea typeface="Times New Roman" panose="02020603050405020304" pitchFamily="18" charset="0"/>
+              </a:rPr>
+              <a:t> </a:t>
+            </a:r>
+            <a:r>
+              <a:rPr lang="en-US" dirty="0">
+                <a:solidFill>
+                  <a:srgbClr val="458383"/>
+                </a:solidFill>
+                <a:latin typeface="Courier New" panose="02070309020205020404" pitchFamily="49" charset="0"/>
+                <a:ea typeface="Times New Roman" panose="02020603050405020304" pitchFamily="18" charset="0"/>
+              </a:rPr>
+              <a:t>stream </a:t>
+            </a:r>
+            <a:r>
+              <a:rPr lang="en-US" dirty="0">
+                <a:solidFill>
+                  <a:srgbClr val="000000"/>
+                </a:solidFill>
+                <a:latin typeface="Courier New" panose="02070309020205020404" pitchFamily="49" charset="0"/>
+                <a:ea typeface="Times New Roman" panose="02020603050405020304" pitchFamily="18" charset="0"/>
+              </a:rPr>
+              <a:t>= </a:t>
+            </a:r>
+            <a:r>
+              <a:rPr lang="en-US" dirty="0" err="1">
+                <a:solidFill>
+                  <a:srgbClr val="458383"/>
+                </a:solidFill>
+                <a:latin typeface="Courier New" panose="02070309020205020404" pitchFamily="49" charset="0"/>
+                <a:ea typeface="Times New Roman" panose="02020603050405020304" pitchFamily="18" charset="0"/>
+              </a:rPr>
+              <a:t>fs</a:t>
+            </a:r>
+            <a:r>
+              <a:rPr lang="en-US" dirty="0" err="1">
+                <a:solidFill>
+                  <a:srgbClr val="000000"/>
+                </a:solidFill>
+                <a:latin typeface="Courier New" panose="02070309020205020404" pitchFamily="49" charset="0"/>
+                <a:ea typeface="Times New Roman" panose="02020603050405020304" pitchFamily="18" charset="0"/>
+              </a:rPr>
+              <a:t>.createReadStream</a:t>
+            </a:r>
+            <a:r>
+              <a:rPr lang="en-US" dirty="0">
+                <a:solidFill>
+                  <a:srgbClr val="000000"/>
+                </a:solidFill>
+                <a:latin typeface="Courier New" panose="02070309020205020404" pitchFamily="49" charset="0"/>
+                <a:ea typeface="Times New Roman" panose="02020603050405020304" pitchFamily="18" charset="0"/>
+              </a:rPr>
+              <a:t>(</a:t>
+            </a:r>
+            <a:r>
+              <a:rPr lang="en-US" b="1" dirty="0">
+                <a:solidFill>
+                  <a:srgbClr val="008000"/>
+                </a:solidFill>
+                <a:latin typeface="Courier New" panose="02070309020205020404" pitchFamily="49" charset="0"/>
+                <a:ea typeface="Times New Roman" panose="02020603050405020304" pitchFamily="18" charset="0"/>
+              </a:rPr>
+              <a:t>"main.js"</a:t>
+            </a:r>
+            <a:r>
+              <a:rPr lang="en-US" dirty="0">
+                <a:solidFill>
+                  <a:srgbClr val="000000"/>
+                </a:solidFill>
+                <a:latin typeface="Courier New" panose="02070309020205020404" pitchFamily="49" charset="0"/>
+                <a:ea typeface="Times New Roman" panose="02020603050405020304" pitchFamily="18" charset="0"/>
+              </a:rPr>
+              <a:t>);</a:t>
+            </a:r>
+            <a:br>
+              <a:rPr lang="en-US" dirty="0">
+                <a:solidFill>
+                  <a:srgbClr val="000000"/>
+                </a:solidFill>
+                <a:latin typeface="Courier New" panose="02070309020205020404" pitchFamily="49" charset="0"/>
+                <a:ea typeface="Times New Roman" panose="02020603050405020304" pitchFamily="18" charset="0"/>
+              </a:rPr>
+            </a:br>
+            <a:br>
+              <a:rPr lang="en-US" dirty="0">
+                <a:solidFill>
+                  <a:srgbClr val="000000"/>
+                </a:solidFill>
+                <a:latin typeface="Courier New" panose="02070309020205020404" pitchFamily="49" charset="0"/>
+                <a:ea typeface="Times New Roman" panose="02020603050405020304" pitchFamily="18" charset="0"/>
+              </a:rPr>
+            </a:br>
+            <a:r>
+              <a:rPr lang="en-US" dirty="0" err="1">
+                <a:solidFill>
+                  <a:srgbClr val="458383"/>
+                </a:solidFill>
+                <a:latin typeface="Courier New" panose="02070309020205020404" pitchFamily="49" charset="0"/>
+                <a:ea typeface="Times New Roman" panose="02020603050405020304" pitchFamily="18" charset="0"/>
+              </a:rPr>
+              <a:t>stream</a:t>
+            </a:r>
+            <a:r>
+              <a:rPr lang="en-US" dirty="0" err="1">
+                <a:solidFill>
+                  <a:srgbClr val="000000"/>
+                </a:solidFill>
+                <a:latin typeface="Courier New" panose="02070309020205020404" pitchFamily="49" charset="0"/>
+                <a:ea typeface="Times New Roman" panose="02020603050405020304" pitchFamily="18" charset="0"/>
+              </a:rPr>
+              <a:t>.on</a:t>
+            </a:r>
+            <a:r>
+              <a:rPr lang="en-US" dirty="0">
+                <a:solidFill>
+                  <a:srgbClr val="000000"/>
+                </a:solidFill>
+                <a:latin typeface="Courier New" panose="02070309020205020404" pitchFamily="49" charset="0"/>
+                <a:ea typeface="Times New Roman" panose="02020603050405020304" pitchFamily="18" charset="0"/>
+              </a:rPr>
+              <a:t>(</a:t>
+            </a:r>
+            <a:r>
+              <a:rPr lang="en-US" b="1" dirty="0">
+                <a:solidFill>
+                  <a:srgbClr val="008000"/>
+                </a:solidFill>
+                <a:latin typeface="Courier New" panose="02070309020205020404" pitchFamily="49" charset="0"/>
+                <a:ea typeface="Times New Roman" panose="02020603050405020304" pitchFamily="18" charset="0"/>
+              </a:rPr>
+              <a:t>"readable"</a:t>
+            </a:r>
+            <a:r>
+              <a:rPr lang="en-US" dirty="0">
+                <a:solidFill>
+                  <a:srgbClr val="000000"/>
+                </a:solidFill>
+                <a:latin typeface="Courier New" panose="02070309020205020404" pitchFamily="49" charset="0"/>
+                <a:ea typeface="Times New Roman" panose="02020603050405020304" pitchFamily="18" charset="0"/>
+              </a:rPr>
+              <a:t>, </a:t>
+            </a:r>
+            <a:r>
+              <a:rPr lang="en-US" b="1" dirty="0">
+                <a:solidFill>
+                  <a:srgbClr val="000080"/>
+                </a:solidFill>
+                <a:latin typeface="Courier New" panose="02070309020205020404" pitchFamily="49" charset="0"/>
+                <a:ea typeface="Times New Roman" panose="02020603050405020304" pitchFamily="18" charset="0"/>
+              </a:rPr>
+              <a:t>function</a:t>
+            </a:r>
+            <a:r>
+              <a:rPr lang="en-US" dirty="0">
+                <a:solidFill>
+                  <a:srgbClr val="000000"/>
+                </a:solidFill>
+                <a:latin typeface="Courier New" panose="02070309020205020404" pitchFamily="49" charset="0"/>
+                <a:ea typeface="Times New Roman" panose="02020603050405020304" pitchFamily="18" charset="0"/>
+              </a:rPr>
+              <a:t>() {</a:t>
+            </a:r>
+            <a:br>
+              <a:rPr lang="en-US" dirty="0">
+                <a:solidFill>
+                  <a:srgbClr val="000000"/>
+                </a:solidFill>
+                <a:latin typeface="Courier New" panose="02070309020205020404" pitchFamily="49" charset="0"/>
+                <a:ea typeface="Times New Roman" panose="02020603050405020304" pitchFamily="18" charset="0"/>
+              </a:rPr>
+            </a:br>
+            <a:r>
+              <a:rPr lang="en-US" dirty="0">
+                <a:solidFill>
+                  <a:srgbClr val="000000"/>
+                </a:solidFill>
+                <a:latin typeface="Courier New" panose="02070309020205020404" pitchFamily="49" charset="0"/>
+                <a:ea typeface="Times New Roman" panose="02020603050405020304" pitchFamily="18" charset="0"/>
+              </a:rPr>
+              <a:t>    </a:t>
+            </a:r>
+            <a:r>
+              <a:rPr lang="en-US" b="1" dirty="0">
+                <a:solidFill>
+                  <a:srgbClr val="000080"/>
+                </a:solidFill>
+                <a:latin typeface="Courier New" panose="02070309020205020404" pitchFamily="49" charset="0"/>
+                <a:ea typeface="Times New Roman" panose="02020603050405020304" pitchFamily="18" charset="0"/>
+              </a:rPr>
+              <a:t>let </a:t>
+            </a:r>
+            <a:r>
+              <a:rPr lang="en-US" dirty="0">
+                <a:solidFill>
+                  <a:srgbClr val="458383"/>
+                </a:solidFill>
+                <a:latin typeface="Courier New" panose="02070309020205020404" pitchFamily="49" charset="0"/>
+                <a:ea typeface="Times New Roman" panose="02020603050405020304" pitchFamily="18" charset="0"/>
+              </a:rPr>
+              <a:t>chunk</a:t>
+            </a:r>
+            <a:r>
+              <a:rPr lang="en-US" dirty="0">
+                <a:solidFill>
+                  <a:srgbClr val="000000"/>
+                </a:solidFill>
+                <a:latin typeface="Courier New" panose="02070309020205020404" pitchFamily="49" charset="0"/>
+                <a:ea typeface="Times New Roman" panose="02020603050405020304" pitchFamily="18" charset="0"/>
+              </a:rPr>
+              <a:t>;</a:t>
+            </a:r>
+            <a:br>
+              <a:rPr lang="en-US" dirty="0">
+                <a:solidFill>
+                  <a:srgbClr val="000000"/>
+                </a:solidFill>
+                <a:latin typeface="Courier New" panose="02070309020205020404" pitchFamily="49" charset="0"/>
+                <a:ea typeface="Times New Roman" panose="02020603050405020304" pitchFamily="18" charset="0"/>
+              </a:rPr>
+            </a:br>
+            <a:br>
+              <a:rPr lang="en-US" dirty="0">
+                <a:solidFill>
+                  <a:srgbClr val="000000"/>
+                </a:solidFill>
+                <a:latin typeface="Courier New" panose="02070309020205020404" pitchFamily="49" charset="0"/>
+                <a:ea typeface="Times New Roman" panose="02020603050405020304" pitchFamily="18" charset="0"/>
+              </a:rPr>
+            </a:br>
+            <a:r>
+              <a:rPr lang="en-US" dirty="0">
+                <a:solidFill>
+                  <a:srgbClr val="000000"/>
+                </a:solidFill>
+                <a:latin typeface="Courier New" panose="02070309020205020404" pitchFamily="49" charset="0"/>
+                <a:ea typeface="Times New Roman" panose="02020603050405020304" pitchFamily="18" charset="0"/>
+              </a:rPr>
+              <a:t>    </a:t>
+            </a:r>
+            <a:r>
+              <a:rPr lang="en-US" b="1" dirty="0">
+                <a:solidFill>
+                  <a:srgbClr val="000080"/>
+                </a:solidFill>
+                <a:latin typeface="Courier New" panose="02070309020205020404" pitchFamily="49" charset="0"/>
+                <a:ea typeface="Times New Roman" panose="02020603050405020304" pitchFamily="18" charset="0"/>
+              </a:rPr>
+              <a:t>while</a:t>
+            </a:r>
+            <a:r>
+              <a:rPr lang="en-US" dirty="0">
+                <a:solidFill>
+                  <a:srgbClr val="000000"/>
+                </a:solidFill>
+                <a:latin typeface="Courier New" panose="02070309020205020404" pitchFamily="49" charset="0"/>
+                <a:ea typeface="Times New Roman" panose="02020603050405020304" pitchFamily="18" charset="0"/>
+              </a:rPr>
+              <a:t>(</a:t>
+            </a:r>
+            <a:r>
+              <a:rPr lang="en-US" dirty="0">
+                <a:solidFill>
+                  <a:srgbClr val="458383"/>
+                </a:solidFill>
+                <a:latin typeface="Courier New" panose="02070309020205020404" pitchFamily="49" charset="0"/>
+                <a:ea typeface="Times New Roman" panose="02020603050405020304" pitchFamily="18" charset="0"/>
+              </a:rPr>
+              <a:t>chunk </a:t>
+            </a:r>
+            <a:r>
+              <a:rPr lang="en-US" dirty="0">
+                <a:solidFill>
+                  <a:srgbClr val="000000"/>
+                </a:solidFill>
+                <a:latin typeface="Courier New" panose="02070309020205020404" pitchFamily="49" charset="0"/>
+                <a:ea typeface="Times New Roman" panose="02020603050405020304" pitchFamily="18" charset="0"/>
+              </a:rPr>
+              <a:t>= </a:t>
+            </a:r>
+            <a:r>
+              <a:rPr lang="en-US" dirty="0" err="1">
+                <a:solidFill>
+                  <a:srgbClr val="458383"/>
+                </a:solidFill>
+                <a:latin typeface="Courier New" panose="02070309020205020404" pitchFamily="49" charset="0"/>
+                <a:ea typeface="Times New Roman" panose="02020603050405020304" pitchFamily="18" charset="0"/>
+              </a:rPr>
+              <a:t>stream</a:t>
+            </a:r>
+            <a:r>
+              <a:rPr lang="en-US" dirty="0" err="1">
+                <a:solidFill>
+                  <a:srgbClr val="000000"/>
+                </a:solidFill>
+                <a:latin typeface="Courier New" panose="02070309020205020404" pitchFamily="49" charset="0"/>
+                <a:ea typeface="Times New Roman" panose="02020603050405020304" pitchFamily="18" charset="0"/>
+              </a:rPr>
+              <a:t>.</a:t>
+            </a:r>
+            <a:r>
+              <a:rPr lang="en-US" dirty="0" err="1">
+                <a:solidFill>
+                  <a:srgbClr val="7A7A43"/>
+                </a:solidFill>
+                <a:latin typeface="Courier New" panose="02070309020205020404" pitchFamily="49" charset="0"/>
+                <a:ea typeface="Times New Roman" panose="02020603050405020304" pitchFamily="18" charset="0"/>
+              </a:rPr>
+              <a:t>read</a:t>
+            </a:r>
+            <a:r>
+              <a:rPr lang="en-US" dirty="0">
+                <a:solidFill>
+                  <a:srgbClr val="000000"/>
+                </a:solidFill>
+                <a:latin typeface="Courier New" panose="02070309020205020404" pitchFamily="49" charset="0"/>
+                <a:ea typeface="Times New Roman" panose="02020603050405020304" pitchFamily="18" charset="0"/>
+              </a:rPr>
+              <a:t>(</a:t>
+            </a:r>
+            <a:r>
+              <a:rPr lang="en-US" dirty="0">
+                <a:solidFill>
+                  <a:srgbClr val="0000FF"/>
+                </a:solidFill>
+                <a:latin typeface="Courier New" panose="02070309020205020404" pitchFamily="49" charset="0"/>
+                <a:ea typeface="Times New Roman" panose="02020603050405020304" pitchFamily="18" charset="0"/>
+              </a:rPr>
+              <a:t>1</a:t>
+            </a:r>
+            <a:r>
+              <a:rPr lang="en-US" dirty="0">
+                <a:solidFill>
+                  <a:srgbClr val="000000"/>
+                </a:solidFill>
+                <a:latin typeface="Courier New" panose="02070309020205020404" pitchFamily="49" charset="0"/>
+                <a:ea typeface="Times New Roman" panose="02020603050405020304" pitchFamily="18" charset="0"/>
+              </a:rPr>
+              <a:t>)) {</a:t>
+            </a:r>
+            <a:br>
+              <a:rPr lang="en-US" dirty="0">
+                <a:solidFill>
+                  <a:srgbClr val="000000"/>
+                </a:solidFill>
+                <a:latin typeface="Courier New" panose="02070309020205020404" pitchFamily="49" charset="0"/>
+                <a:ea typeface="Times New Roman" panose="02020603050405020304" pitchFamily="18" charset="0"/>
+              </a:rPr>
+            </a:br>
+            <a:r>
+              <a:rPr lang="en-US" dirty="0">
+                <a:solidFill>
+                  <a:srgbClr val="000000"/>
+                </a:solidFill>
+                <a:latin typeface="Courier New" panose="02070309020205020404" pitchFamily="49" charset="0"/>
+                <a:ea typeface="Times New Roman" panose="02020603050405020304" pitchFamily="18" charset="0"/>
+              </a:rPr>
+              <a:t>        </a:t>
+            </a:r>
+            <a:r>
+              <a:rPr lang="en-US" dirty="0" err="1">
+                <a:solidFill>
+                  <a:srgbClr val="000000"/>
+                </a:solidFill>
+                <a:latin typeface="Courier New" panose="02070309020205020404" pitchFamily="49" charset="0"/>
+                <a:ea typeface="Times New Roman" panose="02020603050405020304" pitchFamily="18" charset="0"/>
+              </a:rPr>
+              <a:t>process.stdout.</a:t>
+            </a:r>
+            <a:r>
+              <a:rPr lang="en-US" dirty="0" err="1">
+                <a:solidFill>
+                  <a:srgbClr val="7A7A43"/>
+                </a:solidFill>
+                <a:latin typeface="Courier New" panose="02070309020205020404" pitchFamily="49" charset="0"/>
+                <a:ea typeface="Times New Roman" panose="02020603050405020304" pitchFamily="18" charset="0"/>
+              </a:rPr>
+              <a:t>write</a:t>
+            </a:r>
+            <a:r>
+              <a:rPr lang="en-US" dirty="0">
+                <a:solidFill>
+                  <a:srgbClr val="000000"/>
+                </a:solidFill>
+                <a:latin typeface="Courier New" panose="02070309020205020404" pitchFamily="49" charset="0"/>
+                <a:ea typeface="Times New Roman" panose="02020603050405020304" pitchFamily="18" charset="0"/>
+              </a:rPr>
+              <a:t>(</a:t>
+            </a:r>
+            <a:r>
+              <a:rPr lang="en-US" dirty="0" err="1">
+                <a:solidFill>
+                  <a:srgbClr val="458383"/>
+                </a:solidFill>
+                <a:latin typeface="Courier New" panose="02070309020205020404" pitchFamily="49" charset="0"/>
+                <a:ea typeface="Times New Roman" panose="02020603050405020304" pitchFamily="18" charset="0"/>
+              </a:rPr>
+              <a:t>chunk</a:t>
+            </a:r>
+            <a:r>
+              <a:rPr lang="en-US" dirty="0" err="1">
+                <a:solidFill>
+                  <a:srgbClr val="000000"/>
+                </a:solidFill>
+                <a:latin typeface="Courier New" panose="02070309020205020404" pitchFamily="49" charset="0"/>
+                <a:ea typeface="Times New Roman" panose="02020603050405020304" pitchFamily="18" charset="0"/>
+              </a:rPr>
+              <a:t>.</a:t>
+            </a:r>
+            <a:r>
+              <a:rPr lang="en-US" dirty="0" err="1">
+                <a:solidFill>
+                  <a:srgbClr val="7A7A43"/>
+                </a:solidFill>
+                <a:latin typeface="Courier New" panose="02070309020205020404" pitchFamily="49" charset="0"/>
+                <a:ea typeface="Times New Roman" panose="02020603050405020304" pitchFamily="18" charset="0"/>
+              </a:rPr>
+              <a:t>toString</a:t>
+            </a:r>
+            <a:r>
+              <a:rPr lang="en-US" dirty="0">
+                <a:solidFill>
+                  <a:srgbClr val="000000"/>
+                </a:solidFill>
+                <a:latin typeface="Courier New" panose="02070309020205020404" pitchFamily="49" charset="0"/>
+                <a:ea typeface="Times New Roman" panose="02020603050405020304" pitchFamily="18" charset="0"/>
+              </a:rPr>
+              <a:t>());</a:t>
+            </a:r>
+            <a:br>
+              <a:rPr lang="en-US" dirty="0">
+                <a:solidFill>
+                  <a:srgbClr val="000000"/>
+                </a:solidFill>
+                <a:latin typeface="Courier New" panose="02070309020205020404" pitchFamily="49" charset="0"/>
+                <a:ea typeface="Times New Roman" panose="02020603050405020304" pitchFamily="18" charset="0"/>
+              </a:rPr>
+            </a:br>
+            <a:r>
+              <a:rPr lang="en-US" dirty="0">
+                <a:solidFill>
+                  <a:srgbClr val="000000"/>
+                </a:solidFill>
+                <a:latin typeface="Courier New" panose="02070309020205020404" pitchFamily="49" charset="0"/>
+                <a:ea typeface="Times New Roman" panose="02020603050405020304" pitchFamily="18" charset="0"/>
+              </a:rPr>
+              <a:t>    }</a:t>
+            </a:r>
+            <a:br>
+              <a:rPr lang="en-US" dirty="0">
+                <a:solidFill>
+                  <a:srgbClr val="000000"/>
+                </a:solidFill>
+                <a:latin typeface="Courier New" panose="02070309020205020404" pitchFamily="49" charset="0"/>
+                <a:ea typeface="Times New Roman" panose="02020603050405020304" pitchFamily="18" charset="0"/>
+              </a:rPr>
+            </a:br>
+            <a:r>
+              <a:rPr lang="en-US" dirty="0">
+                <a:solidFill>
+                  <a:srgbClr val="000000"/>
+                </a:solidFill>
+                <a:latin typeface="Courier New" panose="02070309020205020404" pitchFamily="49" charset="0"/>
+                <a:ea typeface="Times New Roman" panose="02020603050405020304" pitchFamily="18" charset="0"/>
+              </a:rPr>
+              <a:t>});</a:t>
+            </a:r>
+            <a:endParaRPr lang="he-IL" dirty="0"/>
+          </a:p>
+        </p:txBody>
+      </p:sp>
+    </p:spTree>
+    <p:extLst>
+      <p:ext uri="{BB962C8B-B14F-4D97-AF65-F5344CB8AC3E}">
+        <p14:creationId xmlns:p14="http://schemas.microsoft.com/office/powerpoint/2010/main" val="3138281371"/>
+      </p:ext>
+    </p:extLst>
+  </p:cSld>
+  <p:clrMapOvr>
+    <a:masterClrMapping/>
+  </p:clrMapOvr>
+</p:sld>
+</file>
+
+<file path=ppt/slides/slide23.xml><?xml version="1.0" encoding="utf-8"?>
+<p:sld xmlns:a="http://schemas.openxmlformats.org/drawingml/2006/main" xmlns:r="http://schemas.openxmlformats.org/officeDocument/2006/relationships" xmlns:p="http://schemas.openxmlformats.org/presentationml/2006/main">
+  <p:cSld>
+    <p:spTree>
+      <p:nvGrpSpPr>
+        <p:cNvPr id="1" name=""/>
+        <p:cNvGrpSpPr/>
+        <p:nvPr/>
+      </p:nvGrpSpPr>
+      <p:grpSpPr>
+        <a:xfrm>
+          <a:off x="0" y="0"/>
+          <a:ext cx="0" cy="0"/>
+          <a:chOff x="0" y="0"/>
+          <a:chExt cx="0" cy="0"/>
+        </a:xfrm>
+      </p:grpSpPr>
+      <p:sp>
+        <p:nvSpPr>
+          <p:cNvPr id="2" name="Title 1">
+            <a:extLst>
+              <a:ext uri="{FF2B5EF4-FFF2-40B4-BE49-F238E27FC236}">
                 <a16:creationId xmlns:a16="http://schemas.microsoft.com/office/drawing/2014/main" id="{23A9B1AA-270C-40FF-B531-A1B41C5D7060}"/>
               </a:ext>
             </a:extLst>
@@ -11058,7 +12459,7 @@
           <a:p>
             <a:r>
               <a:rPr lang="en-US" dirty="0"/>
-              <a:t>Consuming Readable Stream</a:t>
+              <a:t>Flowing Mode</a:t>
             </a:r>
             <a:endParaRPr lang="he-IL" dirty="0"/>
           </a:p>
@@ -11119,7 +12520,7 @@
             <a:fld id="{87B78B44-2135-4DB2-B732-E7D5FFF77B6A}" type="slidenum">
               <a:rPr lang="en-US" smtClean="0"/>
               <a:pPr/>
-              <a:t>21</a:t>
+              <a:t>23</a:t>
             </a:fld>
             <a:endParaRPr lang="en-US"/>
           </a:p>
@@ -11876,698 +13277,7 @@
 </p:sld>
 </file>
 
-<file path=ppt/slides/slide22.xml><?xml version="1.0" encoding="utf-8"?>
-<p:sld xmlns:a="http://schemas.openxmlformats.org/drawingml/2006/main" xmlns:r="http://schemas.openxmlformats.org/officeDocument/2006/relationships" xmlns:p="http://schemas.openxmlformats.org/presentationml/2006/main">
-  <p:cSld>
-    <p:spTree>
-      <p:nvGrpSpPr>
-        <p:cNvPr id="1" name=""/>
-        <p:cNvGrpSpPr/>
-        <p:nvPr/>
-      </p:nvGrpSpPr>
-      <p:grpSpPr>
-        <a:xfrm>
-          <a:off x="0" y="0"/>
-          <a:ext cx="0" cy="0"/>
-          <a:chOff x="0" y="0"/>
-          <a:chExt cx="0" cy="0"/>
-        </a:xfrm>
-      </p:grpSpPr>
-      <p:sp>
-        <p:nvSpPr>
-          <p:cNvPr id="2" name="Title 1">
-            <a:extLst>
-              <a:ext uri="{FF2B5EF4-FFF2-40B4-BE49-F238E27FC236}">
-                <a16:creationId xmlns:a16="http://schemas.microsoft.com/office/drawing/2014/main" id="{174E484F-8D6A-4874-931E-CA38AE8D3370}"/>
-              </a:ext>
-            </a:extLst>
-          </p:cNvPr>
-          <p:cNvSpPr>
-            <a:spLocks noGrp="1"/>
-          </p:cNvSpPr>
-          <p:nvPr>
-            <p:ph type="title"/>
-          </p:nvPr>
-        </p:nvSpPr>
-        <p:spPr/>
-        <p:txBody>
-          <a:bodyPr/>
-          <a:lstStyle/>
-          <a:p>
-            <a:r>
-              <a:rPr lang="en-US" dirty="0"/>
-              <a:t>Non Flowing Mode</a:t>
-            </a:r>
-            <a:endParaRPr lang="he-IL" dirty="0"/>
-          </a:p>
-        </p:txBody>
-      </p:sp>
-      <p:sp>
-        <p:nvSpPr>
-          <p:cNvPr id="3" name="Footer Placeholder 2">
-            <a:extLst>
-              <a:ext uri="{FF2B5EF4-FFF2-40B4-BE49-F238E27FC236}">
-                <a16:creationId xmlns:a16="http://schemas.microsoft.com/office/drawing/2014/main" id="{16287052-DE8F-4BBE-B70F-84E6679D4580}"/>
-              </a:ext>
-            </a:extLst>
-          </p:cNvPr>
-          <p:cNvSpPr>
-            <a:spLocks noGrp="1"/>
-          </p:cNvSpPr>
-          <p:nvPr>
-            <p:ph type="ftr" sz="quarter" idx="11"/>
-          </p:nvPr>
-        </p:nvSpPr>
-        <p:spPr/>
-        <p:txBody>
-          <a:bodyPr/>
-          <a:lstStyle/>
-          <a:p>
-            <a:r>
-              <a:rPr lang="en-US"/>
-              <a:t>© 2017 Ori Calvo</a:t>
-            </a:r>
-            <a:endParaRPr lang="en-US" dirty="0"/>
-          </a:p>
-        </p:txBody>
-      </p:sp>
-      <p:sp>
-        <p:nvSpPr>
-          <p:cNvPr id="4" name="Slide Number Placeholder 3">
-            <a:extLst>
-              <a:ext uri="{FF2B5EF4-FFF2-40B4-BE49-F238E27FC236}">
-                <a16:creationId xmlns:a16="http://schemas.microsoft.com/office/drawing/2014/main" id="{7CE67235-6859-40B7-BCC7-B84775D86CB8}"/>
-              </a:ext>
-            </a:extLst>
-          </p:cNvPr>
-          <p:cNvSpPr>
-            <a:spLocks noGrp="1"/>
-          </p:cNvSpPr>
-          <p:nvPr>
-            <p:ph type="sldNum" sz="quarter" idx="12"/>
-          </p:nvPr>
-        </p:nvSpPr>
-        <p:spPr/>
-        <p:txBody>
-          <a:bodyPr>
-            <a:normAutofit fontScale="85000" lnSpcReduction="20000"/>
-          </a:bodyPr>
-          <a:lstStyle/>
-          <a:p>
-            <a:fld id="{87B78B44-2135-4DB2-B732-E7D5FFF77B6A}" type="slidenum">
-              <a:rPr lang="en-US" smtClean="0"/>
-              <a:pPr/>
-              <a:t>22</a:t>
-            </a:fld>
-            <a:endParaRPr lang="en-US"/>
-          </a:p>
-        </p:txBody>
-      </p:sp>
-      <p:sp>
-        <p:nvSpPr>
-          <p:cNvPr id="5" name="Content Placeholder 4">
-            <a:extLst>
-              <a:ext uri="{FF2B5EF4-FFF2-40B4-BE49-F238E27FC236}">
-                <a16:creationId xmlns:a16="http://schemas.microsoft.com/office/drawing/2014/main" id="{8B931939-8F41-42C5-BBDD-63697635FF5E}"/>
-              </a:ext>
-            </a:extLst>
-          </p:cNvPr>
-          <p:cNvSpPr>
-            <a:spLocks noGrp="1"/>
-          </p:cNvSpPr>
-          <p:nvPr>
-            <p:ph sz="quarter" idx="1"/>
-          </p:nvPr>
-        </p:nvSpPr>
-        <p:spPr>
-          <a:xfrm>
-            <a:off x="612648" y="1628800"/>
-            <a:ext cx="8153400" cy="4495800"/>
-          </a:xfrm>
-        </p:spPr>
-        <p:txBody>
-          <a:bodyPr/>
-          <a:lstStyle/>
-          <a:p>
-            <a:r>
-              <a:rPr lang="en-US" dirty="0"/>
-              <a:t>A.K.A “pull”</a:t>
-            </a:r>
-          </a:p>
-          <a:p>
-            <a:r>
-              <a:rPr lang="en-US" dirty="0"/>
-              <a:t>Wait for the </a:t>
-            </a:r>
-            <a:r>
-              <a:rPr lang="en-US" dirty="0">
-                <a:solidFill>
-                  <a:srgbClr val="FF0000"/>
-                </a:solidFill>
-              </a:rPr>
-              <a:t>readable</a:t>
-            </a:r>
-            <a:r>
-              <a:rPr lang="en-US" dirty="0"/>
-              <a:t> event</a:t>
-            </a:r>
-          </a:p>
-          <a:p>
-            <a:r>
-              <a:rPr lang="en-US" dirty="0"/>
-              <a:t>Pull the buffered data using </a:t>
-            </a:r>
-            <a:r>
-              <a:rPr lang="en-US" dirty="0">
-                <a:solidFill>
-                  <a:srgbClr val="FF0000"/>
-                </a:solidFill>
-              </a:rPr>
-              <a:t>read</a:t>
-            </a:r>
-          </a:p>
-          <a:p>
-            <a:endParaRPr lang="en-US" dirty="0">
-              <a:solidFill>
-                <a:srgbClr val="FF0000"/>
-              </a:solidFill>
-            </a:endParaRPr>
-          </a:p>
-          <a:p>
-            <a:endParaRPr lang="en-US" dirty="0">
-              <a:solidFill>
-                <a:srgbClr val="FF0000"/>
-              </a:solidFill>
-            </a:endParaRPr>
-          </a:p>
-          <a:p>
-            <a:endParaRPr lang="en-US" dirty="0">
-              <a:solidFill>
-                <a:srgbClr val="FF0000"/>
-              </a:solidFill>
-            </a:endParaRPr>
-          </a:p>
-          <a:p>
-            <a:endParaRPr lang="en-US" dirty="0">
-              <a:solidFill>
-                <a:srgbClr val="FF0000"/>
-              </a:solidFill>
-            </a:endParaRPr>
-          </a:p>
-          <a:p>
-            <a:r>
-              <a:rPr lang="en-US" dirty="0"/>
-              <a:t>Don’t mix both approaches !!!</a:t>
-            </a:r>
-            <a:endParaRPr lang="he-IL" dirty="0"/>
-          </a:p>
-        </p:txBody>
-      </p:sp>
-      <p:sp>
-        <p:nvSpPr>
-          <p:cNvPr id="6" name="Rectangle 5">
-            <a:extLst>
-              <a:ext uri="{FF2B5EF4-FFF2-40B4-BE49-F238E27FC236}">
-                <a16:creationId xmlns:a16="http://schemas.microsoft.com/office/drawing/2014/main" id="{71B02BA0-4AB0-4879-9FB4-8D95FA32B174}"/>
-              </a:ext>
-            </a:extLst>
-          </p:cNvPr>
-          <p:cNvSpPr/>
-          <p:nvPr/>
-        </p:nvSpPr>
-        <p:spPr>
-          <a:xfrm>
-            <a:off x="2155526" y="3284984"/>
-            <a:ext cx="4832948" cy="2031325"/>
-          </a:xfrm>
-          <a:prstGeom prst="rect">
-            <a:avLst/>
-          </a:prstGeom>
-          <a:solidFill>
-            <a:schemeClr val="accent1">
-              <a:lumMod val="40000"/>
-              <a:lumOff val="60000"/>
-            </a:schemeClr>
-          </a:solidFill>
-        </p:spPr>
-        <p:txBody>
-          <a:bodyPr wrap="square">
-            <a:spAutoFit/>
-          </a:bodyPr>
-          <a:lstStyle/>
-          <a:p>
-            <a:r>
-              <a:rPr lang="en-US" b="1" dirty="0" err="1">
-                <a:solidFill>
-                  <a:srgbClr val="000080"/>
-                </a:solidFill>
-                <a:latin typeface="Calibri" panose="020F0502020204030204" pitchFamily="34" charset="0"/>
-                <a:ea typeface="Calibri" panose="020F0502020204030204" pitchFamily="34" charset="0"/>
-                <a:cs typeface="Arial" panose="020B0604020202020204" pitchFamily="34" charset="0"/>
-              </a:rPr>
-              <a:t>const</a:t>
-            </a:r>
-            <a:r>
-              <a:rPr lang="en-US" b="1" dirty="0">
-                <a:solidFill>
-                  <a:srgbClr val="000080"/>
-                </a:solidFill>
-                <a:latin typeface="Calibri" panose="020F0502020204030204" pitchFamily="34" charset="0"/>
-                <a:ea typeface="Calibri" panose="020F0502020204030204" pitchFamily="34" charset="0"/>
-                <a:cs typeface="Arial" panose="020B0604020202020204" pitchFamily="34" charset="0"/>
-              </a:rPr>
-              <a:t> </a:t>
-            </a:r>
-            <a:r>
-              <a:rPr lang="en-US" dirty="0">
-                <a:solidFill>
-                  <a:srgbClr val="458383"/>
-                </a:solidFill>
-                <a:latin typeface="Calibri" panose="020F0502020204030204" pitchFamily="34" charset="0"/>
-                <a:ea typeface="Calibri" panose="020F0502020204030204" pitchFamily="34" charset="0"/>
-                <a:cs typeface="Arial" panose="020B0604020202020204" pitchFamily="34" charset="0"/>
-              </a:rPr>
-              <a:t>stream </a:t>
-            </a:r>
-            <a:r>
-              <a:rPr lang="en-US" dirty="0">
-                <a:solidFill>
-                  <a:srgbClr val="000000"/>
-                </a:solidFill>
-                <a:latin typeface="Calibri" panose="020F0502020204030204" pitchFamily="34" charset="0"/>
-                <a:ea typeface="Calibri" panose="020F0502020204030204" pitchFamily="34" charset="0"/>
-                <a:cs typeface="Arial" panose="020B0604020202020204" pitchFamily="34" charset="0"/>
-              </a:rPr>
-              <a:t>= </a:t>
-            </a:r>
-            <a:r>
-              <a:rPr lang="en-US" dirty="0" err="1">
-                <a:solidFill>
-                  <a:srgbClr val="458383"/>
-                </a:solidFill>
-                <a:latin typeface="Calibri" panose="020F0502020204030204" pitchFamily="34" charset="0"/>
-                <a:ea typeface="Calibri" panose="020F0502020204030204" pitchFamily="34" charset="0"/>
-                <a:cs typeface="Arial" panose="020B0604020202020204" pitchFamily="34" charset="0"/>
-              </a:rPr>
-              <a:t>fs</a:t>
-            </a:r>
-            <a:r>
-              <a:rPr lang="en-US" dirty="0" err="1">
-                <a:solidFill>
-                  <a:srgbClr val="000000"/>
-                </a:solidFill>
-                <a:latin typeface="Calibri" panose="020F0502020204030204" pitchFamily="34" charset="0"/>
-                <a:ea typeface="Calibri" panose="020F0502020204030204" pitchFamily="34" charset="0"/>
-                <a:cs typeface="Arial" panose="020B0604020202020204" pitchFamily="34" charset="0"/>
-              </a:rPr>
-              <a:t>.createReadStream</a:t>
-            </a:r>
-            <a:r>
-              <a:rPr lang="en-US" dirty="0">
-                <a:solidFill>
-                  <a:srgbClr val="000000"/>
-                </a:solidFill>
-                <a:latin typeface="Calibri" panose="020F0502020204030204" pitchFamily="34" charset="0"/>
-                <a:ea typeface="Calibri" panose="020F0502020204030204" pitchFamily="34" charset="0"/>
-                <a:cs typeface="Arial" panose="020B0604020202020204" pitchFamily="34" charset="0"/>
-              </a:rPr>
-              <a:t>(</a:t>
-            </a:r>
-            <a:r>
-              <a:rPr lang="en-US" b="1" dirty="0">
-                <a:solidFill>
-                  <a:srgbClr val="008000"/>
-                </a:solidFill>
-                <a:latin typeface="Calibri" panose="020F0502020204030204" pitchFamily="34" charset="0"/>
-                <a:ea typeface="Calibri" panose="020F0502020204030204" pitchFamily="34" charset="0"/>
-                <a:cs typeface="Arial" panose="020B0604020202020204" pitchFamily="34" charset="0"/>
-              </a:rPr>
-              <a:t>"main.js"</a:t>
-            </a:r>
-            <a:r>
-              <a:rPr lang="en-US" dirty="0">
-                <a:solidFill>
-                  <a:srgbClr val="000000"/>
-                </a:solidFill>
-                <a:latin typeface="Calibri" panose="020F0502020204030204" pitchFamily="34" charset="0"/>
-                <a:ea typeface="Calibri" panose="020F0502020204030204" pitchFamily="34" charset="0"/>
-                <a:cs typeface="Arial" panose="020B0604020202020204" pitchFamily="34" charset="0"/>
-              </a:rPr>
-              <a:t>);</a:t>
-            </a:r>
-            <a:br>
-              <a:rPr lang="en-US" dirty="0">
-                <a:solidFill>
-                  <a:srgbClr val="000000"/>
-                </a:solidFill>
-                <a:latin typeface="Calibri" panose="020F0502020204030204" pitchFamily="34" charset="0"/>
-                <a:ea typeface="Calibri" panose="020F0502020204030204" pitchFamily="34" charset="0"/>
-                <a:cs typeface="Arial" panose="020B0604020202020204" pitchFamily="34" charset="0"/>
-              </a:rPr>
-            </a:br>
-            <a:br>
-              <a:rPr lang="en-US" dirty="0">
-                <a:solidFill>
-                  <a:srgbClr val="000000"/>
-                </a:solidFill>
-                <a:latin typeface="Calibri" panose="020F0502020204030204" pitchFamily="34" charset="0"/>
-                <a:ea typeface="Calibri" panose="020F0502020204030204" pitchFamily="34" charset="0"/>
-                <a:cs typeface="Arial" panose="020B0604020202020204" pitchFamily="34" charset="0"/>
-              </a:rPr>
-            </a:br>
-            <a:r>
-              <a:rPr lang="en-US" dirty="0" err="1">
-                <a:solidFill>
-                  <a:srgbClr val="458383"/>
-                </a:solidFill>
-                <a:latin typeface="Calibri" panose="020F0502020204030204" pitchFamily="34" charset="0"/>
-                <a:ea typeface="Calibri" panose="020F0502020204030204" pitchFamily="34" charset="0"/>
-                <a:cs typeface="Arial" panose="020B0604020202020204" pitchFamily="34" charset="0"/>
-              </a:rPr>
-              <a:t>stream</a:t>
-            </a:r>
-            <a:r>
-              <a:rPr lang="en-US" dirty="0" err="1">
-                <a:solidFill>
-                  <a:srgbClr val="000000"/>
-                </a:solidFill>
-                <a:latin typeface="Calibri" panose="020F0502020204030204" pitchFamily="34" charset="0"/>
-                <a:ea typeface="Calibri" panose="020F0502020204030204" pitchFamily="34" charset="0"/>
-                <a:cs typeface="Arial" panose="020B0604020202020204" pitchFamily="34" charset="0"/>
-              </a:rPr>
-              <a:t>.on</a:t>
-            </a:r>
-            <a:r>
-              <a:rPr lang="en-US" dirty="0">
-                <a:solidFill>
-                  <a:srgbClr val="000000"/>
-                </a:solidFill>
-                <a:latin typeface="Calibri" panose="020F0502020204030204" pitchFamily="34" charset="0"/>
-                <a:ea typeface="Calibri" panose="020F0502020204030204" pitchFamily="34" charset="0"/>
-                <a:cs typeface="Arial" panose="020B0604020202020204" pitchFamily="34" charset="0"/>
-              </a:rPr>
-              <a:t>(</a:t>
-            </a:r>
-            <a:r>
-              <a:rPr lang="en-US" b="1" dirty="0">
-                <a:solidFill>
-                  <a:srgbClr val="008000"/>
-                </a:solidFill>
-                <a:latin typeface="Calibri" panose="020F0502020204030204" pitchFamily="34" charset="0"/>
-                <a:ea typeface="Calibri" panose="020F0502020204030204" pitchFamily="34" charset="0"/>
-                <a:cs typeface="Arial" panose="020B0604020202020204" pitchFamily="34" charset="0"/>
-              </a:rPr>
-              <a:t>"readable"</a:t>
-            </a:r>
-            <a:r>
-              <a:rPr lang="en-US" dirty="0">
-                <a:solidFill>
-                  <a:srgbClr val="000000"/>
-                </a:solidFill>
-                <a:latin typeface="Calibri" panose="020F0502020204030204" pitchFamily="34" charset="0"/>
-                <a:ea typeface="Calibri" panose="020F0502020204030204" pitchFamily="34" charset="0"/>
-                <a:cs typeface="Arial" panose="020B0604020202020204" pitchFamily="34" charset="0"/>
-              </a:rPr>
-              <a:t>, </a:t>
-            </a:r>
-            <a:r>
-              <a:rPr lang="en-US" b="1" dirty="0">
-                <a:solidFill>
-                  <a:srgbClr val="000080"/>
-                </a:solidFill>
-                <a:latin typeface="Calibri" panose="020F0502020204030204" pitchFamily="34" charset="0"/>
-                <a:ea typeface="Calibri" panose="020F0502020204030204" pitchFamily="34" charset="0"/>
-                <a:cs typeface="Arial" panose="020B0604020202020204" pitchFamily="34" charset="0"/>
-              </a:rPr>
-              <a:t>function</a:t>
-            </a:r>
-            <a:r>
-              <a:rPr lang="en-US" dirty="0">
-                <a:solidFill>
-                  <a:srgbClr val="000000"/>
-                </a:solidFill>
-                <a:latin typeface="Calibri" panose="020F0502020204030204" pitchFamily="34" charset="0"/>
-                <a:ea typeface="Calibri" panose="020F0502020204030204" pitchFamily="34" charset="0"/>
-                <a:cs typeface="Arial" panose="020B0604020202020204" pitchFamily="34" charset="0"/>
-              </a:rPr>
-              <a:t>() {</a:t>
-            </a:r>
-            <a:br>
-              <a:rPr lang="en-US" dirty="0">
-                <a:solidFill>
-                  <a:srgbClr val="000000"/>
-                </a:solidFill>
-                <a:latin typeface="Calibri" panose="020F0502020204030204" pitchFamily="34" charset="0"/>
-                <a:ea typeface="Calibri" panose="020F0502020204030204" pitchFamily="34" charset="0"/>
-                <a:cs typeface="Arial" panose="020B0604020202020204" pitchFamily="34" charset="0"/>
-              </a:rPr>
-            </a:br>
-            <a:r>
-              <a:rPr lang="en-US" dirty="0">
-                <a:solidFill>
-                  <a:srgbClr val="000000"/>
-                </a:solidFill>
-                <a:latin typeface="Calibri" panose="020F0502020204030204" pitchFamily="34" charset="0"/>
-                <a:ea typeface="Calibri" panose="020F0502020204030204" pitchFamily="34" charset="0"/>
-                <a:cs typeface="Arial" panose="020B0604020202020204" pitchFamily="34" charset="0"/>
-              </a:rPr>
-              <a:t>    </a:t>
-            </a:r>
-            <a:r>
-              <a:rPr lang="en-US" b="1" dirty="0" err="1">
-                <a:solidFill>
-                  <a:srgbClr val="000080"/>
-                </a:solidFill>
-                <a:latin typeface="Calibri" panose="020F0502020204030204" pitchFamily="34" charset="0"/>
-                <a:ea typeface="Calibri" panose="020F0502020204030204" pitchFamily="34" charset="0"/>
-                <a:cs typeface="Arial" panose="020B0604020202020204" pitchFamily="34" charset="0"/>
-              </a:rPr>
-              <a:t>const</a:t>
-            </a:r>
-            <a:r>
-              <a:rPr lang="en-US" b="1" dirty="0">
-                <a:solidFill>
-                  <a:srgbClr val="000080"/>
-                </a:solidFill>
-                <a:latin typeface="Calibri" panose="020F0502020204030204" pitchFamily="34" charset="0"/>
-                <a:ea typeface="Calibri" panose="020F0502020204030204" pitchFamily="34" charset="0"/>
-                <a:cs typeface="Arial" panose="020B0604020202020204" pitchFamily="34" charset="0"/>
-              </a:rPr>
-              <a:t> </a:t>
-            </a:r>
-            <a:r>
-              <a:rPr lang="en-US" dirty="0" err="1">
-                <a:solidFill>
-                  <a:srgbClr val="458383"/>
-                </a:solidFill>
-                <a:latin typeface="Calibri" panose="020F0502020204030204" pitchFamily="34" charset="0"/>
-                <a:ea typeface="Calibri" panose="020F0502020204030204" pitchFamily="34" charset="0"/>
-                <a:cs typeface="Arial" panose="020B0604020202020204" pitchFamily="34" charset="0"/>
-              </a:rPr>
-              <a:t>buf</a:t>
-            </a:r>
-            <a:r>
-              <a:rPr lang="en-US" dirty="0">
-                <a:solidFill>
-                  <a:srgbClr val="458383"/>
-                </a:solidFill>
-                <a:latin typeface="Calibri" panose="020F0502020204030204" pitchFamily="34" charset="0"/>
-                <a:ea typeface="Calibri" panose="020F0502020204030204" pitchFamily="34" charset="0"/>
-                <a:cs typeface="Arial" panose="020B0604020202020204" pitchFamily="34" charset="0"/>
-              </a:rPr>
-              <a:t> </a:t>
-            </a:r>
-            <a:r>
-              <a:rPr lang="en-US" dirty="0">
-                <a:solidFill>
-                  <a:srgbClr val="000000"/>
-                </a:solidFill>
-                <a:latin typeface="Calibri" panose="020F0502020204030204" pitchFamily="34" charset="0"/>
-                <a:ea typeface="Calibri" panose="020F0502020204030204" pitchFamily="34" charset="0"/>
-                <a:cs typeface="Arial" panose="020B0604020202020204" pitchFamily="34" charset="0"/>
-              </a:rPr>
-              <a:t>= </a:t>
-            </a:r>
-            <a:r>
-              <a:rPr lang="en-US" dirty="0" err="1">
-                <a:solidFill>
-                  <a:srgbClr val="458383"/>
-                </a:solidFill>
-                <a:latin typeface="Calibri" panose="020F0502020204030204" pitchFamily="34" charset="0"/>
-                <a:ea typeface="Calibri" panose="020F0502020204030204" pitchFamily="34" charset="0"/>
-                <a:cs typeface="Arial" panose="020B0604020202020204" pitchFamily="34" charset="0"/>
-              </a:rPr>
-              <a:t>stream</a:t>
-            </a:r>
-            <a:r>
-              <a:rPr lang="en-US" dirty="0" err="1">
-                <a:solidFill>
-                  <a:srgbClr val="000000"/>
-                </a:solidFill>
-                <a:latin typeface="Calibri" panose="020F0502020204030204" pitchFamily="34" charset="0"/>
-                <a:ea typeface="Calibri" panose="020F0502020204030204" pitchFamily="34" charset="0"/>
-                <a:cs typeface="Arial" panose="020B0604020202020204" pitchFamily="34" charset="0"/>
-              </a:rPr>
-              <a:t>.</a:t>
-            </a:r>
-            <a:r>
-              <a:rPr lang="en-US" dirty="0" err="1">
-                <a:solidFill>
-                  <a:srgbClr val="7A7A43"/>
-                </a:solidFill>
-                <a:latin typeface="Calibri" panose="020F0502020204030204" pitchFamily="34" charset="0"/>
-                <a:ea typeface="Calibri" panose="020F0502020204030204" pitchFamily="34" charset="0"/>
-                <a:cs typeface="Arial" panose="020B0604020202020204" pitchFamily="34" charset="0"/>
-              </a:rPr>
-              <a:t>read</a:t>
-            </a:r>
-            <a:r>
-              <a:rPr lang="en-US" dirty="0">
-                <a:solidFill>
-                  <a:srgbClr val="000000"/>
-                </a:solidFill>
-                <a:latin typeface="Calibri" panose="020F0502020204030204" pitchFamily="34" charset="0"/>
-                <a:ea typeface="Calibri" panose="020F0502020204030204" pitchFamily="34" charset="0"/>
-                <a:cs typeface="Arial" panose="020B0604020202020204" pitchFamily="34" charset="0"/>
-              </a:rPr>
-              <a:t>();</a:t>
-            </a:r>
-            <a:br>
-              <a:rPr lang="en-US" dirty="0">
-                <a:solidFill>
-                  <a:srgbClr val="000000"/>
-                </a:solidFill>
-                <a:latin typeface="Calibri" panose="020F0502020204030204" pitchFamily="34" charset="0"/>
-                <a:ea typeface="Calibri" panose="020F0502020204030204" pitchFamily="34" charset="0"/>
-                <a:cs typeface="Arial" panose="020B0604020202020204" pitchFamily="34" charset="0"/>
-              </a:rPr>
-            </a:br>
-            <a:br>
-              <a:rPr lang="en-US" dirty="0">
-                <a:solidFill>
-                  <a:srgbClr val="000000"/>
-                </a:solidFill>
-                <a:latin typeface="Calibri" panose="020F0502020204030204" pitchFamily="34" charset="0"/>
-                <a:ea typeface="Calibri" panose="020F0502020204030204" pitchFamily="34" charset="0"/>
-                <a:cs typeface="Arial" panose="020B0604020202020204" pitchFamily="34" charset="0"/>
-              </a:rPr>
-            </a:br>
-            <a:r>
-              <a:rPr lang="en-US" dirty="0">
-                <a:solidFill>
-                  <a:srgbClr val="000000"/>
-                </a:solidFill>
-                <a:latin typeface="Calibri" panose="020F0502020204030204" pitchFamily="34" charset="0"/>
-                <a:ea typeface="Calibri" panose="020F0502020204030204" pitchFamily="34" charset="0"/>
-                <a:cs typeface="Arial" panose="020B0604020202020204" pitchFamily="34" charset="0"/>
-              </a:rPr>
-              <a:t>    </a:t>
-            </a:r>
-            <a:r>
-              <a:rPr lang="en-US" b="1" i="1" dirty="0">
-                <a:solidFill>
-                  <a:srgbClr val="660E7A"/>
-                </a:solidFill>
-                <a:latin typeface="Calibri" panose="020F0502020204030204" pitchFamily="34" charset="0"/>
-                <a:ea typeface="Calibri" panose="020F0502020204030204" pitchFamily="34" charset="0"/>
-                <a:cs typeface="Arial" panose="020B0604020202020204" pitchFamily="34" charset="0"/>
-              </a:rPr>
-              <a:t>console</a:t>
-            </a:r>
-            <a:r>
-              <a:rPr lang="en-US" dirty="0">
-                <a:solidFill>
-                  <a:srgbClr val="000000"/>
-                </a:solidFill>
-                <a:latin typeface="Calibri" panose="020F0502020204030204" pitchFamily="34" charset="0"/>
-                <a:ea typeface="Calibri" panose="020F0502020204030204" pitchFamily="34" charset="0"/>
-                <a:cs typeface="Arial" panose="020B0604020202020204" pitchFamily="34" charset="0"/>
-              </a:rPr>
-              <a:t>.</a:t>
-            </a:r>
-            <a:r>
-              <a:rPr lang="en-US" dirty="0">
-                <a:solidFill>
-                  <a:srgbClr val="7A7A43"/>
-                </a:solidFill>
-                <a:latin typeface="Calibri" panose="020F0502020204030204" pitchFamily="34" charset="0"/>
-                <a:ea typeface="Calibri" panose="020F0502020204030204" pitchFamily="34" charset="0"/>
-                <a:cs typeface="Arial" panose="020B0604020202020204" pitchFamily="34" charset="0"/>
-              </a:rPr>
-              <a:t>log</a:t>
-            </a:r>
-            <a:r>
-              <a:rPr lang="en-US" dirty="0">
-                <a:solidFill>
-                  <a:srgbClr val="000000"/>
-                </a:solidFill>
-                <a:latin typeface="Calibri" panose="020F0502020204030204" pitchFamily="34" charset="0"/>
-                <a:ea typeface="Calibri" panose="020F0502020204030204" pitchFamily="34" charset="0"/>
-                <a:cs typeface="Arial" panose="020B0604020202020204" pitchFamily="34" charset="0"/>
-              </a:rPr>
-              <a:t>(</a:t>
-            </a:r>
-            <a:r>
-              <a:rPr lang="en-US" dirty="0" err="1">
-                <a:solidFill>
-                  <a:srgbClr val="458383"/>
-                </a:solidFill>
-                <a:latin typeface="Calibri" panose="020F0502020204030204" pitchFamily="34" charset="0"/>
-                <a:ea typeface="Calibri" panose="020F0502020204030204" pitchFamily="34" charset="0"/>
-                <a:cs typeface="Arial" panose="020B0604020202020204" pitchFamily="34" charset="0"/>
-              </a:rPr>
-              <a:t>buf</a:t>
-            </a:r>
-            <a:r>
-              <a:rPr lang="en-US" dirty="0">
-                <a:solidFill>
-                  <a:srgbClr val="000000"/>
-                </a:solidFill>
-                <a:latin typeface="Calibri" panose="020F0502020204030204" pitchFamily="34" charset="0"/>
-                <a:ea typeface="Calibri" panose="020F0502020204030204" pitchFamily="34" charset="0"/>
-                <a:cs typeface="Arial" panose="020B0604020202020204" pitchFamily="34" charset="0"/>
-              </a:rPr>
-              <a:t>);</a:t>
-            </a:r>
-            <a:br>
-              <a:rPr lang="en-US" dirty="0">
-                <a:solidFill>
-                  <a:srgbClr val="000000"/>
-                </a:solidFill>
-                <a:latin typeface="Calibri" panose="020F0502020204030204" pitchFamily="34" charset="0"/>
-                <a:ea typeface="Calibri" panose="020F0502020204030204" pitchFamily="34" charset="0"/>
-                <a:cs typeface="Arial" panose="020B0604020202020204" pitchFamily="34" charset="0"/>
-              </a:rPr>
-            </a:br>
-            <a:r>
-              <a:rPr lang="en-US" dirty="0">
-                <a:solidFill>
-                  <a:srgbClr val="000000"/>
-                </a:solidFill>
-                <a:latin typeface="Calibri" panose="020F0502020204030204" pitchFamily="34" charset="0"/>
-                <a:ea typeface="Calibri" panose="020F0502020204030204" pitchFamily="34" charset="0"/>
-                <a:cs typeface="Arial" panose="020B0604020202020204" pitchFamily="34" charset="0"/>
-              </a:rPr>
-              <a:t>});</a:t>
-            </a:r>
-            <a:endParaRPr lang="he-IL" dirty="0"/>
-          </a:p>
-        </p:txBody>
-      </p:sp>
-    </p:spTree>
-    <p:extLst>
-      <p:ext uri="{BB962C8B-B14F-4D97-AF65-F5344CB8AC3E}">
-        <p14:creationId xmlns:p14="http://schemas.microsoft.com/office/powerpoint/2010/main" val="587149032"/>
-      </p:ext>
-    </p:extLst>
-  </p:cSld>
-  <p:clrMapOvr>
-    <a:masterClrMapping/>
-  </p:clrMapOvr>
-</p:sld>
-</file>
-
-<file path=ppt/slides/slide23.xml><?xml version="1.0" encoding="utf-8"?>
+<file path=ppt/slides/slide24.xml><?xml version="1.0" encoding="utf-8"?>
 <p:sld xmlns:a="http://schemas.openxmlformats.org/drawingml/2006/main" xmlns:r="http://schemas.openxmlformats.org/officeDocument/2006/relationships" xmlns:p="http://schemas.openxmlformats.org/presentationml/2006/main">
   <p:cSld>
     <p:spTree>
@@ -12668,7 +13378,7 @@
             <a:fld id="{87B78B44-2135-4DB2-B732-E7D5FFF77B6A}" type="slidenum">
               <a:rPr lang="en-US" smtClean="0"/>
               <a:pPr/>
-              <a:t>23</a:t>
+              <a:t>24</a:t>
             </a:fld>
             <a:endParaRPr lang="en-US"/>
           </a:p>
@@ -13302,7 +14012,7 @@
 </p:sld>
 </file>
 
-<file path=ppt/slides/slide24.xml><?xml version="1.0" encoding="utf-8"?>
+<file path=ppt/slides/slide25.xml><?xml version="1.0" encoding="utf-8"?>
 <p:sld xmlns:a="http://schemas.openxmlformats.org/drawingml/2006/main" xmlns:r="http://schemas.openxmlformats.org/officeDocument/2006/relationships" xmlns:p="http://schemas.openxmlformats.org/presentationml/2006/main">
   <p:cSld>
     <p:spTree>
@@ -13403,7 +14113,7 @@
             <a:fld id="{87B78B44-2135-4DB2-B732-E7D5FFF77B6A}" type="slidenum">
               <a:rPr lang="en-US" smtClean="0"/>
               <a:pPr/>
-              <a:t>24</a:t>
+              <a:t>25</a:t>
             </a:fld>
             <a:endParaRPr lang="en-US"/>
           </a:p>
@@ -14073,7 +14783,7 @@
 </p:sld>
 </file>
 
-<file path=ppt/slides/slide25.xml><?xml version="1.0" encoding="utf-8"?>
+<file path=ppt/slides/slide26.xml><?xml version="1.0" encoding="utf-8"?>
 <p:sld xmlns:a="http://schemas.openxmlformats.org/drawingml/2006/main" xmlns:r="http://schemas.openxmlformats.org/officeDocument/2006/relationships" xmlns:p="http://schemas.openxmlformats.org/presentationml/2006/main">
   <p:cSld>
     <p:spTree>
@@ -14174,7 +14884,7 @@
             <a:fld id="{87B78B44-2135-4DB2-B732-E7D5FFF77B6A}" type="slidenum">
               <a:rPr lang="en-US" smtClean="0"/>
               <a:pPr/>
-              <a:t>25</a:t>
+              <a:t>26</a:t>
             </a:fld>
             <a:endParaRPr lang="en-US"/>
           </a:p>
@@ -15179,7 +15889,7 @@
 </p:sld>
 </file>
 
-<file path=ppt/slides/slide26.xml><?xml version="1.0" encoding="utf-8"?>
+<file path=ppt/slides/slide27.xml><?xml version="1.0" encoding="utf-8"?>
 <p:sld xmlns:a="http://schemas.openxmlformats.org/drawingml/2006/main" xmlns:r="http://schemas.openxmlformats.org/officeDocument/2006/relationships" xmlns:p="http://schemas.openxmlformats.org/presentationml/2006/main">
   <p:cSld>
     <p:spTree>
@@ -15280,7 +15990,7 @@
             <a:fld id="{87B78B44-2135-4DB2-B732-E7D5FFF77B6A}" type="slidenum">
               <a:rPr lang="en-US" smtClean="0"/>
               <a:pPr/>
-              <a:t>26</a:t>
+              <a:t>27</a:t>
             </a:fld>
             <a:endParaRPr lang="en-US"/>
           </a:p>
@@ -15728,7 +16438,7 @@
 </p:sld>
 </file>
 
-<file path=ppt/slides/slide27.xml><?xml version="1.0" encoding="utf-8"?>
+<file path=ppt/slides/slide28.xml><?xml version="1.0" encoding="utf-8"?>
 <p:sld xmlns:a="http://schemas.openxmlformats.org/drawingml/2006/main" xmlns:r="http://schemas.openxmlformats.org/officeDocument/2006/relationships" xmlns:p="http://schemas.openxmlformats.org/presentationml/2006/main">
   <p:cSld>
     <p:spTree>
@@ -15829,7 +16539,7 @@
             <a:fld id="{87B78B44-2135-4DB2-B732-E7D5FFF77B6A}" type="slidenum">
               <a:rPr lang="en-US" smtClean="0"/>
               <a:pPr/>
-              <a:t>27</a:t>
+              <a:t>28</a:t>
             </a:fld>
             <a:endParaRPr lang="en-US"/>
           </a:p>
@@ -15865,7 +16575,15 @@
             <a:pPr lvl="1"/>
             <a:r>
               <a:rPr lang="en-US" dirty="0"/>
-              <a:t>For example, backpressure</a:t>
+              <a:t>For example, </a:t>
+            </a:r>
+            <a:r>
+              <a:rPr lang="en-US" dirty="0">
+                <a:solidFill>
+                  <a:srgbClr val="FF0000"/>
+                </a:solidFill>
+              </a:rPr>
+              <a:t>backpressure</a:t>
             </a:r>
           </a:p>
           <a:p>
@@ -16052,7 +16770,7 @@
 </p:sld>
 </file>
 
-<file path=ppt/slides/slide28.xml><?xml version="1.0" encoding="utf-8"?>
+<file path=ppt/slides/slide29.xml><?xml version="1.0" encoding="utf-8"?>
 <p:sld xmlns:a="http://schemas.openxmlformats.org/drawingml/2006/main" xmlns:r="http://schemas.openxmlformats.org/officeDocument/2006/relationships" xmlns:p="http://schemas.openxmlformats.org/presentationml/2006/main">
   <p:cSld>
     <p:spTree>
@@ -16153,7 +16871,7 @@
             <a:fld id="{87B78B44-2135-4DB2-B732-E7D5FFF77B6A}" type="slidenum">
               <a:rPr lang="en-US" smtClean="0"/>
               <a:pPr/>
-              <a:t>28</a:t>
+              <a:t>29</a:t>
             </a:fld>
             <a:endParaRPr lang="en-US"/>
           </a:p>
@@ -16184,6 +16902,12 @@
               <a:rPr lang="en-US" dirty="0"/>
               <a:t>pipe method returns a reference to the destination stream</a:t>
             </a:r>
+          </a:p>
+          <a:p>
+            <a:r>
+              <a:rPr lang="en-US" dirty="0"/>
+              <a:t>Therefore, we can chain multiple pipes</a:t>
+            </a:r>
             <a:endParaRPr lang="he-IL" dirty="0"/>
           </a:p>
         </p:txBody>
@@ -16202,7 +16926,7 @@
         </p:nvSpPr>
         <p:spPr>
           <a:xfrm>
-            <a:off x="2286000" y="2780928"/>
+            <a:off x="2286000" y="3818875"/>
             <a:ext cx="4572000" cy="1754326"/>
           </a:xfrm>
           <a:prstGeom prst="rect">
@@ -16609,971 +17333,6 @@
     <p:extLst>
       <p:ext uri="{BB962C8B-B14F-4D97-AF65-F5344CB8AC3E}">
         <p14:creationId xmlns:p14="http://schemas.microsoft.com/office/powerpoint/2010/main" val="2415963770"/>
-      </p:ext>
-    </p:extLst>
-  </p:cSld>
-  <p:clrMapOvr>
-    <a:masterClrMapping/>
-  </p:clrMapOvr>
-</p:sld>
-</file>
-
-<file path=ppt/slides/slide29.xml><?xml version="1.0" encoding="utf-8"?>
-<p:sld xmlns:a="http://schemas.openxmlformats.org/drawingml/2006/main" xmlns:r="http://schemas.openxmlformats.org/officeDocument/2006/relationships" xmlns:p="http://schemas.openxmlformats.org/presentationml/2006/main">
-  <p:cSld>
-    <p:spTree>
-      <p:nvGrpSpPr>
-        <p:cNvPr id="1" name=""/>
-        <p:cNvGrpSpPr/>
-        <p:nvPr/>
-      </p:nvGrpSpPr>
-      <p:grpSpPr>
-        <a:xfrm>
-          <a:off x="0" y="0"/>
-          <a:ext cx="0" cy="0"/>
-          <a:chOff x="0" y="0"/>
-          <a:chExt cx="0" cy="0"/>
-        </a:xfrm>
-      </p:grpSpPr>
-      <p:sp>
-        <p:nvSpPr>
-          <p:cNvPr id="2" name="Title 1">
-            <a:extLst>
-              <a:ext uri="{FF2B5EF4-FFF2-40B4-BE49-F238E27FC236}">
-                <a16:creationId xmlns:a16="http://schemas.microsoft.com/office/drawing/2014/main" id="{47BD6CAA-0829-40AD-8B17-768CF7DED263}"/>
-              </a:ext>
-            </a:extLst>
-          </p:cNvPr>
-          <p:cNvSpPr>
-            <a:spLocks noGrp="1"/>
-          </p:cNvSpPr>
-          <p:nvPr>
-            <p:ph type="title"/>
-          </p:nvPr>
-        </p:nvSpPr>
-        <p:spPr/>
-        <p:txBody>
-          <a:bodyPr/>
-          <a:lstStyle/>
-          <a:p>
-            <a:r>
-              <a:rPr lang="en-US" dirty="0"/>
-              <a:t>finish Event</a:t>
-            </a:r>
-            <a:endParaRPr lang="he-IL" dirty="0"/>
-          </a:p>
-        </p:txBody>
-      </p:sp>
-      <p:sp>
-        <p:nvSpPr>
-          <p:cNvPr id="3" name="Footer Placeholder 2">
-            <a:extLst>
-              <a:ext uri="{FF2B5EF4-FFF2-40B4-BE49-F238E27FC236}">
-                <a16:creationId xmlns:a16="http://schemas.microsoft.com/office/drawing/2014/main" id="{A327F177-3108-4F2E-B443-BA2E04F813CB}"/>
-              </a:ext>
-            </a:extLst>
-          </p:cNvPr>
-          <p:cNvSpPr>
-            <a:spLocks noGrp="1"/>
-          </p:cNvSpPr>
-          <p:nvPr>
-            <p:ph type="ftr" sz="quarter" idx="11"/>
-          </p:nvPr>
-        </p:nvSpPr>
-        <p:spPr/>
-        <p:txBody>
-          <a:bodyPr/>
-          <a:lstStyle/>
-          <a:p>
-            <a:r>
-              <a:rPr lang="en-US"/>
-              <a:t>© 2017 Ori Calvo</a:t>
-            </a:r>
-            <a:endParaRPr lang="en-US" dirty="0"/>
-          </a:p>
-        </p:txBody>
-      </p:sp>
-      <p:sp>
-        <p:nvSpPr>
-          <p:cNvPr id="4" name="Slide Number Placeholder 3">
-            <a:extLst>
-              <a:ext uri="{FF2B5EF4-FFF2-40B4-BE49-F238E27FC236}">
-                <a16:creationId xmlns:a16="http://schemas.microsoft.com/office/drawing/2014/main" id="{1E22284A-519C-4DAA-9810-CFBB81A4D616}"/>
-              </a:ext>
-            </a:extLst>
-          </p:cNvPr>
-          <p:cNvSpPr>
-            <a:spLocks noGrp="1"/>
-          </p:cNvSpPr>
-          <p:nvPr>
-            <p:ph type="sldNum" sz="quarter" idx="12"/>
-          </p:nvPr>
-        </p:nvSpPr>
-        <p:spPr/>
-        <p:txBody>
-          <a:bodyPr>
-            <a:normAutofit fontScale="85000" lnSpcReduction="20000"/>
-          </a:bodyPr>
-          <a:lstStyle/>
-          <a:p>
-            <a:fld id="{87B78B44-2135-4DB2-B732-E7D5FFF77B6A}" type="slidenum">
-              <a:rPr lang="en-US" smtClean="0"/>
-              <a:pPr/>
-              <a:t>29</a:t>
-            </a:fld>
-            <a:endParaRPr lang="en-US"/>
-          </a:p>
-        </p:txBody>
-      </p:sp>
-      <p:sp>
-        <p:nvSpPr>
-          <p:cNvPr id="5" name="Content Placeholder 4">
-            <a:extLst>
-              <a:ext uri="{FF2B5EF4-FFF2-40B4-BE49-F238E27FC236}">
-                <a16:creationId xmlns:a16="http://schemas.microsoft.com/office/drawing/2014/main" id="{55F18F7A-A0D3-4A20-B81D-9E909E7115B6}"/>
-              </a:ext>
-            </a:extLst>
-          </p:cNvPr>
-          <p:cNvSpPr>
-            <a:spLocks noGrp="1"/>
-          </p:cNvSpPr>
-          <p:nvPr>
-            <p:ph sz="quarter" idx="1"/>
-          </p:nvPr>
-        </p:nvSpPr>
-        <p:spPr/>
-        <p:txBody>
-          <a:bodyPr/>
-          <a:lstStyle/>
-          <a:p>
-            <a:r>
-              <a:rPr lang="en-US" dirty="0"/>
-              <a:t>The </a:t>
-            </a:r>
-            <a:r>
-              <a:rPr lang="en-US" dirty="0">
-                <a:solidFill>
-                  <a:srgbClr val="FF0000"/>
-                </a:solidFill>
-              </a:rPr>
-              <a:t>finish</a:t>
-            </a:r>
-            <a:r>
-              <a:rPr lang="en-US" dirty="0"/>
-              <a:t> event can be used to determine the end of the writing operation</a:t>
-            </a:r>
-            <a:endParaRPr lang="he-IL" dirty="0"/>
-          </a:p>
-        </p:txBody>
-      </p:sp>
-      <p:sp>
-        <p:nvSpPr>
-          <p:cNvPr id="6" name="Rectangle 5">
-            <a:extLst>
-              <a:ext uri="{FF2B5EF4-FFF2-40B4-BE49-F238E27FC236}">
-                <a16:creationId xmlns:a16="http://schemas.microsoft.com/office/drawing/2014/main" id="{9E94B509-4EDD-49BC-9BB4-82A1E84485FE}"/>
-              </a:ext>
-            </a:extLst>
-          </p:cNvPr>
-          <p:cNvSpPr/>
-          <p:nvPr/>
-        </p:nvSpPr>
-        <p:spPr>
-          <a:xfrm>
-            <a:off x="1926168" y="2691348"/>
-            <a:ext cx="5526360" cy="3785652"/>
-          </a:xfrm>
-          <a:prstGeom prst="rect">
-            <a:avLst/>
-          </a:prstGeom>
-          <a:solidFill>
-            <a:schemeClr val="accent1">
-              <a:lumMod val="40000"/>
-              <a:lumOff val="60000"/>
-            </a:schemeClr>
-          </a:solidFill>
-        </p:spPr>
-        <p:txBody>
-          <a:bodyPr wrap="square">
-            <a:spAutoFit/>
-          </a:bodyPr>
-          <a:lstStyle/>
-          <a:p>
-            <a:r>
-              <a:rPr lang="en-US" sz="1600" b="1" dirty="0" err="1">
-                <a:solidFill>
-                  <a:srgbClr val="000080"/>
-                </a:solidFill>
-                <a:latin typeface="Calibri" panose="020F0502020204030204" pitchFamily="34" charset="0"/>
-                <a:ea typeface="Calibri" panose="020F0502020204030204" pitchFamily="34" charset="0"/>
-                <a:cs typeface="Arial" panose="020B0604020202020204" pitchFamily="34" charset="0"/>
-              </a:rPr>
-              <a:t>async</a:t>
-            </a:r>
-            <a:r>
-              <a:rPr lang="en-US" sz="1600" b="1" dirty="0">
-                <a:solidFill>
-                  <a:srgbClr val="000080"/>
-                </a:solidFill>
-                <a:latin typeface="Calibri" panose="020F0502020204030204" pitchFamily="34" charset="0"/>
-                <a:ea typeface="Calibri" panose="020F0502020204030204" pitchFamily="34" charset="0"/>
-                <a:cs typeface="Arial" panose="020B0604020202020204" pitchFamily="34" charset="0"/>
-              </a:rPr>
-              <a:t> function </a:t>
-            </a:r>
-            <a:r>
-              <a:rPr lang="en-US" sz="1600" i="1" dirty="0">
-                <a:solidFill>
-                  <a:srgbClr val="000000"/>
-                </a:solidFill>
-                <a:latin typeface="Calibri" panose="020F0502020204030204" pitchFamily="34" charset="0"/>
-                <a:ea typeface="Calibri" panose="020F0502020204030204" pitchFamily="34" charset="0"/>
-                <a:cs typeface="Arial" panose="020B0604020202020204" pitchFamily="34" charset="0"/>
-              </a:rPr>
-              <a:t>main</a:t>
-            </a:r>
-            <a:r>
-              <a:rPr lang="en-US" sz="1600" dirty="0">
-                <a:solidFill>
-                  <a:srgbClr val="000000"/>
-                </a:solidFill>
-                <a:latin typeface="Calibri" panose="020F0502020204030204" pitchFamily="34" charset="0"/>
-                <a:ea typeface="Calibri" panose="020F0502020204030204" pitchFamily="34" charset="0"/>
-                <a:cs typeface="Arial" panose="020B0604020202020204" pitchFamily="34" charset="0"/>
-              </a:rPr>
-              <a:t>() {</a:t>
-            </a:r>
-            <a:br>
-              <a:rPr lang="en-US" sz="1600" dirty="0">
-                <a:solidFill>
-                  <a:srgbClr val="000000"/>
-                </a:solidFill>
-                <a:latin typeface="Calibri" panose="020F0502020204030204" pitchFamily="34" charset="0"/>
-                <a:ea typeface="Calibri" panose="020F0502020204030204" pitchFamily="34" charset="0"/>
-                <a:cs typeface="Arial" panose="020B0604020202020204" pitchFamily="34" charset="0"/>
-              </a:rPr>
-            </a:br>
-            <a:r>
-              <a:rPr lang="en-US" sz="1600" dirty="0">
-                <a:solidFill>
-                  <a:srgbClr val="000000"/>
-                </a:solidFill>
-                <a:latin typeface="Calibri" panose="020F0502020204030204" pitchFamily="34" charset="0"/>
-                <a:ea typeface="Calibri" panose="020F0502020204030204" pitchFamily="34" charset="0"/>
-                <a:cs typeface="Arial" panose="020B0604020202020204" pitchFamily="34" charset="0"/>
-              </a:rPr>
-              <a:t>    </a:t>
-            </a:r>
-            <a:r>
-              <a:rPr lang="en-US" sz="1600" b="1" dirty="0">
-                <a:solidFill>
-                  <a:srgbClr val="000080"/>
-                </a:solidFill>
-                <a:latin typeface="Calibri" panose="020F0502020204030204" pitchFamily="34" charset="0"/>
-                <a:ea typeface="Calibri" panose="020F0502020204030204" pitchFamily="34" charset="0"/>
-                <a:cs typeface="Arial" panose="020B0604020202020204" pitchFamily="34" charset="0"/>
-              </a:rPr>
-              <a:t>await </a:t>
-            </a:r>
-            <a:r>
-              <a:rPr lang="en-US" sz="1600" i="1" dirty="0">
-                <a:solidFill>
-                  <a:srgbClr val="000000"/>
-                </a:solidFill>
-                <a:latin typeface="Calibri" panose="020F0502020204030204" pitchFamily="34" charset="0"/>
-                <a:ea typeface="Calibri" panose="020F0502020204030204" pitchFamily="34" charset="0"/>
-                <a:cs typeface="Arial" panose="020B0604020202020204" pitchFamily="34" charset="0"/>
-              </a:rPr>
-              <a:t>zip</a:t>
-            </a:r>
-            <a:r>
-              <a:rPr lang="en-US" sz="1600" dirty="0">
-                <a:solidFill>
-                  <a:srgbClr val="000000"/>
-                </a:solidFill>
-                <a:latin typeface="Calibri" panose="020F0502020204030204" pitchFamily="34" charset="0"/>
-                <a:ea typeface="Calibri" panose="020F0502020204030204" pitchFamily="34" charset="0"/>
-                <a:cs typeface="Arial" panose="020B0604020202020204" pitchFamily="34" charset="0"/>
-              </a:rPr>
-              <a:t>(</a:t>
-            </a:r>
-            <a:r>
-              <a:rPr lang="en-US" sz="1600" b="1" dirty="0">
-                <a:solidFill>
-                  <a:srgbClr val="008000"/>
-                </a:solidFill>
-                <a:latin typeface="Calibri" panose="020F0502020204030204" pitchFamily="34" charset="0"/>
-                <a:ea typeface="Calibri" panose="020F0502020204030204" pitchFamily="34" charset="0"/>
-                <a:cs typeface="Arial" panose="020B0604020202020204" pitchFamily="34" charset="0"/>
-              </a:rPr>
-              <a:t>"main.js"</a:t>
-            </a:r>
-            <a:r>
-              <a:rPr lang="en-US" sz="1600" dirty="0">
-                <a:solidFill>
-                  <a:srgbClr val="000000"/>
-                </a:solidFill>
-                <a:latin typeface="Calibri" panose="020F0502020204030204" pitchFamily="34" charset="0"/>
-                <a:ea typeface="Calibri" panose="020F0502020204030204" pitchFamily="34" charset="0"/>
-                <a:cs typeface="Arial" panose="020B0604020202020204" pitchFamily="34" charset="0"/>
-              </a:rPr>
-              <a:t>, </a:t>
-            </a:r>
-            <a:r>
-              <a:rPr lang="en-US" sz="1600" b="1" dirty="0">
-                <a:solidFill>
-                  <a:srgbClr val="008000"/>
-                </a:solidFill>
-                <a:latin typeface="Calibri" panose="020F0502020204030204" pitchFamily="34" charset="0"/>
-                <a:ea typeface="Calibri" panose="020F0502020204030204" pitchFamily="34" charset="0"/>
-                <a:cs typeface="Arial" panose="020B0604020202020204" pitchFamily="34" charset="0"/>
-              </a:rPr>
-              <a:t>"main.js.gz"</a:t>
-            </a:r>
-            <a:r>
-              <a:rPr lang="en-US" sz="1600" dirty="0">
-                <a:solidFill>
-                  <a:srgbClr val="000000"/>
-                </a:solidFill>
-                <a:latin typeface="Calibri" panose="020F0502020204030204" pitchFamily="34" charset="0"/>
-                <a:ea typeface="Calibri" panose="020F0502020204030204" pitchFamily="34" charset="0"/>
-                <a:cs typeface="Arial" panose="020B0604020202020204" pitchFamily="34" charset="0"/>
-              </a:rPr>
-              <a:t>);</a:t>
-            </a:r>
-            <a:br>
-              <a:rPr lang="en-US" sz="1600" dirty="0">
-                <a:solidFill>
-                  <a:srgbClr val="000000"/>
-                </a:solidFill>
-                <a:latin typeface="Calibri" panose="020F0502020204030204" pitchFamily="34" charset="0"/>
-                <a:ea typeface="Calibri" panose="020F0502020204030204" pitchFamily="34" charset="0"/>
-                <a:cs typeface="Arial" panose="020B0604020202020204" pitchFamily="34" charset="0"/>
-              </a:rPr>
-            </a:br>
-            <a:r>
-              <a:rPr lang="en-US" sz="1600" dirty="0">
-                <a:solidFill>
-                  <a:srgbClr val="000000"/>
-                </a:solidFill>
-                <a:latin typeface="Calibri" panose="020F0502020204030204" pitchFamily="34" charset="0"/>
-                <a:ea typeface="Calibri" panose="020F0502020204030204" pitchFamily="34" charset="0"/>
-                <a:cs typeface="Arial" panose="020B0604020202020204" pitchFamily="34" charset="0"/>
-              </a:rPr>
-              <a:t>    </a:t>
-            </a:r>
-            <a:r>
-              <a:rPr lang="en-US" sz="1600" b="1" dirty="0">
-                <a:solidFill>
-                  <a:srgbClr val="000080"/>
-                </a:solidFill>
-                <a:latin typeface="Calibri" panose="020F0502020204030204" pitchFamily="34" charset="0"/>
-                <a:ea typeface="Calibri" panose="020F0502020204030204" pitchFamily="34" charset="0"/>
-                <a:cs typeface="Arial" panose="020B0604020202020204" pitchFamily="34" charset="0"/>
-              </a:rPr>
-              <a:t>await </a:t>
-            </a:r>
-            <a:r>
-              <a:rPr lang="en-US" sz="1600" dirty="0">
-                <a:solidFill>
-                  <a:srgbClr val="458383"/>
-                </a:solidFill>
-                <a:latin typeface="Calibri" panose="020F0502020204030204" pitchFamily="34" charset="0"/>
-                <a:ea typeface="Calibri" panose="020F0502020204030204" pitchFamily="34" charset="0"/>
-                <a:cs typeface="Arial" panose="020B0604020202020204" pitchFamily="34" charset="0"/>
-              </a:rPr>
-              <a:t>rename</a:t>
-            </a:r>
-            <a:r>
-              <a:rPr lang="en-US" sz="1600" dirty="0">
-                <a:solidFill>
-                  <a:srgbClr val="000000"/>
-                </a:solidFill>
-                <a:latin typeface="Calibri" panose="020F0502020204030204" pitchFamily="34" charset="0"/>
-                <a:ea typeface="Calibri" panose="020F0502020204030204" pitchFamily="34" charset="0"/>
-                <a:cs typeface="Arial" panose="020B0604020202020204" pitchFamily="34" charset="0"/>
-              </a:rPr>
-              <a:t>(</a:t>
-            </a:r>
-            <a:r>
-              <a:rPr lang="en-US" sz="1600" b="1" dirty="0">
-                <a:solidFill>
-                  <a:srgbClr val="008000"/>
-                </a:solidFill>
-                <a:latin typeface="Calibri" panose="020F0502020204030204" pitchFamily="34" charset="0"/>
-                <a:ea typeface="Calibri" panose="020F0502020204030204" pitchFamily="34" charset="0"/>
-                <a:cs typeface="Arial" panose="020B0604020202020204" pitchFamily="34" charset="0"/>
-              </a:rPr>
-              <a:t>"temp/main.js.gz"</a:t>
-            </a:r>
-            <a:r>
-              <a:rPr lang="en-US" sz="1600" dirty="0">
-                <a:solidFill>
-                  <a:srgbClr val="000000"/>
-                </a:solidFill>
-                <a:latin typeface="Calibri" panose="020F0502020204030204" pitchFamily="34" charset="0"/>
-                <a:ea typeface="Calibri" panose="020F0502020204030204" pitchFamily="34" charset="0"/>
-                <a:cs typeface="Arial" panose="020B0604020202020204" pitchFamily="34" charset="0"/>
-              </a:rPr>
-              <a:t>, </a:t>
-            </a:r>
-            <a:r>
-              <a:rPr lang="en-US" sz="1600" b="1" dirty="0">
-                <a:solidFill>
-                  <a:srgbClr val="008000"/>
-                </a:solidFill>
-                <a:latin typeface="Calibri" panose="020F0502020204030204" pitchFamily="34" charset="0"/>
-                <a:ea typeface="Calibri" panose="020F0502020204030204" pitchFamily="34" charset="0"/>
-                <a:cs typeface="Arial" panose="020B0604020202020204" pitchFamily="34" charset="0"/>
-              </a:rPr>
-              <a:t>"done/main.js.gz"</a:t>
-            </a:r>
-            <a:r>
-              <a:rPr lang="en-US" sz="1600" dirty="0">
-                <a:solidFill>
-                  <a:srgbClr val="000000"/>
-                </a:solidFill>
-                <a:latin typeface="Calibri" panose="020F0502020204030204" pitchFamily="34" charset="0"/>
-                <a:ea typeface="Calibri" panose="020F0502020204030204" pitchFamily="34" charset="0"/>
-                <a:cs typeface="Arial" panose="020B0604020202020204" pitchFamily="34" charset="0"/>
-              </a:rPr>
-              <a:t>);</a:t>
-            </a:r>
-            <a:br>
-              <a:rPr lang="en-US" sz="1600" dirty="0">
-                <a:solidFill>
-                  <a:srgbClr val="000000"/>
-                </a:solidFill>
-                <a:latin typeface="Calibri" panose="020F0502020204030204" pitchFamily="34" charset="0"/>
-                <a:ea typeface="Calibri" panose="020F0502020204030204" pitchFamily="34" charset="0"/>
-                <a:cs typeface="Arial" panose="020B0604020202020204" pitchFamily="34" charset="0"/>
-              </a:rPr>
-            </a:br>
-            <a:r>
-              <a:rPr lang="en-US" sz="1600" dirty="0">
-                <a:solidFill>
-                  <a:srgbClr val="000000"/>
-                </a:solidFill>
-                <a:latin typeface="Calibri" panose="020F0502020204030204" pitchFamily="34" charset="0"/>
-                <a:ea typeface="Calibri" panose="020F0502020204030204" pitchFamily="34" charset="0"/>
-                <a:cs typeface="Arial" panose="020B0604020202020204" pitchFamily="34" charset="0"/>
-              </a:rPr>
-              <a:t>}</a:t>
-            </a:r>
-            <a:br>
-              <a:rPr lang="en-US" sz="1600" dirty="0">
-                <a:solidFill>
-                  <a:srgbClr val="000000"/>
-                </a:solidFill>
-                <a:latin typeface="Calibri" panose="020F0502020204030204" pitchFamily="34" charset="0"/>
-                <a:ea typeface="Calibri" panose="020F0502020204030204" pitchFamily="34" charset="0"/>
-                <a:cs typeface="Arial" panose="020B0604020202020204" pitchFamily="34" charset="0"/>
-              </a:rPr>
-            </a:br>
-            <a:br>
-              <a:rPr lang="en-US" sz="1600" dirty="0">
-                <a:solidFill>
-                  <a:srgbClr val="000000"/>
-                </a:solidFill>
-                <a:latin typeface="Calibri" panose="020F0502020204030204" pitchFamily="34" charset="0"/>
-                <a:ea typeface="Calibri" panose="020F0502020204030204" pitchFamily="34" charset="0"/>
-                <a:cs typeface="Arial" panose="020B0604020202020204" pitchFamily="34" charset="0"/>
-              </a:rPr>
-            </a:br>
-            <a:r>
-              <a:rPr lang="en-US" sz="1600" b="1" dirty="0">
-                <a:solidFill>
-                  <a:srgbClr val="000080"/>
-                </a:solidFill>
-                <a:latin typeface="Calibri" panose="020F0502020204030204" pitchFamily="34" charset="0"/>
-                <a:ea typeface="Calibri" panose="020F0502020204030204" pitchFamily="34" charset="0"/>
-                <a:cs typeface="Arial" panose="020B0604020202020204" pitchFamily="34" charset="0"/>
-              </a:rPr>
-              <a:t>function </a:t>
-            </a:r>
-            <a:r>
-              <a:rPr lang="en-US" sz="1600" i="1" dirty="0">
-                <a:solidFill>
-                  <a:srgbClr val="000000"/>
-                </a:solidFill>
-                <a:latin typeface="Calibri" panose="020F0502020204030204" pitchFamily="34" charset="0"/>
-                <a:ea typeface="Calibri" panose="020F0502020204030204" pitchFamily="34" charset="0"/>
-                <a:cs typeface="Arial" panose="020B0604020202020204" pitchFamily="34" charset="0"/>
-              </a:rPr>
-              <a:t>zip</a:t>
-            </a:r>
-            <a:r>
-              <a:rPr lang="en-US" sz="1600" dirty="0">
-                <a:solidFill>
-                  <a:srgbClr val="000000"/>
-                </a:solidFill>
-                <a:latin typeface="Calibri" panose="020F0502020204030204" pitchFamily="34" charset="0"/>
-                <a:ea typeface="Calibri" panose="020F0502020204030204" pitchFamily="34" charset="0"/>
-                <a:cs typeface="Arial" panose="020B0604020202020204" pitchFamily="34" charset="0"/>
-              </a:rPr>
-              <a:t>(</a:t>
-            </a:r>
-            <a:r>
-              <a:rPr lang="en-US" sz="1600" dirty="0" err="1">
-                <a:solidFill>
-                  <a:srgbClr val="000000"/>
-                </a:solidFill>
-                <a:latin typeface="Calibri" panose="020F0502020204030204" pitchFamily="34" charset="0"/>
-                <a:ea typeface="Calibri" panose="020F0502020204030204" pitchFamily="34" charset="0"/>
-                <a:cs typeface="Arial" panose="020B0604020202020204" pitchFamily="34" charset="0"/>
-              </a:rPr>
-              <a:t>dest</a:t>
-            </a:r>
-            <a:r>
-              <a:rPr lang="en-US" sz="1600" dirty="0">
-                <a:solidFill>
-                  <a:srgbClr val="000000"/>
-                </a:solidFill>
-                <a:latin typeface="Calibri" panose="020F0502020204030204" pitchFamily="34" charset="0"/>
-                <a:ea typeface="Calibri" panose="020F0502020204030204" pitchFamily="34" charset="0"/>
-                <a:cs typeface="Arial" panose="020B0604020202020204" pitchFamily="34" charset="0"/>
-              </a:rPr>
-              <a:t>, source) {</a:t>
-            </a:r>
-            <a:br>
-              <a:rPr lang="en-US" sz="1600" dirty="0">
-                <a:solidFill>
-                  <a:srgbClr val="000000"/>
-                </a:solidFill>
-                <a:latin typeface="Calibri" panose="020F0502020204030204" pitchFamily="34" charset="0"/>
-                <a:ea typeface="Calibri" panose="020F0502020204030204" pitchFamily="34" charset="0"/>
-                <a:cs typeface="Arial" panose="020B0604020202020204" pitchFamily="34" charset="0"/>
-              </a:rPr>
-            </a:br>
-            <a:r>
-              <a:rPr lang="en-US" sz="1600" dirty="0">
-                <a:solidFill>
-                  <a:srgbClr val="000000"/>
-                </a:solidFill>
-                <a:latin typeface="Calibri" panose="020F0502020204030204" pitchFamily="34" charset="0"/>
-                <a:ea typeface="Calibri" panose="020F0502020204030204" pitchFamily="34" charset="0"/>
-                <a:cs typeface="Arial" panose="020B0604020202020204" pitchFamily="34" charset="0"/>
-              </a:rPr>
-              <a:t>    </a:t>
-            </a:r>
-            <a:r>
-              <a:rPr lang="en-US" sz="1600" b="1" dirty="0">
-                <a:solidFill>
-                  <a:srgbClr val="000080"/>
-                </a:solidFill>
-                <a:latin typeface="Calibri" panose="020F0502020204030204" pitchFamily="34" charset="0"/>
-                <a:ea typeface="Calibri" panose="020F0502020204030204" pitchFamily="34" charset="0"/>
-                <a:cs typeface="Arial" panose="020B0604020202020204" pitchFamily="34" charset="0"/>
-              </a:rPr>
-              <a:t>return new </a:t>
-            </a:r>
-            <a:r>
-              <a:rPr lang="en-US" sz="1600" b="1" i="1" dirty="0">
-                <a:solidFill>
-                  <a:srgbClr val="660E7A"/>
-                </a:solidFill>
-                <a:latin typeface="Calibri" panose="020F0502020204030204" pitchFamily="34" charset="0"/>
-                <a:ea typeface="Calibri" panose="020F0502020204030204" pitchFamily="34" charset="0"/>
-                <a:cs typeface="Arial" panose="020B0604020202020204" pitchFamily="34" charset="0"/>
-              </a:rPr>
-              <a:t>Promise</a:t>
-            </a:r>
-            <a:r>
-              <a:rPr lang="en-US" sz="1600" dirty="0">
-                <a:solidFill>
-                  <a:srgbClr val="000000"/>
-                </a:solidFill>
-                <a:latin typeface="Calibri" panose="020F0502020204030204" pitchFamily="34" charset="0"/>
-                <a:ea typeface="Calibri" panose="020F0502020204030204" pitchFamily="34" charset="0"/>
-                <a:cs typeface="Arial" panose="020B0604020202020204" pitchFamily="34" charset="0"/>
-              </a:rPr>
-              <a:t>((</a:t>
-            </a:r>
-            <a:r>
-              <a:rPr lang="en-US" sz="1600" dirty="0" err="1">
-                <a:solidFill>
-                  <a:srgbClr val="000000"/>
-                </a:solidFill>
-                <a:latin typeface="Calibri" panose="020F0502020204030204" pitchFamily="34" charset="0"/>
-                <a:ea typeface="Calibri" panose="020F0502020204030204" pitchFamily="34" charset="0"/>
-                <a:cs typeface="Arial" panose="020B0604020202020204" pitchFamily="34" charset="0"/>
-              </a:rPr>
-              <a:t>resolve,reject</a:t>
-            </a:r>
-            <a:r>
-              <a:rPr lang="en-US" sz="1600" dirty="0">
-                <a:solidFill>
-                  <a:srgbClr val="000000"/>
-                </a:solidFill>
-                <a:latin typeface="Calibri" panose="020F0502020204030204" pitchFamily="34" charset="0"/>
-                <a:ea typeface="Calibri" panose="020F0502020204030204" pitchFamily="34" charset="0"/>
-                <a:cs typeface="Arial" panose="020B0604020202020204" pitchFamily="34" charset="0"/>
-              </a:rPr>
-              <a:t>)=&gt; {</a:t>
-            </a:r>
-            <a:br>
-              <a:rPr lang="en-US" sz="1600" dirty="0">
-                <a:solidFill>
-                  <a:srgbClr val="000000"/>
-                </a:solidFill>
-                <a:latin typeface="Calibri" panose="020F0502020204030204" pitchFamily="34" charset="0"/>
-                <a:ea typeface="Calibri" panose="020F0502020204030204" pitchFamily="34" charset="0"/>
-                <a:cs typeface="Arial" panose="020B0604020202020204" pitchFamily="34" charset="0"/>
-              </a:rPr>
-            </a:br>
-            <a:r>
-              <a:rPr lang="en-US" sz="1600" dirty="0">
-                <a:solidFill>
-                  <a:srgbClr val="000000"/>
-                </a:solidFill>
-                <a:latin typeface="Calibri" panose="020F0502020204030204" pitchFamily="34" charset="0"/>
-                <a:ea typeface="Calibri" panose="020F0502020204030204" pitchFamily="34" charset="0"/>
-                <a:cs typeface="Arial" panose="020B0604020202020204" pitchFamily="34" charset="0"/>
-              </a:rPr>
-              <a:t>        </a:t>
-            </a:r>
-            <a:r>
-              <a:rPr lang="en-US" sz="1600" dirty="0" err="1">
-                <a:solidFill>
-                  <a:srgbClr val="458383"/>
-                </a:solidFill>
-                <a:latin typeface="Calibri" panose="020F0502020204030204" pitchFamily="34" charset="0"/>
-                <a:ea typeface="Calibri" panose="020F0502020204030204" pitchFamily="34" charset="0"/>
-                <a:cs typeface="Arial" panose="020B0604020202020204" pitchFamily="34" charset="0"/>
-              </a:rPr>
-              <a:t>fs</a:t>
-            </a:r>
-            <a:r>
-              <a:rPr lang="en-US" sz="1600" dirty="0" err="1">
-                <a:solidFill>
-                  <a:srgbClr val="000000"/>
-                </a:solidFill>
-                <a:latin typeface="Calibri" panose="020F0502020204030204" pitchFamily="34" charset="0"/>
-                <a:ea typeface="Calibri" panose="020F0502020204030204" pitchFamily="34" charset="0"/>
-                <a:cs typeface="Arial" panose="020B0604020202020204" pitchFamily="34" charset="0"/>
-              </a:rPr>
-              <a:t>.createReadStream</a:t>
-            </a:r>
-            <a:r>
-              <a:rPr lang="en-US" sz="1600" dirty="0">
-                <a:solidFill>
-                  <a:srgbClr val="000000"/>
-                </a:solidFill>
-                <a:latin typeface="Calibri" panose="020F0502020204030204" pitchFamily="34" charset="0"/>
-                <a:ea typeface="Calibri" panose="020F0502020204030204" pitchFamily="34" charset="0"/>
-                <a:cs typeface="Arial" panose="020B0604020202020204" pitchFamily="34" charset="0"/>
-              </a:rPr>
-              <a:t>(</a:t>
-            </a:r>
-            <a:r>
-              <a:rPr lang="en-US" sz="1600" b="1" dirty="0">
-                <a:solidFill>
-                  <a:srgbClr val="008000"/>
-                </a:solidFill>
-                <a:latin typeface="Calibri" panose="020F0502020204030204" pitchFamily="34" charset="0"/>
-                <a:ea typeface="Calibri" panose="020F0502020204030204" pitchFamily="34" charset="0"/>
-                <a:cs typeface="Arial" panose="020B0604020202020204" pitchFamily="34" charset="0"/>
-              </a:rPr>
-              <a:t>"main.js"</a:t>
-            </a:r>
-            <a:r>
-              <a:rPr lang="en-US" sz="1600" dirty="0">
-                <a:solidFill>
-                  <a:srgbClr val="000000"/>
-                </a:solidFill>
-                <a:latin typeface="Calibri" panose="020F0502020204030204" pitchFamily="34" charset="0"/>
-                <a:ea typeface="Calibri" panose="020F0502020204030204" pitchFamily="34" charset="0"/>
-                <a:cs typeface="Arial" panose="020B0604020202020204" pitchFamily="34" charset="0"/>
-              </a:rPr>
-              <a:t>)</a:t>
-            </a:r>
-            <a:br>
-              <a:rPr lang="en-US" sz="1600" dirty="0">
-                <a:solidFill>
-                  <a:srgbClr val="000000"/>
-                </a:solidFill>
-                <a:latin typeface="Calibri" panose="020F0502020204030204" pitchFamily="34" charset="0"/>
-                <a:ea typeface="Calibri" panose="020F0502020204030204" pitchFamily="34" charset="0"/>
-                <a:cs typeface="Arial" panose="020B0604020202020204" pitchFamily="34" charset="0"/>
-              </a:rPr>
-            </a:br>
-            <a:r>
-              <a:rPr lang="en-US" sz="1600" dirty="0">
-                <a:solidFill>
-                  <a:srgbClr val="000000"/>
-                </a:solidFill>
-                <a:latin typeface="Calibri" panose="020F0502020204030204" pitchFamily="34" charset="0"/>
-                <a:ea typeface="Calibri" panose="020F0502020204030204" pitchFamily="34" charset="0"/>
-                <a:cs typeface="Arial" panose="020B0604020202020204" pitchFamily="34" charset="0"/>
-              </a:rPr>
-              <a:t>            .pipe(</a:t>
-            </a:r>
-            <a:r>
-              <a:rPr lang="en-US" sz="1600" dirty="0" err="1">
-                <a:solidFill>
-                  <a:srgbClr val="458383"/>
-                </a:solidFill>
-                <a:latin typeface="Calibri" panose="020F0502020204030204" pitchFamily="34" charset="0"/>
-                <a:ea typeface="Calibri" panose="020F0502020204030204" pitchFamily="34" charset="0"/>
-                <a:cs typeface="Arial" panose="020B0604020202020204" pitchFamily="34" charset="0"/>
-              </a:rPr>
-              <a:t>zlib</a:t>
-            </a:r>
-            <a:r>
-              <a:rPr lang="en-US" sz="1600" dirty="0" err="1">
-                <a:solidFill>
-                  <a:srgbClr val="000000"/>
-                </a:solidFill>
-                <a:latin typeface="Calibri" panose="020F0502020204030204" pitchFamily="34" charset="0"/>
-                <a:ea typeface="Calibri" panose="020F0502020204030204" pitchFamily="34" charset="0"/>
-                <a:cs typeface="Arial" panose="020B0604020202020204" pitchFamily="34" charset="0"/>
-              </a:rPr>
-              <a:t>.createGzip</a:t>
-            </a:r>
-            <a:r>
-              <a:rPr lang="en-US" sz="1600" dirty="0">
-                <a:solidFill>
-                  <a:srgbClr val="000000"/>
-                </a:solidFill>
-                <a:latin typeface="Calibri" panose="020F0502020204030204" pitchFamily="34" charset="0"/>
-                <a:ea typeface="Calibri" panose="020F0502020204030204" pitchFamily="34" charset="0"/>
-                <a:cs typeface="Arial" panose="020B0604020202020204" pitchFamily="34" charset="0"/>
-              </a:rPr>
-              <a:t>())</a:t>
-            </a:r>
-            <a:br>
-              <a:rPr lang="en-US" sz="1600" dirty="0">
-                <a:solidFill>
-                  <a:srgbClr val="000000"/>
-                </a:solidFill>
-                <a:latin typeface="Calibri" panose="020F0502020204030204" pitchFamily="34" charset="0"/>
-                <a:ea typeface="Calibri" panose="020F0502020204030204" pitchFamily="34" charset="0"/>
-                <a:cs typeface="Arial" panose="020B0604020202020204" pitchFamily="34" charset="0"/>
-              </a:rPr>
-            </a:br>
-            <a:r>
-              <a:rPr lang="en-US" sz="1600" dirty="0">
-                <a:solidFill>
-                  <a:srgbClr val="000000"/>
-                </a:solidFill>
-                <a:latin typeface="Calibri" panose="020F0502020204030204" pitchFamily="34" charset="0"/>
-                <a:ea typeface="Calibri" panose="020F0502020204030204" pitchFamily="34" charset="0"/>
-                <a:cs typeface="Arial" panose="020B0604020202020204" pitchFamily="34" charset="0"/>
-              </a:rPr>
-              <a:t>            .pipe(</a:t>
-            </a:r>
-            <a:r>
-              <a:rPr lang="en-US" sz="1600" dirty="0" err="1">
-                <a:solidFill>
-                  <a:srgbClr val="458383"/>
-                </a:solidFill>
-                <a:latin typeface="Calibri" panose="020F0502020204030204" pitchFamily="34" charset="0"/>
-                <a:ea typeface="Calibri" panose="020F0502020204030204" pitchFamily="34" charset="0"/>
-                <a:cs typeface="Arial" panose="020B0604020202020204" pitchFamily="34" charset="0"/>
-              </a:rPr>
-              <a:t>fs</a:t>
-            </a:r>
-            <a:r>
-              <a:rPr lang="en-US" sz="1600" dirty="0" err="1">
-                <a:solidFill>
-                  <a:srgbClr val="000000"/>
-                </a:solidFill>
-                <a:latin typeface="Calibri" panose="020F0502020204030204" pitchFamily="34" charset="0"/>
-                <a:ea typeface="Calibri" panose="020F0502020204030204" pitchFamily="34" charset="0"/>
-                <a:cs typeface="Arial" panose="020B0604020202020204" pitchFamily="34" charset="0"/>
-              </a:rPr>
-              <a:t>.createWriteStream</a:t>
-            </a:r>
-            <a:r>
-              <a:rPr lang="en-US" sz="1600" dirty="0">
-                <a:solidFill>
-                  <a:srgbClr val="000000"/>
-                </a:solidFill>
-                <a:latin typeface="Calibri" panose="020F0502020204030204" pitchFamily="34" charset="0"/>
-                <a:ea typeface="Calibri" panose="020F0502020204030204" pitchFamily="34" charset="0"/>
-                <a:cs typeface="Arial" panose="020B0604020202020204" pitchFamily="34" charset="0"/>
-              </a:rPr>
-              <a:t>(</a:t>
-            </a:r>
-            <a:r>
-              <a:rPr lang="en-US" sz="1600" b="1" dirty="0">
-                <a:solidFill>
-                  <a:srgbClr val="008000"/>
-                </a:solidFill>
-                <a:latin typeface="Calibri" panose="020F0502020204030204" pitchFamily="34" charset="0"/>
-                <a:ea typeface="Calibri" panose="020F0502020204030204" pitchFamily="34" charset="0"/>
-                <a:cs typeface="Arial" panose="020B0604020202020204" pitchFamily="34" charset="0"/>
-              </a:rPr>
-              <a:t>"temp/main.js.gz"</a:t>
-            </a:r>
-            <a:r>
-              <a:rPr lang="en-US" sz="1600" dirty="0">
-                <a:solidFill>
-                  <a:srgbClr val="000000"/>
-                </a:solidFill>
-                <a:latin typeface="Calibri" panose="020F0502020204030204" pitchFamily="34" charset="0"/>
-                <a:ea typeface="Calibri" panose="020F0502020204030204" pitchFamily="34" charset="0"/>
-                <a:cs typeface="Arial" panose="020B0604020202020204" pitchFamily="34" charset="0"/>
-              </a:rPr>
-              <a:t>))</a:t>
-            </a:r>
-            <a:br>
-              <a:rPr lang="en-US" sz="1600" dirty="0">
-                <a:solidFill>
-                  <a:srgbClr val="000000"/>
-                </a:solidFill>
-                <a:latin typeface="Calibri" panose="020F0502020204030204" pitchFamily="34" charset="0"/>
-                <a:ea typeface="Calibri" panose="020F0502020204030204" pitchFamily="34" charset="0"/>
-                <a:cs typeface="Arial" panose="020B0604020202020204" pitchFamily="34" charset="0"/>
-              </a:rPr>
-            </a:br>
-            <a:r>
-              <a:rPr lang="en-US" sz="1600" dirty="0">
-                <a:solidFill>
-                  <a:srgbClr val="000000"/>
-                </a:solidFill>
-                <a:latin typeface="Calibri" panose="020F0502020204030204" pitchFamily="34" charset="0"/>
-                <a:ea typeface="Calibri" panose="020F0502020204030204" pitchFamily="34" charset="0"/>
-                <a:cs typeface="Arial" panose="020B0604020202020204" pitchFamily="34" charset="0"/>
-              </a:rPr>
-              <a:t>            .on(</a:t>
-            </a:r>
-            <a:r>
-              <a:rPr lang="en-US" sz="1600" b="1" dirty="0">
-                <a:solidFill>
-                  <a:srgbClr val="008000"/>
-                </a:solidFill>
-                <a:latin typeface="Calibri" panose="020F0502020204030204" pitchFamily="34" charset="0"/>
-                <a:ea typeface="Calibri" panose="020F0502020204030204" pitchFamily="34" charset="0"/>
-                <a:cs typeface="Arial" panose="020B0604020202020204" pitchFamily="34" charset="0"/>
-              </a:rPr>
-              <a:t>"finish"</a:t>
-            </a:r>
-            <a:r>
-              <a:rPr lang="en-US" sz="1600" dirty="0">
-                <a:solidFill>
-                  <a:srgbClr val="000000"/>
-                </a:solidFill>
-                <a:latin typeface="Calibri" panose="020F0502020204030204" pitchFamily="34" charset="0"/>
-                <a:ea typeface="Calibri" panose="020F0502020204030204" pitchFamily="34" charset="0"/>
-                <a:cs typeface="Arial" panose="020B0604020202020204" pitchFamily="34" charset="0"/>
-              </a:rPr>
-              <a:t>, </a:t>
-            </a:r>
-            <a:r>
-              <a:rPr lang="en-US" sz="1600" b="1" dirty="0">
-                <a:solidFill>
-                  <a:srgbClr val="000080"/>
-                </a:solidFill>
-                <a:latin typeface="Calibri" panose="020F0502020204030204" pitchFamily="34" charset="0"/>
-                <a:ea typeface="Calibri" panose="020F0502020204030204" pitchFamily="34" charset="0"/>
-                <a:cs typeface="Arial" panose="020B0604020202020204" pitchFamily="34" charset="0"/>
-              </a:rPr>
-              <a:t>function </a:t>
-            </a:r>
-            <a:r>
-              <a:rPr lang="en-US" sz="1600" dirty="0">
-                <a:solidFill>
-                  <a:srgbClr val="000000"/>
-                </a:solidFill>
-                <a:latin typeface="Calibri" panose="020F0502020204030204" pitchFamily="34" charset="0"/>
-                <a:ea typeface="Calibri" panose="020F0502020204030204" pitchFamily="34" charset="0"/>
-                <a:cs typeface="Arial" panose="020B0604020202020204" pitchFamily="34" charset="0"/>
-              </a:rPr>
-              <a:t>() {</a:t>
-            </a:r>
-            <a:br>
-              <a:rPr lang="en-US" sz="1600" dirty="0">
-                <a:solidFill>
-                  <a:srgbClr val="000000"/>
-                </a:solidFill>
-                <a:latin typeface="Calibri" panose="020F0502020204030204" pitchFamily="34" charset="0"/>
-                <a:ea typeface="Calibri" panose="020F0502020204030204" pitchFamily="34" charset="0"/>
-                <a:cs typeface="Arial" panose="020B0604020202020204" pitchFamily="34" charset="0"/>
-              </a:rPr>
-            </a:br>
-            <a:r>
-              <a:rPr lang="en-US" sz="1600" dirty="0">
-                <a:solidFill>
-                  <a:srgbClr val="000000"/>
-                </a:solidFill>
-                <a:latin typeface="Calibri" panose="020F0502020204030204" pitchFamily="34" charset="0"/>
-                <a:ea typeface="Calibri" panose="020F0502020204030204" pitchFamily="34" charset="0"/>
-                <a:cs typeface="Arial" panose="020B0604020202020204" pitchFamily="34" charset="0"/>
-              </a:rPr>
-              <a:t>                resolve();</a:t>
-            </a:r>
-            <a:br>
-              <a:rPr lang="en-US" sz="1600" dirty="0">
-                <a:solidFill>
-                  <a:srgbClr val="000000"/>
-                </a:solidFill>
-                <a:latin typeface="Calibri" panose="020F0502020204030204" pitchFamily="34" charset="0"/>
-                <a:ea typeface="Calibri" panose="020F0502020204030204" pitchFamily="34" charset="0"/>
-                <a:cs typeface="Arial" panose="020B0604020202020204" pitchFamily="34" charset="0"/>
-              </a:rPr>
-            </a:br>
-            <a:r>
-              <a:rPr lang="en-US" sz="1600" dirty="0">
-                <a:solidFill>
-                  <a:srgbClr val="000000"/>
-                </a:solidFill>
-                <a:latin typeface="Calibri" panose="020F0502020204030204" pitchFamily="34" charset="0"/>
-                <a:ea typeface="Calibri" panose="020F0502020204030204" pitchFamily="34" charset="0"/>
-                <a:cs typeface="Arial" panose="020B0604020202020204" pitchFamily="34" charset="0"/>
-              </a:rPr>
-              <a:t>            });</a:t>
-            </a:r>
-            <a:br>
-              <a:rPr lang="en-US" sz="1600" dirty="0">
-                <a:solidFill>
-                  <a:srgbClr val="000000"/>
-                </a:solidFill>
-                <a:latin typeface="Calibri" panose="020F0502020204030204" pitchFamily="34" charset="0"/>
-                <a:ea typeface="Calibri" panose="020F0502020204030204" pitchFamily="34" charset="0"/>
-                <a:cs typeface="Arial" panose="020B0604020202020204" pitchFamily="34" charset="0"/>
-              </a:rPr>
-            </a:br>
-            <a:r>
-              <a:rPr lang="en-US" sz="1600" dirty="0">
-                <a:solidFill>
-                  <a:srgbClr val="000000"/>
-                </a:solidFill>
-                <a:latin typeface="Calibri" panose="020F0502020204030204" pitchFamily="34" charset="0"/>
-                <a:ea typeface="Calibri" panose="020F0502020204030204" pitchFamily="34" charset="0"/>
-                <a:cs typeface="Arial" panose="020B0604020202020204" pitchFamily="34" charset="0"/>
-              </a:rPr>
-              <a:t>    });</a:t>
-            </a:r>
-            <a:br>
-              <a:rPr lang="en-US" sz="1600" dirty="0">
-                <a:solidFill>
-                  <a:srgbClr val="000000"/>
-                </a:solidFill>
-                <a:latin typeface="Calibri" panose="020F0502020204030204" pitchFamily="34" charset="0"/>
-                <a:ea typeface="Calibri" panose="020F0502020204030204" pitchFamily="34" charset="0"/>
-                <a:cs typeface="Arial" panose="020B0604020202020204" pitchFamily="34" charset="0"/>
-              </a:rPr>
-            </a:br>
-            <a:r>
-              <a:rPr lang="en-US" sz="1600" dirty="0">
-                <a:solidFill>
-                  <a:srgbClr val="000000"/>
-                </a:solidFill>
-                <a:latin typeface="Calibri" panose="020F0502020204030204" pitchFamily="34" charset="0"/>
-                <a:ea typeface="Calibri" panose="020F0502020204030204" pitchFamily="34" charset="0"/>
-                <a:cs typeface="Arial" panose="020B0604020202020204" pitchFamily="34" charset="0"/>
-              </a:rPr>
-              <a:t>}</a:t>
-            </a:r>
-            <a:endParaRPr lang="he-IL" sz="1600" dirty="0"/>
-          </a:p>
-        </p:txBody>
-      </p:sp>
-    </p:spTree>
-    <p:extLst>
-      <p:ext uri="{BB962C8B-B14F-4D97-AF65-F5344CB8AC3E}">
-        <p14:creationId xmlns:p14="http://schemas.microsoft.com/office/powerpoint/2010/main" val="1963611658"/>
       </p:ext>
     </p:extLst>
   </p:cSld>
@@ -18245,6 +18004,971 @@
           <p:cNvPr id="2" name="Title 1">
             <a:extLst>
               <a:ext uri="{FF2B5EF4-FFF2-40B4-BE49-F238E27FC236}">
+                <a16:creationId xmlns:a16="http://schemas.microsoft.com/office/drawing/2014/main" id="{47BD6CAA-0829-40AD-8B17-768CF7DED263}"/>
+              </a:ext>
+            </a:extLst>
+          </p:cNvPr>
+          <p:cNvSpPr>
+            <a:spLocks noGrp="1"/>
+          </p:cNvSpPr>
+          <p:nvPr>
+            <p:ph type="title"/>
+          </p:nvPr>
+        </p:nvSpPr>
+        <p:spPr/>
+        <p:txBody>
+          <a:bodyPr/>
+          <a:lstStyle/>
+          <a:p>
+            <a:r>
+              <a:rPr lang="en-US" dirty="0"/>
+              <a:t>finish Event</a:t>
+            </a:r>
+            <a:endParaRPr lang="he-IL" dirty="0"/>
+          </a:p>
+        </p:txBody>
+      </p:sp>
+      <p:sp>
+        <p:nvSpPr>
+          <p:cNvPr id="3" name="Footer Placeholder 2">
+            <a:extLst>
+              <a:ext uri="{FF2B5EF4-FFF2-40B4-BE49-F238E27FC236}">
+                <a16:creationId xmlns:a16="http://schemas.microsoft.com/office/drawing/2014/main" id="{A327F177-3108-4F2E-B443-BA2E04F813CB}"/>
+              </a:ext>
+            </a:extLst>
+          </p:cNvPr>
+          <p:cNvSpPr>
+            <a:spLocks noGrp="1"/>
+          </p:cNvSpPr>
+          <p:nvPr>
+            <p:ph type="ftr" sz="quarter" idx="11"/>
+          </p:nvPr>
+        </p:nvSpPr>
+        <p:spPr/>
+        <p:txBody>
+          <a:bodyPr/>
+          <a:lstStyle/>
+          <a:p>
+            <a:r>
+              <a:rPr lang="en-US"/>
+              <a:t>© 2017 Ori Calvo</a:t>
+            </a:r>
+            <a:endParaRPr lang="en-US" dirty="0"/>
+          </a:p>
+        </p:txBody>
+      </p:sp>
+      <p:sp>
+        <p:nvSpPr>
+          <p:cNvPr id="4" name="Slide Number Placeholder 3">
+            <a:extLst>
+              <a:ext uri="{FF2B5EF4-FFF2-40B4-BE49-F238E27FC236}">
+                <a16:creationId xmlns:a16="http://schemas.microsoft.com/office/drawing/2014/main" id="{1E22284A-519C-4DAA-9810-CFBB81A4D616}"/>
+              </a:ext>
+            </a:extLst>
+          </p:cNvPr>
+          <p:cNvSpPr>
+            <a:spLocks noGrp="1"/>
+          </p:cNvSpPr>
+          <p:nvPr>
+            <p:ph type="sldNum" sz="quarter" idx="12"/>
+          </p:nvPr>
+        </p:nvSpPr>
+        <p:spPr/>
+        <p:txBody>
+          <a:bodyPr>
+            <a:normAutofit fontScale="85000" lnSpcReduction="20000"/>
+          </a:bodyPr>
+          <a:lstStyle/>
+          <a:p>
+            <a:fld id="{87B78B44-2135-4DB2-B732-E7D5FFF77B6A}" type="slidenum">
+              <a:rPr lang="en-US" smtClean="0"/>
+              <a:pPr/>
+              <a:t>30</a:t>
+            </a:fld>
+            <a:endParaRPr lang="en-US"/>
+          </a:p>
+        </p:txBody>
+      </p:sp>
+      <p:sp>
+        <p:nvSpPr>
+          <p:cNvPr id="5" name="Content Placeholder 4">
+            <a:extLst>
+              <a:ext uri="{FF2B5EF4-FFF2-40B4-BE49-F238E27FC236}">
+                <a16:creationId xmlns:a16="http://schemas.microsoft.com/office/drawing/2014/main" id="{55F18F7A-A0D3-4A20-B81D-9E909E7115B6}"/>
+              </a:ext>
+            </a:extLst>
+          </p:cNvPr>
+          <p:cNvSpPr>
+            <a:spLocks noGrp="1"/>
+          </p:cNvSpPr>
+          <p:nvPr>
+            <p:ph sz="quarter" idx="1"/>
+          </p:nvPr>
+        </p:nvSpPr>
+        <p:spPr/>
+        <p:txBody>
+          <a:bodyPr/>
+          <a:lstStyle/>
+          <a:p>
+            <a:r>
+              <a:rPr lang="en-US" dirty="0"/>
+              <a:t>The </a:t>
+            </a:r>
+            <a:r>
+              <a:rPr lang="en-US" dirty="0">
+                <a:solidFill>
+                  <a:srgbClr val="FF0000"/>
+                </a:solidFill>
+              </a:rPr>
+              <a:t>finish</a:t>
+            </a:r>
+            <a:r>
+              <a:rPr lang="en-US" dirty="0"/>
+              <a:t> event can be used to determine the end of the writing operation</a:t>
+            </a:r>
+            <a:endParaRPr lang="he-IL" dirty="0"/>
+          </a:p>
+        </p:txBody>
+      </p:sp>
+      <p:sp>
+        <p:nvSpPr>
+          <p:cNvPr id="6" name="Rectangle 5">
+            <a:extLst>
+              <a:ext uri="{FF2B5EF4-FFF2-40B4-BE49-F238E27FC236}">
+                <a16:creationId xmlns:a16="http://schemas.microsoft.com/office/drawing/2014/main" id="{9E94B509-4EDD-49BC-9BB4-82A1E84485FE}"/>
+              </a:ext>
+            </a:extLst>
+          </p:cNvPr>
+          <p:cNvSpPr/>
+          <p:nvPr/>
+        </p:nvSpPr>
+        <p:spPr>
+          <a:xfrm>
+            <a:off x="1926168" y="2691348"/>
+            <a:ext cx="5526360" cy="3785652"/>
+          </a:xfrm>
+          <a:prstGeom prst="rect">
+            <a:avLst/>
+          </a:prstGeom>
+          <a:solidFill>
+            <a:schemeClr val="accent1">
+              <a:lumMod val="40000"/>
+              <a:lumOff val="60000"/>
+            </a:schemeClr>
+          </a:solidFill>
+        </p:spPr>
+        <p:txBody>
+          <a:bodyPr wrap="square">
+            <a:spAutoFit/>
+          </a:bodyPr>
+          <a:lstStyle/>
+          <a:p>
+            <a:r>
+              <a:rPr lang="en-US" sz="1600" b="1" dirty="0" err="1">
+                <a:solidFill>
+                  <a:srgbClr val="000080"/>
+                </a:solidFill>
+                <a:latin typeface="Calibri" panose="020F0502020204030204" pitchFamily="34" charset="0"/>
+                <a:ea typeface="Calibri" panose="020F0502020204030204" pitchFamily="34" charset="0"/>
+                <a:cs typeface="Arial" panose="020B0604020202020204" pitchFamily="34" charset="0"/>
+              </a:rPr>
+              <a:t>async</a:t>
+            </a:r>
+            <a:r>
+              <a:rPr lang="en-US" sz="1600" b="1" dirty="0">
+                <a:solidFill>
+                  <a:srgbClr val="000080"/>
+                </a:solidFill>
+                <a:latin typeface="Calibri" panose="020F0502020204030204" pitchFamily="34" charset="0"/>
+                <a:ea typeface="Calibri" panose="020F0502020204030204" pitchFamily="34" charset="0"/>
+                <a:cs typeface="Arial" panose="020B0604020202020204" pitchFamily="34" charset="0"/>
+              </a:rPr>
+              <a:t> function </a:t>
+            </a:r>
+            <a:r>
+              <a:rPr lang="en-US" sz="1600" i="1" dirty="0">
+                <a:solidFill>
+                  <a:srgbClr val="000000"/>
+                </a:solidFill>
+                <a:latin typeface="Calibri" panose="020F0502020204030204" pitchFamily="34" charset="0"/>
+                <a:ea typeface="Calibri" panose="020F0502020204030204" pitchFamily="34" charset="0"/>
+                <a:cs typeface="Arial" panose="020B0604020202020204" pitchFamily="34" charset="0"/>
+              </a:rPr>
+              <a:t>main</a:t>
+            </a:r>
+            <a:r>
+              <a:rPr lang="en-US" sz="1600" dirty="0">
+                <a:solidFill>
+                  <a:srgbClr val="000000"/>
+                </a:solidFill>
+                <a:latin typeface="Calibri" panose="020F0502020204030204" pitchFamily="34" charset="0"/>
+                <a:ea typeface="Calibri" panose="020F0502020204030204" pitchFamily="34" charset="0"/>
+                <a:cs typeface="Arial" panose="020B0604020202020204" pitchFamily="34" charset="0"/>
+              </a:rPr>
+              <a:t>() {</a:t>
+            </a:r>
+            <a:br>
+              <a:rPr lang="en-US" sz="1600" dirty="0">
+                <a:solidFill>
+                  <a:srgbClr val="000000"/>
+                </a:solidFill>
+                <a:latin typeface="Calibri" panose="020F0502020204030204" pitchFamily="34" charset="0"/>
+                <a:ea typeface="Calibri" panose="020F0502020204030204" pitchFamily="34" charset="0"/>
+                <a:cs typeface="Arial" panose="020B0604020202020204" pitchFamily="34" charset="0"/>
+              </a:rPr>
+            </a:br>
+            <a:r>
+              <a:rPr lang="en-US" sz="1600" dirty="0">
+                <a:solidFill>
+                  <a:srgbClr val="000000"/>
+                </a:solidFill>
+                <a:latin typeface="Calibri" panose="020F0502020204030204" pitchFamily="34" charset="0"/>
+                <a:ea typeface="Calibri" panose="020F0502020204030204" pitchFamily="34" charset="0"/>
+                <a:cs typeface="Arial" panose="020B0604020202020204" pitchFamily="34" charset="0"/>
+              </a:rPr>
+              <a:t>    </a:t>
+            </a:r>
+            <a:r>
+              <a:rPr lang="en-US" sz="1600" b="1" dirty="0">
+                <a:solidFill>
+                  <a:srgbClr val="000080"/>
+                </a:solidFill>
+                <a:latin typeface="Calibri" panose="020F0502020204030204" pitchFamily="34" charset="0"/>
+                <a:ea typeface="Calibri" panose="020F0502020204030204" pitchFamily="34" charset="0"/>
+                <a:cs typeface="Arial" panose="020B0604020202020204" pitchFamily="34" charset="0"/>
+              </a:rPr>
+              <a:t>await </a:t>
+            </a:r>
+            <a:r>
+              <a:rPr lang="en-US" sz="1600" i="1" dirty="0">
+                <a:solidFill>
+                  <a:srgbClr val="000000"/>
+                </a:solidFill>
+                <a:latin typeface="Calibri" panose="020F0502020204030204" pitchFamily="34" charset="0"/>
+                <a:ea typeface="Calibri" panose="020F0502020204030204" pitchFamily="34" charset="0"/>
+                <a:cs typeface="Arial" panose="020B0604020202020204" pitchFamily="34" charset="0"/>
+              </a:rPr>
+              <a:t>zip</a:t>
+            </a:r>
+            <a:r>
+              <a:rPr lang="en-US" sz="1600" dirty="0">
+                <a:solidFill>
+                  <a:srgbClr val="000000"/>
+                </a:solidFill>
+                <a:latin typeface="Calibri" panose="020F0502020204030204" pitchFamily="34" charset="0"/>
+                <a:ea typeface="Calibri" panose="020F0502020204030204" pitchFamily="34" charset="0"/>
+                <a:cs typeface="Arial" panose="020B0604020202020204" pitchFamily="34" charset="0"/>
+              </a:rPr>
+              <a:t>(</a:t>
+            </a:r>
+            <a:r>
+              <a:rPr lang="en-US" sz="1600" b="1" dirty="0">
+                <a:solidFill>
+                  <a:srgbClr val="008000"/>
+                </a:solidFill>
+                <a:latin typeface="Calibri" panose="020F0502020204030204" pitchFamily="34" charset="0"/>
+                <a:ea typeface="Calibri" panose="020F0502020204030204" pitchFamily="34" charset="0"/>
+                <a:cs typeface="Arial" panose="020B0604020202020204" pitchFamily="34" charset="0"/>
+              </a:rPr>
+              <a:t>"main.js"</a:t>
+            </a:r>
+            <a:r>
+              <a:rPr lang="en-US" sz="1600" dirty="0">
+                <a:solidFill>
+                  <a:srgbClr val="000000"/>
+                </a:solidFill>
+                <a:latin typeface="Calibri" panose="020F0502020204030204" pitchFamily="34" charset="0"/>
+                <a:ea typeface="Calibri" panose="020F0502020204030204" pitchFamily="34" charset="0"/>
+                <a:cs typeface="Arial" panose="020B0604020202020204" pitchFamily="34" charset="0"/>
+              </a:rPr>
+              <a:t>, </a:t>
+            </a:r>
+            <a:r>
+              <a:rPr lang="en-US" sz="1600" b="1" dirty="0">
+                <a:solidFill>
+                  <a:srgbClr val="008000"/>
+                </a:solidFill>
+                <a:latin typeface="Calibri" panose="020F0502020204030204" pitchFamily="34" charset="0"/>
+                <a:ea typeface="Calibri" panose="020F0502020204030204" pitchFamily="34" charset="0"/>
+                <a:cs typeface="Arial" panose="020B0604020202020204" pitchFamily="34" charset="0"/>
+              </a:rPr>
+              <a:t>"main.js.gz"</a:t>
+            </a:r>
+            <a:r>
+              <a:rPr lang="en-US" sz="1600" dirty="0">
+                <a:solidFill>
+                  <a:srgbClr val="000000"/>
+                </a:solidFill>
+                <a:latin typeface="Calibri" panose="020F0502020204030204" pitchFamily="34" charset="0"/>
+                <a:ea typeface="Calibri" panose="020F0502020204030204" pitchFamily="34" charset="0"/>
+                <a:cs typeface="Arial" panose="020B0604020202020204" pitchFamily="34" charset="0"/>
+              </a:rPr>
+              <a:t>);</a:t>
+            </a:r>
+            <a:br>
+              <a:rPr lang="en-US" sz="1600" dirty="0">
+                <a:solidFill>
+                  <a:srgbClr val="000000"/>
+                </a:solidFill>
+                <a:latin typeface="Calibri" panose="020F0502020204030204" pitchFamily="34" charset="0"/>
+                <a:ea typeface="Calibri" panose="020F0502020204030204" pitchFamily="34" charset="0"/>
+                <a:cs typeface="Arial" panose="020B0604020202020204" pitchFamily="34" charset="0"/>
+              </a:rPr>
+            </a:br>
+            <a:r>
+              <a:rPr lang="en-US" sz="1600" dirty="0">
+                <a:solidFill>
+                  <a:srgbClr val="000000"/>
+                </a:solidFill>
+                <a:latin typeface="Calibri" panose="020F0502020204030204" pitchFamily="34" charset="0"/>
+                <a:ea typeface="Calibri" panose="020F0502020204030204" pitchFamily="34" charset="0"/>
+                <a:cs typeface="Arial" panose="020B0604020202020204" pitchFamily="34" charset="0"/>
+              </a:rPr>
+              <a:t>    </a:t>
+            </a:r>
+            <a:r>
+              <a:rPr lang="en-US" sz="1600" b="1" dirty="0">
+                <a:solidFill>
+                  <a:srgbClr val="000080"/>
+                </a:solidFill>
+                <a:latin typeface="Calibri" panose="020F0502020204030204" pitchFamily="34" charset="0"/>
+                <a:ea typeface="Calibri" panose="020F0502020204030204" pitchFamily="34" charset="0"/>
+                <a:cs typeface="Arial" panose="020B0604020202020204" pitchFamily="34" charset="0"/>
+              </a:rPr>
+              <a:t>await </a:t>
+            </a:r>
+            <a:r>
+              <a:rPr lang="en-US" sz="1600" dirty="0">
+                <a:solidFill>
+                  <a:srgbClr val="458383"/>
+                </a:solidFill>
+                <a:latin typeface="Calibri" panose="020F0502020204030204" pitchFamily="34" charset="0"/>
+                <a:ea typeface="Calibri" panose="020F0502020204030204" pitchFamily="34" charset="0"/>
+                <a:cs typeface="Arial" panose="020B0604020202020204" pitchFamily="34" charset="0"/>
+              </a:rPr>
+              <a:t>rename</a:t>
+            </a:r>
+            <a:r>
+              <a:rPr lang="en-US" sz="1600" dirty="0">
+                <a:solidFill>
+                  <a:srgbClr val="000000"/>
+                </a:solidFill>
+                <a:latin typeface="Calibri" panose="020F0502020204030204" pitchFamily="34" charset="0"/>
+                <a:ea typeface="Calibri" panose="020F0502020204030204" pitchFamily="34" charset="0"/>
+                <a:cs typeface="Arial" panose="020B0604020202020204" pitchFamily="34" charset="0"/>
+              </a:rPr>
+              <a:t>(</a:t>
+            </a:r>
+            <a:r>
+              <a:rPr lang="en-US" sz="1600" b="1" dirty="0">
+                <a:solidFill>
+                  <a:srgbClr val="008000"/>
+                </a:solidFill>
+                <a:latin typeface="Calibri" panose="020F0502020204030204" pitchFamily="34" charset="0"/>
+                <a:ea typeface="Calibri" panose="020F0502020204030204" pitchFamily="34" charset="0"/>
+                <a:cs typeface="Arial" panose="020B0604020202020204" pitchFamily="34" charset="0"/>
+              </a:rPr>
+              <a:t>"temp/main.js.gz"</a:t>
+            </a:r>
+            <a:r>
+              <a:rPr lang="en-US" sz="1600" dirty="0">
+                <a:solidFill>
+                  <a:srgbClr val="000000"/>
+                </a:solidFill>
+                <a:latin typeface="Calibri" panose="020F0502020204030204" pitchFamily="34" charset="0"/>
+                <a:ea typeface="Calibri" panose="020F0502020204030204" pitchFamily="34" charset="0"/>
+                <a:cs typeface="Arial" panose="020B0604020202020204" pitchFamily="34" charset="0"/>
+              </a:rPr>
+              <a:t>, </a:t>
+            </a:r>
+            <a:r>
+              <a:rPr lang="en-US" sz="1600" b="1" dirty="0">
+                <a:solidFill>
+                  <a:srgbClr val="008000"/>
+                </a:solidFill>
+                <a:latin typeface="Calibri" panose="020F0502020204030204" pitchFamily="34" charset="0"/>
+                <a:ea typeface="Calibri" panose="020F0502020204030204" pitchFamily="34" charset="0"/>
+                <a:cs typeface="Arial" panose="020B0604020202020204" pitchFamily="34" charset="0"/>
+              </a:rPr>
+              <a:t>"done/main.js.gz"</a:t>
+            </a:r>
+            <a:r>
+              <a:rPr lang="en-US" sz="1600" dirty="0">
+                <a:solidFill>
+                  <a:srgbClr val="000000"/>
+                </a:solidFill>
+                <a:latin typeface="Calibri" panose="020F0502020204030204" pitchFamily="34" charset="0"/>
+                <a:ea typeface="Calibri" panose="020F0502020204030204" pitchFamily="34" charset="0"/>
+                <a:cs typeface="Arial" panose="020B0604020202020204" pitchFamily="34" charset="0"/>
+              </a:rPr>
+              <a:t>);</a:t>
+            </a:r>
+            <a:br>
+              <a:rPr lang="en-US" sz="1600" dirty="0">
+                <a:solidFill>
+                  <a:srgbClr val="000000"/>
+                </a:solidFill>
+                <a:latin typeface="Calibri" panose="020F0502020204030204" pitchFamily="34" charset="0"/>
+                <a:ea typeface="Calibri" panose="020F0502020204030204" pitchFamily="34" charset="0"/>
+                <a:cs typeface="Arial" panose="020B0604020202020204" pitchFamily="34" charset="0"/>
+              </a:rPr>
+            </a:br>
+            <a:r>
+              <a:rPr lang="en-US" sz="1600" dirty="0">
+                <a:solidFill>
+                  <a:srgbClr val="000000"/>
+                </a:solidFill>
+                <a:latin typeface="Calibri" panose="020F0502020204030204" pitchFamily="34" charset="0"/>
+                <a:ea typeface="Calibri" panose="020F0502020204030204" pitchFamily="34" charset="0"/>
+                <a:cs typeface="Arial" panose="020B0604020202020204" pitchFamily="34" charset="0"/>
+              </a:rPr>
+              <a:t>}</a:t>
+            </a:r>
+            <a:br>
+              <a:rPr lang="en-US" sz="1600" dirty="0">
+                <a:solidFill>
+                  <a:srgbClr val="000000"/>
+                </a:solidFill>
+                <a:latin typeface="Calibri" panose="020F0502020204030204" pitchFamily="34" charset="0"/>
+                <a:ea typeface="Calibri" panose="020F0502020204030204" pitchFamily="34" charset="0"/>
+                <a:cs typeface="Arial" panose="020B0604020202020204" pitchFamily="34" charset="0"/>
+              </a:rPr>
+            </a:br>
+            <a:br>
+              <a:rPr lang="en-US" sz="1600" dirty="0">
+                <a:solidFill>
+                  <a:srgbClr val="000000"/>
+                </a:solidFill>
+                <a:latin typeface="Calibri" panose="020F0502020204030204" pitchFamily="34" charset="0"/>
+                <a:ea typeface="Calibri" panose="020F0502020204030204" pitchFamily="34" charset="0"/>
+                <a:cs typeface="Arial" panose="020B0604020202020204" pitchFamily="34" charset="0"/>
+              </a:rPr>
+            </a:br>
+            <a:r>
+              <a:rPr lang="en-US" sz="1600" b="1" dirty="0">
+                <a:solidFill>
+                  <a:srgbClr val="000080"/>
+                </a:solidFill>
+                <a:latin typeface="Calibri" panose="020F0502020204030204" pitchFamily="34" charset="0"/>
+                <a:ea typeface="Calibri" panose="020F0502020204030204" pitchFamily="34" charset="0"/>
+                <a:cs typeface="Arial" panose="020B0604020202020204" pitchFamily="34" charset="0"/>
+              </a:rPr>
+              <a:t>function </a:t>
+            </a:r>
+            <a:r>
+              <a:rPr lang="en-US" sz="1600" i="1" dirty="0">
+                <a:solidFill>
+                  <a:srgbClr val="000000"/>
+                </a:solidFill>
+                <a:latin typeface="Calibri" panose="020F0502020204030204" pitchFamily="34" charset="0"/>
+                <a:ea typeface="Calibri" panose="020F0502020204030204" pitchFamily="34" charset="0"/>
+                <a:cs typeface="Arial" panose="020B0604020202020204" pitchFamily="34" charset="0"/>
+              </a:rPr>
+              <a:t>zip</a:t>
+            </a:r>
+            <a:r>
+              <a:rPr lang="en-US" sz="1600" dirty="0">
+                <a:solidFill>
+                  <a:srgbClr val="000000"/>
+                </a:solidFill>
+                <a:latin typeface="Calibri" panose="020F0502020204030204" pitchFamily="34" charset="0"/>
+                <a:ea typeface="Calibri" panose="020F0502020204030204" pitchFamily="34" charset="0"/>
+                <a:cs typeface="Arial" panose="020B0604020202020204" pitchFamily="34" charset="0"/>
+              </a:rPr>
+              <a:t>(</a:t>
+            </a:r>
+            <a:r>
+              <a:rPr lang="en-US" sz="1600" dirty="0" err="1">
+                <a:solidFill>
+                  <a:srgbClr val="000000"/>
+                </a:solidFill>
+                <a:latin typeface="Calibri" panose="020F0502020204030204" pitchFamily="34" charset="0"/>
+                <a:ea typeface="Calibri" panose="020F0502020204030204" pitchFamily="34" charset="0"/>
+                <a:cs typeface="Arial" panose="020B0604020202020204" pitchFamily="34" charset="0"/>
+              </a:rPr>
+              <a:t>dest</a:t>
+            </a:r>
+            <a:r>
+              <a:rPr lang="en-US" sz="1600" dirty="0">
+                <a:solidFill>
+                  <a:srgbClr val="000000"/>
+                </a:solidFill>
+                <a:latin typeface="Calibri" panose="020F0502020204030204" pitchFamily="34" charset="0"/>
+                <a:ea typeface="Calibri" panose="020F0502020204030204" pitchFamily="34" charset="0"/>
+                <a:cs typeface="Arial" panose="020B0604020202020204" pitchFamily="34" charset="0"/>
+              </a:rPr>
+              <a:t>, source) {</a:t>
+            </a:r>
+            <a:br>
+              <a:rPr lang="en-US" sz="1600" dirty="0">
+                <a:solidFill>
+                  <a:srgbClr val="000000"/>
+                </a:solidFill>
+                <a:latin typeface="Calibri" panose="020F0502020204030204" pitchFamily="34" charset="0"/>
+                <a:ea typeface="Calibri" panose="020F0502020204030204" pitchFamily="34" charset="0"/>
+                <a:cs typeface="Arial" panose="020B0604020202020204" pitchFamily="34" charset="0"/>
+              </a:rPr>
+            </a:br>
+            <a:r>
+              <a:rPr lang="en-US" sz="1600" dirty="0">
+                <a:solidFill>
+                  <a:srgbClr val="000000"/>
+                </a:solidFill>
+                <a:latin typeface="Calibri" panose="020F0502020204030204" pitchFamily="34" charset="0"/>
+                <a:ea typeface="Calibri" panose="020F0502020204030204" pitchFamily="34" charset="0"/>
+                <a:cs typeface="Arial" panose="020B0604020202020204" pitchFamily="34" charset="0"/>
+              </a:rPr>
+              <a:t>    </a:t>
+            </a:r>
+            <a:r>
+              <a:rPr lang="en-US" sz="1600" b="1" dirty="0">
+                <a:solidFill>
+                  <a:srgbClr val="000080"/>
+                </a:solidFill>
+                <a:latin typeface="Calibri" panose="020F0502020204030204" pitchFamily="34" charset="0"/>
+                <a:ea typeface="Calibri" panose="020F0502020204030204" pitchFamily="34" charset="0"/>
+                <a:cs typeface="Arial" panose="020B0604020202020204" pitchFamily="34" charset="0"/>
+              </a:rPr>
+              <a:t>return new </a:t>
+            </a:r>
+            <a:r>
+              <a:rPr lang="en-US" sz="1600" b="1" i="1" dirty="0">
+                <a:solidFill>
+                  <a:srgbClr val="660E7A"/>
+                </a:solidFill>
+                <a:latin typeface="Calibri" panose="020F0502020204030204" pitchFamily="34" charset="0"/>
+                <a:ea typeface="Calibri" panose="020F0502020204030204" pitchFamily="34" charset="0"/>
+                <a:cs typeface="Arial" panose="020B0604020202020204" pitchFamily="34" charset="0"/>
+              </a:rPr>
+              <a:t>Promise</a:t>
+            </a:r>
+            <a:r>
+              <a:rPr lang="en-US" sz="1600" dirty="0">
+                <a:solidFill>
+                  <a:srgbClr val="000000"/>
+                </a:solidFill>
+                <a:latin typeface="Calibri" panose="020F0502020204030204" pitchFamily="34" charset="0"/>
+                <a:ea typeface="Calibri" panose="020F0502020204030204" pitchFamily="34" charset="0"/>
+                <a:cs typeface="Arial" panose="020B0604020202020204" pitchFamily="34" charset="0"/>
+              </a:rPr>
+              <a:t>((</a:t>
+            </a:r>
+            <a:r>
+              <a:rPr lang="en-US" sz="1600" dirty="0" err="1">
+                <a:solidFill>
+                  <a:srgbClr val="000000"/>
+                </a:solidFill>
+                <a:latin typeface="Calibri" panose="020F0502020204030204" pitchFamily="34" charset="0"/>
+                <a:ea typeface="Calibri" panose="020F0502020204030204" pitchFamily="34" charset="0"/>
+                <a:cs typeface="Arial" panose="020B0604020202020204" pitchFamily="34" charset="0"/>
+              </a:rPr>
+              <a:t>resolve,reject</a:t>
+            </a:r>
+            <a:r>
+              <a:rPr lang="en-US" sz="1600" dirty="0">
+                <a:solidFill>
+                  <a:srgbClr val="000000"/>
+                </a:solidFill>
+                <a:latin typeface="Calibri" panose="020F0502020204030204" pitchFamily="34" charset="0"/>
+                <a:ea typeface="Calibri" panose="020F0502020204030204" pitchFamily="34" charset="0"/>
+                <a:cs typeface="Arial" panose="020B0604020202020204" pitchFamily="34" charset="0"/>
+              </a:rPr>
+              <a:t>)=&gt; {</a:t>
+            </a:r>
+            <a:br>
+              <a:rPr lang="en-US" sz="1600" dirty="0">
+                <a:solidFill>
+                  <a:srgbClr val="000000"/>
+                </a:solidFill>
+                <a:latin typeface="Calibri" panose="020F0502020204030204" pitchFamily="34" charset="0"/>
+                <a:ea typeface="Calibri" panose="020F0502020204030204" pitchFamily="34" charset="0"/>
+                <a:cs typeface="Arial" panose="020B0604020202020204" pitchFamily="34" charset="0"/>
+              </a:rPr>
+            </a:br>
+            <a:r>
+              <a:rPr lang="en-US" sz="1600" dirty="0">
+                <a:solidFill>
+                  <a:srgbClr val="000000"/>
+                </a:solidFill>
+                <a:latin typeface="Calibri" panose="020F0502020204030204" pitchFamily="34" charset="0"/>
+                <a:ea typeface="Calibri" panose="020F0502020204030204" pitchFamily="34" charset="0"/>
+                <a:cs typeface="Arial" panose="020B0604020202020204" pitchFamily="34" charset="0"/>
+              </a:rPr>
+              <a:t>        </a:t>
+            </a:r>
+            <a:r>
+              <a:rPr lang="en-US" sz="1600" dirty="0" err="1">
+                <a:solidFill>
+                  <a:srgbClr val="458383"/>
+                </a:solidFill>
+                <a:latin typeface="Calibri" panose="020F0502020204030204" pitchFamily="34" charset="0"/>
+                <a:ea typeface="Calibri" panose="020F0502020204030204" pitchFamily="34" charset="0"/>
+                <a:cs typeface="Arial" panose="020B0604020202020204" pitchFamily="34" charset="0"/>
+              </a:rPr>
+              <a:t>fs</a:t>
+            </a:r>
+            <a:r>
+              <a:rPr lang="en-US" sz="1600" dirty="0" err="1">
+                <a:solidFill>
+                  <a:srgbClr val="000000"/>
+                </a:solidFill>
+                <a:latin typeface="Calibri" panose="020F0502020204030204" pitchFamily="34" charset="0"/>
+                <a:ea typeface="Calibri" panose="020F0502020204030204" pitchFamily="34" charset="0"/>
+                <a:cs typeface="Arial" panose="020B0604020202020204" pitchFamily="34" charset="0"/>
+              </a:rPr>
+              <a:t>.createReadStream</a:t>
+            </a:r>
+            <a:r>
+              <a:rPr lang="en-US" sz="1600" dirty="0">
+                <a:solidFill>
+                  <a:srgbClr val="000000"/>
+                </a:solidFill>
+                <a:latin typeface="Calibri" panose="020F0502020204030204" pitchFamily="34" charset="0"/>
+                <a:ea typeface="Calibri" panose="020F0502020204030204" pitchFamily="34" charset="0"/>
+                <a:cs typeface="Arial" panose="020B0604020202020204" pitchFamily="34" charset="0"/>
+              </a:rPr>
+              <a:t>(</a:t>
+            </a:r>
+            <a:r>
+              <a:rPr lang="en-US" sz="1600" b="1" dirty="0">
+                <a:solidFill>
+                  <a:srgbClr val="008000"/>
+                </a:solidFill>
+                <a:latin typeface="Calibri" panose="020F0502020204030204" pitchFamily="34" charset="0"/>
+                <a:ea typeface="Calibri" panose="020F0502020204030204" pitchFamily="34" charset="0"/>
+                <a:cs typeface="Arial" panose="020B0604020202020204" pitchFamily="34" charset="0"/>
+              </a:rPr>
+              <a:t>"main.js"</a:t>
+            </a:r>
+            <a:r>
+              <a:rPr lang="en-US" sz="1600" dirty="0">
+                <a:solidFill>
+                  <a:srgbClr val="000000"/>
+                </a:solidFill>
+                <a:latin typeface="Calibri" panose="020F0502020204030204" pitchFamily="34" charset="0"/>
+                <a:ea typeface="Calibri" panose="020F0502020204030204" pitchFamily="34" charset="0"/>
+                <a:cs typeface="Arial" panose="020B0604020202020204" pitchFamily="34" charset="0"/>
+              </a:rPr>
+              <a:t>)</a:t>
+            </a:r>
+            <a:br>
+              <a:rPr lang="en-US" sz="1600" dirty="0">
+                <a:solidFill>
+                  <a:srgbClr val="000000"/>
+                </a:solidFill>
+                <a:latin typeface="Calibri" panose="020F0502020204030204" pitchFamily="34" charset="0"/>
+                <a:ea typeface="Calibri" panose="020F0502020204030204" pitchFamily="34" charset="0"/>
+                <a:cs typeface="Arial" panose="020B0604020202020204" pitchFamily="34" charset="0"/>
+              </a:rPr>
+            </a:br>
+            <a:r>
+              <a:rPr lang="en-US" sz="1600" dirty="0">
+                <a:solidFill>
+                  <a:srgbClr val="000000"/>
+                </a:solidFill>
+                <a:latin typeface="Calibri" panose="020F0502020204030204" pitchFamily="34" charset="0"/>
+                <a:ea typeface="Calibri" panose="020F0502020204030204" pitchFamily="34" charset="0"/>
+                <a:cs typeface="Arial" panose="020B0604020202020204" pitchFamily="34" charset="0"/>
+              </a:rPr>
+              <a:t>            .pipe(</a:t>
+            </a:r>
+            <a:r>
+              <a:rPr lang="en-US" sz="1600" dirty="0" err="1">
+                <a:solidFill>
+                  <a:srgbClr val="458383"/>
+                </a:solidFill>
+                <a:latin typeface="Calibri" panose="020F0502020204030204" pitchFamily="34" charset="0"/>
+                <a:ea typeface="Calibri" panose="020F0502020204030204" pitchFamily="34" charset="0"/>
+                <a:cs typeface="Arial" panose="020B0604020202020204" pitchFamily="34" charset="0"/>
+              </a:rPr>
+              <a:t>zlib</a:t>
+            </a:r>
+            <a:r>
+              <a:rPr lang="en-US" sz="1600" dirty="0" err="1">
+                <a:solidFill>
+                  <a:srgbClr val="000000"/>
+                </a:solidFill>
+                <a:latin typeface="Calibri" panose="020F0502020204030204" pitchFamily="34" charset="0"/>
+                <a:ea typeface="Calibri" panose="020F0502020204030204" pitchFamily="34" charset="0"/>
+                <a:cs typeface="Arial" panose="020B0604020202020204" pitchFamily="34" charset="0"/>
+              </a:rPr>
+              <a:t>.createGzip</a:t>
+            </a:r>
+            <a:r>
+              <a:rPr lang="en-US" sz="1600" dirty="0">
+                <a:solidFill>
+                  <a:srgbClr val="000000"/>
+                </a:solidFill>
+                <a:latin typeface="Calibri" panose="020F0502020204030204" pitchFamily="34" charset="0"/>
+                <a:ea typeface="Calibri" panose="020F0502020204030204" pitchFamily="34" charset="0"/>
+                <a:cs typeface="Arial" panose="020B0604020202020204" pitchFamily="34" charset="0"/>
+              </a:rPr>
+              <a:t>())</a:t>
+            </a:r>
+            <a:br>
+              <a:rPr lang="en-US" sz="1600" dirty="0">
+                <a:solidFill>
+                  <a:srgbClr val="000000"/>
+                </a:solidFill>
+                <a:latin typeface="Calibri" panose="020F0502020204030204" pitchFamily="34" charset="0"/>
+                <a:ea typeface="Calibri" panose="020F0502020204030204" pitchFamily="34" charset="0"/>
+                <a:cs typeface="Arial" panose="020B0604020202020204" pitchFamily="34" charset="0"/>
+              </a:rPr>
+            </a:br>
+            <a:r>
+              <a:rPr lang="en-US" sz="1600" dirty="0">
+                <a:solidFill>
+                  <a:srgbClr val="000000"/>
+                </a:solidFill>
+                <a:latin typeface="Calibri" panose="020F0502020204030204" pitchFamily="34" charset="0"/>
+                <a:ea typeface="Calibri" panose="020F0502020204030204" pitchFamily="34" charset="0"/>
+                <a:cs typeface="Arial" panose="020B0604020202020204" pitchFamily="34" charset="0"/>
+              </a:rPr>
+              <a:t>            .pipe(</a:t>
+            </a:r>
+            <a:r>
+              <a:rPr lang="en-US" sz="1600" dirty="0" err="1">
+                <a:solidFill>
+                  <a:srgbClr val="458383"/>
+                </a:solidFill>
+                <a:latin typeface="Calibri" panose="020F0502020204030204" pitchFamily="34" charset="0"/>
+                <a:ea typeface="Calibri" panose="020F0502020204030204" pitchFamily="34" charset="0"/>
+                <a:cs typeface="Arial" panose="020B0604020202020204" pitchFamily="34" charset="0"/>
+              </a:rPr>
+              <a:t>fs</a:t>
+            </a:r>
+            <a:r>
+              <a:rPr lang="en-US" sz="1600" dirty="0" err="1">
+                <a:solidFill>
+                  <a:srgbClr val="000000"/>
+                </a:solidFill>
+                <a:latin typeface="Calibri" panose="020F0502020204030204" pitchFamily="34" charset="0"/>
+                <a:ea typeface="Calibri" panose="020F0502020204030204" pitchFamily="34" charset="0"/>
+                <a:cs typeface="Arial" panose="020B0604020202020204" pitchFamily="34" charset="0"/>
+              </a:rPr>
+              <a:t>.createWriteStream</a:t>
+            </a:r>
+            <a:r>
+              <a:rPr lang="en-US" sz="1600" dirty="0">
+                <a:solidFill>
+                  <a:srgbClr val="000000"/>
+                </a:solidFill>
+                <a:latin typeface="Calibri" panose="020F0502020204030204" pitchFamily="34" charset="0"/>
+                <a:ea typeface="Calibri" panose="020F0502020204030204" pitchFamily="34" charset="0"/>
+                <a:cs typeface="Arial" panose="020B0604020202020204" pitchFamily="34" charset="0"/>
+              </a:rPr>
+              <a:t>(</a:t>
+            </a:r>
+            <a:r>
+              <a:rPr lang="en-US" sz="1600" b="1" dirty="0">
+                <a:solidFill>
+                  <a:srgbClr val="008000"/>
+                </a:solidFill>
+                <a:latin typeface="Calibri" panose="020F0502020204030204" pitchFamily="34" charset="0"/>
+                <a:ea typeface="Calibri" panose="020F0502020204030204" pitchFamily="34" charset="0"/>
+                <a:cs typeface="Arial" panose="020B0604020202020204" pitchFamily="34" charset="0"/>
+              </a:rPr>
+              <a:t>"temp/main.js.gz"</a:t>
+            </a:r>
+            <a:r>
+              <a:rPr lang="en-US" sz="1600" dirty="0">
+                <a:solidFill>
+                  <a:srgbClr val="000000"/>
+                </a:solidFill>
+                <a:latin typeface="Calibri" panose="020F0502020204030204" pitchFamily="34" charset="0"/>
+                <a:ea typeface="Calibri" panose="020F0502020204030204" pitchFamily="34" charset="0"/>
+                <a:cs typeface="Arial" panose="020B0604020202020204" pitchFamily="34" charset="0"/>
+              </a:rPr>
+              <a:t>))</a:t>
+            </a:r>
+            <a:br>
+              <a:rPr lang="en-US" sz="1600" dirty="0">
+                <a:solidFill>
+                  <a:srgbClr val="000000"/>
+                </a:solidFill>
+                <a:latin typeface="Calibri" panose="020F0502020204030204" pitchFamily="34" charset="0"/>
+                <a:ea typeface="Calibri" panose="020F0502020204030204" pitchFamily="34" charset="0"/>
+                <a:cs typeface="Arial" panose="020B0604020202020204" pitchFamily="34" charset="0"/>
+              </a:rPr>
+            </a:br>
+            <a:r>
+              <a:rPr lang="en-US" sz="1600" dirty="0">
+                <a:solidFill>
+                  <a:srgbClr val="000000"/>
+                </a:solidFill>
+                <a:latin typeface="Calibri" panose="020F0502020204030204" pitchFamily="34" charset="0"/>
+                <a:ea typeface="Calibri" panose="020F0502020204030204" pitchFamily="34" charset="0"/>
+                <a:cs typeface="Arial" panose="020B0604020202020204" pitchFamily="34" charset="0"/>
+              </a:rPr>
+              <a:t>            .on(</a:t>
+            </a:r>
+            <a:r>
+              <a:rPr lang="en-US" sz="1600" b="1" dirty="0">
+                <a:solidFill>
+                  <a:srgbClr val="008000"/>
+                </a:solidFill>
+                <a:latin typeface="Calibri" panose="020F0502020204030204" pitchFamily="34" charset="0"/>
+                <a:ea typeface="Calibri" panose="020F0502020204030204" pitchFamily="34" charset="0"/>
+                <a:cs typeface="Arial" panose="020B0604020202020204" pitchFamily="34" charset="0"/>
+              </a:rPr>
+              <a:t>"finish"</a:t>
+            </a:r>
+            <a:r>
+              <a:rPr lang="en-US" sz="1600" dirty="0">
+                <a:solidFill>
+                  <a:srgbClr val="000000"/>
+                </a:solidFill>
+                <a:latin typeface="Calibri" panose="020F0502020204030204" pitchFamily="34" charset="0"/>
+                <a:ea typeface="Calibri" panose="020F0502020204030204" pitchFamily="34" charset="0"/>
+                <a:cs typeface="Arial" panose="020B0604020202020204" pitchFamily="34" charset="0"/>
+              </a:rPr>
+              <a:t>, </a:t>
+            </a:r>
+            <a:r>
+              <a:rPr lang="en-US" sz="1600" b="1" dirty="0">
+                <a:solidFill>
+                  <a:srgbClr val="000080"/>
+                </a:solidFill>
+                <a:latin typeface="Calibri" panose="020F0502020204030204" pitchFamily="34" charset="0"/>
+                <a:ea typeface="Calibri" panose="020F0502020204030204" pitchFamily="34" charset="0"/>
+                <a:cs typeface="Arial" panose="020B0604020202020204" pitchFamily="34" charset="0"/>
+              </a:rPr>
+              <a:t>function </a:t>
+            </a:r>
+            <a:r>
+              <a:rPr lang="en-US" sz="1600" dirty="0">
+                <a:solidFill>
+                  <a:srgbClr val="000000"/>
+                </a:solidFill>
+                <a:latin typeface="Calibri" panose="020F0502020204030204" pitchFamily="34" charset="0"/>
+                <a:ea typeface="Calibri" panose="020F0502020204030204" pitchFamily="34" charset="0"/>
+                <a:cs typeface="Arial" panose="020B0604020202020204" pitchFamily="34" charset="0"/>
+              </a:rPr>
+              <a:t>() {</a:t>
+            </a:r>
+            <a:br>
+              <a:rPr lang="en-US" sz="1600" dirty="0">
+                <a:solidFill>
+                  <a:srgbClr val="000000"/>
+                </a:solidFill>
+                <a:latin typeface="Calibri" panose="020F0502020204030204" pitchFamily="34" charset="0"/>
+                <a:ea typeface="Calibri" panose="020F0502020204030204" pitchFamily="34" charset="0"/>
+                <a:cs typeface="Arial" panose="020B0604020202020204" pitchFamily="34" charset="0"/>
+              </a:rPr>
+            </a:br>
+            <a:r>
+              <a:rPr lang="en-US" sz="1600" dirty="0">
+                <a:solidFill>
+                  <a:srgbClr val="000000"/>
+                </a:solidFill>
+                <a:latin typeface="Calibri" panose="020F0502020204030204" pitchFamily="34" charset="0"/>
+                <a:ea typeface="Calibri" panose="020F0502020204030204" pitchFamily="34" charset="0"/>
+                <a:cs typeface="Arial" panose="020B0604020202020204" pitchFamily="34" charset="0"/>
+              </a:rPr>
+              <a:t>                resolve();</a:t>
+            </a:r>
+            <a:br>
+              <a:rPr lang="en-US" sz="1600" dirty="0">
+                <a:solidFill>
+                  <a:srgbClr val="000000"/>
+                </a:solidFill>
+                <a:latin typeface="Calibri" panose="020F0502020204030204" pitchFamily="34" charset="0"/>
+                <a:ea typeface="Calibri" panose="020F0502020204030204" pitchFamily="34" charset="0"/>
+                <a:cs typeface="Arial" panose="020B0604020202020204" pitchFamily="34" charset="0"/>
+              </a:rPr>
+            </a:br>
+            <a:r>
+              <a:rPr lang="en-US" sz="1600" dirty="0">
+                <a:solidFill>
+                  <a:srgbClr val="000000"/>
+                </a:solidFill>
+                <a:latin typeface="Calibri" panose="020F0502020204030204" pitchFamily="34" charset="0"/>
+                <a:ea typeface="Calibri" panose="020F0502020204030204" pitchFamily="34" charset="0"/>
+                <a:cs typeface="Arial" panose="020B0604020202020204" pitchFamily="34" charset="0"/>
+              </a:rPr>
+              <a:t>            });</a:t>
+            </a:r>
+            <a:br>
+              <a:rPr lang="en-US" sz="1600" dirty="0">
+                <a:solidFill>
+                  <a:srgbClr val="000000"/>
+                </a:solidFill>
+                <a:latin typeface="Calibri" panose="020F0502020204030204" pitchFamily="34" charset="0"/>
+                <a:ea typeface="Calibri" panose="020F0502020204030204" pitchFamily="34" charset="0"/>
+                <a:cs typeface="Arial" panose="020B0604020202020204" pitchFamily="34" charset="0"/>
+              </a:rPr>
+            </a:br>
+            <a:r>
+              <a:rPr lang="en-US" sz="1600" dirty="0">
+                <a:solidFill>
+                  <a:srgbClr val="000000"/>
+                </a:solidFill>
+                <a:latin typeface="Calibri" panose="020F0502020204030204" pitchFamily="34" charset="0"/>
+                <a:ea typeface="Calibri" panose="020F0502020204030204" pitchFamily="34" charset="0"/>
+                <a:cs typeface="Arial" panose="020B0604020202020204" pitchFamily="34" charset="0"/>
+              </a:rPr>
+              <a:t>    });</a:t>
+            </a:r>
+            <a:br>
+              <a:rPr lang="en-US" sz="1600" dirty="0">
+                <a:solidFill>
+                  <a:srgbClr val="000000"/>
+                </a:solidFill>
+                <a:latin typeface="Calibri" panose="020F0502020204030204" pitchFamily="34" charset="0"/>
+                <a:ea typeface="Calibri" panose="020F0502020204030204" pitchFamily="34" charset="0"/>
+                <a:cs typeface="Arial" panose="020B0604020202020204" pitchFamily="34" charset="0"/>
+              </a:rPr>
+            </a:br>
+            <a:r>
+              <a:rPr lang="en-US" sz="1600" dirty="0">
+                <a:solidFill>
+                  <a:srgbClr val="000000"/>
+                </a:solidFill>
+                <a:latin typeface="Calibri" panose="020F0502020204030204" pitchFamily="34" charset="0"/>
+                <a:ea typeface="Calibri" panose="020F0502020204030204" pitchFamily="34" charset="0"/>
+                <a:cs typeface="Arial" panose="020B0604020202020204" pitchFamily="34" charset="0"/>
+              </a:rPr>
+              <a:t>}</a:t>
+            </a:r>
+            <a:endParaRPr lang="he-IL" sz="1600" dirty="0"/>
+          </a:p>
+        </p:txBody>
+      </p:sp>
+    </p:spTree>
+    <p:extLst>
+      <p:ext uri="{BB962C8B-B14F-4D97-AF65-F5344CB8AC3E}">
+        <p14:creationId xmlns:p14="http://schemas.microsoft.com/office/powerpoint/2010/main" val="1963611658"/>
+      </p:ext>
+    </p:extLst>
+  </p:cSld>
+  <p:clrMapOvr>
+    <a:masterClrMapping/>
+  </p:clrMapOvr>
+</p:sld>
+</file>
+
+<file path=ppt/slides/slide31.xml><?xml version="1.0" encoding="utf-8"?>
+<p:sld xmlns:a="http://schemas.openxmlformats.org/drawingml/2006/main" xmlns:r="http://schemas.openxmlformats.org/officeDocument/2006/relationships" xmlns:p="http://schemas.openxmlformats.org/presentationml/2006/main">
+  <p:cSld>
+    <p:spTree>
+      <p:nvGrpSpPr>
+        <p:cNvPr id="1" name=""/>
+        <p:cNvGrpSpPr/>
+        <p:nvPr/>
+      </p:nvGrpSpPr>
+      <p:grpSpPr>
+        <a:xfrm>
+          <a:off x="0" y="0"/>
+          <a:ext cx="0" cy="0"/>
+          <a:chOff x="0" y="0"/>
+          <a:chExt cx="0" cy="0"/>
+        </a:xfrm>
+      </p:grpSpPr>
+      <p:sp>
+        <p:nvSpPr>
+          <p:cNvPr id="2" name="Title 1">
+            <a:extLst>
+              <a:ext uri="{FF2B5EF4-FFF2-40B4-BE49-F238E27FC236}">
                 <a16:creationId xmlns:a16="http://schemas.microsoft.com/office/drawing/2014/main" id="{61933E36-B7B9-45D9-AFB4-B3E71C8ED413}"/>
               </a:ext>
             </a:extLst>
@@ -18324,7 +19048,7 @@
             <a:fld id="{87B78B44-2135-4DB2-B732-E7D5FFF77B6A}" type="slidenum">
               <a:rPr lang="en-US" smtClean="0"/>
               <a:pPr/>
-              <a:t>30</a:t>
+              <a:t>31</a:t>
             </a:fld>
             <a:endParaRPr lang="en-US"/>
           </a:p>
@@ -18351,7 +19075,422 @@
           <a:bodyPr/>
           <a:lstStyle/>
           <a:p>
-            <a:endParaRPr lang="he-IL"/>
+            <a:r>
+              <a:rPr lang="en-US" dirty="0"/>
+              <a:t>Errors are not propagated through the pipe chain</a:t>
+            </a:r>
+          </a:p>
+          <a:p>
+            <a:r>
+              <a:rPr lang="en-US" dirty="0"/>
+              <a:t>Instead, the destination stream is </a:t>
+            </a:r>
+            <a:r>
+              <a:rPr lang="en-US" dirty="0" err="1"/>
+              <a:t>unpiped</a:t>
+            </a:r>
+            <a:endParaRPr lang="en-US" dirty="0"/>
+          </a:p>
+          <a:p>
+            <a:endParaRPr lang="en-US" dirty="0"/>
+          </a:p>
+          <a:p>
+            <a:endParaRPr lang="en-US" dirty="0"/>
+          </a:p>
+          <a:p>
+            <a:endParaRPr lang="en-US" dirty="0"/>
+          </a:p>
+          <a:p>
+            <a:endParaRPr lang="en-US" dirty="0"/>
+          </a:p>
+          <a:p>
+            <a:r>
+              <a:rPr lang="en-US" dirty="0">
+                <a:solidFill>
+                  <a:srgbClr val="FF0000"/>
+                </a:solidFill>
+              </a:rPr>
+              <a:t>finish</a:t>
+            </a:r>
+            <a:r>
+              <a:rPr lang="en-US" dirty="0"/>
+              <a:t> event will never happen</a:t>
+            </a:r>
+            <a:endParaRPr lang="he-IL" dirty="0"/>
+          </a:p>
+        </p:txBody>
+      </p:sp>
+      <p:sp>
+        <p:nvSpPr>
+          <p:cNvPr id="6" name="Rectangle 5">
+            <a:extLst>
+              <a:ext uri="{FF2B5EF4-FFF2-40B4-BE49-F238E27FC236}">
+                <a16:creationId xmlns:a16="http://schemas.microsoft.com/office/drawing/2014/main" id="{76085701-9504-4107-A6E6-A7AF72C97F01}"/>
+              </a:ext>
+            </a:extLst>
+          </p:cNvPr>
+          <p:cNvSpPr/>
+          <p:nvPr/>
+        </p:nvSpPr>
+        <p:spPr>
+          <a:xfrm>
+            <a:off x="1304868" y="2924944"/>
+            <a:ext cx="6534264" cy="1477328"/>
+          </a:xfrm>
+          <a:prstGeom prst="rect">
+            <a:avLst/>
+          </a:prstGeom>
+          <a:solidFill>
+            <a:schemeClr val="accent1">
+              <a:lumMod val="40000"/>
+              <a:lumOff val="60000"/>
+            </a:schemeClr>
+          </a:solidFill>
+        </p:spPr>
+        <p:txBody>
+          <a:bodyPr wrap="square">
+            <a:spAutoFit/>
+          </a:bodyPr>
+          <a:lstStyle/>
+          <a:p>
+            <a:r>
+              <a:rPr lang="en-US" b="1" dirty="0" err="1">
+                <a:solidFill>
+                  <a:srgbClr val="000080"/>
+                </a:solidFill>
+                <a:latin typeface="Calibri" panose="020F0502020204030204" pitchFamily="34" charset="0"/>
+                <a:ea typeface="Calibri" panose="020F0502020204030204" pitchFamily="34" charset="0"/>
+                <a:cs typeface="Arial" panose="020B0604020202020204" pitchFamily="34" charset="0"/>
+              </a:rPr>
+              <a:t>const</a:t>
+            </a:r>
+            <a:r>
+              <a:rPr lang="en-US" b="1" dirty="0">
+                <a:solidFill>
+                  <a:srgbClr val="000080"/>
+                </a:solidFill>
+                <a:latin typeface="Calibri" panose="020F0502020204030204" pitchFamily="34" charset="0"/>
+                <a:ea typeface="Calibri" panose="020F0502020204030204" pitchFamily="34" charset="0"/>
+                <a:cs typeface="Arial" panose="020B0604020202020204" pitchFamily="34" charset="0"/>
+              </a:rPr>
+              <a:t> </a:t>
+            </a:r>
+            <a:r>
+              <a:rPr lang="en-US" dirty="0">
+                <a:solidFill>
+                  <a:srgbClr val="458383"/>
+                </a:solidFill>
+                <a:latin typeface="Calibri" panose="020F0502020204030204" pitchFamily="34" charset="0"/>
+                <a:ea typeface="Calibri" panose="020F0502020204030204" pitchFamily="34" charset="0"/>
+                <a:cs typeface="Arial" panose="020B0604020202020204" pitchFamily="34" charset="0"/>
+              </a:rPr>
+              <a:t>stream </a:t>
+            </a:r>
+            <a:r>
+              <a:rPr lang="en-US" dirty="0">
+                <a:solidFill>
+                  <a:srgbClr val="000000"/>
+                </a:solidFill>
+                <a:latin typeface="Calibri" panose="020F0502020204030204" pitchFamily="34" charset="0"/>
+                <a:ea typeface="Calibri" panose="020F0502020204030204" pitchFamily="34" charset="0"/>
+                <a:cs typeface="Arial" panose="020B0604020202020204" pitchFamily="34" charset="0"/>
+              </a:rPr>
+              <a:t>= </a:t>
+            </a:r>
+            <a:r>
+              <a:rPr lang="en-US" b="1" dirty="0">
+                <a:solidFill>
+                  <a:srgbClr val="000080"/>
+                </a:solidFill>
+                <a:latin typeface="Calibri" panose="020F0502020204030204" pitchFamily="34" charset="0"/>
+                <a:ea typeface="Calibri" panose="020F0502020204030204" pitchFamily="34" charset="0"/>
+                <a:cs typeface="Arial" panose="020B0604020202020204" pitchFamily="34" charset="0"/>
+              </a:rPr>
+              <a:t>new </a:t>
+            </a:r>
+            <a:r>
+              <a:rPr lang="en-US" dirty="0" err="1">
+                <a:solidFill>
+                  <a:srgbClr val="000000"/>
+                </a:solidFill>
+                <a:latin typeface="Calibri" panose="020F0502020204030204" pitchFamily="34" charset="0"/>
+                <a:ea typeface="Calibri" panose="020F0502020204030204" pitchFamily="34" charset="0"/>
+                <a:cs typeface="Arial" panose="020B0604020202020204" pitchFamily="34" charset="0"/>
+              </a:rPr>
+              <a:t>MyReadable</a:t>
+            </a:r>
+            <a:r>
+              <a:rPr lang="en-US" dirty="0">
+                <a:solidFill>
+                  <a:srgbClr val="000000"/>
+                </a:solidFill>
+                <a:latin typeface="Calibri" panose="020F0502020204030204" pitchFamily="34" charset="0"/>
+                <a:ea typeface="Calibri" panose="020F0502020204030204" pitchFamily="34" charset="0"/>
+                <a:cs typeface="Arial" panose="020B0604020202020204" pitchFamily="34" charset="0"/>
+              </a:rPr>
+              <a:t>();</a:t>
+            </a:r>
+            <a:br>
+              <a:rPr lang="en-US" dirty="0">
+                <a:solidFill>
+                  <a:srgbClr val="000000"/>
+                </a:solidFill>
+                <a:latin typeface="Calibri" panose="020F0502020204030204" pitchFamily="34" charset="0"/>
+                <a:ea typeface="Calibri" panose="020F0502020204030204" pitchFamily="34" charset="0"/>
+                <a:cs typeface="Arial" panose="020B0604020202020204" pitchFamily="34" charset="0"/>
+              </a:rPr>
+            </a:br>
+            <a:br>
+              <a:rPr lang="en-US" dirty="0">
+                <a:solidFill>
+                  <a:srgbClr val="000000"/>
+                </a:solidFill>
+                <a:latin typeface="Calibri" panose="020F0502020204030204" pitchFamily="34" charset="0"/>
+                <a:ea typeface="Calibri" panose="020F0502020204030204" pitchFamily="34" charset="0"/>
+                <a:cs typeface="Arial" panose="020B0604020202020204" pitchFamily="34" charset="0"/>
+              </a:rPr>
+            </a:br>
+            <a:r>
+              <a:rPr lang="en-US" dirty="0" err="1">
+                <a:solidFill>
+                  <a:srgbClr val="458383"/>
+                </a:solidFill>
+                <a:latin typeface="Calibri" panose="020F0502020204030204" pitchFamily="34" charset="0"/>
+                <a:ea typeface="Calibri" panose="020F0502020204030204" pitchFamily="34" charset="0"/>
+                <a:cs typeface="Arial" panose="020B0604020202020204" pitchFamily="34" charset="0"/>
+              </a:rPr>
+              <a:t>stream</a:t>
+            </a:r>
+            <a:r>
+              <a:rPr lang="en-US" dirty="0" err="1">
+                <a:solidFill>
+                  <a:srgbClr val="000000"/>
+                </a:solidFill>
+                <a:latin typeface="Calibri" panose="020F0502020204030204" pitchFamily="34" charset="0"/>
+                <a:ea typeface="Calibri" panose="020F0502020204030204" pitchFamily="34" charset="0"/>
+                <a:cs typeface="Arial" panose="020B0604020202020204" pitchFamily="34" charset="0"/>
+              </a:rPr>
+              <a:t>.pipe</a:t>
+            </a:r>
+            <a:r>
+              <a:rPr lang="en-US" dirty="0">
+                <a:solidFill>
+                  <a:srgbClr val="000000"/>
+                </a:solidFill>
+                <a:latin typeface="Calibri" panose="020F0502020204030204" pitchFamily="34" charset="0"/>
+                <a:ea typeface="Calibri" panose="020F0502020204030204" pitchFamily="34" charset="0"/>
+                <a:cs typeface="Arial" panose="020B0604020202020204" pitchFamily="34" charset="0"/>
+              </a:rPr>
+              <a:t>(</a:t>
+            </a:r>
+            <a:r>
+              <a:rPr lang="en-US" dirty="0" err="1">
+                <a:solidFill>
+                  <a:srgbClr val="458383"/>
+                </a:solidFill>
+                <a:latin typeface="Calibri" panose="020F0502020204030204" pitchFamily="34" charset="0"/>
+                <a:ea typeface="Calibri" panose="020F0502020204030204" pitchFamily="34" charset="0"/>
+                <a:cs typeface="Arial" panose="020B0604020202020204" pitchFamily="34" charset="0"/>
+              </a:rPr>
+              <a:t>fs</a:t>
+            </a:r>
+            <a:r>
+              <a:rPr lang="en-US" dirty="0" err="1">
+                <a:solidFill>
+                  <a:srgbClr val="000000"/>
+                </a:solidFill>
+                <a:latin typeface="Calibri" panose="020F0502020204030204" pitchFamily="34" charset="0"/>
+                <a:ea typeface="Calibri" panose="020F0502020204030204" pitchFamily="34" charset="0"/>
+                <a:cs typeface="Arial" panose="020B0604020202020204" pitchFamily="34" charset="0"/>
+              </a:rPr>
+              <a:t>.createWriteStream</a:t>
+            </a:r>
+            <a:r>
+              <a:rPr lang="en-US" dirty="0">
+                <a:solidFill>
+                  <a:srgbClr val="000000"/>
+                </a:solidFill>
+                <a:latin typeface="Calibri" panose="020F0502020204030204" pitchFamily="34" charset="0"/>
+                <a:ea typeface="Calibri" panose="020F0502020204030204" pitchFamily="34" charset="0"/>
+                <a:cs typeface="Arial" panose="020B0604020202020204" pitchFamily="34" charset="0"/>
+              </a:rPr>
+              <a:t>(</a:t>
+            </a:r>
+            <a:r>
+              <a:rPr lang="en-US" b="1" dirty="0">
+                <a:solidFill>
+                  <a:srgbClr val="008000"/>
+                </a:solidFill>
+                <a:latin typeface="Calibri" panose="020F0502020204030204" pitchFamily="34" charset="0"/>
+                <a:ea typeface="Calibri" panose="020F0502020204030204" pitchFamily="34" charset="0"/>
+                <a:cs typeface="Arial" panose="020B0604020202020204" pitchFamily="34" charset="0"/>
+              </a:rPr>
+              <a:t>"1.txt"</a:t>
+            </a:r>
+            <a:r>
+              <a:rPr lang="en-US" dirty="0">
+                <a:solidFill>
+                  <a:srgbClr val="000000"/>
+                </a:solidFill>
+                <a:latin typeface="Calibri" panose="020F0502020204030204" pitchFamily="34" charset="0"/>
+                <a:ea typeface="Calibri" panose="020F0502020204030204" pitchFamily="34" charset="0"/>
+                <a:cs typeface="Arial" panose="020B0604020202020204" pitchFamily="34" charset="0"/>
+              </a:rPr>
+              <a:t>)).on(</a:t>
+            </a:r>
+            <a:r>
+              <a:rPr lang="en-US" b="1" dirty="0">
+                <a:solidFill>
+                  <a:srgbClr val="008000"/>
+                </a:solidFill>
+                <a:latin typeface="Calibri" panose="020F0502020204030204" pitchFamily="34" charset="0"/>
+                <a:ea typeface="Calibri" panose="020F0502020204030204" pitchFamily="34" charset="0"/>
+                <a:cs typeface="Arial" panose="020B0604020202020204" pitchFamily="34" charset="0"/>
+              </a:rPr>
+              <a:t>"finish"</a:t>
+            </a:r>
+            <a:r>
+              <a:rPr lang="en-US" dirty="0">
+                <a:solidFill>
+                  <a:srgbClr val="000000"/>
+                </a:solidFill>
+                <a:latin typeface="Calibri" panose="020F0502020204030204" pitchFamily="34" charset="0"/>
+                <a:ea typeface="Calibri" panose="020F0502020204030204" pitchFamily="34" charset="0"/>
+                <a:cs typeface="Arial" panose="020B0604020202020204" pitchFamily="34" charset="0"/>
+              </a:rPr>
+              <a:t>, </a:t>
+            </a:r>
+            <a:r>
+              <a:rPr lang="en-US" b="1" dirty="0">
+                <a:solidFill>
+                  <a:srgbClr val="000080"/>
+                </a:solidFill>
+                <a:latin typeface="Calibri" panose="020F0502020204030204" pitchFamily="34" charset="0"/>
+                <a:ea typeface="Calibri" panose="020F0502020204030204" pitchFamily="34" charset="0"/>
+                <a:cs typeface="Arial" panose="020B0604020202020204" pitchFamily="34" charset="0"/>
+              </a:rPr>
+              <a:t>function</a:t>
+            </a:r>
+            <a:r>
+              <a:rPr lang="en-US" dirty="0">
+                <a:solidFill>
+                  <a:srgbClr val="000000"/>
+                </a:solidFill>
+                <a:latin typeface="Calibri" panose="020F0502020204030204" pitchFamily="34" charset="0"/>
+                <a:ea typeface="Calibri" panose="020F0502020204030204" pitchFamily="34" charset="0"/>
+                <a:cs typeface="Arial" panose="020B0604020202020204" pitchFamily="34" charset="0"/>
+              </a:rPr>
+              <a:t>() {</a:t>
+            </a:r>
+            <a:br>
+              <a:rPr lang="en-US" dirty="0">
+                <a:solidFill>
+                  <a:srgbClr val="000000"/>
+                </a:solidFill>
+                <a:latin typeface="Calibri" panose="020F0502020204030204" pitchFamily="34" charset="0"/>
+                <a:ea typeface="Calibri" panose="020F0502020204030204" pitchFamily="34" charset="0"/>
+                <a:cs typeface="Arial" panose="020B0604020202020204" pitchFamily="34" charset="0"/>
+              </a:rPr>
+            </a:br>
+            <a:r>
+              <a:rPr lang="en-US" dirty="0">
+                <a:solidFill>
+                  <a:srgbClr val="000000"/>
+                </a:solidFill>
+                <a:latin typeface="Calibri" panose="020F0502020204030204" pitchFamily="34" charset="0"/>
+                <a:ea typeface="Calibri" panose="020F0502020204030204" pitchFamily="34" charset="0"/>
+                <a:cs typeface="Arial" panose="020B0604020202020204" pitchFamily="34" charset="0"/>
+              </a:rPr>
+              <a:t>    </a:t>
+            </a:r>
+            <a:r>
+              <a:rPr lang="en-US" b="1" i="1" dirty="0">
+                <a:solidFill>
+                  <a:srgbClr val="660E7A"/>
+                </a:solidFill>
+                <a:latin typeface="Calibri" panose="020F0502020204030204" pitchFamily="34" charset="0"/>
+                <a:ea typeface="Calibri" panose="020F0502020204030204" pitchFamily="34" charset="0"/>
+                <a:cs typeface="Arial" panose="020B0604020202020204" pitchFamily="34" charset="0"/>
+              </a:rPr>
+              <a:t>console</a:t>
+            </a:r>
+            <a:r>
+              <a:rPr lang="en-US" dirty="0">
+                <a:solidFill>
+                  <a:srgbClr val="000000"/>
+                </a:solidFill>
+                <a:latin typeface="Calibri" panose="020F0502020204030204" pitchFamily="34" charset="0"/>
+                <a:ea typeface="Calibri" panose="020F0502020204030204" pitchFamily="34" charset="0"/>
+                <a:cs typeface="Arial" panose="020B0604020202020204" pitchFamily="34" charset="0"/>
+              </a:rPr>
+              <a:t>.</a:t>
+            </a:r>
+            <a:r>
+              <a:rPr lang="en-US" dirty="0">
+                <a:solidFill>
+                  <a:srgbClr val="7A7A43"/>
+                </a:solidFill>
+                <a:latin typeface="Calibri" panose="020F0502020204030204" pitchFamily="34" charset="0"/>
+                <a:ea typeface="Calibri" panose="020F0502020204030204" pitchFamily="34" charset="0"/>
+                <a:cs typeface="Arial" panose="020B0604020202020204" pitchFamily="34" charset="0"/>
+              </a:rPr>
+              <a:t>log</a:t>
+            </a:r>
+            <a:r>
+              <a:rPr lang="en-US" dirty="0">
+                <a:solidFill>
+                  <a:srgbClr val="000000"/>
+                </a:solidFill>
+                <a:latin typeface="Calibri" panose="020F0502020204030204" pitchFamily="34" charset="0"/>
+                <a:ea typeface="Calibri" panose="020F0502020204030204" pitchFamily="34" charset="0"/>
+                <a:cs typeface="Arial" panose="020B0604020202020204" pitchFamily="34" charset="0"/>
+              </a:rPr>
+              <a:t>(</a:t>
+            </a:r>
+            <a:r>
+              <a:rPr lang="en-US" b="1" dirty="0">
+                <a:solidFill>
+                  <a:srgbClr val="008000"/>
+                </a:solidFill>
+                <a:latin typeface="Calibri" panose="020F0502020204030204" pitchFamily="34" charset="0"/>
+                <a:ea typeface="Calibri" panose="020F0502020204030204" pitchFamily="34" charset="0"/>
+                <a:cs typeface="Arial" panose="020B0604020202020204" pitchFamily="34" charset="0"/>
+              </a:rPr>
+              <a:t>"finish"</a:t>
+            </a:r>
+            <a:r>
+              <a:rPr lang="en-US" dirty="0">
+                <a:solidFill>
+                  <a:srgbClr val="000000"/>
+                </a:solidFill>
+                <a:latin typeface="Calibri" panose="020F0502020204030204" pitchFamily="34" charset="0"/>
+                <a:ea typeface="Calibri" panose="020F0502020204030204" pitchFamily="34" charset="0"/>
+                <a:cs typeface="Arial" panose="020B0604020202020204" pitchFamily="34" charset="0"/>
+              </a:rPr>
+              <a:t>);</a:t>
+            </a:r>
+            <a:br>
+              <a:rPr lang="en-US" dirty="0">
+                <a:solidFill>
+                  <a:srgbClr val="000000"/>
+                </a:solidFill>
+                <a:latin typeface="Calibri" panose="020F0502020204030204" pitchFamily="34" charset="0"/>
+                <a:ea typeface="Calibri" panose="020F0502020204030204" pitchFamily="34" charset="0"/>
+                <a:cs typeface="Arial" panose="020B0604020202020204" pitchFamily="34" charset="0"/>
+              </a:rPr>
+            </a:br>
+            <a:r>
+              <a:rPr lang="en-US" dirty="0">
+                <a:solidFill>
+                  <a:srgbClr val="000000"/>
+                </a:solidFill>
+                <a:latin typeface="Calibri" panose="020F0502020204030204" pitchFamily="34" charset="0"/>
+                <a:ea typeface="Calibri" panose="020F0502020204030204" pitchFamily="34" charset="0"/>
+                <a:cs typeface="Arial" panose="020B0604020202020204" pitchFamily="34" charset="0"/>
+              </a:rPr>
+              <a:t>});</a:t>
+            </a:r>
+            <a:endParaRPr lang="he-IL" dirty="0"/>
           </a:p>
         </p:txBody>
       </p:sp>
@@ -18368,7 +19507,968 @@
 </p:sld>
 </file>
 
-<file path=ppt/slides/slide31.xml><?xml version="1.0" encoding="utf-8"?>
+<file path=ppt/slides/slide32.xml><?xml version="1.0" encoding="utf-8"?>
+<p:sld xmlns:a="http://schemas.openxmlformats.org/drawingml/2006/main" xmlns:r="http://schemas.openxmlformats.org/officeDocument/2006/relationships" xmlns:p="http://schemas.openxmlformats.org/presentationml/2006/main">
+  <p:cSld>
+    <p:spTree>
+      <p:nvGrpSpPr>
+        <p:cNvPr id="1" name=""/>
+        <p:cNvGrpSpPr/>
+        <p:nvPr/>
+      </p:nvGrpSpPr>
+      <p:grpSpPr>
+        <a:xfrm>
+          <a:off x="0" y="0"/>
+          <a:ext cx="0" cy="0"/>
+          <a:chOff x="0" y="0"/>
+          <a:chExt cx="0" cy="0"/>
+        </a:xfrm>
+      </p:grpSpPr>
+      <p:sp>
+        <p:nvSpPr>
+          <p:cNvPr id="2" name="Title 1">
+            <a:extLst>
+              <a:ext uri="{FF2B5EF4-FFF2-40B4-BE49-F238E27FC236}">
+                <a16:creationId xmlns:a16="http://schemas.microsoft.com/office/drawing/2014/main" id="{C4B218D6-F8F6-401C-94E1-1270EFA9BECA}"/>
+              </a:ext>
+            </a:extLst>
+          </p:cNvPr>
+          <p:cNvSpPr>
+            <a:spLocks noGrp="1"/>
+          </p:cNvSpPr>
+          <p:nvPr>
+            <p:ph type="title"/>
+          </p:nvPr>
+        </p:nvSpPr>
+        <p:spPr/>
+        <p:txBody>
+          <a:bodyPr/>
+          <a:lstStyle/>
+          <a:p>
+            <a:r>
+              <a:rPr lang="en-US" dirty="0"/>
+              <a:t>Pipe &amp; Errors</a:t>
+            </a:r>
+            <a:endParaRPr lang="he-IL" dirty="0"/>
+          </a:p>
+        </p:txBody>
+      </p:sp>
+      <p:sp>
+        <p:nvSpPr>
+          <p:cNvPr id="3" name="Footer Placeholder 2">
+            <a:extLst>
+              <a:ext uri="{FF2B5EF4-FFF2-40B4-BE49-F238E27FC236}">
+                <a16:creationId xmlns:a16="http://schemas.microsoft.com/office/drawing/2014/main" id="{2EDB60EB-E92B-4B67-A057-913AF08AE634}"/>
+              </a:ext>
+            </a:extLst>
+          </p:cNvPr>
+          <p:cNvSpPr>
+            <a:spLocks noGrp="1"/>
+          </p:cNvSpPr>
+          <p:nvPr>
+            <p:ph type="ftr" sz="quarter" idx="11"/>
+          </p:nvPr>
+        </p:nvSpPr>
+        <p:spPr/>
+        <p:txBody>
+          <a:bodyPr/>
+          <a:lstStyle/>
+          <a:p>
+            <a:r>
+              <a:rPr lang="en-US"/>
+              <a:t>© 2017 Ori Calvo</a:t>
+            </a:r>
+            <a:endParaRPr lang="en-US" dirty="0"/>
+          </a:p>
+        </p:txBody>
+      </p:sp>
+      <p:sp>
+        <p:nvSpPr>
+          <p:cNvPr id="4" name="Slide Number Placeholder 3">
+            <a:extLst>
+              <a:ext uri="{FF2B5EF4-FFF2-40B4-BE49-F238E27FC236}">
+                <a16:creationId xmlns:a16="http://schemas.microsoft.com/office/drawing/2014/main" id="{EB22CB81-13C2-45C1-9707-9E71E82B2729}"/>
+              </a:ext>
+            </a:extLst>
+          </p:cNvPr>
+          <p:cNvSpPr>
+            <a:spLocks noGrp="1"/>
+          </p:cNvSpPr>
+          <p:nvPr>
+            <p:ph type="sldNum" sz="quarter" idx="12"/>
+          </p:nvPr>
+        </p:nvSpPr>
+        <p:spPr/>
+        <p:txBody>
+          <a:bodyPr>
+            <a:normAutofit fontScale="85000" lnSpcReduction="20000"/>
+          </a:bodyPr>
+          <a:lstStyle/>
+          <a:p>
+            <a:fld id="{87B78B44-2135-4DB2-B732-E7D5FFF77B6A}" type="slidenum">
+              <a:rPr lang="en-US" smtClean="0"/>
+              <a:pPr/>
+              <a:t>32</a:t>
+            </a:fld>
+            <a:endParaRPr lang="en-US"/>
+          </a:p>
+        </p:txBody>
+      </p:sp>
+      <p:sp>
+        <p:nvSpPr>
+          <p:cNvPr id="5" name="Content Placeholder 4">
+            <a:extLst>
+              <a:ext uri="{FF2B5EF4-FFF2-40B4-BE49-F238E27FC236}">
+                <a16:creationId xmlns:a16="http://schemas.microsoft.com/office/drawing/2014/main" id="{65D30A18-A45F-4C34-A8F7-AAD4E0EEEDEE}"/>
+              </a:ext>
+            </a:extLst>
+          </p:cNvPr>
+          <p:cNvSpPr>
+            <a:spLocks noGrp="1"/>
+          </p:cNvSpPr>
+          <p:nvPr>
+            <p:ph sz="quarter" idx="1"/>
+          </p:nvPr>
+        </p:nvSpPr>
+        <p:spPr/>
+        <p:txBody>
+          <a:bodyPr/>
+          <a:lstStyle/>
+          <a:p>
+            <a:r>
+              <a:rPr lang="en-US" dirty="0"/>
+              <a:t>Must handle </a:t>
+            </a:r>
+            <a:r>
+              <a:rPr lang="en-US" dirty="0">
+                <a:solidFill>
+                  <a:srgbClr val="FF0000"/>
+                </a:solidFill>
+              </a:rPr>
+              <a:t>error</a:t>
+            </a:r>
+            <a:r>
+              <a:rPr lang="en-US" dirty="0"/>
+              <a:t> event after each pipe</a:t>
+            </a:r>
+            <a:endParaRPr lang="he-IL" dirty="0"/>
+          </a:p>
+        </p:txBody>
+      </p:sp>
+      <p:sp>
+        <p:nvSpPr>
+          <p:cNvPr id="6" name="Rectangle 5">
+            <a:extLst>
+              <a:ext uri="{FF2B5EF4-FFF2-40B4-BE49-F238E27FC236}">
+                <a16:creationId xmlns:a16="http://schemas.microsoft.com/office/drawing/2014/main" id="{58445156-69EF-4F66-91B1-5A5B947C7453}"/>
+              </a:ext>
+            </a:extLst>
+          </p:cNvPr>
+          <p:cNvSpPr/>
+          <p:nvPr/>
+        </p:nvSpPr>
+        <p:spPr>
+          <a:xfrm>
+            <a:off x="2286000" y="2291239"/>
+            <a:ext cx="4572000" cy="4185761"/>
+          </a:xfrm>
+          <a:prstGeom prst="rect">
+            <a:avLst/>
+          </a:prstGeom>
+          <a:solidFill>
+            <a:schemeClr val="accent1">
+              <a:lumMod val="40000"/>
+              <a:lumOff val="60000"/>
+            </a:schemeClr>
+          </a:solidFill>
+        </p:spPr>
+        <p:txBody>
+          <a:bodyPr>
+            <a:spAutoFit/>
+          </a:bodyPr>
+          <a:lstStyle/>
+          <a:p>
+            <a:r>
+              <a:rPr lang="en-US" sz="1400" b="1" dirty="0">
+                <a:solidFill>
+                  <a:srgbClr val="000080"/>
+                </a:solidFill>
+                <a:latin typeface="Calibri" panose="020F0502020204030204" pitchFamily="34" charset="0"/>
+                <a:ea typeface="Calibri" panose="020F0502020204030204" pitchFamily="34" charset="0"/>
+                <a:cs typeface="Arial" panose="020B0604020202020204" pitchFamily="34" charset="0"/>
+              </a:rPr>
+              <a:t>function </a:t>
+            </a:r>
+            <a:r>
+              <a:rPr lang="en-US" sz="1400" i="1" dirty="0">
+                <a:solidFill>
+                  <a:srgbClr val="000000"/>
+                </a:solidFill>
+                <a:latin typeface="Calibri" panose="020F0502020204030204" pitchFamily="34" charset="0"/>
+                <a:ea typeface="Calibri" panose="020F0502020204030204" pitchFamily="34" charset="0"/>
+                <a:cs typeface="Arial" panose="020B0604020202020204" pitchFamily="34" charset="0"/>
+              </a:rPr>
+              <a:t>compress</a:t>
+            </a:r>
+            <a:r>
+              <a:rPr lang="en-US" sz="1400" dirty="0">
+                <a:solidFill>
+                  <a:srgbClr val="000000"/>
+                </a:solidFill>
+                <a:latin typeface="Calibri" panose="020F0502020204030204" pitchFamily="34" charset="0"/>
+                <a:ea typeface="Calibri" panose="020F0502020204030204" pitchFamily="34" charset="0"/>
+                <a:cs typeface="Arial" panose="020B0604020202020204" pitchFamily="34" charset="0"/>
+              </a:rPr>
+              <a:t>(source, </a:t>
+            </a:r>
+            <a:r>
+              <a:rPr lang="en-US" sz="1400" dirty="0" err="1">
+                <a:solidFill>
+                  <a:srgbClr val="000000"/>
+                </a:solidFill>
+                <a:latin typeface="Calibri" panose="020F0502020204030204" pitchFamily="34" charset="0"/>
+                <a:ea typeface="Calibri" panose="020F0502020204030204" pitchFamily="34" charset="0"/>
+                <a:cs typeface="Arial" panose="020B0604020202020204" pitchFamily="34" charset="0"/>
+              </a:rPr>
+              <a:t>dest</a:t>
+            </a:r>
+            <a:r>
+              <a:rPr lang="en-US" sz="1400" dirty="0">
+                <a:solidFill>
+                  <a:srgbClr val="000000"/>
+                </a:solidFill>
+                <a:latin typeface="Calibri" panose="020F0502020204030204" pitchFamily="34" charset="0"/>
+                <a:ea typeface="Calibri" panose="020F0502020204030204" pitchFamily="34" charset="0"/>
+                <a:cs typeface="Arial" panose="020B0604020202020204" pitchFamily="34" charset="0"/>
+              </a:rPr>
+              <a:t>) {</a:t>
+            </a:r>
+            <a:br>
+              <a:rPr lang="en-US" sz="1400" dirty="0">
+                <a:solidFill>
+                  <a:srgbClr val="000000"/>
+                </a:solidFill>
+                <a:latin typeface="Calibri" panose="020F0502020204030204" pitchFamily="34" charset="0"/>
+                <a:ea typeface="Calibri" panose="020F0502020204030204" pitchFamily="34" charset="0"/>
+                <a:cs typeface="Arial" panose="020B0604020202020204" pitchFamily="34" charset="0"/>
+              </a:rPr>
+            </a:br>
+            <a:r>
+              <a:rPr lang="en-US" sz="1400" dirty="0">
+                <a:solidFill>
+                  <a:srgbClr val="000000"/>
+                </a:solidFill>
+                <a:latin typeface="Calibri" panose="020F0502020204030204" pitchFamily="34" charset="0"/>
+                <a:ea typeface="Calibri" panose="020F0502020204030204" pitchFamily="34" charset="0"/>
+                <a:cs typeface="Arial" panose="020B0604020202020204" pitchFamily="34" charset="0"/>
+              </a:rPr>
+              <a:t>    </a:t>
+            </a:r>
+            <a:r>
+              <a:rPr lang="en-US" sz="1400" b="1" dirty="0">
+                <a:solidFill>
+                  <a:srgbClr val="000080"/>
+                </a:solidFill>
+                <a:latin typeface="Calibri" panose="020F0502020204030204" pitchFamily="34" charset="0"/>
+                <a:ea typeface="Calibri" panose="020F0502020204030204" pitchFamily="34" charset="0"/>
+                <a:cs typeface="Arial" panose="020B0604020202020204" pitchFamily="34" charset="0"/>
+              </a:rPr>
+              <a:t>return new </a:t>
+            </a:r>
+            <a:r>
+              <a:rPr lang="en-US" sz="1400" b="1" i="1" dirty="0">
+                <a:solidFill>
+                  <a:srgbClr val="660E7A"/>
+                </a:solidFill>
+                <a:latin typeface="Calibri" panose="020F0502020204030204" pitchFamily="34" charset="0"/>
+                <a:ea typeface="Calibri" panose="020F0502020204030204" pitchFamily="34" charset="0"/>
+                <a:cs typeface="Arial" panose="020B0604020202020204" pitchFamily="34" charset="0"/>
+              </a:rPr>
+              <a:t>Promise</a:t>
+            </a:r>
+            <a:r>
+              <a:rPr lang="en-US" sz="1400" dirty="0">
+                <a:solidFill>
+                  <a:srgbClr val="000000"/>
+                </a:solidFill>
+                <a:latin typeface="Calibri" panose="020F0502020204030204" pitchFamily="34" charset="0"/>
+                <a:ea typeface="Calibri" panose="020F0502020204030204" pitchFamily="34" charset="0"/>
+                <a:cs typeface="Arial" panose="020B0604020202020204" pitchFamily="34" charset="0"/>
+              </a:rPr>
+              <a:t>((resolve, reject) =&gt; {</a:t>
+            </a:r>
+            <a:br>
+              <a:rPr lang="en-US" sz="1400" dirty="0">
+                <a:solidFill>
+                  <a:srgbClr val="000000"/>
+                </a:solidFill>
+                <a:latin typeface="Calibri" panose="020F0502020204030204" pitchFamily="34" charset="0"/>
+                <a:ea typeface="Calibri" panose="020F0502020204030204" pitchFamily="34" charset="0"/>
+                <a:cs typeface="Arial" panose="020B0604020202020204" pitchFamily="34" charset="0"/>
+              </a:rPr>
+            </a:br>
+            <a:r>
+              <a:rPr lang="en-US" sz="1400" dirty="0">
+                <a:solidFill>
+                  <a:srgbClr val="000000"/>
+                </a:solidFill>
+                <a:latin typeface="Calibri" panose="020F0502020204030204" pitchFamily="34" charset="0"/>
+                <a:ea typeface="Calibri" panose="020F0502020204030204" pitchFamily="34" charset="0"/>
+                <a:cs typeface="Arial" panose="020B0604020202020204" pitchFamily="34" charset="0"/>
+              </a:rPr>
+              <a:t>        </a:t>
+            </a:r>
+            <a:r>
+              <a:rPr lang="en-US" sz="1400" dirty="0" err="1">
+                <a:solidFill>
+                  <a:srgbClr val="458383"/>
+                </a:solidFill>
+                <a:latin typeface="Calibri" panose="020F0502020204030204" pitchFamily="34" charset="0"/>
+                <a:ea typeface="Calibri" panose="020F0502020204030204" pitchFamily="34" charset="0"/>
+                <a:cs typeface="Arial" panose="020B0604020202020204" pitchFamily="34" charset="0"/>
+              </a:rPr>
+              <a:t>fs</a:t>
+            </a:r>
+            <a:r>
+              <a:rPr lang="en-US" sz="1400" dirty="0" err="1">
+                <a:solidFill>
+                  <a:srgbClr val="000000"/>
+                </a:solidFill>
+                <a:latin typeface="Calibri" panose="020F0502020204030204" pitchFamily="34" charset="0"/>
+                <a:ea typeface="Calibri" panose="020F0502020204030204" pitchFamily="34" charset="0"/>
+                <a:cs typeface="Arial" panose="020B0604020202020204" pitchFamily="34" charset="0"/>
+              </a:rPr>
+              <a:t>.createReadStream</a:t>
+            </a:r>
+            <a:r>
+              <a:rPr lang="en-US" sz="1400" dirty="0">
+                <a:solidFill>
+                  <a:srgbClr val="000000"/>
+                </a:solidFill>
+                <a:latin typeface="Calibri" panose="020F0502020204030204" pitchFamily="34" charset="0"/>
+                <a:ea typeface="Calibri" panose="020F0502020204030204" pitchFamily="34" charset="0"/>
+                <a:cs typeface="Arial" panose="020B0604020202020204" pitchFamily="34" charset="0"/>
+              </a:rPr>
+              <a:t>(source)</a:t>
+            </a:r>
+            <a:br>
+              <a:rPr lang="en-US" sz="1400" dirty="0">
+                <a:solidFill>
+                  <a:srgbClr val="000000"/>
+                </a:solidFill>
+                <a:latin typeface="Calibri" panose="020F0502020204030204" pitchFamily="34" charset="0"/>
+                <a:ea typeface="Calibri" panose="020F0502020204030204" pitchFamily="34" charset="0"/>
+                <a:cs typeface="Arial" panose="020B0604020202020204" pitchFamily="34" charset="0"/>
+              </a:rPr>
+            </a:br>
+            <a:r>
+              <a:rPr lang="en-US" sz="1400" dirty="0">
+                <a:solidFill>
+                  <a:srgbClr val="000000"/>
+                </a:solidFill>
+                <a:latin typeface="Calibri" panose="020F0502020204030204" pitchFamily="34" charset="0"/>
+                <a:ea typeface="Calibri" panose="020F0502020204030204" pitchFamily="34" charset="0"/>
+                <a:cs typeface="Arial" panose="020B0604020202020204" pitchFamily="34" charset="0"/>
+              </a:rPr>
+              <a:t>            .on(</a:t>
+            </a:r>
+            <a:r>
+              <a:rPr lang="en-US" sz="1400" b="1" dirty="0">
+                <a:solidFill>
+                  <a:srgbClr val="008000"/>
+                </a:solidFill>
+                <a:latin typeface="Calibri" panose="020F0502020204030204" pitchFamily="34" charset="0"/>
+                <a:ea typeface="Calibri" panose="020F0502020204030204" pitchFamily="34" charset="0"/>
+                <a:cs typeface="Arial" panose="020B0604020202020204" pitchFamily="34" charset="0"/>
+              </a:rPr>
+              <a:t>"error"</a:t>
+            </a:r>
+            <a:r>
+              <a:rPr lang="en-US" sz="1400" dirty="0">
+                <a:solidFill>
+                  <a:srgbClr val="000000"/>
+                </a:solidFill>
+                <a:latin typeface="Calibri" panose="020F0502020204030204" pitchFamily="34" charset="0"/>
+                <a:ea typeface="Calibri" panose="020F0502020204030204" pitchFamily="34" charset="0"/>
+                <a:cs typeface="Arial" panose="020B0604020202020204" pitchFamily="34" charset="0"/>
+              </a:rPr>
+              <a:t>, </a:t>
+            </a:r>
+            <a:r>
+              <a:rPr lang="en-US" sz="1400" b="1" dirty="0">
+                <a:solidFill>
+                  <a:srgbClr val="000080"/>
+                </a:solidFill>
+                <a:latin typeface="Calibri" panose="020F0502020204030204" pitchFamily="34" charset="0"/>
+                <a:ea typeface="Calibri" panose="020F0502020204030204" pitchFamily="34" charset="0"/>
+                <a:cs typeface="Arial" panose="020B0604020202020204" pitchFamily="34" charset="0"/>
+              </a:rPr>
+              <a:t>function </a:t>
+            </a:r>
+            <a:r>
+              <a:rPr lang="en-US" sz="1400" dirty="0">
+                <a:solidFill>
+                  <a:srgbClr val="000000"/>
+                </a:solidFill>
+                <a:latin typeface="Calibri" panose="020F0502020204030204" pitchFamily="34" charset="0"/>
+                <a:ea typeface="Calibri" panose="020F0502020204030204" pitchFamily="34" charset="0"/>
+                <a:cs typeface="Arial" panose="020B0604020202020204" pitchFamily="34" charset="0"/>
+              </a:rPr>
+              <a:t>(err) {</a:t>
+            </a:r>
+            <a:br>
+              <a:rPr lang="en-US" sz="1400" dirty="0">
+                <a:solidFill>
+                  <a:srgbClr val="000000"/>
+                </a:solidFill>
+                <a:latin typeface="Calibri" panose="020F0502020204030204" pitchFamily="34" charset="0"/>
+                <a:ea typeface="Calibri" panose="020F0502020204030204" pitchFamily="34" charset="0"/>
+                <a:cs typeface="Arial" panose="020B0604020202020204" pitchFamily="34" charset="0"/>
+              </a:rPr>
+            </a:br>
+            <a:r>
+              <a:rPr lang="en-US" sz="1400" dirty="0">
+                <a:solidFill>
+                  <a:srgbClr val="000000"/>
+                </a:solidFill>
+                <a:latin typeface="Calibri" panose="020F0502020204030204" pitchFamily="34" charset="0"/>
+                <a:ea typeface="Calibri" panose="020F0502020204030204" pitchFamily="34" charset="0"/>
+                <a:cs typeface="Arial" panose="020B0604020202020204" pitchFamily="34" charset="0"/>
+              </a:rPr>
+              <a:t>                reject(err);</a:t>
+            </a:r>
+            <a:br>
+              <a:rPr lang="en-US" sz="1400" dirty="0">
+                <a:solidFill>
+                  <a:srgbClr val="000000"/>
+                </a:solidFill>
+                <a:latin typeface="Calibri" panose="020F0502020204030204" pitchFamily="34" charset="0"/>
+                <a:ea typeface="Calibri" panose="020F0502020204030204" pitchFamily="34" charset="0"/>
+                <a:cs typeface="Arial" panose="020B0604020202020204" pitchFamily="34" charset="0"/>
+              </a:rPr>
+            </a:br>
+            <a:r>
+              <a:rPr lang="en-US" sz="1400" dirty="0">
+                <a:solidFill>
+                  <a:srgbClr val="000000"/>
+                </a:solidFill>
+                <a:latin typeface="Calibri" panose="020F0502020204030204" pitchFamily="34" charset="0"/>
+                <a:ea typeface="Calibri" panose="020F0502020204030204" pitchFamily="34" charset="0"/>
+                <a:cs typeface="Arial" panose="020B0604020202020204" pitchFamily="34" charset="0"/>
+              </a:rPr>
+              <a:t>            })</a:t>
+            </a:r>
+            <a:br>
+              <a:rPr lang="en-US" sz="1400" dirty="0">
+                <a:solidFill>
+                  <a:srgbClr val="000000"/>
+                </a:solidFill>
+                <a:latin typeface="Calibri" panose="020F0502020204030204" pitchFamily="34" charset="0"/>
+                <a:ea typeface="Calibri" panose="020F0502020204030204" pitchFamily="34" charset="0"/>
+                <a:cs typeface="Arial" panose="020B0604020202020204" pitchFamily="34" charset="0"/>
+              </a:rPr>
+            </a:br>
+            <a:r>
+              <a:rPr lang="en-US" sz="1400" dirty="0">
+                <a:solidFill>
+                  <a:srgbClr val="000000"/>
+                </a:solidFill>
+                <a:latin typeface="Calibri" panose="020F0502020204030204" pitchFamily="34" charset="0"/>
+                <a:ea typeface="Calibri" panose="020F0502020204030204" pitchFamily="34" charset="0"/>
+                <a:cs typeface="Arial" panose="020B0604020202020204" pitchFamily="34" charset="0"/>
+              </a:rPr>
+              <a:t>            .pipe(</a:t>
+            </a:r>
+            <a:r>
+              <a:rPr lang="en-US" sz="1400" dirty="0" err="1">
+                <a:solidFill>
+                  <a:srgbClr val="458383"/>
+                </a:solidFill>
+                <a:latin typeface="Calibri" panose="020F0502020204030204" pitchFamily="34" charset="0"/>
+                <a:ea typeface="Calibri" panose="020F0502020204030204" pitchFamily="34" charset="0"/>
+                <a:cs typeface="Arial" panose="020B0604020202020204" pitchFamily="34" charset="0"/>
+              </a:rPr>
+              <a:t>zlib</a:t>
+            </a:r>
+            <a:r>
+              <a:rPr lang="en-US" sz="1400" dirty="0" err="1">
+                <a:solidFill>
+                  <a:srgbClr val="000000"/>
+                </a:solidFill>
+                <a:latin typeface="Calibri" panose="020F0502020204030204" pitchFamily="34" charset="0"/>
+                <a:ea typeface="Calibri" panose="020F0502020204030204" pitchFamily="34" charset="0"/>
+                <a:cs typeface="Arial" panose="020B0604020202020204" pitchFamily="34" charset="0"/>
+              </a:rPr>
+              <a:t>.createGzip</a:t>
+            </a:r>
+            <a:r>
+              <a:rPr lang="en-US" sz="1400" dirty="0">
+                <a:solidFill>
+                  <a:srgbClr val="000000"/>
+                </a:solidFill>
+                <a:latin typeface="Calibri" panose="020F0502020204030204" pitchFamily="34" charset="0"/>
+                <a:ea typeface="Calibri" panose="020F0502020204030204" pitchFamily="34" charset="0"/>
+                <a:cs typeface="Arial" panose="020B0604020202020204" pitchFamily="34" charset="0"/>
+              </a:rPr>
+              <a:t>())</a:t>
+            </a:r>
+            <a:br>
+              <a:rPr lang="en-US" sz="1400" dirty="0">
+                <a:solidFill>
+                  <a:srgbClr val="000000"/>
+                </a:solidFill>
+                <a:latin typeface="Calibri" panose="020F0502020204030204" pitchFamily="34" charset="0"/>
+                <a:ea typeface="Calibri" panose="020F0502020204030204" pitchFamily="34" charset="0"/>
+                <a:cs typeface="Arial" panose="020B0604020202020204" pitchFamily="34" charset="0"/>
+              </a:rPr>
+            </a:br>
+            <a:r>
+              <a:rPr lang="en-US" sz="1400" dirty="0">
+                <a:solidFill>
+                  <a:srgbClr val="000000"/>
+                </a:solidFill>
+                <a:latin typeface="Calibri" panose="020F0502020204030204" pitchFamily="34" charset="0"/>
+                <a:ea typeface="Calibri" panose="020F0502020204030204" pitchFamily="34" charset="0"/>
+                <a:cs typeface="Arial" panose="020B0604020202020204" pitchFamily="34" charset="0"/>
+              </a:rPr>
+              <a:t>            .on(</a:t>
+            </a:r>
+            <a:r>
+              <a:rPr lang="en-US" sz="1400" b="1" dirty="0">
+                <a:solidFill>
+                  <a:srgbClr val="008000"/>
+                </a:solidFill>
+                <a:latin typeface="Calibri" panose="020F0502020204030204" pitchFamily="34" charset="0"/>
+                <a:ea typeface="Calibri" panose="020F0502020204030204" pitchFamily="34" charset="0"/>
+                <a:cs typeface="Arial" panose="020B0604020202020204" pitchFamily="34" charset="0"/>
+              </a:rPr>
+              <a:t>"error"</a:t>
+            </a:r>
+            <a:r>
+              <a:rPr lang="en-US" sz="1400" dirty="0">
+                <a:solidFill>
+                  <a:srgbClr val="000000"/>
+                </a:solidFill>
+                <a:latin typeface="Calibri" panose="020F0502020204030204" pitchFamily="34" charset="0"/>
+                <a:ea typeface="Calibri" panose="020F0502020204030204" pitchFamily="34" charset="0"/>
+                <a:cs typeface="Arial" panose="020B0604020202020204" pitchFamily="34" charset="0"/>
+              </a:rPr>
+              <a:t>, </a:t>
+            </a:r>
+            <a:r>
+              <a:rPr lang="en-US" sz="1400" b="1" dirty="0">
+                <a:solidFill>
+                  <a:srgbClr val="000080"/>
+                </a:solidFill>
+                <a:latin typeface="Calibri" panose="020F0502020204030204" pitchFamily="34" charset="0"/>
+                <a:ea typeface="Calibri" panose="020F0502020204030204" pitchFamily="34" charset="0"/>
+                <a:cs typeface="Arial" panose="020B0604020202020204" pitchFamily="34" charset="0"/>
+              </a:rPr>
+              <a:t>function </a:t>
+            </a:r>
+            <a:r>
+              <a:rPr lang="en-US" sz="1400" dirty="0">
+                <a:solidFill>
+                  <a:srgbClr val="000000"/>
+                </a:solidFill>
+                <a:latin typeface="Calibri" panose="020F0502020204030204" pitchFamily="34" charset="0"/>
+                <a:ea typeface="Calibri" panose="020F0502020204030204" pitchFamily="34" charset="0"/>
+                <a:cs typeface="Arial" panose="020B0604020202020204" pitchFamily="34" charset="0"/>
+              </a:rPr>
+              <a:t>(err) {</a:t>
+            </a:r>
+            <a:br>
+              <a:rPr lang="en-US" sz="1400" dirty="0">
+                <a:solidFill>
+                  <a:srgbClr val="000000"/>
+                </a:solidFill>
+                <a:latin typeface="Calibri" panose="020F0502020204030204" pitchFamily="34" charset="0"/>
+                <a:ea typeface="Calibri" panose="020F0502020204030204" pitchFamily="34" charset="0"/>
+                <a:cs typeface="Arial" panose="020B0604020202020204" pitchFamily="34" charset="0"/>
+              </a:rPr>
+            </a:br>
+            <a:r>
+              <a:rPr lang="en-US" sz="1400" dirty="0">
+                <a:solidFill>
+                  <a:srgbClr val="000000"/>
+                </a:solidFill>
+                <a:latin typeface="Calibri" panose="020F0502020204030204" pitchFamily="34" charset="0"/>
+                <a:ea typeface="Calibri" panose="020F0502020204030204" pitchFamily="34" charset="0"/>
+                <a:cs typeface="Arial" panose="020B0604020202020204" pitchFamily="34" charset="0"/>
+              </a:rPr>
+              <a:t>                reject(err);</a:t>
+            </a:r>
+            <a:br>
+              <a:rPr lang="en-US" sz="1400" dirty="0">
+                <a:solidFill>
+                  <a:srgbClr val="000000"/>
+                </a:solidFill>
+                <a:latin typeface="Calibri" panose="020F0502020204030204" pitchFamily="34" charset="0"/>
+                <a:ea typeface="Calibri" panose="020F0502020204030204" pitchFamily="34" charset="0"/>
+                <a:cs typeface="Arial" panose="020B0604020202020204" pitchFamily="34" charset="0"/>
+              </a:rPr>
+            </a:br>
+            <a:r>
+              <a:rPr lang="en-US" sz="1400" dirty="0">
+                <a:solidFill>
+                  <a:srgbClr val="000000"/>
+                </a:solidFill>
+                <a:latin typeface="Calibri" panose="020F0502020204030204" pitchFamily="34" charset="0"/>
+                <a:ea typeface="Calibri" panose="020F0502020204030204" pitchFamily="34" charset="0"/>
+                <a:cs typeface="Arial" panose="020B0604020202020204" pitchFamily="34" charset="0"/>
+              </a:rPr>
+              <a:t>            })</a:t>
+            </a:r>
+            <a:br>
+              <a:rPr lang="en-US" sz="1400" dirty="0">
+                <a:solidFill>
+                  <a:srgbClr val="000000"/>
+                </a:solidFill>
+                <a:latin typeface="Calibri" panose="020F0502020204030204" pitchFamily="34" charset="0"/>
+                <a:ea typeface="Calibri" panose="020F0502020204030204" pitchFamily="34" charset="0"/>
+                <a:cs typeface="Arial" panose="020B0604020202020204" pitchFamily="34" charset="0"/>
+              </a:rPr>
+            </a:br>
+            <a:r>
+              <a:rPr lang="en-US" sz="1400" dirty="0">
+                <a:solidFill>
+                  <a:srgbClr val="000000"/>
+                </a:solidFill>
+                <a:latin typeface="Calibri" panose="020F0502020204030204" pitchFamily="34" charset="0"/>
+                <a:ea typeface="Calibri" panose="020F0502020204030204" pitchFamily="34" charset="0"/>
+                <a:cs typeface="Arial" panose="020B0604020202020204" pitchFamily="34" charset="0"/>
+              </a:rPr>
+              <a:t>            .pipe(</a:t>
+            </a:r>
+            <a:r>
+              <a:rPr lang="en-US" sz="1400" dirty="0" err="1">
+                <a:solidFill>
+                  <a:srgbClr val="458383"/>
+                </a:solidFill>
+                <a:latin typeface="Calibri" panose="020F0502020204030204" pitchFamily="34" charset="0"/>
+                <a:ea typeface="Calibri" panose="020F0502020204030204" pitchFamily="34" charset="0"/>
+                <a:cs typeface="Arial" panose="020B0604020202020204" pitchFamily="34" charset="0"/>
+              </a:rPr>
+              <a:t>fs</a:t>
+            </a:r>
+            <a:r>
+              <a:rPr lang="en-US" sz="1400" dirty="0" err="1">
+                <a:solidFill>
+                  <a:srgbClr val="000000"/>
+                </a:solidFill>
+                <a:latin typeface="Calibri" panose="020F0502020204030204" pitchFamily="34" charset="0"/>
+                <a:ea typeface="Calibri" panose="020F0502020204030204" pitchFamily="34" charset="0"/>
+                <a:cs typeface="Arial" panose="020B0604020202020204" pitchFamily="34" charset="0"/>
+              </a:rPr>
+              <a:t>.createWriteStream</a:t>
+            </a:r>
+            <a:r>
+              <a:rPr lang="en-US" sz="1400" dirty="0">
+                <a:solidFill>
+                  <a:srgbClr val="000000"/>
+                </a:solidFill>
+                <a:latin typeface="Calibri" panose="020F0502020204030204" pitchFamily="34" charset="0"/>
+                <a:ea typeface="Calibri" panose="020F0502020204030204" pitchFamily="34" charset="0"/>
+                <a:cs typeface="Arial" panose="020B0604020202020204" pitchFamily="34" charset="0"/>
+              </a:rPr>
+              <a:t>(</a:t>
+            </a:r>
+            <a:r>
+              <a:rPr lang="en-US" sz="1400" dirty="0" err="1">
+                <a:solidFill>
+                  <a:srgbClr val="000000"/>
+                </a:solidFill>
+                <a:latin typeface="Calibri" panose="020F0502020204030204" pitchFamily="34" charset="0"/>
+                <a:ea typeface="Calibri" panose="020F0502020204030204" pitchFamily="34" charset="0"/>
+                <a:cs typeface="Arial" panose="020B0604020202020204" pitchFamily="34" charset="0"/>
+              </a:rPr>
+              <a:t>dest</a:t>
+            </a:r>
+            <a:r>
+              <a:rPr lang="en-US" sz="1400" dirty="0">
+                <a:solidFill>
+                  <a:srgbClr val="000000"/>
+                </a:solidFill>
+                <a:latin typeface="Calibri" panose="020F0502020204030204" pitchFamily="34" charset="0"/>
+                <a:ea typeface="Calibri" panose="020F0502020204030204" pitchFamily="34" charset="0"/>
+                <a:cs typeface="Arial" panose="020B0604020202020204" pitchFamily="34" charset="0"/>
+              </a:rPr>
+              <a:t>))</a:t>
+            </a:r>
+            <a:br>
+              <a:rPr lang="en-US" sz="1400" dirty="0">
+                <a:solidFill>
+                  <a:srgbClr val="000000"/>
+                </a:solidFill>
+                <a:latin typeface="Calibri" panose="020F0502020204030204" pitchFamily="34" charset="0"/>
+                <a:ea typeface="Calibri" panose="020F0502020204030204" pitchFamily="34" charset="0"/>
+                <a:cs typeface="Arial" panose="020B0604020202020204" pitchFamily="34" charset="0"/>
+              </a:rPr>
+            </a:br>
+            <a:r>
+              <a:rPr lang="en-US" sz="1400" dirty="0">
+                <a:solidFill>
+                  <a:srgbClr val="000000"/>
+                </a:solidFill>
+                <a:latin typeface="Calibri" panose="020F0502020204030204" pitchFamily="34" charset="0"/>
+                <a:ea typeface="Calibri" panose="020F0502020204030204" pitchFamily="34" charset="0"/>
+                <a:cs typeface="Arial" panose="020B0604020202020204" pitchFamily="34" charset="0"/>
+              </a:rPr>
+              <a:t>            .on(</a:t>
+            </a:r>
+            <a:r>
+              <a:rPr lang="en-US" sz="1400" b="1" dirty="0">
+                <a:solidFill>
+                  <a:srgbClr val="008000"/>
+                </a:solidFill>
+                <a:latin typeface="Calibri" panose="020F0502020204030204" pitchFamily="34" charset="0"/>
+                <a:ea typeface="Calibri" panose="020F0502020204030204" pitchFamily="34" charset="0"/>
+                <a:cs typeface="Arial" panose="020B0604020202020204" pitchFamily="34" charset="0"/>
+              </a:rPr>
+              <a:t>"error"</a:t>
+            </a:r>
+            <a:r>
+              <a:rPr lang="en-US" sz="1400" dirty="0">
+                <a:solidFill>
+                  <a:srgbClr val="000000"/>
+                </a:solidFill>
+                <a:latin typeface="Calibri" panose="020F0502020204030204" pitchFamily="34" charset="0"/>
+                <a:ea typeface="Calibri" panose="020F0502020204030204" pitchFamily="34" charset="0"/>
+                <a:cs typeface="Arial" panose="020B0604020202020204" pitchFamily="34" charset="0"/>
+              </a:rPr>
+              <a:t>, </a:t>
+            </a:r>
+            <a:r>
+              <a:rPr lang="en-US" sz="1400" b="1" dirty="0">
+                <a:solidFill>
+                  <a:srgbClr val="000080"/>
+                </a:solidFill>
+                <a:latin typeface="Calibri" panose="020F0502020204030204" pitchFamily="34" charset="0"/>
+                <a:ea typeface="Calibri" panose="020F0502020204030204" pitchFamily="34" charset="0"/>
+                <a:cs typeface="Arial" panose="020B0604020202020204" pitchFamily="34" charset="0"/>
+              </a:rPr>
+              <a:t>function </a:t>
+            </a:r>
+            <a:r>
+              <a:rPr lang="en-US" sz="1400" dirty="0">
+                <a:solidFill>
+                  <a:srgbClr val="000000"/>
+                </a:solidFill>
+                <a:latin typeface="Calibri" panose="020F0502020204030204" pitchFamily="34" charset="0"/>
+                <a:ea typeface="Calibri" panose="020F0502020204030204" pitchFamily="34" charset="0"/>
+                <a:cs typeface="Arial" panose="020B0604020202020204" pitchFamily="34" charset="0"/>
+              </a:rPr>
+              <a:t>(err) {</a:t>
+            </a:r>
+            <a:br>
+              <a:rPr lang="en-US" sz="1400" dirty="0">
+                <a:solidFill>
+                  <a:srgbClr val="000000"/>
+                </a:solidFill>
+                <a:latin typeface="Calibri" panose="020F0502020204030204" pitchFamily="34" charset="0"/>
+                <a:ea typeface="Calibri" panose="020F0502020204030204" pitchFamily="34" charset="0"/>
+                <a:cs typeface="Arial" panose="020B0604020202020204" pitchFamily="34" charset="0"/>
+              </a:rPr>
+            </a:br>
+            <a:r>
+              <a:rPr lang="en-US" sz="1400" dirty="0">
+                <a:solidFill>
+                  <a:srgbClr val="000000"/>
+                </a:solidFill>
+                <a:latin typeface="Calibri" panose="020F0502020204030204" pitchFamily="34" charset="0"/>
+                <a:ea typeface="Calibri" panose="020F0502020204030204" pitchFamily="34" charset="0"/>
+                <a:cs typeface="Arial" panose="020B0604020202020204" pitchFamily="34" charset="0"/>
+              </a:rPr>
+              <a:t>                reject(err);</a:t>
+            </a:r>
+            <a:br>
+              <a:rPr lang="en-US" sz="1400" dirty="0">
+                <a:solidFill>
+                  <a:srgbClr val="000000"/>
+                </a:solidFill>
+                <a:latin typeface="Calibri" panose="020F0502020204030204" pitchFamily="34" charset="0"/>
+                <a:ea typeface="Calibri" panose="020F0502020204030204" pitchFamily="34" charset="0"/>
+                <a:cs typeface="Arial" panose="020B0604020202020204" pitchFamily="34" charset="0"/>
+              </a:rPr>
+            </a:br>
+            <a:r>
+              <a:rPr lang="en-US" sz="1400" dirty="0">
+                <a:solidFill>
+                  <a:srgbClr val="000000"/>
+                </a:solidFill>
+                <a:latin typeface="Calibri" panose="020F0502020204030204" pitchFamily="34" charset="0"/>
+                <a:ea typeface="Calibri" panose="020F0502020204030204" pitchFamily="34" charset="0"/>
+                <a:cs typeface="Arial" panose="020B0604020202020204" pitchFamily="34" charset="0"/>
+              </a:rPr>
+              <a:t>            })</a:t>
+            </a:r>
+            <a:br>
+              <a:rPr lang="en-US" sz="1400" dirty="0">
+                <a:solidFill>
+                  <a:srgbClr val="000000"/>
+                </a:solidFill>
+                <a:latin typeface="Calibri" panose="020F0502020204030204" pitchFamily="34" charset="0"/>
+                <a:ea typeface="Calibri" panose="020F0502020204030204" pitchFamily="34" charset="0"/>
+                <a:cs typeface="Arial" panose="020B0604020202020204" pitchFamily="34" charset="0"/>
+              </a:rPr>
+            </a:br>
+            <a:r>
+              <a:rPr lang="en-US" sz="1400" dirty="0">
+                <a:solidFill>
+                  <a:srgbClr val="000000"/>
+                </a:solidFill>
+                <a:latin typeface="Calibri" panose="020F0502020204030204" pitchFamily="34" charset="0"/>
+                <a:ea typeface="Calibri" panose="020F0502020204030204" pitchFamily="34" charset="0"/>
+                <a:cs typeface="Arial" panose="020B0604020202020204" pitchFamily="34" charset="0"/>
+              </a:rPr>
+              <a:t>            .on(</a:t>
+            </a:r>
+            <a:r>
+              <a:rPr lang="en-US" sz="1400" b="1" dirty="0">
+                <a:solidFill>
+                  <a:srgbClr val="008000"/>
+                </a:solidFill>
+                <a:latin typeface="Calibri" panose="020F0502020204030204" pitchFamily="34" charset="0"/>
+                <a:ea typeface="Calibri" panose="020F0502020204030204" pitchFamily="34" charset="0"/>
+                <a:cs typeface="Arial" panose="020B0604020202020204" pitchFamily="34" charset="0"/>
+              </a:rPr>
+              <a:t>"finish"</a:t>
+            </a:r>
+            <a:r>
+              <a:rPr lang="en-US" sz="1400" dirty="0">
+                <a:solidFill>
+                  <a:srgbClr val="000000"/>
+                </a:solidFill>
+                <a:latin typeface="Calibri" panose="020F0502020204030204" pitchFamily="34" charset="0"/>
+                <a:ea typeface="Calibri" panose="020F0502020204030204" pitchFamily="34" charset="0"/>
+                <a:cs typeface="Arial" panose="020B0604020202020204" pitchFamily="34" charset="0"/>
+              </a:rPr>
+              <a:t>, </a:t>
+            </a:r>
+            <a:r>
+              <a:rPr lang="en-US" sz="1400" b="1" dirty="0">
+                <a:solidFill>
+                  <a:srgbClr val="000080"/>
+                </a:solidFill>
+                <a:latin typeface="Calibri" panose="020F0502020204030204" pitchFamily="34" charset="0"/>
+                <a:ea typeface="Calibri" panose="020F0502020204030204" pitchFamily="34" charset="0"/>
+                <a:cs typeface="Arial" panose="020B0604020202020204" pitchFamily="34" charset="0"/>
+              </a:rPr>
+              <a:t>function </a:t>
+            </a:r>
+            <a:r>
+              <a:rPr lang="en-US" sz="1400" dirty="0">
+                <a:solidFill>
+                  <a:srgbClr val="000000"/>
+                </a:solidFill>
+                <a:latin typeface="Calibri" panose="020F0502020204030204" pitchFamily="34" charset="0"/>
+                <a:ea typeface="Calibri" panose="020F0502020204030204" pitchFamily="34" charset="0"/>
+                <a:cs typeface="Arial" panose="020B0604020202020204" pitchFamily="34" charset="0"/>
+              </a:rPr>
+              <a:t>() {</a:t>
+            </a:r>
+            <a:br>
+              <a:rPr lang="en-US" sz="1400" dirty="0">
+                <a:solidFill>
+                  <a:srgbClr val="000000"/>
+                </a:solidFill>
+                <a:latin typeface="Calibri" panose="020F0502020204030204" pitchFamily="34" charset="0"/>
+                <a:ea typeface="Calibri" panose="020F0502020204030204" pitchFamily="34" charset="0"/>
+                <a:cs typeface="Arial" panose="020B0604020202020204" pitchFamily="34" charset="0"/>
+              </a:rPr>
+            </a:br>
+            <a:r>
+              <a:rPr lang="en-US" sz="1400" dirty="0">
+                <a:solidFill>
+                  <a:srgbClr val="000000"/>
+                </a:solidFill>
+                <a:latin typeface="Calibri" panose="020F0502020204030204" pitchFamily="34" charset="0"/>
+                <a:ea typeface="Calibri" panose="020F0502020204030204" pitchFamily="34" charset="0"/>
+                <a:cs typeface="Arial" panose="020B0604020202020204" pitchFamily="34" charset="0"/>
+              </a:rPr>
+              <a:t>                resolve();</a:t>
+            </a:r>
+            <a:br>
+              <a:rPr lang="en-US" sz="1400" dirty="0">
+                <a:solidFill>
+                  <a:srgbClr val="000000"/>
+                </a:solidFill>
+                <a:latin typeface="Calibri" panose="020F0502020204030204" pitchFamily="34" charset="0"/>
+                <a:ea typeface="Calibri" panose="020F0502020204030204" pitchFamily="34" charset="0"/>
+                <a:cs typeface="Arial" panose="020B0604020202020204" pitchFamily="34" charset="0"/>
+              </a:rPr>
+            </a:br>
+            <a:r>
+              <a:rPr lang="en-US" sz="1400" dirty="0">
+                <a:solidFill>
+                  <a:srgbClr val="000000"/>
+                </a:solidFill>
+                <a:latin typeface="Calibri" panose="020F0502020204030204" pitchFamily="34" charset="0"/>
+                <a:ea typeface="Calibri" panose="020F0502020204030204" pitchFamily="34" charset="0"/>
+                <a:cs typeface="Arial" panose="020B0604020202020204" pitchFamily="34" charset="0"/>
+              </a:rPr>
+              <a:t>            });</a:t>
+            </a:r>
+            <a:br>
+              <a:rPr lang="en-US" sz="1400" dirty="0">
+                <a:solidFill>
+                  <a:srgbClr val="000000"/>
+                </a:solidFill>
+                <a:latin typeface="Calibri" panose="020F0502020204030204" pitchFamily="34" charset="0"/>
+                <a:ea typeface="Calibri" panose="020F0502020204030204" pitchFamily="34" charset="0"/>
+                <a:cs typeface="Arial" panose="020B0604020202020204" pitchFamily="34" charset="0"/>
+              </a:rPr>
+            </a:br>
+            <a:r>
+              <a:rPr lang="en-US" sz="1400" dirty="0">
+                <a:solidFill>
+                  <a:srgbClr val="000000"/>
+                </a:solidFill>
+                <a:latin typeface="Calibri" panose="020F0502020204030204" pitchFamily="34" charset="0"/>
+                <a:ea typeface="Calibri" panose="020F0502020204030204" pitchFamily="34" charset="0"/>
+                <a:cs typeface="Arial" panose="020B0604020202020204" pitchFamily="34" charset="0"/>
+              </a:rPr>
+              <a:t>    });</a:t>
+            </a:r>
+            <a:br>
+              <a:rPr lang="en-US" sz="1400" dirty="0">
+                <a:solidFill>
+                  <a:srgbClr val="000000"/>
+                </a:solidFill>
+                <a:latin typeface="Calibri" panose="020F0502020204030204" pitchFamily="34" charset="0"/>
+                <a:ea typeface="Calibri" panose="020F0502020204030204" pitchFamily="34" charset="0"/>
+                <a:cs typeface="Arial" panose="020B0604020202020204" pitchFamily="34" charset="0"/>
+              </a:rPr>
+            </a:br>
+            <a:r>
+              <a:rPr lang="en-US" sz="1400" dirty="0">
+                <a:solidFill>
+                  <a:srgbClr val="000000"/>
+                </a:solidFill>
+                <a:latin typeface="Calibri" panose="020F0502020204030204" pitchFamily="34" charset="0"/>
+                <a:ea typeface="Calibri" panose="020F0502020204030204" pitchFamily="34" charset="0"/>
+                <a:cs typeface="Arial" panose="020B0604020202020204" pitchFamily="34" charset="0"/>
+              </a:rPr>
+              <a:t>}</a:t>
+            </a:r>
+            <a:endParaRPr lang="he-IL" sz="1400" dirty="0"/>
+          </a:p>
+        </p:txBody>
+      </p:sp>
+    </p:spTree>
+    <p:extLst>
+      <p:ext uri="{BB962C8B-B14F-4D97-AF65-F5344CB8AC3E}">
+        <p14:creationId xmlns:p14="http://schemas.microsoft.com/office/powerpoint/2010/main" val="613952340"/>
+      </p:ext>
+    </p:extLst>
+  </p:cSld>
+  <p:clrMapOvr>
+    <a:masterClrMapping/>
+  </p:clrMapOvr>
+</p:sld>
+</file>
+
+<file path=ppt/slides/slide33.xml><?xml version="1.0" encoding="utf-8"?>
 <p:sld xmlns:a="http://schemas.openxmlformats.org/drawingml/2006/main" xmlns:r="http://schemas.openxmlformats.org/officeDocument/2006/relationships" xmlns:p="http://schemas.openxmlformats.org/presentationml/2006/main">
   <p:cSld>
     <p:spTree>
@@ -18468,7 +20568,7 @@
             <a:fld id="{87B78B44-2135-4DB2-B732-E7D5FFF77B6A}" type="slidenum">
               <a:rPr lang="en-US" smtClean="0"/>
               <a:pPr/>
-              <a:t>31</a:t>
+              <a:t>33</a:t>
             </a:fld>
             <a:endParaRPr lang="en-US"/>
           </a:p>
@@ -18512,18 +20612,1692 @@
               <a:t>AKA “Object Mode”</a:t>
             </a:r>
           </a:p>
+        </p:txBody>
+      </p:sp>
+      <p:sp>
+        <p:nvSpPr>
+          <p:cNvPr id="6" name="Rectangle 5">
+            <a:extLst>
+              <a:ext uri="{FF2B5EF4-FFF2-40B4-BE49-F238E27FC236}">
+                <a16:creationId xmlns:a16="http://schemas.microsoft.com/office/drawing/2014/main" id="{FD83174D-41AD-49C3-A19C-06B96515C01D}"/>
+              </a:ext>
+            </a:extLst>
+          </p:cNvPr>
+          <p:cNvSpPr/>
+          <p:nvPr/>
+        </p:nvSpPr>
+        <p:spPr>
+          <a:xfrm>
+            <a:off x="2286000" y="4005064"/>
+            <a:ext cx="4572000" cy="1477328"/>
+          </a:xfrm>
+          <a:prstGeom prst="rect">
+            <a:avLst/>
+          </a:prstGeom>
+          <a:solidFill>
+            <a:schemeClr val="accent1">
+              <a:lumMod val="40000"/>
+              <a:lumOff val="60000"/>
+            </a:schemeClr>
+          </a:solidFill>
+        </p:spPr>
+        <p:txBody>
+          <a:bodyPr>
+            <a:spAutoFit/>
+          </a:bodyPr>
+          <a:lstStyle/>
+          <a:p>
+            <a:r>
+              <a:rPr lang="en-US" b="1" dirty="0" err="1">
+                <a:solidFill>
+                  <a:srgbClr val="000080"/>
+                </a:solidFill>
+                <a:latin typeface="Calibri" panose="020F0502020204030204" pitchFamily="34" charset="0"/>
+                <a:ea typeface="Calibri" panose="020F0502020204030204" pitchFamily="34" charset="0"/>
+                <a:cs typeface="Arial" panose="020B0604020202020204" pitchFamily="34" charset="0"/>
+              </a:rPr>
+              <a:t>const</a:t>
+            </a:r>
+            <a:r>
+              <a:rPr lang="en-US" b="1" dirty="0">
+                <a:solidFill>
+                  <a:srgbClr val="000080"/>
+                </a:solidFill>
+                <a:latin typeface="Calibri" panose="020F0502020204030204" pitchFamily="34" charset="0"/>
+                <a:ea typeface="Calibri" panose="020F0502020204030204" pitchFamily="34" charset="0"/>
+                <a:cs typeface="Arial" panose="020B0604020202020204" pitchFamily="34" charset="0"/>
+              </a:rPr>
+              <a:t> </a:t>
+            </a:r>
+            <a:r>
+              <a:rPr lang="en-US" dirty="0">
+                <a:solidFill>
+                  <a:srgbClr val="458383"/>
+                </a:solidFill>
+                <a:latin typeface="Calibri" panose="020F0502020204030204" pitchFamily="34" charset="0"/>
+                <a:ea typeface="Calibri" panose="020F0502020204030204" pitchFamily="34" charset="0"/>
+                <a:cs typeface="Arial" panose="020B0604020202020204" pitchFamily="34" charset="0"/>
+              </a:rPr>
+              <a:t>gulp </a:t>
+            </a:r>
+            <a:r>
+              <a:rPr lang="en-US" dirty="0">
+                <a:solidFill>
+                  <a:srgbClr val="000000"/>
+                </a:solidFill>
+                <a:latin typeface="Calibri" panose="020F0502020204030204" pitchFamily="34" charset="0"/>
+                <a:ea typeface="Calibri" panose="020F0502020204030204" pitchFamily="34" charset="0"/>
+                <a:cs typeface="Arial" panose="020B0604020202020204" pitchFamily="34" charset="0"/>
+              </a:rPr>
+              <a:t>= require(</a:t>
+            </a:r>
+            <a:r>
+              <a:rPr lang="en-US" b="1" dirty="0">
+                <a:solidFill>
+                  <a:srgbClr val="008000"/>
+                </a:solidFill>
+                <a:latin typeface="Calibri" panose="020F0502020204030204" pitchFamily="34" charset="0"/>
+                <a:ea typeface="Calibri" panose="020F0502020204030204" pitchFamily="34" charset="0"/>
+                <a:cs typeface="Arial" panose="020B0604020202020204" pitchFamily="34" charset="0"/>
+              </a:rPr>
+              <a:t>"gulp"</a:t>
+            </a:r>
+            <a:r>
+              <a:rPr lang="en-US" dirty="0">
+                <a:solidFill>
+                  <a:srgbClr val="000000"/>
+                </a:solidFill>
+                <a:latin typeface="Calibri" panose="020F0502020204030204" pitchFamily="34" charset="0"/>
+                <a:ea typeface="Calibri" panose="020F0502020204030204" pitchFamily="34" charset="0"/>
+                <a:cs typeface="Arial" panose="020B0604020202020204" pitchFamily="34" charset="0"/>
+              </a:rPr>
+              <a:t>);</a:t>
+            </a:r>
+            <a:br>
+              <a:rPr lang="en-US" dirty="0">
+                <a:solidFill>
+                  <a:srgbClr val="000000"/>
+                </a:solidFill>
+                <a:latin typeface="Calibri" panose="020F0502020204030204" pitchFamily="34" charset="0"/>
+                <a:ea typeface="Calibri" panose="020F0502020204030204" pitchFamily="34" charset="0"/>
+                <a:cs typeface="Arial" panose="020B0604020202020204" pitchFamily="34" charset="0"/>
+              </a:rPr>
+            </a:br>
+            <a:br>
+              <a:rPr lang="en-US" dirty="0">
+                <a:solidFill>
+                  <a:srgbClr val="000000"/>
+                </a:solidFill>
+                <a:latin typeface="Calibri" panose="020F0502020204030204" pitchFamily="34" charset="0"/>
+                <a:ea typeface="Calibri" panose="020F0502020204030204" pitchFamily="34" charset="0"/>
+                <a:cs typeface="Arial" panose="020B0604020202020204" pitchFamily="34" charset="0"/>
+              </a:rPr>
+            </a:br>
+            <a:r>
+              <a:rPr lang="en-US" dirty="0" err="1">
+                <a:solidFill>
+                  <a:srgbClr val="458383"/>
+                </a:solidFill>
+                <a:latin typeface="Calibri" panose="020F0502020204030204" pitchFamily="34" charset="0"/>
+                <a:ea typeface="Calibri" panose="020F0502020204030204" pitchFamily="34" charset="0"/>
+                <a:cs typeface="Arial" panose="020B0604020202020204" pitchFamily="34" charset="0"/>
+              </a:rPr>
+              <a:t>gulp</a:t>
+            </a:r>
+            <a:r>
+              <a:rPr lang="en-US" dirty="0" err="1">
+                <a:solidFill>
+                  <a:srgbClr val="000000"/>
+                </a:solidFill>
+                <a:latin typeface="Calibri" panose="020F0502020204030204" pitchFamily="34" charset="0"/>
+                <a:ea typeface="Calibri" panose="020F0502020204030204" pitchFamily="34" charset="0"/>
+                <a:cs typeface="Arial" panose="020B0604020202020204" pitchFamily="34" charset="0"/>
+              </a:rPr>
+              <a:t>.</a:t>
+            </a:r>
+            <a:r>
+              <a:rPr lang="en-US" b="1" dirty="0" err="1">
+                <a:solidFill>
+                  <a:srgbClr val="660E7A"/>
+                </a:solidFill>
+                <a:latin typeface="Calibri" panose="020F0502020204030204" pitchFamily="34" charset="0"/>
+                <a:ea typeface="Calibri" panose="020F0502020204030204" pitchFamily="34" charset="0"/>
+                <a:cs typeface="Arial" panose="020B0604020202020204" pitchFamily="34" charset="0"/>
+              </a:rPr>
+              <a:t>src</a:t>
+            </a:r>
+            <a:r>
+              <a:rPr lang="en-US" dirty="0">
+                <a:solidFill>
+                  <a:srgbClr val="000000"/>
+                </a:solidFill>
+                <a:latin typeface="Calibri" panose="020F0502020204030204" pitchFamily="34" charset="0"/>
+                <a:ea typeface="Calibri" panose="020F0502020204030204" pitchFamily="34" charset="0"/>
+                <a:cs typeface="Arial" panose="020B0604020202020204" pitchFamily="34" charset="0"/>
+              </a:rPr>
+              <a:t>(</a:t>
+            </a:r>
+            <a:r>
+              <a:rPr lang="en-US" b="1" dirty="0">
+                <a:solidFill>
+                  <a:srgbClr val="008000"/>
+                </a:solidFill>
+                <a:latin typeface="Calibri" panose="020F0502020204030204" pitchFamily="34" charset="0"/>
+                <a:ea typeface="Calibri" panose="020F0502020204030204" pitchFamily="34" charset="0"/>
+                <a:cs typeface="Arial" panose="020B0604020202020204" pitchFamily="34" charset="0"/>
+              </a:rPr>
+              <a:t>"*.</a:t>
+            </a:r>
+            <a:r>
+              <a:rPr lang="en-US" b="1" dirty="0" err="1">
+                <a:solidFill>
+                  <a:srgbClr val="008000"/>
+                </a:solidFill>
+                <a:latin typeface="Calibri" panose="020F0502020204030204" pitchFamily="34" charset="0"/>
+                <a:ea typeface="Calibri" panose="020F0502020204030204" pitchFamily="34" charset="0"/>
+                <a:cs typeface="Arial" panose="020B0604020202020204" pitchFamily="34" charset="0"/>
+              </a:rPr>
+              <a:t>js</a:t>
+            </a:r>
+            <a:r>
+              <a:rPr lang="en-US" b="1" dirty="0">
+                <a:solidFill>
+                  <a:srgbClr val="008000"/>
+                </a:solidFill>
+                <a:latin typeface="Calibri" panose="020F0502020204030204" pitchFamily="34" charset="0"/>
+                <a:ea typeface="Calibri" panose="020F0502020204030204" pitchFamily="34" charset="0"/>
+                <a:cs typeface="Arial" panose="020B0604020202020204" pitchFamily="34" charset="0"/>
+              </a:rPr>
+              <a:t>*"</a:t>
+            </a:r>
+            <a:r>
+              <a:rPr lang="en-US" dirty="0">
+                <a:solidFill>
+                  <a:srgbClr val="000000"/>
+                </a:solidFill>
+                <a:latin typeface="Calibri" panose="020F0502020204030204" pitchFamily="34" charset="0"/>
+                <a:ea typeface="Calibri" panose="020F0502020204030204" pitchFamily="34" charset="0"/>
+                <a:cs typeface="Arial" panose="020B0604020202020204" pitchFamily="34" charset="0"/>
+              </a:rPr>
+              <a:t>).on(</a:t>
+            </a:r>
+            <a:r>
+              <a:rPr lang="en-US" b="1" dirty="0">
+                <a:solidFill>
+                  <a:srgbClr val="008000"/>
+                </a:solidFill>
+                <a:latin typeface="Calibri" panose="020F0502020204030204" pitchFamily="34" charset="0"/>
+                <a:ea typeface="Calibri" panose="020F0502020204030204" pitchFamily="34" charset="0"/>
+                <a:cs typeface="Arial" panose="020B0604020202020204" pitchFamily="34" charset="0"/>
+              </a:rPr>
+              <a:t>"data"</a:t>
+            </a:r>
+            <a:r>
+              <a:rPr lang="en-US" dirty="0">
+                <a:solidFill>
+                  <a:srgbClr val="000000"/>
+                </a:solidFill>
+                <a:latin typeface="Calibri" panose="020F0502020204030204" pitchFamily="34" charset="0"/>
+                <a:ea typeface="Calibri" panose="020F0502020204030204" pitchFamily="34" charset="0"/>
+                <a:cs typeface="Arial" panose="020B0604020202020204" pitchFamily="34" charset="0"/>
+              </a:rPr>
+              <a:t>, </a:t>
+            </a:r>
+            <a:r>
+              <a:rPr lang="en-US" b="1" dirty="0">
+                <a:solidFill>
+                  <a:srgbClr val="000080"/>
+                </a:solidFill>
+                <a:latin typeface="Calibri" panose="020F0502020204030204" pitchFamily="34" charset="0"/>
+                <a:ea typeface="Calibri" panose="020F0502020204030204" pitchFamily="34" charset="0"/>
+                <a:cs typeface="Arial" panose="020B0604020202020204" pitchFamily="34" charset="0"/>
+              </a:rPr>
+              <a:t>function</a:t>
+            </a:r>
+            <a:r>
+              <a:rPr lang="en-US" dirty="0">
+                <a:solidFill>
+                  <a:srgbClr val="000000"/>
+                </a:solidFill>
+                <a:latin typeface="Calibri" panose="020F0502020204030204" pitchFamily="34" charset="0"/>
+                <a:ea typeface="Calibri" panose="020F0502020204030204" pitchFamily="34" charset="0"/>
+                <a:cs typeface="Arial" panose="020B0604020202020204" pitchFamily="34" charset="0"/>
+              </a:rPr>
+              <a:t>(chunk) {</a:t>
+            </a:r>
+            <a:br>
+              <a:rPr lang="en-US" dirty="0">
+                <a:solidFill>
+                  <a:srgbClr val="000000"/>
+                </a:solidFill>
+                <a:latin typeface="Calibri" panose="020F0502020204030204" pitchFamily="34" charset="0"/>
+                <a:ea typeface="Calibri" panose="020F0502020204030204" pitchFamily="34" charset="0"/>
+                <a:cs typeface="Arial" panose="020B0604020202020204" pitchFamily="34" charset="0"/>
+              </a:rPr>
+            </a:br>
+            <a:r>
+              <a:rPr lang="en-US" dirty="0">
+                <a:solidFill>
+                  <a:srgbClr val="000000"/>
+                </a:solidFill>
+                <a:latin typeface="Calibri" panose="020F0502020204030204" pitchFamily="34" charset="0"/>
+                <a:ea typeface="Calibri" panose="020F0502020204030204" pitchFamily="34" charset="0"/>
+                <a:cs typeface="Arial" panose="020B0604020202020204" pitchFamily="34" charset="0"/>
+              </a:rPr>
+              <a:t>    </a:t>
+            </a:r>
+            <a:r>
+              <a:rPr lang="en-US" b="1" i="1" dirty="0">
+                <a:solidFill>
+                  <a:srgbClr val="660E7A"/>
+                </a:solidFill>
+                <a:latin typeface="Calibri" panose="020F0502020204030204" pitchFamily="34" charset="0"/>
+                <a:ea typeface="Calibri" panose="020F0502020204030204" pitchFamily="34" charset="0"/>
+                <a:cs typeface="Arial" panose="020B0604020202020204" pitchFamily="34" charset="0"/>
+              </a:rPr>
+              <a:t>console</a:t>
+            </a:r>
+            <a:r>
+              <a:rPr lang="en-US" dirty="0">
+                <a:solidFill>
+                  <a:srgbClr val="000000"/>
+                </a:solidFill>
+                <a:latin typeface="Calibri" panose="020F0502020204030204" pitchFamily="34" charset="0"/>
+                <a:ea typeface="Calibri" panose="020F0502020204030204" pitchFamily="34" charset="0"/>
+                <a:cs typeface="Arial" panose="020B0604020202020204" pitchFamily="34" charset="0"/>
+              </a:rPr>
+              <a:t>.</a:t>
+            </a:r>
+            <a:r>
+              <a:rPr lang="en-US" dirty="0">
+                <a:solidFill>
+                  <a:srgbClr val="7A7A43"/>
+                </a:solidFill>
+                <a:latin typeface="Calibri" panose="020F0502020204030204" pitchFamily="34" charset="0"/>
+                <a:ea typeface="Calibri" panose="020F0502020204030204" pitchFamily="34" charset="0"/>
+                <a:cs typeface="Arial" panose="020B0604020202020204" pitchFamily="34" charset="0"/>
+              </a:rPr>
+              <a:t>log</a:t>
+            </a:r>
+            <a:r>
+              <a:rPr lang="en-US" dirty="0">
+                <a:solidFill>
+                  <a:srgbClr val="000000"/>
+                </a:solidFill>
+                <a:latin typeface="Calibri" panose="020F0502020204030204" pitchFamily="34" charset="0"/>
+                <a:ea typeface="Calibri" panose="020F0502020204030204" pitchFamily="34" charset="0"/>
+                <a:cs typeface="Arial" panose="020B0604020202020204" pitchFamily="34" charset="0"/>
+              </a:rPr>
+              <a:t>(</a:t>
+            </a:r>
+            <a:r>
+              <a:rPr lang="en-US" dirty="0" err="1">
+                <a:solidFill>
+                  <a:srgbClr val="000000"/>
+                </a:solidFill>
+                <a:latin typeface="Calibri" panose="020F0502020204030204" pitchFamily="34" charset="0"/>
+                <a:ea typeface="Calibri" panose="020F0502020204030204" pitchFamily="34" charset="0"/>
+                <a:cs typeface="Arial" panose="020B0604020202020204" pitchFamily="34" charset="0"/>
+              </a:rPr>
+              <a:t>chunk.path</a:t>
+            </a:r>
+            <a:r>
+              <a:rPr lang="en-US" dirty="0">
+                <a:solidFill>
+                  <a:srgbClr val="000000"/>
+                </a:solidFill>
+                <a:latin typeface="Calibri" panose="020F0502020204030204" pitchFamily="34" charset="0"/>
+                <a:ea typeface="Calibri" panose="020F0502020204030204" pitchFamily="34" charset="0"/>
+                <a:cs typeface="Arial" panose="020B0604020202020204" pitchFamily="34" charset="0"/>
+              </a:rPr>
+              <a:t>);</a:t>
+            </a:r>
+            <a:br>
+              <a:rPr lang="en-US" dirty="0">
+                <a:solidFill>
+                  <a:srgbClr val="000000"/>
+                </a:solidFill>
+                <a:latin typeface="Calibri" panose="020F0502020204030204" pitchFamily="34" charset="0"/>
+                <a:ea typeface="Calibri" panose="020F0502020204030204" pitchFamily="34" charset="0"/>
+                <a:cs typeface="Arial" panose="020B0604020202020204" pitchFamily="34" charset="0"/>
+              </a:rPr>
+            </a:br>
+            <a:r>
+              <a:rPr lang="en-US" dirty="0">
+                <a:solidFill>
+                  <a:srgbClr val="000000"/>
+                </a:solidFill>
+                <a:latin typeface="Calibri" panose="020F0502020204030204" pitchFamily="34" charset="0"/>
+                <a:ea typeface="Calibri" panose="020F0502020204030204" pitchFamily="34" charset="0"/>
+                <a:cs typeface="Arial" panose="020B0604020202020204" pitchFamily="34" charset="0"/>
+              </a:rPr>
+              <a:t>});</a:t>
+            </a:r>
+            <a:endParaRPr lang="he-IL" dirty="0"/>
+          </a:p>
+        </p:txBody>
+      </p:sp>
+      <p:sp>
+        <p:nvSpPr>
+          <p:cNvPr id="7" name="Rectangle: Rounded Corners 6">
+            <a:extLst>
+              <a:ext uri="{FF2B5EF4-FFF2-40B4-BE49-F238E27FC236}">
+                <a16:creationId xmlns:a16="http://schemas.microsoft.com/office/drawing/2014/main" id="{6E81EAFC-C134-4419-ADD4-BFD021426D52}"/>
+              </a:ext>
+            </a:extLst>
+          </p:cNvPr>
+          <p:cNvSpPr/>
+          <p:nvPr/>
+        </p:nvSpPr>
+        <p:spPr>
+          <a:xfrm>
+            <a:off x="412466" y="5549280"/>
+            <a:ext cx="1512168" cy="1080120"/>
+          </a:xfrm>
+          <a:prstGeom prst="roundRect">
+            <a:avLst/>
+          </a:prstGeom>
+        </p:spPr>
+        <p:style>
+          <a:lnRef idx="2">
+            <a:schemeClr val="accent2">
+              <a:shade val="50000"/>
+            </a:schemeClr>
+          </a:lnRef>
+          <a:fillRef idx="1">
+            <a:schemeClr val="accent2"/>
+          </a:fillRef>
+          <a:effectRef idx="0">
+            <a:schemeClr val="accent2"/>
+          </a:effectRef>
+          <a:fontRef idx="minor">
+            <a:schemeClr val="lt1"/>
+          </a:fontRef>
+        </p:style>
+        <p:txBody>
+          <a:bodyPr rtlCol="0" anchor="ctr"/>
+          <a:lstStyle/>
+          <a:p>
+            <a:pPr algn="ctr"/>
+            <a:r>
+              <a:rPr lang="en-US" sz="1600" dirty="0"/>
+              <a:t>chunk is an object not a buffer/string</a:t>
+            </a:r>
+          </a:p>
+        </p:txBody>
+      </p:sp>
+      <p:cxnSp>
+        <p:nvCxnSpPr>
+          <p:cNvPr id="8" name="Straight Arrow Connector 7">
+            <a:extLst>
+              <a:ext uri="{FF2B5EF4-FFF2-40B4-BE49-F238E27FC236}">
+                <a16:creationId xmlns:a16="http://schemas.microsoft.com/office/drawing/2014/main" id="{FD28AA12-FE08-456B-9F7F-422F30F2B9D9}"/>
+              </a:ext>
+            </a:extLst>
+          </p:cNvPr>
+          <p:cNvCxnSpPr>
+            <a:cxnSpLocks/>
+            <a:stCxn id="7" idx="3"/>
+          </p:cNvCxnSpPr>
+          <p:nvPr/>
+        </p:nvCxnSpPr>
+        <p:spPr>
+          <a:xfrm flipV="1">
+            <a:off x="1924634" y="5168280"/>
+            <a:ext cx="1999294" cy="921060"/>
+          </a:xfrm>
+          <a:prstGeom prst="straightConnector1">
+            <a:avLst/>
+          </a:prstGeom>
+          <a:ln w="25400">
+            <a:tailEnd type="triangle"/>
+          </a:ln>
+        </p:spPr>
+        <p:style>
+          <a:lnRef idx="1">
+            <a:schemeClr val="accent2"/>
+          </a:lnRef>
+          <a:fillRef idx="0">
+            <a:schemeClr val="accent2"/>
+          </a:fillRef>
+          <a:effectRef idx="0">
+            <a:schemeClr val="accent2"/>
+          </a:effectRef>
+          <a:fontRef idx="minor">
+            <a:schemeClr val="tx1"/>
+          </a:fontRef>
+        </p:style>
+      </p:cxnSp>
+    </p:spTree>
+    <p:extLst>
+      <p:ext uri="{BB962C8B-B14F-4D97-AF65-F5344CB8AC3E}">
+        <p14:creationId xmlns:p14="http://schemas.microsoft.com/office/powerpoint/2010/main" val="1374164199"/>
+      </p:ext>
+    </p:extLst>
+  </p:cSld>
+  <p:clrMapOvr>
+    <a:masterClrMapping/>
+  </p:clrMapOvr>
+</p:sld>
+</file>
+
+<file path=ppt/slides/slide34.xml><?xml version="1.0" encoding="utf-8"?>
+<p:sld xmlns:a="http://schemas.openxmlformats.org/drawingml/2006/main" xmlns:r="http://schemas.openxmlformats.org/officeDocument/2006/relationships" xmlns:p="http://schemas.openxmlformats.org/presentationml/2006/main">
+  <p:cSld>
+    <p:spTree>
+      <p:nvGrpSpPr>
+        <p:cNvPr id="1" name=""/>
+        <p:cNvGrpSpPr/>
+        <p:nvPr/>
+      </p:nvGrpSpPr>
+      <p:grpSpPr>
+        <a:xfrm>
+          <a:off x="0" y="0"/>
+          <a:ext cx="0" cy="0"/>
+          <a:chOff x="0" y="0"/>
+          <a:chExt cx="0" cy="0"/>
+        </a:xfrm>
+      </p:grpSpPr>
+      <p:sp>
+        <p:nvSpPr>
+          <p:cNvPr id="2" name="Title 1">
+            <a:extLst>
+              <a:ext uri="{FF2B5EF4-FFF2-40B4-BE49-F238E27FC236}">
+                <a16:creationId xmlns:a16="http://schemas.microsoft.com/office/drawing/2014/main" id="{9891119B-45F3-4A3B-9344-B49BC2445C82}"/>
+              </a:ext>
+            </a:extLst>
+          </p:cNvPr>
+          <p:cNvSpPr>
+            <a:spLocks noGrp="1"/>
+          </p:cNvSpPr>
+          <p:nvPr>
+            <p:ph type="title"/>
+          </p:nvPr>
+        </p:nvSpPr>
+        <p:spPr/>
+        <p:txBody>
+          <a:bodyPr/>
+          <a:lstStyle/>
           <a:p>
             <a:r>
               <a:rPr lang="en-US" dirty="0"/>
-              <a:t>Will discuss it later in more details</a:t>
-            </a:r>
+              <a:t>Custom Read Stream</a:t>
+            </a:r>
+            <a:endParaRPr lang="he-IL" dirty="0"/>
+          </a:p>
+        </p:txBody>
+      </p:sp>
+      <p:sp>
+        <p:nvSpPr>
+          <p:cNvPr id="3" name="Footer Placeholder 2">
+            <a:extLst>
+              <a:ext uri="{FF2B5EF4-FFF2-40B4-BE49-F238E27FC236}">
+                <a16:creationId xmlns:a16="http://schemas.microsoft.com/office/drawing/2014/main" id="{0D18E290-3EBE-46E3-B403-AF5445C38E92}"/>
+              </a:ext>
+            </a:extLst>
+          </p:cNvPr>
+          <p:cNvSpPr>
+            <a:spLocks noGrp="1"/>
+          </p:cNvSpPr>
+          <p:nvPr>
+            <p:ph type="ftr" sz="quarter" idx="11"/>
+          </p:nvPr>
+        </p:nvSpPr>
+        <p:spPr/>
+        <p:txBody>
+          <a:bodyPr/>
+          <a:lstStyle/>
+          <a:p>
+            <a:r>
+              <a:rPr lang="en-US"/>
+              <a:t>© 2017 Ori Calvo</a:t>
+            </a:r>
+            <a:endParaRPr lang="en-US" dirty="0"/>
+          </a:p>
+        </p:txBody>
+      </p:sp>
+      <p:sp>
+        <p:nvSpPr>
+          <p:cNvPr id="4" name="Slide Number Placeholder 3">
+            <a:extLst>
+              <a:ext uri="{FF2B5EF4-FFF2-40B4-BE49-F238E27FC236}">
+                <a16:creationId xmlns:a16="http://schemas.microsoft.com/office/drawing/2014/main" id="{D2627C6A-BEEC-41C8-BBA6-5ADBFAC804D4}"/>
+              </a:ext>
+            </a:extLst>
+          </p:cNvPr>
+          <p:cNvSpPr>
+            <a:spLocks noGrp="1"/>
+          </p:cNvSpPr>
+          <p:nvPr>
+            <p:ph type="sldNum" sz="quarter" idx="12"/>
+          </p:nvPr>
+        </p:nvSpPr>
+        <p:spPr/>
+        <p:txBody>
+          <a:bodyPr>
+            <a:normAutofit fontScale="85000" lnSpcReduction="20000"/>
+          </a:bodyPr>
+          <a:lstStyle/>
+          <a:p>
+            <a:fld id="{87B78B44-2135-4DB2-B732-E7D5FFF77B6A}" type="slidenum">
+              <a:rPr lang="en-US" smtClean="0"/>
+              <a:pPr/>
+              <a:t>34</a:t>
+            </a:fld>
+            <a:endParaRPr lang="en-US"/>
+          </a:p>
+        </p:txBody>
+      </p:sp>
+      <p:sp>
+        <p:nvSpPr>
+          <p:cNvPr id="5" name="Content Placeholder 4">
+            <a:extLst>
+              <a:ext uri="{FF2B5EF4-FFF2-40B4-BE49-F238E27FC236}">
+                <a16:creationId xmlns:a16="http://schemas.microsoft.com/office/drawing/2014/main" id="{B3B25B77-40B9-4F78-AB4E-05A1ECF1C739}"/>
+              </a:ext>
+            </a:extLst>
+          </p:cNvPr>
+          <p:cNvSpPr>
+            <a:spLocks noGrp="1"/>
+          </p:cNvSpPr>
+          <p:nvPr>
+            <p:ph sz="quarter" idx="1"/>
+          </p:nvPr>
+        </p:nvSpPr>
+        <p:spPr/>
+        <p:txBody>
+          <a:bodyPr/>
+          <a:lstStyle/>
+          <a:p>
+            <a:r>
+              <a:rPr lang="en-US" dirty="0"/>
+              <a:t>Extends from </a:t>
+            </a:r>
+            <a:r>
+              <a:rPr lang="en-US" dirty="0">
+                <a:solidFill>
+                  <a:srgbClr val="FF0000"/>
+                </a:solidFill>
+              </a:rPr>
+              <a:t>Readable</a:t>
+            </a:r>
+            <a:r>
+              <a:rPr lang="en-US" dirty="0"/>
+              <a:t> class</a:t>
+            </a:r>
+          </a:p>
+          <a:p>
+            <a:r>
+              <a:rPr lang="en-US" dirty="0"/>
+              <a:t>Use </a:t>
+            </a:r>
+            <a:r>
+              <a:rPr lang="en-US" dirty="0" err="1">
+                <a:solidFill>
+                  <a:srgbClr val="FF0000"/>
+                </a:solidFill>
+              </a:rPr>
+              <a:t>this.push</a:t>
+            </a:r>
+            <a:r>
+              <a:rPr lang="en-US" dirty="0">
+                <a:solidFill>
+                  <a:srgbClr val="FF0000"/>
+                </a:solidFill>
+              </a:rPr>
+              <a:t> </a:t>
+            </a:r>
+            <a:r>
+              <a:rPr lang="en-US" dirty="0"/>
+              <a:t>to send data </a:t>
+            </a:r>
+          </a:p>
+          <a:p>
+            <a:r>
+              <a:rPr lang="en-US" dirty="0"/>
+              <a:t>Must implement </a:t>
+            </a:r>
+            <a:r>
+              <a:rPr lang="en-US" dirty="0">
+                <a:solidFill>
+                  <a:srgbClr val="FF0000"/>
+                </a:solidFill>
+              </a:rPr>
+              <a:t>_read</a:t>
+            </a:r>
+            <a:r>
+              <a:rPr lang="en-US" dirty="0"/>
+              <a:t> method</a:t>
+            </a:r>
+            <a:endParaRPr lang="he-IL" dirty="0"/>
+          </a:p>
+        </p:txBody>
+      </p:sp>
+      <p:sp>
+        <p:nvSpPr>
+          <p:cNvPr id="6" name="Rectangle 5">
+            <a:extLst>
+              <a:ext uri="{FF2B5EF4-FFF2-40B4-BE49-F238E27FC236}">
+                <a16:creationId xmlns:a16="http://schemas.microsoft.com/office/drawing/2014/main" id="{BABC9C54-EA0F-49C3-B3EF-B9562078D3B9}"/>
+              </a:ext>
+            </a:extLst>
+          </p:cNvPr>
+          <p:cNvSpPr/>
+          <p:nvPr/>
+        </p:nvSpPr>
+        <p:spPr>
+          <a:xfrm>
+            <a:off x="2627784" y="3284984"/>
+            <a:ext cx="4572000" cy="3308598"/>
+          </a:xfrm>
+          <a:prstGeom prst="rect">
+            <a:avLst/>
+          </a:prstGeom>
+          <a:solidFill>
+            <a:schemeClr val="accent1">
+              <a:lumMod val="40000"/>
+              <a:lumOff val="60000"/>
+            </a:schemeClr>
+          </a:solidFill>
+        </p:spPr>
+        <p:txBody>
+          <a:bodyPr>
+            <a:spAutoFit/>
+          </a:bodyPr>
+          <a:lstStyle/>
+          <a:p>
+            <a:r>
+              <a:rPr lang="en-US" sz="1100" b="1" dirty="0" err="1">
+                <a:solidFill>
+                  <a:srgbClr val="000080"/>
+                </a:solidFill>
+                <a:latin typeface="Calibri" panose="020F0502020204030204" pitchFamily="34" charset="0"/>
+                <a:ea typeface="Calibri" panose="020F0502020204030204" pitchFamily="34" charset="0"/>
+                <a:cs typeface="Arial" panose="020B0604020202020204" pitchFamily="34" charset="0"/>
+              </a:rPr>
+              <a:t>const</a:t>
+            </a:r>
+            <a:r>
+              <a:rPr lang="en-US" sz="1100" b="1" dirty="0">
+                <a:solidFill>
+                  <a:srgbClr val="000080"/>
+                </a:solidFill>
+                <a:latin typeface="Calibri" panose="020F0502020204030204" pitchFamily="34" charset="0"/>
+                <a:ea typeface="Calibri" panose="020F0502020204030204" pitchFamily="34" charset="0"/>
+                <a:cs typeface="Arial" panose="020B0604020202020204" pitchFamily="34" charset="0"/>
+              </a:rPr>
+              <a:t> </a:t>
+            </a:r>
+            <a:r>
+              <a:rPr lang="en-US" sz="1100" dirty="0">
+                <a:solidFill>
+                  <a:srgbClr val="000000"/>
+                </a:solidFill>
+                <a:latin typeface="Calibri" panose="020F0502020204030204" pitchFamily="34" charset="0"/>
+                <a:ea typeface="Calibri" panose="020F0502020204030204" pitchFamily="34" charset="0"/>
+                <a:cs typeface="Arial" panose="020B0604020202020204" pitchFamily="34" charset="0"/>
+              </a:rPr>
+              <a:t>{</a:t>
+            </a:r>
+            <a:r>
+              <a:rPr lang="en-US" sz="1100" dirty="0">
+                <a:solidFill>
+                  <a:srgbClr val="458383"/>
+                </a:solidFill>
+                <a:latin typeface="Calibri" panose="020F0502020204030204" pitchFamily="34" charset="0"/>
+                <a:ea typeface="Calibri" panose="020F0502020204030204" pitchFamily="34" charset="0"/>
+                <a:cs typeface="Arial" panose="020B0604020202020204" pitchFamily="34" charset="0"/>
+              </a:rPr>
+              <a:t>Readable</a:t>
+            </a:r>
+            <a:r>
+              <a:rPr lang="en-US" sz="1100" dirty="0">
+                <a:solidFill>
+                  <a:srgbClr val="000000"/>
+                </a:solidFill>
+                <a:latin typeface="Calibri" panose="020F0502020204030204" pitchFamily="34" charset="0"/>
+                <a:ea typeface="Calibri" panose="020F0502020204030204" pitchFamily="34" charset="0"/>
+                <a:cs typeface="Arial" panose="020B0604020202020204" pitchFamily="34" charset="0"/>
+              </a:rPr>
+              <a:t>} = require(</a:t>
+            </a:r>
+            <a:r>
+              <a:rPr lang="en-US" sz="1100" b="1" dirty="0">
+                <a:solidFill>
+                  <a:srgbClr val="008000"/>
+                </a:solidFill>
+                <a:latin typeface="Calibri" panose="020F0502020204030204" pitchFamily="34" charset="0"/>
+                <a:ea typeface="Calibri" panose="020F0502020204030204" pitchFamily="34" charset="0"/>
+                <a:cs typeface="Arial" panose="020B0604020202020204" pitchFamily="34" charset="0"/>
+              </a:rPr>
+              <a:t>"stream"</a:t>
+            </a:r>
+            <a:r>
+              <a:rPr lang="en-US" sz="1100" dirty="0">
+                <a:solidFill>
+                  <a:srgbClr val="000000"/>
+                </a:solidFill>
+                <a:latin typeface="Calibri" panose="020F0502020204030204" pitchFamily="34" charset="0"/>
+                <a:ea typeface="Calibri" panose="020F0502020204030204" pitchFamily="34" charset="0"/>
+                <a:cs typeface="Arial" panose="020B0604020202020204" pitchFamily="34" charset="0"/>
+              </a:rPr>
+              <a:t>);</a:t>
+            </a:r>
+            <a:br>
+              <a:rPr lang="en-US" sz="1100" dirty="0">
+                <a:solidFill>
+                  <a:srgbClr val="000000"/>
+                </a:solidFill>
+                <a:latin typeface="Calibri" panose="020F0502020204030204" pitchFamily="34" charset="0"/>
+                <a:ea typeface="Calibri" panose="020F0502020204030204" pitchFamily="34" charset="0"/>
+                <a:cs typeface="Arial" panose="020B0604020202020204" pitchFamily="34" charset="0"/>
+              </a:rPr>
+            </a:br>
+            <a:br>
+              <a:rPr lang="en-US" sz="1100" dirty="0">
+                <a:solidFill>
+                  <a:srgbClr val="000000"/>
+                </a:solidFill>
+                <a:latin typeface="Calibri" panose="020F0502020204030204" pitchFamily="34" charset="0"/>
+                <a:ea typeface="Calibri" panose="020F0502020204030204" pitchFamily="34" charset="0"/>
+                <a:cs typeface="Arial" panose="020B0604020202020204" pitchFamily="34" charset="0"/>
+              </a:rPr>
+            </a:br>
+            <a:r>
+              <a:rPr lang="en-US" sz="1100" b="1" dirty="0">
+                <a:solidFill>
+                  <a:srgbClr val="000080"/>
+                </a:solidFill>
+                <a:latin typeface="Calibri" panose="020F0502020204030204" pitchFamily="34" charset="0"/>
+                <a:ea typeface="Calibri" panose="020F0502020204030204" pitchFamily="34" charset="0"/>
+                <a:cs typeface="Arial" panose="020B0604020202020204" pitchFamily="34" charset="0"/>
+              </a:rPr>
+              <a:t>class </a:t>
+            </a:r>
+            <a:r>
+              <a:rPr lang="en-US" sz="1100" dirty="0" err="1">
+                <a:solidFill>
+                  <a:srgbClr val="000000"/>
+                </a:solidFill>
+                <a:latin typeface="Calibri" panose="020F0502020204030204" pitchFamily="34" charset="0"/>
+                <a:ea typeface="Calibri" panose="020F0502020204030204" pitchFamily="34" charset="0"/>
+                <a:cs typeface="Arial" panose="020B0604020202020204" pitchFamily="34" charset="0"/>
+              </a:rPr>
+              <a:t>MyStream</a:t>
+            </a:r>
+            <a:r>
+              <a:rPr lang="en-US" sz="1100" dirty="0">
+                <a:solidFill>
+                  <a:srgbClr val="000000"/>
+                </a:solidFill>
+                <a:latin typeface="Calibri" panose="020F0502020204030204" pitchFamily="34" charset="0"/>
+                <a:ea typeface="Calibri" panose="020F0502020204030204" pitchFamily="34" charset="0"/>
+                <a:cs typeface="Arial" panose="020B0604020202020204" pitchFamily="34" charset="0"/>
+              </a:rPr>
+              <a:t> </a:t>
+            </a:r>
+            <a:r>
+              <a:rPr lang="en-US" sz="1100" b="1" dirty="0">
+                <a:solidFill>
+                  <a:srgbClr val="000080"/>
+                </a:solidFill>
+                <a:latin typeface="Calibri" panose="020F0502020204030204" pitchFamily="34" charset="0"/>
+                <a:ea typeface="Calibri" panose="020F0502020204030204" pitchFamily="34" charset="0"/>
+                <a:cs typeface="Arial" panose="020B0604020202020204" pitchFamily="34" charset="0"/>
+              </a:rPr>
+              <a:t>extends </a:t>
+            </a:r>
+            <a:r>
+              <a:rPr lang="en-US" sz="1100" dirty="0">
+                <a:solidFill>
+                  <a:srgbClr val="458383"/>
+                </a:solidFill>
+                <a:latin typeface="Calibri" panose="020F0502020204030204" pitchFamily="34" charset="0"/>
+                <a:ea typeface="Calibri" panose="020F0502020204030204" pitchFamily="34" charset="0"/>
+                <a:cs typeface="Arial" panose="020B0604020202020204" pitchFamily="34" charset="0"/>
+              </a:rPr>
+              <a:t>Readable </a:t>
+            </a:r>
+            <a:r>
+              <a:rPr lang="en-US" sz="1100" dirty="0">
+                <a:solidFill>
+                  <a:srgbClr val="000000"/>
+                </a:solidFill>
+                <a:latin typeface="Calibri" panose="020F0502020204030204" pitchFamily="34" charset="0"/>
+                <a:ea typeface="Calibri" panose="020F0502020204030204" pitchFamily="34" charset="0"/>
+                <a:cs typeface="Arial" panose="020B0604020202020204" pitchFamily="34" charset="0"/>
+              </a:rPr>
+              <a:t>{</a:t>
+            </a:r>
+            <a:br>
+              <a:rPr lang="en-US" sz="1100" dirty="0">
+                <a:solidFill>
+                  <a:srgbClr val="000000"/>
+                </a:solidFill>
+                <a:latin typeface="Calibri" panose="020F0502020204030204" pitchFamily="34" charset="0"/>
+                <a:ea typeface="Calibri" panose="020F0502020204030204" pitchFamily="34" charset="0"/>
+                <a:cs typeface="Arial" panose="020B0604020202020204" pitchFamily="34" charset="0"/>
+              </a:rPr>
+            </a:br>
+            <a:r>
+              <a:rPr lang="en-US" sz="1100" dirty="0">
+                <a:solidFill>
+                  <a:srgbClr val="000000"/>
+                </a:solidFill>
+                <a:latin typeface="Calibri" panose="020F0502020204030204" pitchFamily="34" charset="0"/>
+                <a:ea typeface="Calibri" panose="020F0502020204030204" pitchFamily="34" charset="0"/>
+                <a:cs typeface="Arial" panose="020B0604020202020204" pitchFamily="34" charset="0"/>
+              </a:rPr>
+              <a:t>    </a:t>
+            </a:r>
+            <a:r>
+              <a:rPr lang="en-US" sz="1100" dirty="0">
+                <a:solidFill>
+                  <a:srgbClr val="7A7A43"/>
+                </a:solidFill>
+                <a:latin typeface="Calibri" panose="020F0502020204030204" pitchFamily="34" charset="0"/>
+                <a:ea typeface="Calibri" panose="020F0502020204030204" pitchFamily="34" charset="0"/>
+                <a:cs typeface="Arial" panose="020B0604020202020204" pitchFamily="34" charset="0"/>
+              </a:rPr>
+              <a:t>constructor</a:t>
+            </a:r>
+            <a:r>
+              <a:rPr lang="en-US" sz="1100" dirty="0">
+                <a:solidFill>
+                  <a:srgbClr val="000000"/>
+                </a:solidFill>
+                <a:latin typeface="Calibri" panose="020F0502020204030204" pitchFamily="34" charset="0"/>
+                <a:ea typeface="Calibri" panose="020F0502020204030204" pitchFamily="34" charset="0"/>
+                <a:cs typeface="Arial" panose="020B0604020202020204" pitchFamily="34" charset="0"/>
+              </a:rPr>
+              <a:t>(options) {</a:t>
+            </a:r>
+            <a:br>
+              <a:rPr lang="en-US" sz="1100" dirty="0">
+                <a:solidFill>
+                  <a:srgbClr val="000000"/>
+                </a:solidFill>
+                <a:latin typeface="Calibri" panose="020F0502020204030204" pitchFamily="34" charset="0"/>
+                <a:ea typeface="Calibri" panose="020F0502020204030204" pitchFamily="34" charset="0"/>
+                <a:cs typeface="Arial" panose="020B0604020202020204" pitchFamily="34" charset="0"/>
+              </a:rPr>
+            </a:br>
+            <a:r>
+              <a:rPr lang="en-US" sz="1100" dirty="0">
+                <a:solidFill>
+                  <a:srgbClr val="000000"/>
+                </a:solidFill>
+                <a:latin typeface="Calibri" panose="020F0502020204030204" pitchFamily="34" charset="0"/>
+                <a:ea typeface="Calibri" panose="020F0502020204030204" pitchFamily="34" charset="0"/>
+                <a:cs typeface="Arial" panose="020B0604020202020204" pitchFamily="34" charset="0"/>
+              </a:rPr>
+              <a:t>        </a:t>
+            </a:r>
+            <a:r>
+              <a:rPr lang="en-US" sz="1100" b="1" dirty="0">
+                <a:solidFill>
+                  <a:srgbClr val="000080"/>
+                </a:solidFill>
+                <a:latin typeface="Calibri" panose="020F0502020204030204" pitchFamily="34" charset="0"/>
+                <a:ea typeface="Calibri" panose="020F0502020204030204" pitchFamily="34" charset="0"/>
+                <a:cs typeface="Arial" panose="020B0604020202020204" pitchFamily="34" charset="0"/>
+              </a:rPr>
+              <a:t>super</a:t>
+            </a:r>
+            <a:r>
+              <a:rPr lang="en-US" sz="1100" dirty="0">
+                <a:solidFill>
+                  <a:srgbClr val="000000"/>
+                </a:solidFill>
+                <a:latin typeface="Calibri" panose="020F0502020204030204" pitchFamily="34" charset="0"/>
+                <a:ea typeface="Calibri" panose="020F0502020204030204" pitchFamily="34" charset="0"/>
+                <a:cs typeface="Arial" panose="020B0604020202020204" pitchFamily="34" charset="0"/>
+              </a:rPr>
+              <a:t>(options);</a:t>
+            </a:r>
+            <a:br>
+              <a:rPr lang="en-US" sz="1100" dirty="0">
+                <a:solidFill>
+                  <a:srgbClr val="000000"/>
+                </a:solidFill>
+                <a:latin typeface="Calibri" panose="020F0502020204030204" pitchFamily="34" charset="0"/>
+                <a:ea typeface="Calibri" panose="020F0502020204030204" pitchFamily="34" charset="0"/>
+                <a:cs typeface="Arial" panose="020B0604020202020204" pitchFamily="34" charset="0"/>
+              </a:rPr>
+            </a:br>
+            <a:br>
+              <a:rPr lang="en-US" sz="1100" dirty="0">
+                <a:solidFill>
+                  <a:srgbClr val="000000"/>
+                </a:solidFill>
+                <a:latin typeface="Calibri" panose="020F0502020204030204" pitchFamily="34" charset="0"/>
+                <a:ea typeface="Calibri" panose="020F0502020204030204" pitchFamily="34" charset="0"/>
+                <a:cs typeface="Arial" panose="020B0604020202020204" pitchFamily="34" charset="0"/>
+              </a:rPr>
+            </a:br>
+            <a:r>
+              <a:rPr lang="en-US" sz="1100" dirty="0">
+                <a:solidFill>
+                  <a:srgbClr val="000000"/>
+                </a:solidFill>
+                <a:latin typeface="Calibri" panose="020F0502020204030204" pitchFamily="34" charset="0"/>
+                <a:ea typeface="Calibri" panose="020F0502020204030204" pitchFamily="34" charset="0"/>
+                <a:cs typeface="Arial" panose="020B0604020202020204" pitchFamily="34" charset="0"/>
+              </a:rPr>
+              <a:t>        </a:t>
+            </a:r>
+            <a:r>
+              <a:rPr lang="en-US" sz="1100" b="1" dirty="0" err="1">
+                <a:solidFill>
+                  <a:srgbClr val="000080"/>
+                </a:solidFill>
+                <a:latin typeface="Calibri" panose="020F0502020204030204" pitchFamily="34" charset="0"/>
+                <a:ea typeface="Calibri" panose="020F0502020204030204" pitchFamily="34" charset="0"/>
+                <a:cs typeface="Arial" panose="020B0604020202020204" pitchFamily="34" charset="0"/>
+              </a:rPr>
+              <a:t>this</a:t>
+            </a:r>
+            <a:r>
+              <a:rPr lang="en-US" sz="1100" dirty="0" err="1">
+                <a:solidFill>
+                  <a:srgbClr val="000000"/>
+                </a:solidFill>
+                <a:latin typeface="Calibri" panose="020F0502020204030204" pitchFamily="34" charset="0"/>
+                <a:ea typeface="Calibri" panose="020F0502020204030204" pitchFamily="34" charset="0"/>
+                <a:cs typeface="Arial" panose="020B0604020202020204" pitchFamily="34" charset="0"/>
+              </a:rPr>
+              <a:t>.</a:t>
+            </a:r>
+            <a:r>
+              <a:rPr lang="en-US" sz="1100" dirty="0" err="1">
+                <a:solidFill>
+                  <a:srgbClr val="7A7A43"/>
+                </a:solidFill>
+                <a:latin typeface="Calibri" panose="020F0502020204030204" pitchFamily="34" charset="0"/>
+                <a:ea typeface="Calibri" panose="020F0502020204030204" pitchFamily="34" charset="0"/>
+                <a:cs typeface="Arial" panose="020B0604020202020204" pitchFamily="34" charset="0"/>
+              </a:rPr>
+              <a:t>push</a:t>
+            </a:r>
+            <a:r>
+              <a:rPr lang="en-US" sz="1100" dirty="0">
+                <a:solidFill>
+                  <a:srgbClr val="000000"/>
+                </a:solidFill>
+                <a:latin typeface="Calibri" panose="020F0502020204030204" pitchFamily="34" charset="0"/>
+                <a:ea typeface="Calibri" panose="020F0502020204030204" pitchFamily="34" charset="0"/>
+                <a:cs typeface="Arial" panose="020B0604020202020204" pitchFamily="34" charset="0"/>
+              </a:rPr>
+              <a:t>(</a:t>
+            </a:r>
+            <a:r>
+              <a:rPr lang="en-US" sz="1100" b="1" dirty="0">
+                <a:solidFill>
+                  <a:srgbClr val="008000"/>
+                </a:solidFill>
+                <a:latin typeface="Calibri" panose="020F0502020204030204" pitchFamily="34" charset="0"/>
+                <a:ea typeface="Calibri" panose="020F0502020204030204" pitchFamily="34" charset="0"/>
+                <a:cs typeface="Arial" panose="020B0604020202020204" pitchFamily="34" charset="0"/>
+              </a:rPr>
+              <a:t>"1"</a:t>
+            </a:r>
+            <a:r>
+              <a:rPr lang="en-US" sz="1100" dirty="0">
+                <a:solidFill>
+                  <a:srgbClr val="000000"/>
+                </a:solidFill>
+                <a:latin typeface="Calibri" panose="020F0502020204030204" pitchFamily="34" charset="0"/>
+                <a:ea typeface="Calibri" panose="020F0502020204030204" pitchFamily="34" charset="0"/>
+                <a:cs typeface="Arial" panose="020B0604020202020204" pitchFamily="34" charset="0"/>
+              </a:rPr>
+              <a:t>);</a:t>
+            </a:r>
+            <a:br>
+              <a:rPr lang="en-US" sz="1100" dirty="0">
+                <a:solidFill>
+                  <a:srgbClr val="000000"/>
+                </a:solidFill>
+                <a:latin typeface="Calibri" panose="020F0502020204030204" pitchFamily="34" charset="0"/>
+                <a:ea typeface="Calibri" panose="020F0502020204030204" pitchFamily="34" charset="0"/>
+                <a:cs typeface="Arial" panose="020B0604020202020204" pitchFamily="34" charset="0"/>
+              </a:rPr>
+            </a:br>
+            <a:r>
+              <a:rPr lang="en-US" sz="1100" dirty="0">
+                <a:solidFill>
+                  <a:srgbClr val="000000"/>
+                </a:solidFill>
+                <a:latin typeface="Calibri" panose="020F0502020204030204" pitchFamily="34" charset="0"/>
+                <a:ea typeface="Calibri" panose="020F0502020204030204" pitchFamily="34" charset="0"/>
+                <a:cs typeface="Arial" panose="020B0604020202020204" pitchFamily="34" charset="0"/>
+              </a:rPr>
+              <a:t>        </a:t>
+            </a:r>
+            <a:r>
+              <a:rPr lang="en-US" sz="1100" b="1" dirty="0" err="1">
+                <a:solidFill>
+                  <a:srgbClr val="000080"/>
+                </a:solidFill>
+                <a:latin typeface="Calibri" panose="020F0502020204030204" pitchFamily="34" charset="0"/>
+                <a:ea typeface="Calibri" panose="020F0502020204030204" pitchFamily="34" charset="0"/>
+                <a:cs typeface="Arial" panose="020B0604020202020204" pitchFamily="34" charset="0"/>
+              </a:rPr>
+              <a:t>this</a:t>
+            </a:r>
+            <a:r>
+              <a:rPr lang="en-US" sz="1100" dirty="0" err="1">
+                <a:solidFill>
+                  <a:srgbClr val="000000"/>
+                </a:solidFill>
+                <a:latin typeface="Calibri" panose="020F0502020204030204" pitchFamily="34" charset="0"/>
+                <a:ea typeface="Calibri" panose="020F0502020204030204" pitchFamily="34" charset="0"/>
+                <a:cs typeface="Arial" panose="020B0604020202020204" pitchFamily="34" charset="0"/>
+              </a:rPr>
+              <a:t>.</a:t>
+            </a:r>
+            <a:r>
+              <a:rPr lang="en-US" sz="1100" dirty="0" err="1">
+                <a:solidFill>
+                  <a:srgbClr val="7A7A43"/>
+                </a:solidFill>
+                <a:latin typeface="Calibri" panose="020F0502020204030204" pitchFamily="34" charset="0"/>
+                <a:ea typeface="Calibri" panose="020F0502020204030204" pitchFamily="34" charset="0"/>
+                <a:cs typeface="Arial" panose="020B0604020202020204" pitchFamily="34" charset="0"/>
+              </a:rPr>
+              <a:t>push</a:t>
+            </a:r>
+            <a:r>
+              <a:rPr lang="en-US" sz="1100" dirty="0">
+                <a:solidFill>
+                  <a:srgbClr val="000000"/>
+                </a:solidFill>
+                <a:latin typeface="Calibri" panose="020F0502020204030204" pitchFamily="34" charset="0"/>
+                <a:ea typeface="Calibri" panose="020F0502020204030204" pitchFamily="34" charset="0"/>
+                <a:cs typeface="Arial" panose="020B0604020202020204" pitchFamily="34" charset="0"/>
+              </a:rPr>
+              <a:t>(</a:t>
+            </a:r>
+            <a:r>
+              <a:rPr lang="en-US" sz="1100" b="1" dirty="0">
+                <a:solidFill>
+                  <a:srgbClr val="008000"/>
+                </a:solidFill>
+                <a:latin typeface="Calibri" panose="020F0502020204030204" pitchFamily="34" charset="0"/>
+                <a:ea typeface="Calibri" panose="020F0502020204030204" pitchFamily="34" charset="0"/>
+                <a:cs typeface="Arial" panose="020B0604020202020204" pitchFamily="34" charset="0"/>
+              </a:rPr>
+              <a:t>"2"</a:t>
+            </a:r>
+            <a:r>
+              <a:rPr lang="en-US" sz="1100" dirty="0">
+                <a:solidFill>
+                  <a:srgbClr val="000000"/>
+                </a:solidFill>
+                <a:latin typeface="Calibri" panose="020F0502020204030204" pitchFamily="34" charset="0"/>
+                <a:ea typeface="Calibri" panose="020F0502020204030204" pitchFamily="34" charset="0"/>
+                <a:cs typeface="Arial" panose="020B0604020202020204" pitchFamily="34" charset="0"/>
+              </a:rPr>
+              <a:t>);</a:t>
+            </a:r>
+            <a:br>
+              <a:rPr lang="en-US" sz="1100" dirty="0">
+                <a:solidFill>
+                  <a:srgbClr val="000000"/>
+                </a:solidFill>
+                <a:latin typeface="Calibri" panose="020F0502020204030204" pitchFamily="34" charset="0"/>
+                <a:ea typeface="Calibri" panose="020F0502020204030204" pitchFamily="34" charset="0"/>
+                <a:cs typeface="Arial" panose="020B0604020202020204" pitchFamily="34" charset="0"/>
+              </a:rPr>
+            </a:br>
+            <a:r>
+              <a:rPr lang="en-US" sz="1100" dirty="0">
+                <a:solidFill>
+                  <a:srgbClr val="000000"/>
+                </a:solidFill>
+                <a:latin typeface="Calibri" panose="020F0502020204030204" pitchFamily="34" charset="0"/>
+                <a:ea typeface="Calibri" panose="020F0502020204030204" pitchFamily="34" charset="0"/>
+                <a:cs typeface="Arial" panose="020B0604020202020204" pitchFamily="34" charset="0"/>
+              </a:rPr>
+              <a:t>    }</a:t>
+            </a:r>
+            <a:br>
+              <a:rPr lang="en-US" sz="1100" dirty="0">
+                <a:solidFill>
+                  <a:srgbClr val="000000"/>
+                </a:solidFill>
+                <a:latin typeface="Calibri" panose="020F0502020204030204" pitchFamily="34" charset="0"/>
+                <a:ea typeface="Calibri" panose="020F0502020204030204" pitchFamily="34" charset="0"/>
+                <a:cs typeface="Arial" panose="020B0604020202020204" pitchFamily="34" charset="0"/>
+              </a:rPr>
+            </a:br>
+            <a:br>
+              <a:rPr lang="en-US" sz="1100" dirty="0">
+                <a:solidFill>
+                  <a:srgbClr val="000000"/>
+                </a:solidFill>
+                <a:latin typeface="Calibri" panose="020F0502020204030204" pitchFamily="34" charset="0"/>
+                <a:ea typeface="Calibri" panose="020F0502020204030204" pitchFamily="34" charset="0"/>
+                <a:cs typeface="Arial" panose="020B0604020202020204" pitchFamily="34" charset="0"/>
+              </a:rPr>
+            </a:br>
+            <a:r>
+              <a:rPr lang="en-US" sz="1100" dirty="0">
+                <a:solidFill>
+                  <a:srgbClr val="000000"/>
+                </a:solidFill>
+                <a:latin typeface="Calibri" panose="020F0502020204030204" pitchFamily="34" charset="0"/>
+                <a:ea typeface="Calibri" panose="020F0502020204030204" pitchFamily="34" charset="0"/>
+                <a:cs typeface="Arial" panose="020B0604020202020204" pitchFamily="34" charset="0"/>
+              </a:rPr>
+              <a:t>    </a:t>
+            </a:r>
+            <a:r>
+              <a:rPr lang="en-US" sz="1100" dirty="0">
+                <a:solidFill>
+                  <a:srgbClr val="7A7A43"/>
+                </a:solidFill>
+                <a:latin typeface="Calibri" panose="020F0502020204030204" pitchFamily="34" charset="0"/>
+                <a:ea typeface="Calibri" panose="020F0502020204030204" pitchFamily="34" charset="0"/>
+                <a:cs typeface="Arial" panose="020B0604020202020204" pitchFamily="34" charset="0"/>
+              </a:rPr>
+              <a:t>_read</a:t>
+            </a:r>
+            <a:r>
+              <a:rPr lang="en-US" sz="1100" dirty="0">
+                <a:solidFill>
+                  <a:srgbClr val="000000"/>
+                </a:solidFill>
+                <a:latin typeface="Calibri" panose="020F0502020204030204" pitchFamily="34" charset="0"/>
+                <a:ea typeface="Calibri" panose="020F0502020204030204" pitchFamily="34" charset="0"/>
+                <a:cs typeface="Arial" panose="020B0604020202020204" pitchFamily="34" charset="0"/>
+              </a:rPr>
+              <a:t>(size) {</a:t>
+            </a:r>
+            <a:br>
+              <a:rPr lang="en-US" sz="1100" dirty="0">
+                <a:solidFill>
+                  <a:srgbClr val="000000"/>
+                </a:solidFill>
+                <a:latin typeface="Calibri" panose="020F0502020204030204" pitchFamily="34" charset="0"/>
+                <a:ea typeface="Calibri" panose="020F0502020204030204" pitchFamily="34" charset="0"/>
+                <a:cs typeface="Arial" panose="020B0604020202020204" pitchFamily="34" charset="0"/>
+              </a:rPr>
+            </a:br>
+            <a:r>
+              <a:rPr lang="en-US" sz="1100" dirty="0">
+                <a:solidFill>
+                  <a:srgbClr val="000000"/>
+                </a:solidFill>
+                <a:latin typeface="Calibri" panose="020F0502020204030204" pitchFamily="34" charset="0"/>
+                <a:ea typeface="Calibri" panose="020F0502020204030204" pitchFamily="34" charset="0"/>
+                <a:cs typeface="Arial" panose="020B0604020202020204" pitchFamily="34" charset="0"/>
+              </a:rPr>
+              <a:t>    }</a:t>
+            </a:r>
+            <a:br>
+              <a:rPr lang="en-US" sz="1100" dirty="0">
+                <a:solidFill>
+                  <a:srgbClr val="000000"/>
+                </a:solidFill>
+                <a:latin typeface="Calibri" panose="020F0502020204030204" pitchFamily="34" charset="0"/>
+                <a:ea typeface="Calibri" panose="020F0502020204030204" pitchFamily="34" charset="0"/>
+                <a:cs typeface="Arial" panose="020B0604020202020204" pitchFamily="34" charset="0"/>
+              </a:rPr>
+            </a:br>
+            <a:r>
+              <a:rPr lang="en-US" sz="1100" dirty="0">
+                <a:solidFill>
+                  <a:srgbClr val="000000"/>
+                </a:solidFill>
+                <a:latin typeface="Calibri" panose="020F0502020204030204" pitchFamily="34" charset="0"/>
+                <a:ea typeface="Calibri" panose="020F0502020204030204" pitchFamily="34" charset="0"/>
+                <a:cs typeface="Arial" panose="020B0604020202020204" pitchFamily="34" charset="0"/>
+              </a:rPr>
+              <a:t>}</a:t>
+            </a:r>
+            <a:br>
+              <a:rPr lang="en-US" sz="1100" dirty="0">
+                <a:solidFill>
+                  <a:srgbClr val="000000"/>
+                </a:solidFill>
+                <a:latin typeface="Calibri" panose="020F0502020204030204" pitchFamily="34" charset="0"/>
+                <a:ea typeface="Calibri" panose="020F0502020204030204" pitchFamily="34" charset="0"/>
+                <a:cs typeface="Arial" panose="020B0604020202020204" pitchFamily="34" charset="0"/>
+              </a:rPr>
+            </a:br>
+            <a:br>
+              <a:rPr lang="en-US" sz="1100" dirty="0">
+                <a:solidFill>
+                  <a:srgbClr val="000000"/>
+                </a:solidFill>
+                <a:latin typeface="Calibri" panose="020F0502020204030204" pitchFamily="34" charset="0"/>
+                <a:ea typeface="Calibri" panose="020F0502020204030204" pitchFamily="34" charset="0"/>
+                <a:cs typeface="Arial" panose="020B0604020202020204" pitchFamily="34" charset="0"/>
+              </a:rPr>
+            </a:br>
+            <a:r>
+              <a:rPr lang="en-US" sz="1100" b="1" dirty="0" err="1">
+                <a:solidFill>
+                  <a:srgbClr val="000080"/>
+                </a:solidFill>
+                <a:latin typeface="Calibri" panose="020F0502020204030204" pitchFamily="34" charset="0"/>
+                <a:ea typeface="Calibri" panose="020F0502020204030204" pitchFamily="34" charset="0"/>
+                <a:cs typeface="Arial" panose="020B0604020202020204" pitchFamily="34" charset="0"/>
+              </a:rPr>
+              <a:t>const</a:t>
+            </a:r>
+            <a:r>
+              <a:rPr lang="en-US" sz="1100" b="1" dirty="0">
+                <a:solidFill>
+                  <a:srgbClr val="000080"/>
+                </a:solidFill>
+                <a:latin typeface="Calibri" panose="020F0502020204030204" pitchFamily="34" charset="0"/>
+                <a:ea typeface="Calibri" panose="020F0502020204030204" pitchFamily="34" charset="0"/>
+                <a:cs typeface="Arial" panose="020B0604020202020204" pitchFamily="34" charset="0"/>
+              </a:rPr>
+              <a:t> </a:t>
+            </a:r>
+            <a:r>
+              <a:rPr lang="en-US" sz="1100" dirty="0">
+                <a:solidFill>
+                  <a:srgbClr val="458383"/>
+                </a:solidFill>
+                <a:latin typeface="Calibri" panose="020F0502020204030204" pitchFamily="34" charset="0"/>
+                <a:ea typeface="Calibri" panose="020F0502020204030204" pitchFamily="34" charset="0"/>
+                <a:cs typeface="Arial" panose="020B0604020202020204" pitchFamily="34" charset="0"/>
+              </a:rPr>
+              <a:t>s </a:t>
+            </a:r>
+            <a:r>
+              <a:rPr lang="en-US" sz="1100" dirty="0">
+                <a:solidFill>
+                  <a:srgbClr val="000000"/>
+                </a:solidFill>
+                <a:latin typeface="Calibri" panose="020F0502020204030204" pitchFamily="34" charset="0"/>
+                <a:ea typeface="Calibri" panose="020F0502020204030204" pitchFamily="34" charset="0"/>
+                <a:cs typeface="Arial" panose="020B0604020202020204" pitchFamily="34" charset="0"/>
+              </a:rPr>
+              <a:t>= </a:t>
+            </a:r>
+            <a:r>
+              <a:rPr lang="en-US" sz="1100" b="1" dirty="0">
+                <a:solidFill>
+                  <a:srgbClr val="000080"/>
+                </a:solidFill>
+                <a:latin typeface="Calibri" panose="020F0502020204030204" pitchFamily="34" charset="0"/>
+                <a:ea typeface="Calibri" panose="020F0502020204030204" pitchFamily="34" charset="0"/>
+                <a:cs typeface="Arial" panose="020B0604020202020204" pitchFamily="34" charset="0"/>
+              </a:rPr>
+              <a:t>new </a:t>
+            </a:r>
+            <a:r>
+              <a:rPr lang="en-US" sz="1100" dirty="0" err="1">
+                <a:solidFill>
+                  <a:srgbClr val="000000"/>
+                </a:solidFill>
+                <a:latin typeface="Calibri" panose="020F0502020204030204" pitchFamily="34" charset="0"/>
+                <a:ea typeface="Calibri" panose="020F0502020204030204" pitchFamily="34" charset="0"/>
+                <a:cs typeface="Arial" panose="020B0604020202020204" pitchFamily="34" charset="0"/>
+              </a:rPr>
+              <a:t>MyStream</a:t>
+            </a:r>
+            <a:r>
+              <a:rPr lang="en-US" sz="1100" dirty="0">
+                <a:solidFill>
+                  <a:srgbClr val="000000"/>
+                </a:solidFill>
+                <a:latin typeface="Calibri" panose="020F0502020204030204" pitchFamily="34" charset="0"/>
+                <a:ea typeface="Calibri" panose="020F0502020204030204" pitchFamily="34" charset="0"/>
+                <a:cs typeface="Arial" panose="020B0604020202020204" pitchFamily="34" charset="0"/>
+              </a:rPr>
+              <a:t>();</a:t>
+            </a:r>
+            <a:br>
+              <a:rPr lang="en-US" sz="1100" dirty="0">
+                <a:solidFill>
+                  <a:srgbClr val="000000"/>
+                </a:solidFill>
+                <a:latin typeface="Calibri" panose="020F0502020204030204" pitchFamily="34" charset="0"/>
+                <a:ea typeface="Calibri" panose="020F0502020204030204" pitchFamily="34" charset="0"/>
+                <a:cs typeface="Arial" panose="020B0604020202020204" pitchFamily="34" charset="0"/>
+              </a:rPr>
+            </a:br>
+            <a:br>
+              <a:rPr lang="en-US" sz="1100" dirty="0">
+                <a:solidFill>
+                  <a:srgbClr val="000000"/>
+                </a:solidFill>
+                <a:latin typeface="Calibri" panose="020F0502020204030204" pitchFamily="34" charset="0"/>
+                <a:ea typeface="Calibri" panose="020F0502020204030204" pitchFamily="34" charset="0"/>
+                <a:cs typeface="Arial" panose="020B0604020202020204" pitchFamily="34" charset="0"/>
+              </a:rPr>
+            </a:br>
+            <a:r>
+              <a:rPr lang="en-US" sz="1100" dirty="0" err="1">
+                <a:solidFill>
+                  <a:srgbClr val="458383"/>
+                </a:solidFill>
+                <a:latin typeface="Calibri" panose="020F0502020204030204" pitchFamily="34" charset="0"/>
+                <a:ea typeface="Calibri" panose="020F0502020204030204" pitchFamily="34" charset="0"/>
+                <a:cs typeface="Arial" panose="020B0604020202020204" pitchFamily="34" charset="0"/>
+              </a:rPr>
+              <a:t>s</a:t>
+            </a:r>
+            <a:r>
+              <a:rPr lang="en-US" sz="1100" dirty="0" err="1">
+                <a:solidFill>
+                  <a:srgbClr val="000000"/>
+                </a:solidFill>
+                <a:latin typeface="Calibri" panose="020F0502020204030204" pitchFamily="34" charset="0"/>
+                <a:ea typeface="Calibri" panose="020F0502020204030204" pitchFamily="34" charset="0"/>
+                <a:cs typeface="Arial" panose="020B0604020202020204" pitchFamily="34" charset="0"/>
+              </a:rPr>
+              <a:t>.on</a:t>
+            </a:r>
+            <a:r>
+              <a:rPr lang="en-US" sz="1100" dirty="0">
+                <a:solidFill>
+                  <a:srgbClr val="000000"/>
+                </a:solidFill>
+                <a:latin typeface="Calibri" panose="020F0502020204030204" pitchFamily="34" charset="0"/>
+                <a:ea typeface="Calibri" panose="020F0502020204030204" pitchFamily="34" charset="0"/>
+                <a:cs typeface="Arial" panose="020B0604020202020204" pitchFamily="34" charset="0"/>
+              </a:rPr>
+              <a:t>(</a:t>
+            </a:r>
+            <a:r>
+              <a:rPr lang="en-US" sz="1100" b="1" dirty="0">
+                <a:solidFill>
+                  <a:srgbClr val="008000"/>
+                </a:solidFill>
+                <a:latin typeface="Calibri" panose="020F0502020204030204" pitchFamily="34" charset="0"/>
+                <a:ea typeface="Calibri" panose="020F0502020204030204" pitchFamily="34" charset="0"/>
+                <a:cs typeface="Arial" panose="020B0604020202020204" pitchFamily="34" charset="0"/>
+              </a:rPr>
+              <a:t>"data"</a:t>
+            </a:r>
+            <a:r>
+              <a:rPr lang="en-US" sz="1100" dirty="0">
+                <a:solidFill>
+                  <a:srgbClr val="000000"/>
+                </a:solidFill>
+                <a:latin typeface="Calibri" panose="020F0502020204030204" pitchFamily="34" charset="0"/>
+                <a:ea typeface="Calibri" panose="020F0502020204030204" pitchFamily="34" charset="0"/>
+                <a:cs typeface="Arial" panose="020B0604020202020204" pitchFamily="34" charset="0"/>
+              </a:rPr>
+              <a:t>, </a:t>
+            </a:r>
+            <a:r>
+              <a:rPr lang="en-US" sz="1100" b="1" dirty="0">
+                <a:solidFill>
+                  <a:srgbClr val="000080"/>
+                </a:solidFill>
+                <a:latin typeface="Calibri" panose="020F0502020204030204" pitchFamily="34" charset="0"/>
+                <a:ea typeface="Calibri" panose="020F0502020204030204" pitchFamily="34" charset="0"/>
+                <a:cs typeface="Arial" panose="020B0604020202020204" pitchFamily="34" charset="0"/>
+              </a:rPr>
+              <a:t>function</a:t>
+            </a:r>
+            <a:r>
+              <a:rPr lang="en-US" sz="1100" dirty="0">
+                <a:solidFill>
+                  <a:srgbClr val="000000"/>
+                </a:solidFill>
+                <a:latin typeface="Calibri" panose="020F0502020204030204" pitchFamily="34" charset="0"/>
+                <a:ea typeface="Calibri" panose="020F0502020204030204" pitchFamily="34" charset="0"/>
+                <a:cs typeface="Arial" panose="020B0604020202020204" pitchFamily="34" charset="0"/>
+              </a:rPr>
+              <a:t>(x) {</a:t>
+            </a:r>
+            <a:br>
+              <a:rPr lang="en-US" sz="1100" dirty="0">
+                <a:solidFill>
+                  <a:srgbClr val="000000"/>
+                </a:solidFill>
+                <a:latin typeface="Calibri" panose="020F0502020204030204" pitchFamily="34" charset="0"/>
+                <a:ea typeface="Calibri" panose="020F0502020204030204" pitchFamily="34" charset="0"/>
+                <a:cs typeface="Arial" panose="020B0604020202020204" pitchFamily="34" charset="0"/>
+              </a:rPr>
+            </a:br>
+            <a:r>
+              <a:rPr lang="en-US" sz="1100" dirty="0">
+                <a:solidFill>
+                  <a:srgbClr val="000000"/>
+                </a:solidFill>
+                <a:latin typeface="Calibri" panose="020F0502020204030204" pitchFamily="34" charset="0"/>
+                <a:ea typeface="Calibri" panose="020F0502020204030204" pitchFamily="34" charset="0"/>
+                <a:cs typeface="Arial" panose="020B0604020202020204" pitchFamily="34" charset="0"/>
+              </a:rPr>
+              <a:t>    </a:t>
+            </a:r>
+            <a:r>
+              <a:rPr lang="en-US" sz="1100" b="1" i="1" dirty="0">
+                <a:solidFill>
+                  <a:srgbClr val="660E7A"/>
+                </a:solidFill>
+                <a:latin typeface="Calibri" panose="020F0502020204030204" pitchFamily="34" charset="0"/>
+                <a:ea typeface="Calibri" panose="020F0502020204030204" pitchFamily="34" charset="0"/>
+                <a:cs typeface="Arial" panose="020B0604020202020204" pitchFamily="34" charset="0"/>
+              </a:rPr>
+              <a:t>console</a:t>
+            </a:r>
+            <a:r>
+              <a:rPr lang="en-US" sz="1100" dirty="0">
+                <a:solidFill>
+                  <a:srgbClr val="000000"/>
+                </a:solidFill>
+                <a:latin typeface="Calibri" panose="020F0502020204030204" pitchFamily="34" charset="0"/>
+                <a:ea typeface="Calibri" panose="020F0502020204030204" pitchFamily="34" charset="0"/>
+                <a:cs typeface="Arial" panose="020B0604020202020204" pitchFamily="34" charset="0"/>
+              </a:rPr>
+              <a:t>.</a:t>
+            </a:r>
+            <a:r>
+              <a:rPr lang="en-US" sz="1100" dirty="0">
+                <a:solidFill>
+                  <a:srgbClr val="7A7A43"/>
+                </a:solidFill>
+                <a:latin typeface="Calibri" panose="020F0502020204030204" pitchFamily="34" charset="0"/>
+                <a:ea typeface="Calibri" panose="020F0502020204030204" pitchFamily="34" charset="0"/>
+                <a:cs typeface="Arial" panose="020B0604020202020204" pitchFamily="34" charset="0"/>
+              </a:rPr>
+              <a:t>log</a:t>
+            </a:r>
+            <a:r>
+              <a:rPr lang="en-US" sz="1100" dirty="0">
+                <a:solidFill>
+                  <a:srgbClr val="000000"/>
+                </a:solidFill>
+                <a:latin typeface="Calibri" panose="020F0502020204030204" pitchFamily="34" charset="0"/>
+                <a:ea typeface="Calibri" panose="020F0502020204030204" pitchFamily="34" charset="0"/>
+                <a:cs typeface="Arial" panose="020B0604020202020204" pitchFamily="34" charset="0"/>
+              </a:rPr>
+              <a:t>(x);</a:t>
+            </a:r>
+            <a:br>
+              <a:rPr lang="en-US" sz="1100" dirty="0">
+                <a:solidFill>
+                  <a:srgbClr val="000000"/>
+                </a:solidFill>
+                <a:latin typeface="Calibri" panose="020F0502020204030204" pitchFamily="34" charset="0"/>
+                <a:ea typeface="Calibri" panose="020F0502020204030204" pitchFamily="34" charset="0"/>
+                <a:cs typeface="Arial" panose="020B0604020202020204" pitchFamily="34" charset="0"/>
+              </a:rPr>
+            </a:br>
+            <a:r>
+              <a:rPr lang="en-US" sz="1100" dirty="0">
+                <a:solidFill>
+                  <a:srgbClr val="000000"/>
+                </a:solidFill>
+                <a:latin typeface="Calibri" panose="020F0502020204030204" pitchFamily="34" charset="0"/>
+                <a:ea typeface="Calibri" panose="020F0502020204030204" pitchFamily="34" charset="0"/>
+                <a:cs typeface="Arial" panose="020B0604020202020204" pitchFamily="34" charset="0"/>
+              </a:rPr>
+              <a:t>});</a:t>
+            </a:r>
+            <a:endParaRPr lang="he-IL" sz="1100" dirty="0"/>
           </a:p>
         </p:txBody>
       </p:sp>
     </p:spTree>
     <p:extLst>
       <p:ext uri="{BB962C8B-B14F-4D97-AF65-F5344CB8AC3E}">
-        <p14:creationId xmlns:p14="http://schemas.microsoft.com/office/powerpoint/2010/main" val="1374164199"/>
+        <p14:creationId xmlns:p14="http://schemas.microsoft.com/office/powerpoint/2010/main" val="3129670215"/>
+      </p:ext>
+    </p:extLst>
+  </p:cSld>
+  <p:clrMapOvr>
+    <a:masterClrMapping/>
+  </p:clrMapOvr>
+</p:sld>
+</file>
+
+<file path=ppt/slides/slide35.xml><?xml version="1.0" encoding="utf-8"?>
+<p:sld xmlns:a="http://schemas.openxmlformats.org/drawingml/2006/main" xmlns:r="http://schemas.openxmlformats.org/officeDocument/2006/relationships" xmlns:p="http://schemas.openxmlformats.org/presentationml/2006/main">
+  <p:cSld>
+    <p:spTree>
+      <p:nvGrpSpPr>
+        <p:cNvPr id="1" name=""/>
+        <p:cNvGrpSpPr/>
+        <p:nvPr/>
+      </p:nvGrpSpPr>
+      <p:grpSpPr>
+        <a:xfrm>
+          <a:off x="0" y="0"/>
+          <a:ext cx="0" cy="0"/>
+          <a:chOff x="0" y="0"/>
+          <a:chExt cx="0" cy="0"/>
+        </a:xfrm>
+      </p:grpSpPr>
+      <p:sp>
+        <p:nvSpPr>
+          <p:cNvPr id="2" name="Title 1">
+            <a:extLst>
+              <a:ext uri="{FF2B5EF4-FFF2-40B4-BE49-F238E27FC236}">
+                <a16:creationId xmlns:a16="http://schemas.microsoft.com/office/drawing/2014/main" id="{D7F877AE-DFFC-4B7B-A8BD-600ACB9C11F2}"/>
+              </a:ext>
+            </a:extLst>
+          </p:cNvPr>
+          <p:cNvSpPr>
+            <a:spLocks noGrp="1"/>
+          </p:cNvSpPr>
+          <p:nvPr>
+            <p:ph type="title"/>
+          </p:nvPr>
+        </p:nvSpPr>
+        <p:spPr/>
+        <p:txBody>
+          <a:bodyPr/>
+          <a:lstStyle/>
+          <a:p>
+            <a:r>
+              <a:rPr lang="en-US" dirty="0"/>
+              <a:t>Don’t push</a:t>
+            </a:r>
+            <a:endParaRPr lang="he-IL" dirty="0"/>
+          </a:p>
+        </p:txBody>
+      </p:sp>
+      <p:sp>
+        <p:nvSpPr>
+          <p:cNvPr id="3" name="Footer Placeholder 2">
+            <a:extLst>
+              <a:ext uri="{FF2B5EF4-FFF2-40B4-BE49-F238E27FC236}">
+                <a16:creationId xmlns:a16="http://schemas.microsoft.com/office/drawing/2014/main" id="{1AADA182-EAC4-4D7D-BDE9-013B0230CB1E}"/>
+              </a:ext>
+            </a:extLst>
+          </p:cNvPr>
+          <p:cNvSpPr>
+            <a:spLocks noGrp="1"/>
+          </p:cNvSpPr>
+          <p:nvPr>
+            <p:ph type="ftr" sz="quarter" idx="11"/>
+          </p:nvPr>
+        </p:nvSpPr>
+        <p:spPr/>
+        <p:txBody>
+          <a:bodyPr/>
+          <a:lstStyle/>
+          <a:p>
+            <a:r>
+              <a:rPr lang="en-US"/>
+              <a:t>© 2017 Ori Calvo</a:t>
+            </a:r>
+            <a:endParaRPr lang="en-US" dirty="0"/>
+          </a:p>
+        </p:txBody>
+      </p:sp>
+      <p:sp>
+        <p:nvSpPr>
+          <p:cNvPr id="4" name="Slide Number Placeholder 3">
+            <a:extLst>
+              <a:ext uri="{FF2B5EF4-FFF2-40B4-BE49-F238E27FC236}">
+                <a16:creationId xmlns:a16="http://schemas.microsoft.com/office/drawing/2014/main" id="{27165B7D-3F2B-4F97-9045-D5C808B513CC}"/>
+              </a:ext>
+            </a:extLst>
+          </p:cNvPr>
+          <p:cNvSpPr>
+            <a:spLocks noGrp="1"/>
+          </p:cNvSpPr>
+          <p:nvPr>
+            <p:ph type="sldNum" sz="quarter" idx="12"/>
+          </p:nvPr>
+        </p:nvSpPr>
+        <p:spPr/>
+        <p:txBody>
+          <a:bodyPr>
+            <a:normAutofit fontScale="85000" lnSpcReduction="20000"/>
+          </a:bodyPr>
+          <a:lstStyle/>
+          <a:p>
+            <a:fld id="{87B78B44-2135-4DB2-B732-E7D5FFF77B6A}" type="slidenum">
+              <a:rPr lang="en-US" smtClean="0"/>
+              <a:pPr/>
+              <a:t>35</a:t>
+            </a:fld>
+            <a:endParaRPr lang="en-US"/>
+          </a:p>
+        </p:txBody>
+      </p:sp>
+      <p:sp>
+        <p:nvSpPr>
+          <p:cNvPr id="5" name="Content Placeholder 4">
+            <a:extLst>
+              <a:ext uri="{FF2B5EF4-FFF2-40B4-BE49-F238E27FC236}">
+                <a16:creationId xmlns:a16="http://schemas.microsoft.com/office/drawing/2014/main" id="{697AB4E6-78EC-4B68-A1B5-ED15FA1CF201}"/>
+              </a:ext>
+            </a:extLst>
+          </p:cNvPr>
+          <p:cNvSpPr>
+            <a:spLocks noGrp="1"/>
+          </p:cNvSpPr>
+          <p:nvPr>
+            <p:ph sz="quarter" idx="1"/>
+          </p:nvPr>
+        </p:nvSpPr>
+        <p:spPr/>
+        <p:txBody>
+          <a:bodyPr/>
+          <a:lstStyle/>
+          <a:p>
+            <a:r>
+              <a:rPr lang="en-US" dirty="0"/>
+              <a:t>In most cases a read stream should push data only when requested</a:t>
+            </a:r>
+          </a:p>
+          <a:p>
+            <a:r>
+              <a:rPr lang="en-US" dirty="0"/>
+              <a:t>_read indicate </a:t>
+            </a:r>
+            <a:endParaRPr lang="he-IL" dirty="0"/>
+          </a:p>
+        </p:txBody>
+      </p:sp>
+    </p:spTree>
+    <p:extLst>
+      <p:ext uri="{BB962C8B-B14F-4D97-AF65-F5344CB8AC3E}">
+        <p14:creationId xmlns:p14="http://schemas.microsoft.com/office/powerpoint/2010/main" val="2446010229"/>
       </p:ext>
     </p:extLst>
   </p:cSld>

--- a/PPTs/05 Core Modules.pptx
+++ b/PPTs/05 Core Modules.pptx
@@ -5,7 +5,7 @@
     <p:sldMasterId id="2147483672" r:id="rId1"/>
   </p:sldMasterIdLst>
   <p:notesMasterIdLst>
-    <p:notesMasterId r:id="rId37"/>
+    <p:notesMasterId r:id="rId36"/>
   </p:notesMasterIdLst>
   <p:sldIdLst>
     <p:sldId id="256" r:id="rId2"/>
@@ -42,7 +42,6 @@
     <p:sldId id="341" r:id="rId33"/>
     <p:sldId id="329" r:id="rId34"/>
     <p:sldId id="342" r:id="rId35"/>
-    <p:sldId id="343" r:id="rId36"/>
   </p:sldIdLst>
   <p:sldSz cx="9144000" cy="6858000" type="screen4x3"/>
   <p:notesSz cx="6858000" cy="9144000"/>
@@ -180,7 +179,6 @@
             <p14:sldId id="341"/>
             <p14:sldId id="329"/>
             <p14:sldId id="342"/>
-            <p14:sldId id="343"/>
           </p14:sldIdLst>
         </p14:section>
       </p14:sectionLst>
@@ -286,7 +284,7 @@
             <a:fld id="{BC6FC07C-0485-40B9-BC68-01FB6F3C1F19}" type="datetimeFigureOut">
               <a:rPr lang="en-US" smtClean="0"/>
               <a:pPr/>
-              <a:t>4/9/2018</a:t>
+              <a:t>4/12/2018</a:t>
             </a:fld>
             <a:endParaRPr lang="en-US"/>
           </a:p>
@@ -11845,7 +11843,7 @@
           <a:p>
             <a:r>
               <a:rPr lang="en-US" dirty="0"/>
-              <a:t>You can limit of size of the returned buffer</a:t>
+              <a:t>You can limit the size of the returned buffer</a:t>
             </a:r>
           </a:p>
           <a:p>
@@ -12549,7 +12547,7 @@
           <a:p>
             <a:r>
               <a:rPr lang="en-US" dirty="0"/>
-              <a:t>Readable stream beings at </a:t>
+              <a:t>Readable stream begins at </a:t>
             </a:r>
             <a:r>
               <a:rPr lang="en-US" dirty="0">
@@ -21103,7 +21101,7 @@
           <p:cNvPr id="2" name="Title 1">
             <a:extLst>
               <a:ext uri="{FF2B5EF4-FFF2-40B4-BE49-F238E27FC236}">
-                <a16:creationId xmlns:a16="http://schemas.microsoft.com/office/drawing/2014/main" id="{9891119B-45F3-4A3B-9344-B49BC2445C82}"/>
+                <a16:creationId xmlns:a16="http://schemas.microsoft.com/office/drawing/2014/main" id="{DAAB9913-38BA-4F93-ADA4-8E1026D49028}"/>
               </a:ext>
             </a:extLst>
           </p:cNvPr>
@@ -21121,7 +21119,7 @@
           <a:p>
             <a:r>
               <a:rPr lang="en-US" dirty="0"/>
-              <a:t>Custom Read Stream</a:t>
+              <a:t>Summary</a:t>
             </a:r>
             <a:endParaRPr lang="he-IL" dirty="0"/>
           </a:p>
@@ -21132,7 +21130,7 @@
           <p:cNvPr id="3" name="Footer Placeholder 2">
             <a:extLst>
               <a:ext uri="{FF2B5EF4-FFF2-40B4-BE49-F238E27FC236}">
-                <a16:creationId xmlns:a16="http://schemas.microsoft.com/office/drawing/2014/main" id="{0D18E290-3EBE-46E3-B403-AF5445C38E92}"/>
+                <a16:creationId xmlns:a16="http://schemas.microsoft.com/office/drawing/2014/main" id="{503B4C44-BBC8-4F40-A727-8DCD5494C56F}"/>
               </a:ext>
             </a:extLst>
           </p:cNvPr>
@@ -21161,7 +21159,7 @@
           <p:cNvPr id="4" name="Slide Number Placeholder 3">
             <a:extLst>
               <a:ext uri="{FF2B5EF4-FFF2-40B4-BE49-F238E27FC236}">
-                <a16:creationId xmlns:a16="http://schemas.microsoft.com/office/drawing/2014/main" id="{D2627C6A-BEEC-41C8-BBA6-5ADBFAC804D4}"/>
+                <a16:creationId xmlns:a16="http://schemas.microsoft.com/office/drawing/2014/main" id="{D221CD0F-0AE8-4339-802D-BE0FF81478AB}"/>
               </a:ext>
             </a:extLst>
           </p:cNvPr>
@@ -21193,7 +21191,7 @@
           <p:cNvPr id="5" name="Content Placeholder 4">
             <a:extLst>
               <a:ext uri="{FF2B5EF4-FFF2-40B4-BE49-F238E27FC236}">
-                <a16:creationId xmlns:a16="http://schemas.microsoft.com/office/drawing/2014/main" id="{B3B25B77-40B9-4F78-AB4E-05A1ECF1C739}"/>
+                <a16:creationId xmlns:a16="http://schemas.microsoft.com/office/drawing/2014/main" id="{29FAA67B-37EF-4B47-90B1-EDD1CF769D5B}"/>
               </a:ext>
             </a:extLst>
           </p:cNvPr>
@@ -21211,1093 +21209,32 @@
           <a:p>
             <a:r>
               <a:rPr lang="en-US" dirty="0"/>
-              <a:t>Extends from </a:t>
-            </a:r>
-            <a:r>
-              <a:rPr lang="en-US" dirty="0">
-                <a:solidFill>
-                  <a:srgbClr val="FF0000"/>
-                </a:solidFill>
-              </a:rPr>
-              <a:t>Readable</a:t>
-            </a:r>
+              <a:t>Streams are quite easy to use</a:t>
+            </a:r>
+          </a:p>
+          <a:p>
             <a:r>
               <a:rPr lang="en-US" dirty="0"/>
-              <a:t> class</a:t>
+              <a:t>Harder to implement</a:t>
             </a:r>
           </a:p>
           <a:p>
             <a:r>
               <a:rPr lang="en-US" dirty="0"/>
-              <a:t>Use </a:t>
-            </a:r>
-            <a:r>
-              <a:rPr lang="en-US" dirty="0" err="1">
-                <a:solidFill>
-                  <a:srgbClr val="FF0000"/>
-                </a:solidFill>
-              </a:rPr>
-              <a:t>this.push</a:t>
-            </a:r>
-            <a:r>
-              <a:rPr lang="en-US" dirty="0">
-                <a:solidFill>
-                  <a:srgbClr val="FF0000"/>
-                </a:solidFill>
-              </a:rPr>
-              <a:t> </a:t>
-            </a:r>
-            <a:r>
-              <a:rPr lang="en-US" dirty="0"/>
-              <a:t>to send data </a:t>
-            </a:r>
-          </a:p>
-          <a:p>
-            <a:r>
-              <a:rPr lang="en-US" dirty="0"/>
-              <a:t>Must implement </a:t>
-            </a:r>
-            <a:r>
-              <a:rPr lang="en-US" dirty="0">
-                <a:solidFill>
-                  <a:srgbClr val="FF0000"/>
-                </a:solidFill>
-              </a:rPr>
-              <a:t>_read</a:t>
-            </a:r>
-            <a:r>
-              <a:rPr lang="en-US" dirty="0"/>
-              <a:t> method</a:t>
+              <a:t>Binary data is represented using a </a:t>
+            </a:r>
+            <a:r>
+              <a:rPr lang="en-US"/>
+              <a:t>Buffer object</a:t>
             </a:r>
             <a:endParaRPr lang="he-IL" dirty="0"/>
-          </a:p>
-        </p:txBody>
-      </p:sp>
-      <p:sp>
-        <p:nvSpPr>
-          <p:cNvPr id="6" name="Rectangle 5">
-            <a:extLst>
-              <a:ext uri="{FF2B5EF4-FFF2-40B4-BE49-F238E27FC236}">
-                <a16:creationId xmlns:a16="http://schemas.microsoft.com/office/drawing/2014/main" id="{BABC9C54-EA0F-49C3-B3EF-B9562078D3B9}"/>
-              </a:ext>
-            </a:extLst>
-          </p:cNvPr>
-          <p:cNvSpPr/>
-          <p:nvPr/>
-        </p:nvSpPr>
-        <p:spPr>
-          <a:xfrm>
-            <a:off x="2627784" y="3284984"/>
-            <a:ext cx="4572000" cy="3308598"/>
-          </a:xfrm>
-          <a:prstGeom prst="rect">
-            <a:avLst/>
-          </a:prstGeom>
-          <a:solidFill>
-            <a:schemeClr val="accent1">
-              <a:lumMod val="40000"/>
-              <a:lumOff val="60000"/>
-            </a:schemeClr>
-          </a:solidFill>
-        </p:spPr>
-        <p:txBody>
-          <a:bodyPr>
-            <a:spAutoFit/>
-          </a:bodyPr>
-          <a:lstStyle/>
-          <a:p>
-            <a:r>
-              <a:rPr lang="en-US" sz="1100" b="1" dirty="0" err="1">
-                <a:solidFill>
-                  <a:srgbClr val="000080"/>
-                </a:solidFill>
-                <a:latin typeface="Calibri" panose="020F0502020204030204" pitchFamily="34" charset="0"/>
-                <a:ea typeface="Calibri" panose="020F0502020204030204" pitchFamily="34" charset="0"/>
-                <a:cs typeface="Arial" panose="020B0604020202020204" pitchFamily="34" charset="0"/>
-              </a:rPr>
-              <a:t>const</a:t>
-            </a:r>
-            <a:r>
-              <a:rPr lang="en-US" sz="1100" b="1" dirty="0">
-                <a:solidFill>
-                  <a:srgbClr val="000080"/>
-                </a:solidFill>
-                <a:latin typeface="Calibri" panose="020F0502020204030204" pitchFamily="34" charset="0"/>
-                <a:ea typeface="Calibri" panose="020F0502020204030204" pitchFamily="34" charset="0"/>
-                <a:cs typeface="Arial" panose="020B0604020202020204" pitchFamily="34" charset="0"/>
-              </a:rPr>
-              <a:t> </a:t>
-            </a:r>
-            <a:r>
-              <a:rPr lang="en-US" sz="1100" dirty="0">
-                <a:solidFill>
-                  <a:srgbClr val="000000"/>
-                </a:solidFill>
-                <a:latin typeface="Calibri" panose="020F0502020204030204" pitchFamily="34" charset="0"/>
-                <a:ea typeface="Calibri" panose="020F0502020204030204" pitchFamily="34" charset="0"/>
-                <a:cs typeface="Arial" panose="020B0604020202020204" pitchFamily="34" charset="0"/>
-              </a:rPr>
-              <a:t>{</a:t>
-            </a:r>
-            <a:r>
-              <a:rPr lang="en-US" sz="1100" dirty="0">
-                <a:solidFill>
-                  <a:srgbClr val="458383"/>
-                </a:solidFill>
-                <a:latin typeface="Calibri" panose="020F0502020204030204" pitchFamily="34" charset="0"/>
-                <a:ea typeface="Calibri" panose="020F0502020204030204" pitchFamily="34" charset="0"/>
-                <a:cs typeface="Arial" panose="020B0604020202020204" pitchFamily="34" charset="0"/>
-              </a:rPr>
-              <a:t>Readable</a:t>
-            </a:r>
-            <a:r>
-              <a:rPr lang="en-US" sz="1100" dirty="0">
-                <a:solidFill>
-                  <a:srgbClr val="000000"/>
-                </a:solidFill>
-                <a:latin typeface="Calibri" panose="020F0502020204030204" pitchFamily="34" charset="0"/>
-                <a:ea typeface="Calibri" panose="020F0502020204030204" pitchFamily="34" charset="0"/>
-                <a:cs typeface="Arial" panose="020B0604020202020204" pitchFamily="34" charset="0"/>
-              </a:rPr>
-              <a:t>} = require(</a:t>
-            </a:r>
-            <a:r>
-              <a:rPr lang="en-US" sz="1100" b="1" dirty="0">
-                <a:solidFill>
-                  <a:srgbClr val="008000"/>
-                </a:solidFill>
-                <a:latin typeface="Calibri" panose="020F0502020204030204" pitchFamily="34" charset="0"/>
-                <a:ea typeface="Calibri" panose="020F0502020204030204" pitchFamily="34" charset="0"/>
-                <a:cs typeface="Arial" panose="020B0604020202020204" pitchFamily="34" charset="0"/>
-              </a:rPr>
-              <a:t>"stream"</a:t>
-            </a:r>
-            <a:r>
-              <a:rPr lang="en-US" sz="1100" dirty="0">
-                <a:solidFill>
-                  <a:srgbClr val="000000"/>
-                </a:solidFill>
-                <a:latin typeface="Calibri" panose="020F0502020204030204" pitchFamily="34" charset="0"/>
-                <a:ea typeface="Calibri" panose="020F0502020204030204" pitchFamily="34" charset="0"/>
-                <a:cs typeface="Arial" panose="020B0604020202020204" pitchFamily="34" charset="0"/>
-              </a:rPr>
-              <a:t>);</a:t>
-            </a:r>
-            <a:br>
-              <a:rPr lang="en-US" sz="1100" dirty="0">
-                <a:solidFill>
-                  <a:srgbClr val="000000"/>
-                </a:solidFill>
-                <a:latin typeface="Calibri" panose="020F0502020204030204" pitchFamily="34" charset="0"/>
-                <a:ea typeface="Calibri" panose="020F0502020204030204" pitchFamily="34" charset="0"/>
-                <a:cs typeface="Arial" panose="020B0604020202020204" pitchFamily="34" charset="0"/>
-              </a:rPr>
-            </a:br>
-            <a:br>
-              <a:rPr lang="en-US" sz="1100" dirty="0">
-                <a:solidFill>
-                  <a:srgbClr val="000000"/>
-                </a:solidFill>
-                <a:latin typeface="Calibri" panose="020F0502020204030204" pitchFamily="34" charset="0"/>
-                <a:ea typeface="Calibri" panose="020F0502020204030204" pitchFamily="34" charset="0"/>
-                <a:cs typeface="Arial" panose="020B0604020202020204" pitchFamily="34" charset="0"/>
-              </a:rPr>
-            </a:br>
-            <a:r>
-              <a:rPr lang="en-US" sz="1100" b="1" dirty="0">
-                <a:solidFill>
-                  <a:srgbClr val="000080"/>
-                </a:solidFill>
-                <a:latin typeface="Calibri" panose="020F0502020204030204" pitchFamily="34" charset="0"/>
-                <a:ea typeface="Calibri" panose="020F0502020204030204" pitchFamily="34" charset="0"/>
-                <a:cs typeface="Arial" panose="020B0604020202020204" pitchFamily="34" charset="0"/>
-              </a:rPr>
-              <a:t>class </a:t>
-            </a:r>
-            <a:r>
-              <a:rPr lang="en-US" sz="1100" dirty="0" err="1">
-                <a:solidFill>
-                  <a:srgbClr val="000000"/>
-                </a:solidFill>
-                <a:latin typeface="Calibri" panose="020F0502020204030204" pitchFamily="34" charset="0"/>
-                <a:ea typeface="Calibri" panose="020F0502020204030204" pitchFamily="34" charset="0"/>
-                <a:cs typeface="Arial" panose="020B0604020202020204" pitchFamily="34" charset="0"/>
-              </a:rPr>
-              <a:t>MyStream</a:t>
-            </a:r>
-            <a:r>
-              <a:rPr lang="en-US" sz="1100" dirty="0">
-                <a:solidFill>
-                  <a:srgbClr val="000000"/>
-                </a:solidFill>
-                <a:latin typeface="Calibri" panose="020F0502020204030204" pitchFamily="34" charset="0"/>
-                <a:ea typeface="Calibri" panose="020F0502020204030204" pitchFamily="34" charset="0"/>
-                <a:cs typeface="Arial" panose="020B0604020202020204" pitchFamily="34" charset="0"/>
-              </a:rPr>
-              <a:t> </a:t>
-            </a:r>
-            <a:r>
-              <a:rPr lang="en-US" sz="1100" b="1" dirty="0">
-                <a:solidFill>
-                  <a:srgbClr val="000080"/>
-                </a:solidFill>
-                <a:latin typeface="Calibri" panose="020F0502020204030204" pitchFamily="34" charset="0"/>
-                <a:ea typeface="Calibri" panose="020F0502020204030204" pitchFamily="34" charset="0"/>
-                <a:cs typeface="Arial" panose="020B0604020202020204" pitchFamily="34" charset="0"/>
-              </a:rPr>
-              <a:t>extends </a:t>
-            </a:r>
-            <a:r>
-              <a:rPr lang="en-US" sz="1100" dirty="0">
-                <a:solidFill>
-                  <a:srgbClr val="458383"/>
-                </a:solidFill>
-                <a:latin typeface="Calibri" panose="020F0502020204030204" pitchFamily="34" charset="0"/>
-                <a:ea typeface="Calibri" panose="020F0502020204030204" pitchFamily="34" charset="0"/>
-                <a:cs typeface="Arial" panose="020B0604020202020204" pitchFamily="34" charset="0"/>
-              </a:rPr>
-              <a:t>Readable </a:t>
-            </a:r>
-            <a:r>
-              <a:rPr lang="en-US" sz="1100" dirty="0">
-                <a:solidFill>
-                  <a:srgbClr val="000000"/>
-                </a:solidFill>
-                <a:latin typeface="Calibri" panose="020F0502020204030204" pitchFamily="34" charset="0"/>
-                <a:ea typeface="Calibri" panose="020F0502020204030204" pitchFamily="34" charset="0"/>
-                <a:cs typeface="Arial" panose="020B0604020202020204" pitchFamily="34" charset="0"/>
-              </a:rPr>
-              <a:t>{</a:t>
-            </a:r>
-            <a:br>
-              <a:rPr lang="en-US" sz="1100" dirty="0">
-                <a:solidFill>
-                  <a:srgbClr val="000000"/>
-                </a:solidFill>
-                <a:latin typeface="Calibri" panose="020F0502020204030204" pitchFamily="34" charset="0"/>
-                <a:ea typeface="Calibri" panose="020F0502020204030204" pitchFamily="34" charset="0"/>
-                <a:cs typeface="Arial" panose="020B0604020202020204" pitchFamily="34" charset="0"/>
-              </a:rPr>
-            </a:br>
-            <a:r>
-              <a:rPr lang="en-US" sz="1100" dirty="0">
-                <a:solidFill>
-                  <a:srgbClr val="000000"/>
-                </a:solidFill>
-                <a:latin typeface="Calibri" panose="020F0502020204030204" pitchFamily="34" charset="0"/>
-                <a:ea typeface="Calibri" panose="020F0502020204030204" pitchFamily="34" charset="0"/>
-                <a:cs typeface="Arial" panose="020B0604020202020204" pitchFamily="34" charset="0"/>
-              </a:rPr>
-              <a:t>    </a:t>
-            </a:r>
-            <a:r>
-              <a:rPr lang="en-US" sz="1100" dirty="0">
-                <a:solidFill>
-                  <a:srgbClr val="7A7A43"/>
-                </a:solidFill>
-                <a:latin typeface="Calibri" panose="020F0502020204030204" pitchFamily="34" charset="0"/>
-                <a:ea typeface="Calibri" panose="020F0502020204030204" pitchFamily="34" charset="0"/>
-                <a:cs typeface="Arial" panose="020B0604020202020204" pitchFamily="34" charset="0"/>
-              </a:rPr>
-              <a:t>constructor</a:t>
-            </a:r>
-            <a:r>
-              <a:rPr lang="en-US" sz="1100" dirty="0">
-                <a:solidFill>
-                  <a:srgbClr val="000000"/>
-                </a:solidFill>
-                <a:latin typeface="Calibri" panose="020F0502020204030204" pitchFamily="34" charset="0"/>
-                <a:ea typeface="Calibri" panose="020F0502020204030204" pitchFamily="34" charset="0"/>
-                <a:cs typeface="Arial" panose="020B0604020202020204" pitchFamily="34" charset="0"/>
-              </a:rPr>
-              <a:t>(options) {</a:t>
-            </a:r>
-            <a:br>
-              <a:rPr lang="en-US" sz="1100" dirty="0">
-                <a:solidFill>
-                  <a:srgbClr val="000000"/>
-                </a:solidFill>
-                <a:latin typeface="Calibri" panose="020F0502020204030204" pitchFamily="34" charset="0"/>
-                <a:ea typeface="Calibri" panose="020F0502020204030204" pitchFamily="34" charset="0"/>
-                <a:cs typeface="Arial" panose="020B0604020202020204" pitchFamily="34" charset="0"/>
-              </a:rPr>
-            </a:br>
-            <a:r>
-              <a:rPr lang="en-US" sz="1100" dirty="0">
-                <a:solidFill>
-                  <a:srgbClr val="000000"/>
-                </a:solidFill>
-                <a:latin typeface="Calibri" panose="020F0502020204030204" pitchFamily="34" charset="0"/>
-                <a:ea typeface="Calibri" panose="020F0502020204030204" pitchFamily="34" charset="0"/>
-                <a:cs typeface="Arial" panose="020B0604020202020204" pitchFamily="34" charset="0"/>
-              </a:rPr>
-              <a:t>        </a:t>
-            </a:r>
-            <a:r>
-              <a:rPr lang="en-US" sz="1100" b="1" dirty="0">
-                <a:solidFill>
-                  <a:srgbClr val="000080"/>
-                </a:solidFill>
-                <a:latin typeface="Calibri" panose="020F0502020204030204" pitchFamily="34" charset="0"/>
-                <a:ea typeface="Calibri" panose="020F0502020204030204" pitchFamily="34" charset="0"/>
-                <a:cs typeface="Arial" panose="020B0604020202020204" pitchFamily="34" charset="0"/>
-              </a:rPr>
-              <a:t>super</a:t>
-            </a:r>
-            <a:r>
-              <a:rPr lang="en-US" sz="1100" dirty="0">
-                <a:solidFill>
-                  <a:srgbClr val="000000"/>
-                </a:solidFill>
-                <a:latin typeface="Calibri" panose="020F0502020204030204" pitchFamily="34" charset="0"/>
-                <a:ea typeface="Calibri" panose="020F0502020204030204" pitchFamily="34" charset="0"/>
-                <a:cs typeface="Arial" panose="020B0604020202020204" pitchFamily="34" charset="0"/>
-              </a:rPr>
-              <a:t>(options);</a:t>
-            </a:r>
-            <a:br>
-              <a:rPr lang="en-US" sz="1100" dirty="0">
-                <a:solidFill>
-                  <a:srgbClr val="000000"/>
-                </a:solidFill>
-                <a:latin typeface="Calibri" panose="020F0502020204030204" pitchFamily="34" charset="0"/>
-                <a:ea typeface="Calibri" panose="020F0502020204030204" pitchFamily="34" charset="0"/>
-                <a:cs typeface="Arial" panose="020B0604020202020204" pitchFamily="34" charset="0"/>
-              </a:rPr>
-            </a:br>
-            <a:br>
-              <a:rPr lang="en-US" sz="1100" dirty="0">
-                <a:solidFill>
-                  <a:srgbClr val="000000"/>
-                </a:solidFill>
-                <a:latin typeface="Calibri" panose="020F0502020204030204" pitchFamily="34" charset="0"/>
-                <a:ea typeface="Calibri" panose="020F0502020204030204" pitchFamily="34" charset="0"/>
-                <a:cs typeface="Arial" panose="020B0604020202020204" pitchFamily="34" charset="0"/>
-              </a:rPr>
-            </a:br>
-            <a:r>
-              <a:rPr lang="en-US" sz="1100" dirty="0">
-                <a:solidFill>
-                  <a:srgbClr val="000000"/>
-                </a:solidFill>
-                <a:latin typeface="Calibri" panose="020F0502020204030204" pitchFamily="34" charset="0"/>
-                <a:ea typeface="Calibri" panose="020F0502020204030204" pitchFamily="34" charset="0"/>
-                <a:cs typeface="Arial" panose="020B0604020202020204" pitchFamily="34" charset="0"/>
-              </a:rPr>
-              <a:t>        </a:t>
-            </a:r>
-            <a:r>
-              <a:rPr lang="en-US" sz="1100" b="1" dirty="0" err="1">
-                <a:solidFill>
-                  <a:srgbClr val="000080"/>
-                </a:solidFill>
-                <a:latin typeface="Calibri" panose="020F0502020204030204" pitchFamily="34" charset="0"/>
-                <a:ea typeface="Calibri" panose="020F0502020204030204" pitchFamily="34" charset="0"/>
-                <a:cs typeface="Arial" panose="020B0604020202020204" pitchFamily="34" charset="0"/>
-              </a:rPr>
-              <a:t>this</a:t>
-            </a:r>
-            <a:r>
-              <a:rPr lang="en-US" sz="1100" dirty="0" err="1">
-                <a:solidFill>
-                  <a:srgbClr val="000000"/>
-                </a:solidFill>
-                <a:latin typeface="Calibri" panose="020F0502020204030204" pitchFamily="34" charset="0"/>
-                <a:ea typeface="Calibri" panose="020F0502020204030204" pitchFamily="34" charset="0"/>
-                <a:cs typeface="Arial" panose="020B0604020202020204" pitchFamily="34" charset="0"/>
-              </a:rPr>
-              <a:t>.</a:t>
-            </a:r>
-            <a:r>
-              <a:rPr lang="en-US" sz="1100" dirty="0" err="1">
-                <a:solidFill>
-                  <a:srgbClr val="7A7A43"/>
-                </a:solidFill>
-                <a:latin typeface="Calibri" panose="020F0502020204030204" pitchFamily="34" charset="0"/>
-                <a:ea typeface="Calibri" panose="020F0502020204030204" pitchFamily="34" charset="0"/>
-                <a:cs typeface="Arial" panose="020B0604020202020204" pitchFamily="34" charset="0"/>
-              </a:rPr>
-              <a:t>push</a:t>
-            </a:r>
-            <a:r>
-              <a:rPr lang="en-US" sz="1100" dirty="0">
-                <a:solidFill>
-                  <a:srgbClr val="000000"/>
-                </a:solidFill>
-                <a:latin typeface="Calibri" panose="020F0502020204030204" pitchFamily="34" charset="0"/>
-                <a:ea typeface="Calibri" panose="020F0502020204030204" pitchFamily="34" charset="0"/>
-                <a:cs typeface="Arial" panose="020B0604020202020204" pitchFamily="34" charset="0"/>
-              </a:rPr>
-              <a:t>(</a:t>
-            </a:r>
-            <a:r>
-              <a:rPr lang="en-US" sz="1100" b="1" dirty="0">
-                <a:solidFill>
-                  <a:srgbClr val="008000"/>
-                </a:solidFill>
-                <a:latin typeface="Calibri" panose="020F0502020204030204" pitchFamily="34" charset="0"/>
-                <a:ea typeface="Calibri" panose="020F0502020204030204" pitchFamily="34" charset="0"/>
-                <a:cs typeface="Arial" panose="020B0604020202020204" pitchFamily="34" charset="0"/>
-              </a:rPr>
-              <a:t>"1"</a:t>
-            </a:r>
-            <a:r>
-              <a:rPr lang="en-US" sz="1100" dirty="0">
-                <a:solidFill>
-                  <a:srgbClr val="000000"/>
-                </a:solidFill>
-                <a:latin typeface="Calibri" panose="020F0502020204030204" pitchFamily="34" charset="0"/>
-                <a:ea typeface="Calibri" panose="020F0502020204030204" pitchFamily="34" charset="0"/>
-                <a:cs typeface="Arial" panose="020B0604020202020204" pitchFamily="34" charset="0"/>
-              </a:rPr>
-              <a:t>);</a:t>
-            </a:r>
-            <a:br>
-              <a:rPr lang="en-US" sz="1100" dirty="0">
-                <a:solidFill>
-                  <a:srgbClr val="000000"/>
-                </a:solidFill>
-                <a:latin typeface="Calibri" panose="020F0502020204030204" pitchFamily="34" charset="0"/>
-                <a:ea typeface="Calibri" panose="020F0502020204030204" pitchFamily="34" charset="0"/>
-                <a:cs typeface="Arial" panose="020B0604020202020204" pitchFamily="34" charset="0"/>
-              </a:rPr>
-            </a:br>
-            <a:r>
-              <a:rPr lang="en-US" sz="1100" dirty="0">
-                <a:solidFill>
-                  <a:srgbClr val="000000"/>
-                </a:solidFill>
-                <a:latin typeface="Calibri" panose="020F0502020204030204" pitchFamily="34" charset="0"/>
-                <a:ea typeface="Calibri" panose="020F0502020204030204" pitchFamily="34" charset="0"/>
-                <a:cs typeface="Arial" panose="020B0604020202020204" pitchFamily="34" charset="0"/>
-              </a:rPr>
-              <a:t>        </a:t>
-            </a:r>
-            <a:r>
-              <a:rPr lang="en-US" sz="1100" b="1" dirty="0" err="1">
-                <a:solidFill>
-                  <a:srgbClr val="000080"/>
-                </a:solidFill>
-                <a:latin typeface="Calibri" panose="020F0502020204030204" pitchFamily="34" charset="0"/>
-                <a:ea typeface="Calibri" panose="020F0502020204030204" pitchFamily="34" charset="0"/>
-                <a:cs typeface="Arial" panose="020B0604020202020204" pitchFamily="34" charset="0"/>
-              </a:rPr>
-              <a:t>this</a:t>
-            </a:r>
-            <a:r>
-              <a:rPr lang="en-US" sz="1100" dirty="0" err="1">
-                <a:solidFill>
-                  <a:srgbClr val="000000"/>
-                </a:solidFill>
-                <a:latin typeface="Calibri" panose="020F0502020204030204" pitchFamily="34" charset="0"/>
-                <a:ea typeface="Calibri" panose="020F0502020204030204" pitchFamily="34" charset="0"/>
-                <a:cs typeface="Arial" panose="020B0604020202020204" pitchFamily="34" charset="0"/>
-              </a:rPr>
-              <a:t>.</a:t>
-            </a:r>
-            <a:r>
-              <a:rPr lang="en-US" sz="1100" dirty="0" err="1">
-                <a:solidFill>
-                  <a:srgbClr val="7A7A43"/>
-                </a:solidFill>
-                <a:latin typeface="Calibri" panose="020F0502020204030204" pitchFamily="34" charset="0"/>
-                <a:ea typeface="Calibri" panose="020F0502020204030204" pitchFamily="34" charset="0"/>
-                <a:cs typeface="Arial" panose="020B0604020202020204" pitchFamily="34" charset="0"/>
-              </a:rPr>
-              <a:t>push</a:t>
-            </a:r>
-            <a:r>
-              <a:rPr lang="en-US" sz="1100" dirty="0">
-                <a:solidFill>
-                  <a:srgbClr val="000000"/>
-                </a:solidFill>
-                <a:latin typeface="Calibri" panose="020F0502020204030204" pitchFamily="34" charset="0"/>
-                <a:ea typeface="Calibri" panose="020F0502020204030204" pitchFamily="34" charset="0"/>
-                <a:cs typeface="Arial" panose="020B0604020202020204" pitchFamily="34" charset="0"/>
-              </a:rPr>
-              <a:t>(</a:t>
-            </a:r>
-            <a:r>
-              <a:rPr lang="en-US" sz="1100" b="1" dirty="0">
-                <a:solidFill>
-                  <a:srgbClr val="008000"/>
-                </a:solidFill>
-                <a:latin typeface="Calibri" panose="020F0502020204030204" pitchFamily="34" charset="0"/>
-                <a:ea typeface="Calibri" panose="020F0502020204030204" pitchFamily="34" charset="0"/>
-                <a:cs typeface="Arial" panose="020B0604020202020204" pitchFamily="34" charset="0"/>
-              </a:rPr>
-              <a:t>"2"</a:t>
-            </a:r>
-            <a:r>
-              <a:rPr lang="en-US" sz="1100" dirty="0">
-                <a:solidFill>
-                  <a:srgbClr val="000000"/>
-                </a:solidFill>
-                <a:latin typeface="Calibri" panose="020F0502020204030204" pitchFamily="34" charset="0"/>
-                <a:ea typeface="Calibri" panose="020F0502020204030204" pitchFamily="34" charset="0"/>
-                <a:cs typeface="Arial" panose="020B0604020202020204" pitchFamily="34" charset="0"/>
-              </a:rPr>
-              <a:t>);</a:t>
-            </a:r>
-            <a:br>
-              <a:rPr lang="en-US" sz="1100" dirty="0">
-                <a:solidFill>
-                  <a:srgbClr val="000000"/>
-                </a:solidFill>
-                <a:latin typeface="Calibri" panose="020F0502020204030204" pitchFamily="34" charset="0"/>
-                <a:ea typeface="Calibri" panose="020F0502020204030204" pitchFamily="34" charset="0"/>
-                <a:cs typeface="Arial" panose="020B0604020202020204" pitchFamily="34" charset="0"/>
-              </a:rPr>
-            </a:br>
-            <a:r>
-              <a:rPr lang="en-US" sz="1100" dirty="0">
-                <a:solidFill>
-                  <a:srgbClr val="000000"/>
-                </a:solidFill>
-                <a:latin typeface="Calibri" panose="020F0502020204030204" pitchFamily="34" charset="0"/>
-                <a:ea typeface="Calibri" panose="020F0502020204030204" pitchFamily="34" charset="0"/>
-                <a:cs typeface="Arial" panose="020B0604020202020204" pitchFamily="34" charset="0"/>
-              </a:rPr>
-              <a:t>    }</a:t>
-            </a:r>
-            <a:br>
-              <a:rPr lang="en-US" sz="1100" dirty="0">
-                <a:solidFill>
-                  <a:srgbClr val="000000"/>
-                </a:solidFill>
-                <a:latin typeface="Calibri" panose="020F0502020204030204" pitchFamily="34" charset="0"/>
-                <a:ea typeface="Calibri" panose="020F0502020204030204" pitchFamily="34" charset="0"/>
-                <a:cs typeface="Arial" panose="020B0604020202020204" pitchFamily="34" charset="0"/>
-              </a:rPr>
-            </a:br>
-            <a:br>
-              <a:rPr lang="en-US" sz="1100" dirty="0">
-                <a:solidFill>
-                  <a:srgbClr val="000000"/>
-                </a:solidFill>
-                <a:latin typeface="Calibri" panose="020F0502020204030204" pitchFamily="34" charset="0"/>
-                <a:ea typeface="Calibri" panose="020F0502020204030204" pitchFamily="34" charset="0"/>
-                <a:cs typeface="Arial" panose="020B0604020202020204" pitchFamily="34" charset="0"/>
-              </a:rPr>
-            </a:br>
-            <a:r>
-              <a:rPr lang="en-US" sz="1100" dirty="0">
-                <a:solidFill>
-                  <a:srgbClr val="000000"/>
-                </a:solidFill>
-                <a:latin typeface="Calibri" panose="020F0502020204030204" pitchFamily="34" charset="0"/>
-                <a:ea typeface="Calibri" panose="020F0502020204030204" pitchFamily="34" charset="0"/>
-                <a:cs typeface="Arial" panose="020B0604020202020204" pitchFamily="34" charset="0"/>
-              </a:rPr>
-              <a:t>    </a:t>
-            </a:r>
-            <a:r>
-              <a:rPr lang="en-US" sz="1100" dirty="0">
-                <a:solidFill>
-                  <a:srgbClr val="7A7A43"/>
-                </a:solidFill>
-                <a:latin typeface="Calibri" panose="020F0502020204030204" pitchFamily="34" charset="0"/>
-                <a:ea typeface="Calibri" panose="020F0502020204030204" pitchFamily="34" charset="0"/>
-                <a:cs typeface="Arial" panose="020B0604020202020204" pitchFamily="34" charset="0"/>
-              </a:rPr>
-              <a:t>_read</a:t>
-            </a:r>
-            <a:r>
-              <a:rPr lang="en-US" sz="1100" dirty="0">
-                <a:solidFill>
-                  <a:srgbClr val="000000"/>
-                </a:solidFill>
-                <a:latin typeface="Calibri" panose="020F0502020204030204" pitchFamily="34" charset="0"/>
-                <a:ea typeface="Calibri" panose="020F0502020204030204" pitchFamily="34" charset="0"/>
-                <a:cs typeface="Arial" panose="020B0604020202020204" pitchFamily="34" charset="0"/>
-              </a:rPr>
-              <a:t>(size) {</a:t>
-            </a:r>
-            <a:br>
-              <a:rPr lang="en-US" sz="1100" dirty="0">
-                <a:solidFill>
-                  <a:srgbClr val="000000"/>
-                </a:solidFill>
-                <a:latin typeface="Calibri" panose="020F0502020204030204" pitchFamily="34" charset="0"/>
-                <a:ea typeface="Calibri" panose="020F0502020204030204" pitchFamily="34" charset="0"/>
-                <a:cs typeface="Arial" panose="020B0604020202020204" pitchFamily="34" charset="0"/>
-              </a:rPr>
-            </a:br>
-            <a:r>
-              <a:rPr lang="en-US" sz="1100" dirty="0">
-                <a:solidFill>
-                  <a:srgbClr val="000000"/>
-                </a:solidFill>
-                <a:latin typeface="Calibri" panose="020F0502020204030204" pitchFamily="34" charset="0"/>
-                <a:ea typeface="Calibri" panose="020F0502020204030204" pitchFamily="34" charset="0"/>
-                <a:cs typeface="Arial" panose="020B0604020202020204" pitchFamily="34" charset="0"/>
-              </a:rPr>
-              <a:t>    }</a:t>
-            </a:r>
-            <a:br>
-              <a:rPr lang="en-US" sz="1100" dirty="0">
-                <a:solidFill>
-                  <a:srgbClr val="000000"/>
-                </a:solidFill>
-                <a:latin typeface="Calibri" panose="020F0502020204030204" pitchFamily="34" charset="0"/>
-                <a:ea typeface="Calibri" panose="020F0502020204030204" pitchFamily="34" charset="0"/>
-                <a:cs typeface="Arial" panose="020B0604020202020204" pitchFamily="34" charset="0"/>
-              </a:rPr>
-            </a:br>
-            <a:r>
-              <a:rPr lang="en-US" sz="1100" dirty="0">
-                <a:solidFill>
-                  <a:srgbClr val="000000"/>
-                </a:solidFill>
-                <a:latin typeface="Calibri" panose="020F0502020204030204" pitchFamily="34" charset="0"/>
-                <a:ea typeface="Calibri" panose="020F0502020204030204" pitchFamily="34" charset="0"/>
-                <a:cs typeface="Arial" panose="020B0604020202020204" pitchFamily="34" charset="0"/>
-              </a:rPr>
-              <a:t>}</a:t>
-            </a:r>
-            <a:br>
-              <a:rPr lang="en-US" sz="1100" dirty="0">
-                <a:solidFill>
-                  <a:srgbClr val="000000"/>
-                </a:solidFill>
-                <a:latin typeface="Calibri" panose="020F0502020204030204" pitchFamily="34" charset="0"/>
-                <a:ea typeface="Calibri" panose="020F0502020204030204" pitchFamily="34" charset="0"/>
-                <a:cs typeface="Arial" panose="020B0604020202020204" pitchFamily="34" charset="0"/>
-              </a:rPr>
-            </a:br>
-            <a:br>
-              <a:rPr lang="en-US" sz="1100" dirty="0">
-                <a:solidFill>
-                  <a:srgbClr val="000000"/>
-                </a:solidFill>
-                <a:latin typeface="Calibri" panose="020F0502020204030204" pitchFamily="34" charset="0"/>
-                <a:ea typeface="Calibri" panose="020F0502020204030204" pitchFamily="34" charset="0"/>
-                <a:cs typeface="Arial" panose="020B0604020202020204" pitchFamily="34" charset="0"/>
-              </a:rPr>
-            </a:br>
-            <a:r>
-              <a:rPr lang="en-US" sz="1100" b="1" dirty="0" err="1">
-                <a:solidFill>
-                  <a:srgbClr val="000080"/>
-                </a:solidFill>
-                <a:latin typeface="Calibri" panose="020F0502020204030204" pitchFamily="34" charset="0"/>
-                <a:ea typeface="Calibri" panose="020F0502020204030204" pitchFamily="34" charset="0"/>
-                <a:cs typeface="Arial" panose="020B0604020202020204" pitchFamily="34" charset="0"/>
-              </a:rPr>
-              <a:t>const</a:t>
-            </a:r>
-            <a:r>
-              <a:rPr lang="en-US" sz="1100" b="1" dirty="0">
-                <a:solidFill>
-                  <a:srgbClr val="000080"/>
-                </a:solidFill>
-                <a:latin typeface="Calibri" panose="020F0502020204030204" pitchFamily="34" charset="0"/>
-                <a:ea typeface="Calibri" panose="020F0502020204030204" pitchFamily="34" charset="0"/>
-                <a:cs typeface="Arial" panose="020B0604020202020204" pitchFamily="34" charset="0"/>
-              </a:rPr>
-              <a:t> </a:t>
-            </a:r>
-            <a:r>
-              <a:rPr lang="en-US" sz="1100" dirty="0">
-                <a:solidFill>
-                  <a:srgbClr val="458383"/>
-                </a:solidFill>
-                <a:latin typeface="Calibri" panose="020F0502020204030204" pitchFamily="34" charset="0"/>
-                <a:ea typeface="Calibri" panose="020F0502020204030204" pitchFamily="34" charset="0"/>
-                <a:cs typeface="Arial" panose="020B0604020202020204" pitchFamily="34" charset="0"/>
-              </a:rPr>
-              <a:t>s </a:t>
-            </a:r>
-            <a:r>
-              <a:rPr lang="en-US" sz="1100" dirty="0">
-                <a:solidFill>
-                  <a:srgbClr val="000000"/>
-                </a:solidFill>
-                <a:latin typeface="Calibri" panose="020F0502020204030204" pitchFamily="34" charset="0"/>
-                <a:ea typeface="Calibri" panose="020F0502020204030204" pitchFamily="34" charset="0"/>
-                <a:cs typeface="Arial" panose="020B0604020202020204" pitchFamily="34" charset="0"/>
-              </a:rPr>
-              <a:t>= </a:t>
-            </a:r>
-            <a:r>
-              <a:rPr lang="en-US" sz="1100" b="1" dirty="0">
-                <a:solidFill>
-                  <a:srgbClr val="000080"/>
-                </a:solidFill>
-                <a:latin typeface="Calibri" panose="020F0502020204030204" pitchFamily="34" charset="0"/>
-                <a:ea typeface="Calibri" panose="020F0502020204030204" pitchFamily="34" charset="0"/>
-                <a:cs typeface="Arial" panose="020B0604020202020204" pitchFamily="34" charset="0"/>
-              </a:rPr>
-              <a:t>new </a:t>
-            </a:r>
-            <a:r>
-              <a:rPr lang="en-US" sz="1100" dirty="0" err="1">
-                <a:solidFill>
-                  <a:srgbClr val="000000"/>
-                </a:solidFill>
-                <a:latin typeface="Calibri" panose="020F0502020204030204" pitchFamily="34" charset="0"/>
-                <a:ea typeface="Calibri" panose="020F0502020204030204" pitchFamily="34" charset="0"/>
-                <a:cs typeface="Arial" panose="020B0604020202020204" pitchFamily="34" charset="0"/>
-              </a:rPr>
-              <a:t>MyStream</a:t>
-            </a:r>
-            <a:r>
-              <a:rPr lang="en-US" sz="1100" dirty="0">
-                <a:solidFill>
-                  <a:srgbClr val="000000"/>
-                </a:solidFill>
-                <a:latin typeface="Calibri" panose="020F0502020204030204" pitchFamily="34" charset="0"/>
-                <a:ea typeface="Calibri" panose="020F0502020204030204" pitchFamily="34" charset="0"/>
-                <a:cs typeface="Arial" panose="020B0604020202020204" pitchFamily="34" charset="0"/>
-              </a:rPr>
-              <a:t>();</a:t>
-            </a:r>
-            <a:br>
-              <a:rPr lang="en-US" sz="1100" dirty="0">
-                <a:solidFill>
-                  <a:srgbClr val="000000"/>
-                </a:solidFill>
-                <a:latin typeface="Calibri" panose="020F0502020204030204" pitchFamily="34" charset="0"/>
-                <a:ea typeface="Calibri" panose="020F0502020204030204" pitchFamily="34" charset="0"/>
-                <a:cs typeface="Arial" panose="020B0604020202020204" pitchFamily="34" charset="0"/>
-              </a:rPr>
-            </a:br>
-            <a:br>
-              <a:rPr lang="en-US" sz="1100" dirty="0">
-                <a:solidFill>
-                  <a:srgbClr val="000000"/>
-                </a:solidFill>
-                <a:latin typeface="Calibri" panose="020F0502020204030204" pitchFamily="34" charset="0"/>
-                <a:ea typeface="Calibri" panose="020F0502020204030204" pitchFamily="34" charset="0"/>
-                <a:cs typeface="Arial" panose="020B0604020202020204" pitchFamily="34" charset="0"/>
-              </a:rPr>
-            </a:br>
-            <a:r>
-              <a:rPr lang="en-US" sz="1100" dirty="0" err="1">
-                <a:solidFill>
-                  <a:srgbClr val="458383"/>
-                </a:solidFill>
-                <a:latin typeface="Calibri" panose="020F0502020204030204" pitchFamily="34" charset="0"/>
-                <a:ea typeface="Calibri" panose="020F0502020204030204" pitchFamily="34" charset="0"/>
-                <a:cs typeface="Arial" panose="020B0604020202020204" pitchFamily="34" charset="0"/>
-              </a:rPr>
-              <a:t>s</a:t>
-            </a:r>
-            <a:r>
-              <a:rPr lang="en-US" sz="1100" dirty="0" err="1">
-                <a:solidFill>
-                  <a:srgbClr val="000000"/>
-                </a:solidFill>
-                <a:latin typeface="Calibri" panose="020F0502020204030204" pitchFamily="34" charset="0"/>
-                <a:ea typeface="Calibri" panose="020F0502020204030204" pitchFamily="34" charset="0"/>
-                <a:cs typeface="Arial" panose="020B0604020202020204" pitchFamily="34" charset="0"/>
-              </a:rPr>
-              <a:t>.on</a:t>
-            </a:r>
-            <a:r>
-              <a:rPr lang="en-US" sz="1100" dirty="0">
-                <a:solidFill>
-                  <a:srgbClr val="000000"/>
-                </a:solidFill>
-                <a:latin typeface="Calibri" panose="020F0502020204030204" pitchFamily="34" charset="0"/>
-                <a:ea typeface="Calibri" panose="020F0502020204030204" pitchFamily="34" charset="0"/>
-                <a:cs typeface="Arial" panose="020B0604020202020204" pitchFamily="34" charset="0"/>
-              </a:rPr>
-              <a:t>(</a:t>
-            </a:r>
-            <a:r>
-              <a:rPr lang="en-US" sz="1100" b="1" dirty="0">
-                <a:solidFill>
-                  <a:srgbClr val="008000"/>
-                </a:solidFill>
-                <a:latin typeface="Calibri" panose="020F0502020204030204" pitchFamily="34" charset="0"/>
-                <a:ea typeface="Calibri" panose="020F0502020204030204" pitchFamily="34" charset="0"/>
-                <a:cs typeface="Arial" panose="020B0604020202020204" pitchFamily="34" charset="0"/>
-              </a:rPr>
-              <a:t>"data"</a:t>
-            </a:r>
-            <a:r>
-              <a:rPr lang="en-US" sz="1100" dirty="0">
-                <a:solidFill>
-                  <a:srgbClr val="000000"/>
-                </a:solidFill>
-                <a:latin typeface="Calibri" panose="020F0502020204030204" pitchFamily="34" charset="0"/>
-                <a:ea typeface="Calibri" panose="020F0502020204030204" pitchFamily="34" charset="0"/>
-                <a:cs typeface="Arial" panose="020B0604020202020204" pitchFamily="34" charset="0"/>
-              </a:rPr>
-              <a:t>, </a:t>
-            </a:r>
-            <a:r>
-              <a:rPr lang="en-US" sz="1100" b="1" dirty="0">
-                <a:solidFill>
-                  <a:srgbClr val="000080"/>
-                </a:solidFill>
-                <a:latin typeface="Calibri" panose="020F0502020204030204" pitchFamily="34" charset="0"/>
-                <a:ea typeface="Calibri" panose="020F0502020204030204" pitchFamily="34" charset="0"/>
-                <a:cs typeface="Arial" panose="020B0604020202020204" pitchFamily="34" charset="0"/>
-              </a:rPr>
-              <a:t>function</a:t>
-            </a:r>
-            <a:r>
-              <a:rPr lang="en-US" sz="1100" dirty="0">
-                <a:solidFill>
-                  <a:srgbClr val="000000"/>
-                </a:solidFill>
-                <a:latin typeface="Calibri" panose="020F0502020204030204" pitchFamily="34" charset="0"/>
-                <a:ea typeface="Calibri" panose="020F0502020204030204" pitchFamily="34" charset="0"/>
-                <a:cs typeface="Arial" panose="020B0604020202020204" pitchFamily="34" charset="0"/>
-              </a:rPr>
-              <a:t>(x) {</a:t>
-            </a:r>
-            <a:br>
-              <a:rPr lang="en-US" sz="1100" dirty="0">
-                <a:solidFill>
-                  <a:srgbClr val="000000"/>
-                </a:solidFill>
-                <a:latin typeface="Calibri" panose="020F0502020204030204" pitchFamily="34" charset="0"/>
-                <a:ea typeface="Calibri" panose="020F0502020204030204" pitchFamily="34" charset="0"/>
-                <a:cs typeface="Arial" panose="020B0604020202020204" pitchFamily="34" charset="0"/>
-              </a:rPr>
-            </a:br>
-            <a:r>
-              <a:rPr lang="en-US" sz="1100" dirty="0">
-                <a:solidFill>
-                  <a:srgbClr val="000000"/>
-                </a:solidFill>
-                <a:latin typeface="Calibri" panose="020F0502020204030204" pitchFamily="34" charset="0"/>
-                <a:ea typeface="Calibri" panose="020F0502020204030204" pitchFamily="34" charset="0"/>
-                <a:cs typeface="Arial" panose="020B0604020202020204" pitchFamily="34" charset="0"/>
-              </a:rPr>
-              <a:t>    </a:t>
-            </a:r>
-            <a:r>
-              <a:rPr lang="en-US" sz="1100" b="1" i="1" dirty="0">
-                <a:solidFill>
-                  <a:srgbClr val="660E7A"/>
-                </a:solidFill>
-                <a:latin typeface="Calibri" panose="020F0502020204030204" pitchFamily="34" charset="0"/>
-                <a:ea typeface="Calibri" panose="020F0502020204030204" pitchFamily="34" charset="0"/>
-                <a:cs typeface="Arial" panose="020B0604020202020204" pitchFamily="34" charset="0"/>
-              </a:rPr>
-              <a:t>console</a:t>
-            </a:r>
-            <a:r>
-              <a:rPr lang="en-US" sz="1100" dirty="0">
-                <a:solidFill>
-                  <a:srgbClr val="000000"/>
-                </a:solidFill>
-                <a:latin typeface="Calibri" panose="020F0502020204030204" pitchFamily="34" charset="0"/>
-                <a:ea typeface="Calibri" panose="020F0502020204030204" pitchFamily="34" charset="0"/>
-                <a:cs typeface="Arial" panose="020B0604020202020204" pitchFamily="34" charset="0"/>
-              </a:rPr>
-              <a:t>.</a:t>
-            </a:r>
-            <a:r>
-              <a:rPr lang="en-US" sz="1100" dirty="0">
-                <a:solidFill>
-                  <a:srgbClr val="7A7A43"/>
-                </a:solidFill>
-                <a:latin typeface="Calibri" panose="020F0502020204030204" pitchFamily="34" charset="0"/>
-                <a:ea typeface="Calibri" panose="020F0502020204030204" pitchFamily="34" charset="0"/>
-                <a:cs typeface="Arial" panose="020B0604020202020204" pitchFamily="34" charset="0"/>
-              </a:rPr>
-              <a:t>log</a:t>
-            </a:r>
-            <a:r>
-              <a:rPr lang="en-US" sz="1100" dirty="0">
-                <a:solidFill>
-                  <a:srgbClr val="000000"/>
-                </a:solidFill>
-                <a:latin typeface="Calibri" panose="020F0502020204030204" pitchFamily="34" charset="0"/>
-                <a:ea typeface="Calibri" panose="020F0502020204030204" pitchFamily="34" charset="0"/>
-                <a:cs typeface="Arial" panose="020B0604020202020204" pitchFamily="34" charset="0"/>
-              </a:rPr>
-              <a:t>(x);</a:t>
-            </a:r>
-            <a:br>
-              <a:rPr lang="en-US" sz="1100" dirty="0">
-                <a:solidFill>
-                  <a:srgbClr val="000000"/>
-                </a:solidFill>
-                <a:latin typeface="Calibri" panose="020F0502020204030204" pitchFamily="34" charset="0"/>
-                <a:ea typeface="Calibri" panose="020F0502020204030204" pitchFamily="34" charset="0"/>
-                <a:cs typeface="Arial" panose="020B0604020202020204" pitchFamily="34" charset="0"/>
-              </a:rPr>
-            </a:br>
-            <a:r>
-              <a:rPr lang="en-US" sz="1100" dirty="0">
-                <a:solidFill>
-                  <a:srgbClr val="000000"/>
-                </a:solidFill>
-                <a:latin typeface="Calibri" panose="020F0502020204030204" pitchFamily="34" charset="0"/>
-                <a:ea typeface="Calibri" panose="020F0502020204030204" pitchFamily="34" charset="0"/>
-                <a:cs typeface="Arial" panose="020B0604020202020204" pitchFamily="34" charset="0"/>
-              </a:rPr>
-              <a:t>});</a:t>
-            </a:r>
-            <a:endParaRPr lang="he-IL" sz="1100" dirty="0"/>
           </a:p>
         </p:txBody>
       </p:sp>
     </p:spTree>
     <p:extLst>
       <p:ext uri="{BB962C8B-B14F-4D97-AF65-F5344CB8AC3E}">
-        <p14:creationId xmlns:p14="http://schemas.microsoft.com/office/powerpoint/2010/main" val="3129670215"/>
-      </p:ext>
-    </p:extLst>
-  </p:cSld>
-  <p:clrMapOvr>
-    <a:masterClrMapping/>
-  </p:clrMapOvr>
-</p:sld>
-</file>
-
-<file path=ppt/slides/slide35.xml><?xml version="1.0" encoding="utf-8"?>
-<p:sld xmlns:a="http://schemas.openxmlformats.org/drawingml/2006/main" xmlns:r="http://schemas.openxmlformats.org/officeDocument/2006/relationships" xmlns:p="http://schemas.openxmlformats.org/presentationml/2006/main">
-  <p:cSld>
-    <p:spTree>
-      <p:nvGrpSpPr>
-        <p:cNvPr id="1" name=""/>
-        <p:cNvGrpSpPr/>
-        <p:nvPr/>
-      </p:nvGrpSpPr>
-      <p:grpSpPr>
-        <a:xfrm>
-          <a:off x="0" y="0"/>
-          <a:ext cx="0" cy="0"/>
-          <a:chOff x="0" y="0"/>
-          <a:chExt cx="0" cy="0"/>
-        </a:xfrm>
-      </p:grpSpPr>
-      <p:sp>
-        <p:nvSpPr>
-          <p:cNvPr id="2" name="Title 1">
-            <a:extLst>
-              <a:ext uri="{FF2B5EF4-FFF2-40B4-BE49-F238E27FC236}">
-                <a16:creationId xmlns:a16="http://schemas.microsoft.com/office/drawing/2014/main" id="{D7F877AE-DFFC-4B7B-A8BD-600ACB9C11F2}"/>
-              </a:ext>
-            </a:extLst>
-          </p:cNvPr>
-          <p:cNvSpPr>
-            <a:spLocks noGrp="1"/>
-          </p:cNvSpPr>
-          <p:nvPr>
-            <p:ph type="title"/>
-          </p:nvPr>
-        </p:nvSpPr>
-        <p:spPr/>
-        <p:txBody>
-          <a:bodyPr/>
-          <a:lstStyle/>
-          <a:p>
-            <a:r>
-              <a:rPr lang="en-US" dirty="0"/>
-              <a:t>Don’t push</a:t>
-            </a:r>
-            <a:endParaRPr lang="he-IL" dirty="0"/>
-          </a:p>
-        </p:txBody>
-      </p:sp>
-      <p:sp>
-        <p:nvSpPr>
-          <p:cNvPr id="3" name="Footer Placeholder 2">
-            <a:extLst>
-              <a:ext uri="{FF2B5EF4-FFF2-40B4-BE49-F238E27FC236}">
-                <a16:creationId xmlns:a16="http://schemas.microsoft.com/office/drawing/2014/main" id="{1AADA182-EAC4-4D7D-BDE9-013B0230CB1E}"/>
-              </a:ext>
-            </a:extLst>
-          </p:cNvPr>
-          <p:cNvSpPr>
-            <a:spLocks noGrp="1"/>
-          </p:cNvSpPr>
-          <p:nvPr>
-            <p:ph type="ftr" sz="quarter" idx="11"/>
-          </p:nvPr>
-        </p:nvSpPr>
-        <p:spPr/>
-        <p:txBody>
-          <a:bodyPr/>
-          <a:lstStyle/>
-          <a:p>
-            <a:r>
-              <a:rPr lang="en-US"/>
-              <a:t>© 2017 Ori Calvo</a:t>
-            </a:r>
-            <a:endParaRPr lang="en-US" dirty="0"/>
-          </a:p>
-        </p:txBody>
-      </p:sp>
-      <p:sp>
-        <p:nvSpPr>
-          <p:cNvPr id="4" name="Slide Number Placeholder 3">
-            <a:extLst>
-              <a:ext uri="{FF2B5EF4-FFF2-40B4-BE49-F238E27FC236}">
-                <a16:creationId xmlns:a16="http://schemas.microsoft.com/office/drawing/2014/main" id="{27165B7D-3F2B-4F97-9045-D5C808B513CC}"/>
-              </a:ext>
-            </a:extLst>
-          </p:cNvPr>
-          <p:cNvSpPr>
-            <a:spLocks noGrp="1"/>
-          </p:cNvSpPr>
-          <p:nvPr>
-            <p:ph type="sldNum" sz="quarter" idx="12"/>
-          </p:nvPr>
-        </p:nvSpPr>
-        <p:spPr/>
-        <p:txBody>
-          <a:bodyPr>
-            <a:normAutofit fontScale="85000" lnSpcReduction="20000"/>
-          </a:bodyPr>
-          <a:lstStyle/>
-          <a:p>
-            <a:fld id="{87B78B44-2135-4DB2-B732-E7D5FFF77B6A}" type="slidenum">
-              <a:rPr lang="en-US" smtClean="0"/>
-              <a:pPr/>
-              <a:t>35</a:t>
-            </a:fld>
-            <a:endParaRPr lang="en-US"/>
-          </a:p>
-        </p:txBody>
-      </p:sp>
-      <p:sp>
-        <p:nvSpPr>
-          <p:cNvPr id="5" name="Content Placeholder 4">
-            <a:extLst>
-              <a:ext uri="{FF2B5EF4-FFF2-40B4-BE49-F238E27FC236}">
-                <a16:creationId xmlns:a16="http://schemas.microsoft.com/office/drawing/2014/main" id="{697AB4E6-78EC-4B68-A1B5-ED15FA1CF201}"/>
-              </a:ext>
-            </a:extLst>
-          </p:cNvPr>
-          <p:cNvSpPr>
-            <a:spLocks noGrp="1"/>
-          </p:cNvSpPr>
-          <p:nvPr>
-            <p:ph sz="quarter" idx="1"/>
-          </p:nvPr>
-        </p:nvSpPr>
-        <p:spPr/>
-        <p:txBody>
-          <a:bodyPr/>
-          <a:lstStyle/>
-          <a:p>
-            <a:r>
-              <a:rPr lang="en-US" dirty="0"/>
-              <a:t>In most cases a read stream should push data only when requested</a:t>
-            </a:r>
-          </a:p>
-          <a:p>
-            <a:r>
-              <a:rPr lang="en-US" dirty="0"/>
-              <a:t>_read indicate </a:t>
-            </a:r>
-            <a:endParaRPr lang="he-IL" dirty="0"/>
-          </a:p>
-        </p:txBody>
-      </p:sp>
-    </p:spTree>
-    <p:extLst>
-      <p:ext uri="{BB962C8B-B14F-4D97-AF65-F5344CB8AC3E}">
-        <p14:creationId xmlns:p14="http://schemas.microsoft.com/office/powerpoint/2010/main" val="2446010229"/>
+        <p14:creationId xmlns:p14="http://schemas.microsoft.com/office/powerpoint/2010/main" val="2635840953"/>
       </p:ext>
     </p:extLst>
   </p:cSld>
@@ -25221,7 +24158,7 @@
           <a:p>
             <a:r>
               <a:rPr lang="en-US" dirty="0"/>
-              <a:t>You can event catch it</a:t>
+              <a:t>You can catch it</a:t>
             </a:r>
           </a:p>
           <a:p>
